--- a/Abschlusspräsentation.pptx
+++ b/Abschlusspräsentation.pptx
@@ -128,7 +128,612 @@
       </a:defRPr>
     </a:lvl9pPr>
   </p:defaultTextStyle>
+  <p:extLst>
+    <p:ext uri="{EFAFB233-063F-42B5-8137-9DF3F51BA10A}">
+      <p15:sldGuideLst xmlns:p15="http://schemas.microsoft.com/office/powerpoint/2012/main"/>
+    </p:ext>
+  </p:extLst>
 </p:presentation>
+</file>
+
+<file path=ppt/revisionInfo.xml><?xml version="1.0" encoding="utf-8"?>
+<p1510:revInfo xmlns:a="http://schemas.openxmlformats.org/drawingml/2006/main" xmlns:r="http://schemas.openxmlformats.org/officeDocument/2006/relationships" xmlns:p1510="http://schemas.microsoft.com/office/powerpoint/2015/10/main">
+  <p1510:revLst>
+    <p1510:client id="{9B5B347A-4807-4DB5-B99D-C1FF929E3C6F}" v="120" dt="2021-01-05T16:13:45.831"/>
+  </p1510:revLst>
+</p1510:revInfo>
+</file>
+
+<file path=ppt/changesInfos/changesInfo1.xml><?xml version="1.0" encoding="utf-8"?>
+<pc:chgInfo xmlns:a="http://schemas.openxmlformats.org/drawingml/2006/main" xmlns:r="http://schemas.openxmlformats.org/officeDocument/2006/relationships" xmlns:ac="http://schemas.microsoft.com/office/drawing/2013/main/command" xmlns:pc="http://schemas.microsoft.com/office/powerpoint/2013/main/command">
+  <pc:docChgLst>
+    <pc:chgData name="P. Smith" userId="e168a96639a4093d" providerId="LiveId" clId="{9B5B347A-4807-4DB5-B99D-C1FF929E3C6F}"/>
+    <pc:docChg chg="undo custSel modSld">
+      <pc:chgData name="P. Smith" userId="e168a96639a4093d" providerId="LiveId" clId="{9B5B347A-4807-4DB5-B99D-C1FF929E3C6F}" dt="2021-01-05T16:16:29.778" v="808" actId="5793"/>
+      <pc:docMkLst>
+        <pc:docMk/>
+      </pc:docMkLst>
+      <pc:sldChg chg="addSp delSp modSp mod">
+        <pc:chgData name="P. Smith" userId="e168a96639a4093d" providerId="LiveId" clId="{9B5B347A-4807-4DB5-B99D-C1FF929E3C6F}" dt="2021-01-05T15:59:53.245" v="597" actId="207"/>
+        <pc:sldMkLst>
+          <pc:docMk/>
+          <pc:sldMk cId="2019248037" sldId="261"/>
+        </pc:sldMkLst>
+        <pc:spChg chg="del">
+          <ac:chgData name="P. Smith" userId="e168a96639a4093d" providerId="LiveId" clId="{9B5B347A-4807-4DB5-B99D-C1FF929E3C6F}" dt="2021-01-05T15:21:14.134" v="37" actId="478"/>
+          <ac:spMkLst>
+            <pc:docMk/>
+            <pc:sldMk cId="2019248037" sldId="261"/>
+            <ac:spMk id="3" creationId="{C66D88BC-0614-41B2-8E3F-31D011E2B631}"/>
+          </ac:spMkLst>
+        </pc:spChg>
+        <pc:spChg chg="add del mod">
+          <ac:chgData name="P. Smith" userId="e168a96639a4093d" providerId="LiveId" clId="{9B5B347A-4807-4DB5-B99D-C1FF929E3C6F}" dt="2021-01-05T15:21:16.260" v="38" actId="478"/>
+          <ac:spMkLst>
+            <pc:docMk/>
+            <pc:sldMk cId="2019248037" sldId="261"/>
+            <ac:spMk id="8" creationId="{14234E92-62D9-4516-B3CF-299D3FD7492C}"/>
+          </ac:spMkLst>
+        </pc:spChg>
+        <pc:spChg chg="mod topLvl">
+          <ac:chgData name="P. Smith" userId="e168a96639a4093d" providerId="LiveId" clId="{9B5B347A-4807-4DB5-B99D-C1FF929E3C6F}" dt="2021-01-05T15:59:53.245" v="597" actId="207"/>
+          <ac:spMkLst>
+            <pc:docMk/>
+            <pc:sldMk cId="2019248037" sldId="261"/>
+            <ac:spMk id="11" creationId="{E89571E1-0381-4AF1-A14E-B8F5D6767A33}"/>
+          </ac:spMkLst>
+        </pc:spChg>
+        <pc:spChg chg="mod topLvl">
+          <ac:chgData name="P. Smith" userId="e168a96639a4093d" providerId="LiveId" clId="{9B5B347A-4807-4DB5-B99D-C1FF929E3C6F}" dt="2021-01-05T15:59:52.614" v="596" actId="207"/>
+          <ac:spMkLst>
+            <pc:docMk/>
+            <pc:sldMk cId="2019248037" sldId="261"/>
+            <ac:spMk id="12" creationId="{FE68ACFD-653E-4274-9488-4FF9E8F1D8ED}"/>
+          </ac:spMkLst>
+        </pc:spChg>
+        <pc:spChg chg="mod topLvl">
+          <ac:chgData name="P. Smith" userId="e168a96639a4093d" providerId="LiveId" clId="{9B5B347A-4807-4DB5-B99D-C1FF929E3C6F}" dt="2021-01-05T15:27:02.342" v="132" actId="165"/>
+          <ac:spMkLst>
+            <pc:docMk/>
+            <pc:sldMk cId="2019248037" sldId="261"/>
+            <ac:spMk id="14" creationId="{9969D6B2-900F-4EAA-A6CC-134328B3E086}"/>
+          </ac:spMkLst>
+        </pc:spChg>
+        <pc:spChg chg="mod topLvl">
+          <ac:chgData name="P. Smith" userId="e168a96639a4093d" providerId="LiveId" clId="{9B5B347A-4807-4DB5-B99D-C1FF929E3C6F}" dt="2021-01-05T15:27:02.342" v="132" actId="165"/>
+          <ac:spMkLst>
+            <pc:docMk/>
+            <pc:sldMk cId="2019248037" sldId="261"/>
+            <ac:spMk id="16" creationId="{67FC2BF3-E0A7-4B82-A1CC-2D750D29FB61}"/>
+          </ac:spMkLst>
+        </pc:spChg>
+        <pc:spChg chg="mod topLvl">
+          <ac:chgData name="P. Smith" userId="e168a96639a4093d" providerId="LiveId" clId="{9B5B347A-4807-4DB5-B99D-C1FF929E3C6F}" dt="2021-01-05T15:27:02.342" v="132" actId="165"/>
+          <ac:spMkLst>
+            <pc:docMk/>
+            <pc:sldMk cId="2019248037" sldId="261"/>
+            <ac:spMk id="18" creationId="{9ED93862-9E4C-4788-A87F-764B1BBB6DCA}"/>
+          </ac:spMkLst>
+        </pc:spChg>
+        <pc:spChg chg="mod topLvl">
+          <ac:chgData name="P. Smith" userId="e168a96639a4093d" providerId="LiveId" clId="{9B5B347A-4807-4DB5-B99D-C1FF929E3C6F}" dt="2021-01-05T15:27:02.342" v="132" actId="165"/>
+          <ac:spMkLst>
+            <pc:docMk/>
+            <pc:sldMk cId="2019248037" sldId="261"/>
+            <ac:spMk id="20" creationId="{D1C0BA17-02E2-4C7F-A093-26EE4C3CD35E}"/>
+          </ac:spMkLst>
+        </pc:spChg>
+        <pc:spChg chg="mod topLvl">
+          <ac:chgData name="P. Smith" userId="e168a96639a4093d" providerId="LiveId" clId="{9B5B347A-4807-4DB5-B99D-C1FF929E3C6F}" dt="2021-01-05T15:27:02.342" v="132" actId="165"/>
+          <ac:spMkLst>
+            <pc:docMk/>
+            <pc:sldMk cId="2019248037" sldId="261"/>
+            <ac:spMk id="22" creationId="{70A6BF32-5595-4429-B12E-C0812F1FDD3D}"/>
+          </ac:spMkLst>
+        </pc:spChg>
+        <pc:spChg chg="mod topLvl">
+          <ac:chgData name="P. Smith" userId="e168a96639a4093d" providerId="LiveId" clId="{9B5B347A-4807-4DB5-B99D-C1FF929E3C6F}" dt="2021-01-05T15:27:27.716" v="137" actId="1076"/>
+          <ac:spMkLst>
+            <pc:docMk/>
+            <pc:sldMk cId="2019248037" sldId="261"/>
+            <ac:spMk id="23" creationId="{5B2080FC-112E-420F-BD89-2C85EE313946}"/>
+          </ac:spMkLst>
+        </pc:spChg>
+        <pc:spChg chg="mod topLvl">
+          <ac:chgData name="P. Smith" userId="e168a96639a4093d" providerId="LiveId" clId="{9B5B347A-4807-4DB5-B99D-C1FF929E3C6F}" dt="2021-01-05T15:59:51.705" v="594" actId="208"/>
+          <ac:spMkLst>
+            <pc:docMk/>
+            <pc:sldMk cId="2019248037" sldId="261"/>
+            <ac:spMk id="24" creationId="{88D0499D-0D62-49C3-BE67-B4BC6DEC82F4}"/>
+          </ac:spMkLst>
+        </pc:spChg>
+        <pc:spChg chg="add mod">
+          <ac:chgData name="P. Smith" userId="e168a96639a4093d" providerId="LiveId" clId="{9B5B347A-4807-4DB5-B99D-C1FF929E3C6F}" dt="2021-01-05T15:28:36.717" v="143" actId="20577"/>
+          <ac:spMkLst>
+            <pc:docMk/>
+            <pc:sldMk cId="2019248037" sldId="261"/>
+            <ac:spMk id="25" creationId="{BB71588C-1232-4EED-8EF7-167510F37BDB}"/>
+          </ac:spMkLst>
+        </pc:spChg>
+        <pc:spChg chg="add del mod">
+          <ac:chgData name="P. Smith" userId="e168a96639a4093d" providerId="LiveId" clId="{9B5B347A-4807-4DB5-B99D-C1FF929E3C6F}" dt="2021-01-05T15:41:52.120" v="227" actId="478"/>
+          <ac:spMkLst>
+            <pc:docMk/>
+            <pc:sldMk cId="2019248037" sldId="261"/>
+            <ac:spMk id="28" creationId="{C6658396-1F31-4708-8008-48F9FBEE1525}"/>
+          </ac:spMkLst>
+        </pc:spChg>
+        <pc:spChg chg="add del">
+          <ac:chgData name="P. Smith" userId="e168a96639a4093d" providerId="LiveId" clId="{9B5B347A-4807-4DB5-B99D-C1FF929E3C6F}" dt="2021-01-05T15:34:01.327" v="178" actId="22"/>
+          <ac:spMkLst>
+            <pc:docMk/>
+            <pc:sldMk cId="2019248037" sldId="261"/>
+            <ac:spMk id="30" creationId="{76C08701-EF69-41DC-BAA3-5CB5B1509CC5}"/>
+          </ac:spMkLst>
+        </pc:spChg>
+        <pc:spChg chg="add del mod">
+          <ac:chgData name="P. Smith" userId="e168a96639a4093d" providerId="LiveId" clId="{9B5B347A-4807-4DB5-B99D-C1FF929E3C6F}" dt="2021-01-05T15:41:52.836" v="228" actId="478"/>
+          <ac:spMkLst>
+            <pc:docMk/>
+            <pc:sldMk cId="2019248037" sldId="261"/>
+            <ac:spMk id="31" creationId="{7B397B07-4CA5-402B-9931-CDA366DCB9F9}"/>
+          </ac:spMkLst>
+        </pc:spChg>
+        <pc:spChg chg="add del mod">
+          <ac:chgData name="P. Smith" userId="e168a96639a4093d" providerId="LiveId" clId="{9B5B347A-4807-4DB5-B99D-C1FF929E3C6F}" dt="2021-01-05T15:41:55.777" v="230" actId="478"/>
+          <ac:spMkLst>
+            <pc:docMk/>
+            <pc:sldMk cId="2019248037" sldId="261"/>
+            <ac:spMk id="34" creationId="{5DCCBD57-71AA-4000-89DF-7A75D54ED2AA}"/>
+          </ac:spMkLst>
+        </pc:spChg>
+        <pc:grpChg chg="add del mod">
+          <ac:chgData name="P. Smith" userId="e168a96639a4093d" providerId="LiveId" clId="{9B5B347A-4807-4DB5-B99D-C1FF929E3C6F}" dt="2021-01-05T15:27:09.009" v="133" actId="1076"/>
+          <ac:grpSpMkLst>
+            <pc:docMk/>
+            <pc:sldMk cId="2019248037" sldId="261"/>
+            <ac:grpSpMk id="10" creationId="{AC379230-F26A-4849-8199-800A13FEFCF0}"/>
+          </ac:grpSpMkLst>
+        </pc:grpChg>
+        <pc:graphicFrameChg chg="add mod modGraphic">
+          <ac:chgData name="P. Smith" userId="e168a96639a4093d" providerId="LiveId" clId="{9B5B347A-4807-4DB5-B99D-C1FF929E3C6F}" dt="2021-01-05T15:28:32.545" v="142" actId="1076"/>
+          <ac:graphicFrameMkLst>
+            <pc:docMk/>
+            <pc:sldMk cId="2019248037" sldId="261"/>
+            <ac:graphicFrameMk id="9" creationId="{9E5E8813-09DE-4C30-B027-E3BB82DC88F5}"/>
+          </ac:graphicFrameMkLst>
+        </pc:graphicFrameChg>
+        <pc:picChg chg="add del mod modCrop">
+          <ac:chgData name="P. Smith" userId="e168a96639a4093d" providerId="LiveId" clId="{9B5B347A-4807-4DB5-B99D-C1FF929E3C6F}" dt="2021-01-05T15:41:54.037" v="229" actId="478"/>
+          <ac:picMkLst>
+            <pc:docMk/>
+            <pc:sldMk cId="2019248037" sldId="261"/>
+            <ac:picMk id="33" creationId="{ACE98F58-58A3-402B-A60D-005D5C2D35CE}"/>
+          </ac:picMkLst>
+        </pc:picChg>
+        <pc:cxnChg chg="mod topLvl">
+          <ac:chgData name="P. Smith" userId="e168a96639a4093d" providerId="LiveId" clId="{9B5B347A-4807-4DB5-B99D-C1FF929E3C6F}" dt="2021-01-05T15:59:52.133" v="595" actId="208"/>
+          <ac:cxnSpMkLst>
+            <pc:docMk/>
+            <pc:sldMk cId="2019248037" sldId="261"/>
+            <ac:cxnSpMk id="13" creationId="{23511917-A98E-4668-B4FF-1FD17B2F4E8C}"/>
+          </ac:cxnSpMkLst>
+        </pc:cxnChg>
+        <pc:cxnChg chg="mod topLvl">
+          <ac:chgData name="P. Smith" userId="e168a96639a4093d" providerId="LiveId" clId="{9B5B347A-4807-4DB5-B99D-C1FF929E3C6F}" dt="2021-01-05T15:59:52.133" v="595" actId="208"/>
+          <ac:cxnSpMkLst>
+            <pc:docMk/>
+            <pc:sldMk cId="2019248037" sldId="261"/>
+            <ac:cxnSpMk id="15" creationId="{269D24B8-0A7C-4D60-8C59-4CE92CC5DD56}"/>
+          </ac:cxnSpMkLst>
+        </pc:cxnChg>
+        <pc:cxnChg chg="mod topLvl">
+          <ac:chgData name="P. Smith" userId="e168a96639a4093d" providerId="LiveId" clId="{9B5B347A-4807-4DB5-B99D-C1FF929E3C6F}" dt="2021-01-05T15:59:52.133" v="595" actId="208"/>
+          <ac:cxnSpMkLst>
+            <pc:docMk/>
+            <pc:sldMk cId="2019248037" sldId="261"/>
+            <ac:cxnSpMk id="17" creationId="{6097A428-EFCC-4113-A7A4-B827165F77C4}"/>
+          </ac:cxnSpMkLst>
+        </pc:cxnChg>
+        <pc:cxnChg chg="mod topLvl">
+          <ac:chgData name="P. Smith" userId="e168a96639a4093d" providerId="LiveId" clId="{9B5B347A-4807-4DB5-B99D-C1FF929E3C6F}" dt="2021-01-05T15:59:52.133" v="595" actId="208"/>
+          <ac:cxnSpMkLst>
+            <pc:docMk/>
+            <pc:sldMk cId="2019248037" sldId="261"/>
+            <ac:cxnSpMk id="19" creationId="{6C2801B9-8AFE-47CC-BC40-24F84331AD98}"/>
+          </ac:cxnSpMkLst>
+        </pc:cxnChg>
+        <pc:cxnChg chg="mod topLvl">
+          <ac:chgData name="P. Smith" userId="e168a96639a4093d" providerId="LiveId" clId="{9B5B347A-4807-4DB5-B99D-C1FF929E3C6F}" dt="2021-01-05T15:59:52.133" v="595" actId="208"/>
+          <ac:cxnSpMkLst>
+            <pc:docMk/>
+            <pc:sldMk cId="2019248037" sldId="261"/>
+            <ac:cxnSpMk id="21" creationId="{E1EC340B-C306-421C-83D8-68FE9671AF8F}"/>
+          </ac:cxnSpMkLst>
+        </pc:cxnChg>
+        <pc:cxnChg chg="add del mod">
+          <ac:chgData name="P. Smith" userId="e168a96639a4093d" providerId="LiveId" clId="{9B5B347A-4807-4DB5-B99D-C1FF929E3C6F}" dt="2021-01-05T15:30:01.685" v="152" actId="478"/>
+          <ac:cxnSpMkLst>
+            <pc:docMk/>
+            <pc:sldMk cId="2019248037" sldId="261"/>
+            <ac:cxnSpMk id="27" creationId="{7B80C09F-6121-48C6-BEA5-3897B9C95CFA}"/>
+          </ac:cxnSpMkLst>
+        </pc:cxnChg>
+      </pc:sldChg>
+      <pc:sldChg chg="modSp mod">
+        <pc:chgData name="P. Smith" userId="e168a96639a4093d" providerId="LiveId" clId="{9B5B347A-4807-4DB5-B99D-C1FF929E3C6F}" dt="2021-01-05T15:16:20.237" v="29" actId="1076"/>
+        <pc:sldMkLst>
+          <pc:docMk/>
+          <pc:sldMk cId="2158027382" sldId="262"/>
+        </pc:sldMkLst>
+        <pc:spChg chg="mod">
+          <ac:chgData name="P. Smith" userId="e168a96639a4093d" providerId="LiveId" clId="{9B5B347A-4807-4DB5-B99D-C1FF929E3C6F}" dt="2021-01-05T15:16:20.237" v="29" actId="1076"/>
+          <ac:spMkLst>
+            <pc:docMk/>
+            <pc:sldMk cId="2158027382" sldId="262"/>
+            <ac:spMk id="54" creationId="{2EC45328-C3D5-4893-A5F6-8A0B95A02A09}"/>
+          </ac:spMkLst>
+        </pc:spChg>
+        <pc:spChg chg="mod">
+          <ac:chgData name="P. Smith" userId="e168a96639a4093d" providerId="LiveId" clId="{9B5B347A-4807-4DB5-B99D-C1FF929E3C6F}" dt="2021-01-05T15:16:00.707" v="25" actId="20577"/>
+          <ac:spMkLst>
+            <pc:docMk/>
+            <pc:sldMk cId="2158027382" sldId="262"/>
+            <ac:spMk id="120" creationId="{4F892510-27C4-4AAE-8037-F692201BE6BE}"/>
+          </ac:spMkLst>
+        </pc:spChg>
+        <pc:spChg chg="mod">
+          <ac:chgData name="P. Smith" userId="e168a96639a4093d" providerId="LiveId" clId="{9B5B347A-4807-4DB5-B99D-C1FF929E3C6F}" dt="2021-01-05T15:15:32.545" v="17" actId="20577"/>
+          <ac:spMkLst>
+            <pc:docMk/>
+            <pc:sldMk cId="2158027382" sldId="262"/>
+            <ac:spMk id="136" creationId="{E03E92EA-676C-4368-9EB9-D30B69FF3DE7}"/>
+          </ac:spMkLst>
+        </pc:spChg>
+      </pc:sldChg>
+      <pc:sldChg chg="addSp delSp modSp mod">
+        <pc:chgData name="P. Smith" userId="e168a96639a4093d" providerId="LiveId" clId="{9B5B347A-4807-4DB5-B99D-C1FF929E3C6F}" dt="2021-01-05T16:15:54.623" v="803" actId="20577"/>
+        <pc:sldMkLst>
+          <pc:docMk/>
+          <pc:sldMk cId="854757950" sldId="274"/>
+        </pc:sldMkLst>
+        <pc:spChg chg="del mod">
+          <ac:chgData name="P. Smith" userId="e168a96639a4093d" providerId="LiveId" clId="{9B5B347A-4807-4DB5-B99D-C1FF929E3C6F}" dt="2021-01-05T15:47:14.118" v="241" actId="478"/>
+          <ac:spMkLst>
+            <pc:docMk/>
+            <pc:sldMk cId="854757950" sldId="274"/>
+            <ac:spMk id="3" creationId="{C66D88BC-0614-41B2-8E3F-31D011E2B631}"/>
+          </ac:spMkLst>
+        </pc:spChg>
+        <pc:spChg chg="mod">
+          <ac:chgData name="P. Smith" userId="e168a96639a4093d" providerId="LiveId" clId="{9B5B347A-4807-4DB5-B99D-C1FF929E3C6F}" dt="2021-01-05T16:15:38.955" v="800" actId="1076"/>
+          <ac:spMkLst>
+            <pc:docMk/>
+            <pc:sldMk cId="854757950" sldId="274"/>
+            <ac:spMk id="5" creationId="{D865AA51-3BC3-4E9D-B6E6-E115ACDB9668}"/>
+          </ac:spMkLst>
+        </pc:spChg>
+        <pc:spChg chg="add del mod">
+          <ac:chgData name="P. Smith" userId="e168a96639a4093d" providerId="LiveId" clId="{9B5B347A-4807-4DB5-B99D-C1FF929E3C6F}" dt="2021-01-05T16:05:24.581" v="647"/>
+          <ac:spMkLst>
+            <pc:docMk/>
+            <pc:sldMk cId="854757950" sldId="274"/>
+            <ac:spMk id="7" creationId="{6B2B37C1-DE03-45E7-BCB6-55E6F618F14C}"/>
+          </ac:spMkLst>
+        </pc:spChg>
+        <pc:spChg chg="add mod">
+          <ac:chgData name="P. Smith" userId="e168a96639a4093d" providerId="LiveId" clId="{9B5B347A-4807-4DB5-B99D-C1FF929E3C6F}" dt="2021-01-05T16:15:48.898" v="801" actId="2711"/>
+          <ac:spMkLst>
+            <pc:docMk/>
+            <pc:sldMk cId="854757950" sldId="274"/>
+            <ac:spMk id="8" creationId="{25375304-C2FF-4C67-9443-08B54C0CF550}"/>
+          </ac:spMkLst>
+        </pc:spChg>
+        <pc:spChg chg="add mod">
+          <ac:chgData name="P. Smith" userId="e168a96639a4093d" providerId="LiveId" clId="{9B5B347A-4807-4DB5-B99D-C1FF929E3C6F}" dt="2021-01-05T16:15:48.898" v="801" actId="2711"/>
+          <ac:spMkLst>
+            <pc:docMk/>
+            <pc:sldMk cId="854757950" sldId="274"/>
+            <ac:spMk id="9" creationId="{8CED0AB6-B977-4F03-9970-5BD13843E66B}"/>
+          </ac:spMkLst>
+        </pc:spChg>
+        <pc:spChg chg="add mod">
+          <ac:chgData name="P. Smith" userId="e168a96639a4093d" providerId="LiveId" clId="{9B5B347A-4807-4DB5-B99D-C1FF929E3C6F}" dt="2021-01-05T16:15:54.623" v="803" actId="20577"/>
+          <ac:spMkLst>
+            <pc:docMk/>
+            <pc:sldMk cId="854757950" sldId="274"/>
+            <ac:spMk id="10" creationId="{3C766652-BA1D-46FF-B43C-FD5F0EF5A627}"/>
+          </ac:spMkLst>
+        </pc:spChg>
+        <pc:spChg chg="add mod">
+          <ac:chgData name="P. Smith" userId="e168a96639a4093d" providerId="LiveId" clId="{9B5B347A-4807-4DB5-B99D-C1FF929E3C6F}" dt="2021-01-05T16:15:48.898" v="801" actId="2711"/>
+          <ac:spMkLst>
+            <pc:docMk/>
+            <pc:sldMk cId="854757950" sldId="274"/>
+            <ac:spMk id="11" creationId="{992AACA5-D155-4CDE-8982-D3C4344A1317}"/>
+          </ac:spMkLst>
+        </pc:spChg>
+        <pc:spChg chg="add mod">
+          <ac:chgData name="P. Smith" userId="e168a96639a4093d" providerId="LiveId" clId="{9B5B347A-4807-4DB5-B99D-C1FF929E3C6F}" dt="2021-01-05T16:15:48.898" v="801" actId="2711"/>
+          <ac:spMkLst>
+            <pc:docMk/>
+            <pc:sldMk cId="854757950" sldId="274"/>
+            <ac:spMk id="12" creationId="{82053FA1-2056-4983-8D9D-2C4810DC2D2D}"/>
+          </ac:spMkLst>
+        </pc:spChg>
+        <pc:spChg chg="add mod">
+          <ac:chgData name="P. Smith" userId="e168a96639a4093d" providerId="LiveId" clId="{9B5B347A-4807-4DB5-B99D-C1FF929E3C6F}" dt="2021-01-05T16:15:48.898" v="801" actId="2711"/>
+          <ac:spMkLst>
+            <pc:docMk/>
+            <pc:sldMk cId="854757950" sldId="274"/>
+            <ac:spMk id="15" creationId="{453EC442-9A6E-4996-BEC0-39E1C9541060}"/>
+          </ac:spMkLst>
+        </pc:spChg>
+        <pc:spChg chg="add mod">
+          <ac:chgData name="P. Smith" userId="e168a96639a4093d" providerId="LiveId" clId="{9B5B347A-4807-4DB5-B99D-C1FF929E3C6F}" dt="2021-01-05T16:15:48.898" v="801" actId="2711"/>
+          <ac:spMkLst>
+            <pc:docMk/>
+            <pc:sldMk cId="854757950" sldId="274"/>
+            <ac:spMk id="18" creationId="{335486D4-AE33-4120-8B34-ED916FEC9EFE}"/>
+          </ac:spMkLst>
+        </pc:spChg>
+        <pc:spChg chg="add mod">
+          <ac:chgData name="P. Smith" userId="e168a96639a4093d" providerId="LiveId" clId="{9B5B347A-4807-4DB5-B99D-C1FF929E3C6F}" dt="2021-01-05T16:15:48.898" v="801" actId="2711"/>
+          <ac:spMkLst>
+            <pc:docMk/>
+            <pc:sldMk cId="854757950" sldId="274"/>
+            <ac:spMk id="22" creationId="{C6670E04-A8F7-47FF-8AE4-7981BE06DAF6}"/>
+          </ac:spMkLst>
+        </pc:spChg>
+        <pc:spChg chg="add mod">
+          <ac:chgData name="P. Smith" userId="e168a96639a4093d" providerId="LiveId" clId="{9B5B347A-4807-4DB5-B99D-C1FF929E3C6F}" dt="2021-01-05T16:15:48.898" v="801" actId="2711"/>
+          <ac:spMkLst>
+            <pc:docMk/>
+            <pc:sldMk cId="854757950" sldId="274"/>
+            <ac:spMk id="25" creationId="{8BDE9C6E-445C-4B5A-9E36-B8F75FE2385D}"/>
+          </ac:spMkLst>
+        </pc:spChg>
+        <pc:picChg chg="add mod">
+          <ac:chgData name="P. Smith" userId="e168a96639a4093d" providerId="LiveId" clId="{9B5B347A-4807-4DB5-B99D-C1FF929E3C6F}" dt="2021-01-05T16:15:28.278" v="798" actId="1076"/>
+          <ac:picMkLst>
+            <pc:docMk/>
+            <pc:sldMk cId="854757950" sldId="274"/>
+            <ac:picMk id="14" creationId="{D5B57B18-F3FA-449F-A78F-6D13664BBDD3}"/>
+          </ac:picMkLst>
+        </pc:picChg>
+        <pc:picChg chg="add mod">
+          <ac:chgData name="P. Smith" userId="e168a96639a4093d" providerId="LiveId" clId="{9B5B347A-4807-4DB5-B99D-C1FF929E3C6F}" dt="2021-01-05T16:15:28.278" v="798" actId="1076"/>
+          <ac:picMkLst>
+            <pc:docMk/>
+            <pc:sldMk cId="854757950" sldId="274"/>
+            <ac:picMk id="16" creationId="{867F052A-E23B-4FD2-B43B-FC581CA8EB31}"/>
+          </ac:picMkLst>
+        </pc:picChg>
+        <pc:picChg chg="add mod">
+          <ac:chgData name="P. Smith" userId="e168a96639a4093d" providerId="LiveId" clId="{9B5B347A-4807-4DB5-B99D-C1FF929E3C6F}" dt="2021-01-05T16:15:28.278" v="798" actId="1076"/>
+          <ac:picMkLst>
+            <pc:docMk/>
+            <pc:sldMk cId="854757950" sldId="274"/>
+            <ac:picMk id="17" creationId="{09080F71-E8B0-46E4-BC80-37C8F633AFAF}"/>
+          </ac:picMkLst>
+        </pc:picChg>
+        <pc:picChg chg="add mod">
+          <ac:chgData name="P. Smith" userId="e168a96639a4093d" providerId="LiveId" clId="{9B5B347A-4807-4DB5-B99D-C1FF929E3C6F}" dt="2021-01-05T16:15:28.278" v="798" actId="1076"/>
+          <ac:picMkLst>
+            <pc:docMk/>
+            <pc:sldMk cId="854757950" sldId="274"/>
+            <ac:picMk id="19" creationId="{F2A31171-704F-4674-B47D-788D84AA2CA0}"/>
+          </ac:picMkLst>
+        </pc:picChg>
+        <pc:cxnChg chg="add mod">
+          <ac:chgData name="P. Smith" userId="e168a96639a4093d" providerId="LiveId" clId="{9B5B347A-4807-4DB5-B99D-C1FF929E3C6F}" dt="2021-01-05T16:15:28.278" v="798" actId="1076"/>
+          <ac:cxnSpMkLst>
+            <pc:docMk/>
+            <pc:sldMk cId="854757950" sldId="274"/>
+            <ac:cxnSpMk id="21" creationId="{6F12C8E4-FA5B-4165-B972-3A95D07807D4}"/>
+          </ac:cxnSpMkLst>
+        </pc:cxnChg>
+        <pc:cxnChg chg="add mod">
+          <ac:chgData name="P. Smith" userId="e168a96639a4093d" providerId="LiveId" clId="{9B5B347A-4807-4DB5-B99D-C1FF929E3C6F}" dt="2021-01-05T16:15:28.278" v="798" actId="1076"/>
+          <ac:cxnSpMkLst>
+            <pc:docMk/>
+            <pc:sldMk cId="854757950" sldId="274"/>
+            <ac:cxnSpMk id="23" creationId="{1BBF881E-F283-4EE7-B3A3-CBC0AB3E260F}"/>
+          </ac:cxnSpMkLst>
+        </pc:cxnChg>
+      </pc:sldChg>
+      <pc:sldChg chg="addSp delSp modSp mod">
+        <pc:chgData name="P. Smith" userId="e168a96639a4093d" providerId="LiveId" clId="{9B5B347A-4807-4DB5-B99D-C1FF929E3C6F}" dt="2021-01-05T16:16:29.778" v="808" actId="5793"/>
+        <pc:sldMkLst>
+          <pc:docMk/>
+          <pc:sldMk cId="3206797284" sldId="276"/>
+        </pc:sldMkLst>
+        <pc:spChg chg="del mod">
+          <ac:chgData name="P. Smith" userId="e168a96639a4093d" providerId="LiveId" clId="{9B5B347A-4807-4DB5-B99D-C1FF929E3C6F}" dt="2021-01-05T15:47:31.048" v="248" actId="1032"/>
+          <ac:spMkLst>
+            <pc:docMk/>
+            <pc:sldMk cId="3206797284" sldId="276"/>
+            <ac:spMk id="3" creationId="{C66D88BC-0614-41B2-8E3F-31D011E2B631}"/>
+          </ac:spMkLst>
+        </pc:spChg>
+        <pc:spChg chg="add del mod">
+          <ac:chgData name="P. Smith" userId="e168a96639a4093d" providerId="LiveId" clId="{9B5B347A-4807-4DB5-B99D-C1FF929E3C6F}" dt="2021-01-05T15:51:33.278" v="335" actId="478"/>
+          <ac:spMkLst>
+            <pc:docMk/>
+            <pc:sldMk cId="3206797284" sldId="276"/>
+            <ac:spMk id="10" creationId="{90781192-220A-49F6-9563-EF7D6C6B6FBA}"/>
+          </ac:spMkLst>
+        </pc:spChg>
+        <pc:spChg chg="add mod">
+          <ac:chgData name="P. Smith" userId="e168a96639a4093d" providerId="LiveId" clId="{9B5B347A-4807-4DB5-B99D-C1FF929E3C6F}" dt="2021-01-05T16:02:46.197" v="608" actId="20577"/>
+          <ac:spMkLst>
+            <pc:docMk/>
+            <pc:sldMk cId="3206797284" sldId="276"/>
+            <ac:spMk id="11" creationId="{62AC13FA-33BD-45CB-9CA2-67F49124C581}"/>
+          </ac:spMkLst>
+        </pc:spChg>
+        <pc:spChg chg="add mod">
+          <ac:chgData name="P. Smith" userId="e168a96639a4093d" providerId="LiveId" clId="{9B5B347A-4807-4DB5-B99D-C1FF929E3C6F}" dt="2021-01-05T16:02:28.516" v="606" actId="2711"/>
+          <ac:spMkLst>
+            <pc:docMk/>
+            <pc:sldMk cId="3206797284" sldId="276"/>
+            <ac:spMk id="12" creationId="{E38E89D3-3641-4A68-9F1C-52D3493E18A1}"/>
+          </ac:spMkLst>
+        </pc:spChg>
+        <pc:spChg chg="add mod">
+          <ac:chgData name="P. Smith" userId="e168a96639a4093d" providerId="LiveId" clId="{9B5B347A-4807-4DB5-B99D-C1FF929E3C6F}" dt="2021-01-05T16:02:49.544" v="612" actId="5793"/>
+          <ac:spMkLst>
+            <pc:docMk/>
+            <pc:sldMk cId="3206797284" sldId="276"/>
+            <ac:spMk id="13" creationId="{E0D4C329-4905-4AC8-AC56-4E4E0834819B}"/>
+          </ac:spMkLst>
+        </pc:spChg>
+        <pc:spChg chg="add mod">
+          <ac:chgData name="P. Smith" userId="e168a96639a4093d" providerId="LiveId" clId="{9B5B347A-4807-4DB5-B99D-C1FF929E3C6F}" dt="2021-01-05T16:02:28.516" v="606" actId="2711"/>
+          <ac:spMkLst>
+            <pc:docMk/>
+            <pc:sldMk cId="3206797284" sldId="276"/>
+            <ac:spMk id="14" creationId="{2AFD712A-2C70-413D-B1C4-13ED30F5E492}"/>
+          </ac:spMkLst>
+        </pc:spChg>
+        <pc:spChg chg="add mod">
+          <ac:chgData name="P. Smith" userId="e168a96639a4093d" providerId="LiveId" clId="{9B5B347A-4807-4DB5-B99D-C1FF929E3C6F}" dt="2021-01-05T16:16:29.778" v="808" actId="5793"/>
+          <ac:spMkLst>
+            <pc:docMk/>
+            <pc:sldMk cId="3206797284" sldId="276"/>
+            <ac:spMk id="15" creationId="{9F55BA8B-337B-4703-9DCA-C4FDD8ACF16A}"/>
+          </ac:spMkLst>
+        </pc:spChg>
+        <pc:spChg chg="add del mod">
+          <ac:chgData name="P. Smith" userId="e168a96639a4093d" providerId="LiveId" clId="{9B5B347A-4807-4DB5-B99D-C1FF929E3C6F}" dt="2021-01-05T15:55:42.398" v="423" actId="478"/>
+          <ac:spMkLst>
+            <pc:docMk/>
+            <pc:sldMk cId="3206797284" sldId="276"/>
+            <ac:spMk id="16" creationId="{7E2D2DDC-2DC6-4C03-8FC5-867CB3D2423B}"/>
+          </ac:spMkLst>
+        </pc:spChg>
+        <pc:spChg chg="add del mod">
+          <ac:chgData name="P. Smith" userId="e168a96639a4093d" providerId="LiveId" clId="{9B5B347A-4807-4DB5-B99D-C1FF929E3C6F}" dt="2021-01-05T15:55:41.769" v="422" actId="478"/>
+          <ac:spMkLst>
+            <pc:docMk/>
+            <pc:sldMk cId="3206797284" sldId="276"/>
+            <ac:spMk id="17" creationId="{24BA0494-33AD-457B-B42F-A0F815C903F9}"/>
+          </ac:spMkLst>
+        </pc:spChg>
+        <pc:spChg chg="add del mod">
+          <ac:chgData name="P. Smith" userId="e168a96639a4093d" providerId="LiveId" clId="{9B5B347A-4807-4DB5-B99D-C1FF929E3C6F}" dt="2021-01-05T15:55:43.160" v="424" actId="478"/>
+          <ac:spMkLst>
+            <pc:docMk/>
+            <pc:sldMk cId="3206797284" sldId="276"/>
+            <ac:spMk id="18" creationId="{33BE072E-D5B9-4B79-8848-DA20AC685F61}"/>
+          </ac:spMkLst>
+        </pc:spChg>
+        <pc:spChg chg="add mod">
+          <ac:chgData name="P. Smith" userId="e168a96639a4093d" providerId="LiveId" clId="{9B5B347A-4807-4DB5-B99D-C1FF929E3C6F}" dt="2021-01-05T16:02:55.405" v="624" actId="5793"/>
+          <ac:spMkLst>
+            <pc:docMk/>
+            <pc:sldMk cId="3206797284" sldId="276"/>
+            <ac:spMk id="20" creationId="{56DFF2CF-F32D-4B3A-BC71-D913A7D571DF}"/>
+          </ac:spMkLst>
+        </pc:spChg>
+        <pc:spChg chg="add mod">
+          <ac:chgData name="P. Smith" userId="e168a96639a4093d" providerId="LiveId" clId="{9B5B347A-4807-4DB5-B99D-C1FF929E3C6F}" dt="2021-01-05T16:16:26.825" v="804"/>
+          <ac:spMkLst>
+            <pc:docMk/>
+            <pc:sldMk cId="3206797284" sldId="276"/>
+            <ac:spMk id="21" creationId="{140FB7B8-A05B-459A-9FF1-0E02BC10387C}"/>
+          </ac:spMkLst>
+        </pc:spChg>
+        <pc:spChg chg="add mod">
+          <ac:chgData name="P. Smith" userId="e168a96639a4093d" providerId="LiveId" clId="{9B5B347A-4807-4DB5-B99D-C1FF929E3C6F}" dt="2021-01-05T16:02:54.245" v="620" actId="5793"/>
+          <ac:spMkLst>
+            <pc:docMk/>
+            <pc:sldMk cId="3206797284" sldId="276"/>
+            <ac:spMk id="22" creationId="{A0DEAA88-DE0A-40E5-A3ED-ECA51583377C}"/>
+          </ac:spMkLst>
+        </pc:spChg>
+        <pc:graphicFrameChg chg="add del mod modGraphic">
+          <ac:chgData name="P. Smith" userId="e168a96639a4093d" providerId="LiveId" clId="{9B5B347A-4807-4DB5-B99D-C1FF929E3C6F}" dt="2021-01-05T15:45:14.031" v="237" actId="478"/>
+          <ac:graphicFrameMkLst>
+            <pc:docMk/>
+            <pc:sldMk cId="3206797284" sldId="276"/>
+            <ac:graphicFrameMk id="7" creationId="{E67C50AA-16B5-4E39-874F-CF91B6B5CAFB}"/>
+          </ac:graphicFrameMkLst>
+        </pc:graphicFrameChg>
+        <pc:graphicFrameChg chg="add del mod modGraphic">
+          <ac:chgData name="P. Smith" userId="e168a96639a4093d" providerId="LiveId" clId="{9B5B347A-4807-4DB5-B99D-C1FF929E3C6F}" dt="2021-01-05T15:51:30.649" v="334" actId="478"/>
+          <ac:graphicFrameMkLst>
+            <pc:docMk/>
+            <pc:sldMk cId="3206797284" sldId="276"/>
+            <ac:graphicFrameMk id="8" creationId="{8AA70480-BA72-4BFB-834A-F6C18380B5A8}"/>
+          </ac:graphicFrameMkLst>
+        </pc:graphicFrameChg>
+        <pc:picChg chg="mod">
+          <ac:chgData name="P. Smith" userId="e168a96639a4093d" providerId="LiveId" clId="{9B5B347A-4807-4DB5-B99D-C1FF929E3C6F}" dt="2021-01-05T15:56:03.215" v="430" actId="1076"/>
+          <ac:picMkLst>
+            <pc:docMk/>
+            <pc:sldMk cId="3206797284" sldId="276"/>
+            <ac:picMk id="4" creationId="{9128BADB-30B0-4D4A-8C4B-AB6EBDC907B4}"/>
+          </ac:picMkLst>
+        </pc:picChg>
+        <pc:picChg chg="add mod">
+          <ac:chgData name="P. Smith" userId="e168a96639a4093d" providerId="LiveId" clId="{9B5B347A-4807-4DB5-B99D-C1FF929E3C6F}" dt="2021-01-05T15:55:20.678" v="420"/>
+          <ac:picMkLst>
+            <pc:docMk/>
+            <pc:sldMk cId="3206797284" sldId="276"/>
+            <ac:picMk id="19" creationId="{ACC19228-6EB3-4E42-804E-4BB63AA49FCD}"/>
+          </ac:picMkLst>
+        </pc:picChg>
+      </pc:sldChg>
+      <pc:sldChg chg="addSp delSp modSp mod">
+        <pc:chgData name="P. Smith" userId="e168a96639a4093d" providerId="LiveId" clId="{9B5B347A-4807-4DB5-B99D-C1FF929E3C6F}" dt="2021-01-05T15:59:34.946" v="593" actId="207"/>
+        <pc:sldMkLst>
+          <pc:docMk/>
+          <pc:sldMk cId="288029524" sldId="280"/>
+        </pc:sldMkLst>
+        <pc:spChg chg="del">
+          <ac:chgData name="P. Smith" userId="e168a96639a4093d" providerId="LiveId" clId="{9B5B347A-4807-4DB5-B99D-C1FF929E3C6F}" dt="2021-01-05T15:13:35.033" v="0" actId="478"/>
+          <ac:spMkLst>
+            <pc:docMk/>
+            <pc:sldMk cId="288029524" sldId="280"/>
+            <ac:spMk id="3" creationId="{C66D88BC-0614-41B2-8E3F-31D011E2B631}"/>
+          </ac:spMkLst>
+        </pc:spChg>
+        <pc:spChg chg="add del mod">
+          <ac:chgData name="P. Smith" userId="e168a96639a4093d" providerId="LiveId" clId="{9B5B347A-4807-4DB5-B99D-C1FF929E3C6F}" dt="2021-01-05T15:13:37.118" v="1" actId="478"/>
+          <ac:spMkLst>
+            <pc:docMk/>
+            <pc:sldMk cId="288029524" sldId="280"/>
+            <ac:spMk id="8" creationId="{B92D8373-7BD3-4CB6-9E2D-7C16C692338E}"/>
+          </ac:spMkLst>
+        </pc:spChg>
+        <pc:graphicFrameChg chg="add mod modGraphic">
+          <ac:chgData name="P. Smith" userId="e168a96639a4093d" providerId="LiveId" clId="{9B5B347A-4807-4DB5-B99D-C1FF929E3C6F}" dt="2021-01-05T15:59:34.946" v="593" actId="207"/>
+          <ac:graphicFrameMkLst>
+            <pc:docMk/>
+            <pc:sldMk cId="288029524" sldId="280"/>
+            <ac:graphicFrameMk id="9" creationId="{1728C7C2-DE1A-4A95-A9EE-F7864B91D34A}"/>
+          </ac:graphicFrameMkLst>
+        </pc:graphicFrameChg>
+      </pc:sldChg>
+      <pc:sldChg chg="modSp mod">
+        <pc:chgData name="P. Smith" userId="e168a96639a4093d" providerId="LiveId" clId="{9B5B347A-4807-4DB5-B99D-C1FF929E3C6F}" dt="2021-01-05T15:15:02.504" v="13" actId="20577"/>
+        <pc:sldMkLst>
+          <pc:docMk/>
+          <pc:sldMk cId="2899368820" sldId="282"/>
+        </pc:sldMkLst>
+        <pc:spChg chg="mod">
+          <ac:chgData name="P. Smith" userId="e168a96639a4093d" providerId="LiveId" clId="{9B5B347A-4807-4DB5-B99D-C1FF929E3C6F}" dt="2021-01-05T15:15:02.504" v="13" actId="20577"/>
+          <ac:spMkLst>
+            <pc:docMk/>
+            <pc:sldMk cId="2899368820" sldId="282"/>
+            <ac:spMk id="2" creationId="{920E898A-ECF7-4A28-ABF5-E8DB36DDA06A}"/>
+          </ac:spMkLst>
+        </pc:spChg>
+      </pc:sldChg>
+    </pc:docChg>
+  </pc:docChgLst>
+</pc:chgInfo>
 </file>
 
 <file path=ppt/notesMasters/notesMaster1.xml><?xml version="1.0" encoding="utf-8"?>
@@ -4222,36 +4827,6 @@
           </a:p>
         </p:txBody>
       </p:sp>
-      <p:sp>
-        <p:nvSpPr>
-          <p:cNvPr id="3" name="Inhaltsplatzhalter 2">
-            <a:extLst>
-              <a:ext uri="{FF2B5EF4-FFF2-40B4-BE49-F238E27FC236}">
-                <a16:creationId xmlns:a16="http://schemas.microsoft.com/office/drawing/2014/main" id="{C66D88BC-0614-41B2-8E3F-31D011E2B631}"/>
-              </a:ext>
-            </a:extLst>
-          </p:cNvPr>
-          <p:cNvSpPr>
-            <a:spLocks noGrp="1"/>
-          </p:cNvSpPr>
-          <p:nvPr>
-            <p:ph idx="1"/>
-          </p:nvPr>
-        </p:nvSpPr>
-        <p:spPr/>
-        <p:txBody>
-          <a:bodyPr/>
-          <a:lstStyle/>
-          <a:p>
-            <a:r>
-              <a:rPr lang="de-DE" dirty="0">
-                <a:latin typeface="Novecento sans Normal" panose="00000500000000000000"/>
-              </a:rPr>
-              <a:t>PS</a:t>
-            </a:r>
-          </a:p>
-        </p:txBody>
-      </p:sp>
       <p:pic>
         <p:nvPicPr>
           <p:cNvPr id="4" name="Grafik 3" descr="Ein Bild, das Pfeil enthält.&#10;&#10;Automatisch generierte Beschreibung">
@@ -4355,6 +4930,607 @@
               <a:t>10</a:t>
             </a:fld>
             <a:endParaRPr lang="de-DE"/>
+          </a:p>
+        </p:txBody>
+      </p:sp>
+      <p:sp>
+        <p:nvSpPr>
+          <p:cNvPr id="8" name="Ellipse 7">
+            <a:extLst>
+              <a:ext uri="{FF2B5EF4-FFF2-40B4-BE49-F238E27FC236}">
+                <a16:creationId xmlns:a16="http://schemas.microsoft.com/office/drawing/2014/main" id="{25375304-C2FF-4C67-9443-08B54C0CF550}"/>
+              </a:ext>
+            </a:extLst>
+          </p:cNvPr>
+          <p:cNvSpPr/>
+          <p:nvPr/>
+        </p:nvSpPr>
+        <p:spPr>
+          <a:xfrm>
+            <a:off x="2454570" y="2022092"/>
+            <a:ext cx="4177718" cy="3959604"/>
+          </a:xfrm>
+          <a:prstGeom prst="ellipse">
+            <a:avLst/>
+          </a:prstGeom>
+          <a:noFill/>
+          <a:ln w="28575">
+            <a:solidFill>
+              <a:srgbClr val="66358C"/>
+            </a:solidFill>
+          </a:ln>
+        </p:spPr>
+        <p:style>
+          <a:lnRef idx="2">
+            <a:schemeClr val="accent1">
+              <a:shade val="50000"/>
+            </a:schemeClr>
+          </a:lnRef>
+          <a:fillRef idx="1">
+            <a:schemeClr val="accent1"/>
+          </a:fillRef>
+          <a:effectRef idx="0">
+            <a:schemeClr val="accent1"/>
+          </a:effectRef>
+          <a:fontRef idx="minor">
+            <a:schemeClr val="lt1"/>
+          </a:fontRef>
+        </p:style>
+        <p:txBody>
+          <a:bodyPr rtlCol="0" anchor="ctr"/>
+          <a:lstStyle/>
+          <a:p>
+            <a:pPr algn="ctr"/>
+            <a:endParaRPr lang="de-DE" dirty="0">
+              <a:latin typeface="Novecento sans Normal" panose="00000500000000000000"/>
+            </a:endParaRPr>
+          </a:p>
+        </p:txBody>
+      </p:sp>
+      <p:sp>
+        <p:nvSpPr>
+          <p:cNvPr id="9" name="Ellipse 8">
+            <a:extLst>
+              <a:ext uri="{FF2B5EF4-FFF2-40B4-BE49-F238E27FC236}">
+                <a16:creationId xmlns:a16="http://schemas.microsoft.com/office/drawing/2014/main" id="{8CED0AB6-B977-4F03-9970-5BD13843E66B}"/>
+              </a:ext>
+            </a:extLst>
+          </p:cNvPr>
+          <p:cNvSpPr/>
+          <p:nvPr/>
+        </p:nvSpPr>
+        <p:spPr>
+          <a:xfrm>
+            <a:off x="5033879" y="2065342"/>
+            <a:ext cx="4177718" cy="3959604"/>
+          </a:xfrm>
+          <a:prstGeom prst="ellipse">
+            <a:avLst/>
+          </a:prstGeom>
+          <a:noFill/>
+          <a:ln w="28575">
+            <a:solidFill>
+              <a:srgbClr val="66358C"/>
+            </a:solidFill>
+          </a:ln>
+        </p:spPr>
+        <p:style>
+          <a:lnRef idx="2">
+            <a:schemeClr val="accent1">
+              <a:shade val="50000"/>
+            </a:schemeClr>
+          </a:lnRef>
+          <a:fillRef idx="1">
+            <a:schemeClr val="accent1"/>
+          </a:fillRef>
+          <a:effectRef idx="0">
+            <a:schemeClr val="accent1"/>
+          </a:effectRef>
+          <a:fontRef idx="minor">
+            <a:schemeClr val="lt1"/>
+          </a:fontRef>
+        </p:style>
+        <p:txBody>
+          <a:bodyPr rtlCol="0" anchor="ctr"/>
+          <a:lstStyle/>
+          <a:p>
+            <a:pPr algn="ctr"/>
+            <a:endParaRPr lang="de-DE" dirty="0">
+              <a:latin typeface="Novecento sans Normal" panose="00000500000000000000"/>
+            </a:endParaRPr>
+          </a:p>
+        </p:txBody>
+      </p:sp>
+      <p:sp>
+        <p:nvSpPr>
+          <p:cNvPr id="10" name="Textfeld 9">
+            <a:extLst>
+              <a:ext uri="{FF2B5EF4-FFF2-40B4-BE49-F238E27FC236}">
+                <a16:creationId xmlns:a16="http://schemas.microsoft.com/office/drawing/2014/main" id="{3C766652-BA1D-46FF-B43C-FD5F0EF5A627}"/>
+              </a:ext>
+            </a:extLst>
+          </p:cNvPr>
+          <p:cNvSpPr txBox="1"/>
+          <p:nvPr/>
+        </p:nvSpPr>
+        <p:spPr>
+          <a:xfrm>
+            <a:off x="4085598" y="2165284"/>
+            <a:ext cx="1041952" cy="369332"/>
+          </a:xfrm>
+          <a:prstGeom prst="rect">
+            <a:avLst/>
+          </a:prstGeom>
+          <a:noFill/>
+        </p:spPr>
+        <p:txBody>
+          <a:bodyPr wrap="none" rtlCol="0">
+            <a:spAutoFit/>
+          </a:bodyPr>
+          <a:lstStyle/>
+          <a:p>
+            <a:r>
+              <a:rPr lang="de-DE" dirty="0">
+                <a:latin typeface="Novecento sans Normal" panose="00000500000000000000"/>
+              </a:rPr>
+              <a:t>Frontend</a:t>
+            </a:r>
+          </a:p>
+        </p:txBody>
+      </p:sp>
+      <p:sp>
+        <p:nvSpPr>
+          <p:cNvPr id="11" name="Textfeld 10">
+            <a:extLst>
+              <a:ext uri="{FF2B5EF4-FFF2-40B4-BE49-F238E27FC236}">
+                <a16:creationId xmlns:a16="http://schemas.microsoft.com/office/drawing/2014/main" id="{992AACA5-D155-4CDE-8982-D3C4344A1317}"/>
+              </a:ext>
+            </a:extLst>
+          </p:cNvPr>
+          <p:cNvSpPr txBox="1"/>
+          <p:nvPr/>
+        </p:nvSpPr>
+        <p:spPr>
+          <a:xfrm>
+            <a:off x="6662735" y="2208262"/>
+            <a:ext cx="973921" cy="369332"/>
+          </a:xfrm>
+          <a:prstGeom prst="rect">
+            <a:avLst/>
+          </a:prstGeom>
+          <a:noFill/>
+        </p:spPr>
+        <p:txBody>
+          <a:bodyPr wrap="none" rtlCol="0">
+            <a:spAutoFit/>
+          </a:bodyPr>
+          <a:lstStyle/>
+          <a:p>
+            <a:r>
+              <a:rPr lang="de-DE" dirty="0">
+                <a:latin typeface="Novecento sans Normal" panose="00000500000000000000"/>
+              </a:rPr>
+              <a:t>Backend</a:t>
+            </a:r>
+          </a:p>
+        </p:txBody>
+      </p:sp>
+      <p:sp>
+        <p:nvSpPr>
+          <p:cNvPr id="12" name="Textfeld 11">
+            <a:extLst>
+              <a:ext uri="{FF2B5EF4-FFF2-40B4-BE49-F238E27FC236}">
+                <a16:creationId xmlns:a16="http://schemas.microsoft.com/office/drawing/2014/main" id="{82053FA1-2056-4983-8D9D-2C4810DC2D2D}"/>
+              </a:ext>
+            </a:extLst>
+          </p:cNvPr>
+          <p:cNvSpPr txBox="1"/>
+          <p:nvPr/>
+        </p:nvSpPr>
+        <p:spPr>
+          <a:xfrm>
+            <a:off x="5621096" y="2711967"/>
+            <a:ext cx="494046" cy="369332"/>
+          </a:xfrm>
+          <a:prstGeom prst="rect">
+            <a:avLst/>
+          </a:prstGeom>
+          <a:noFill/>
+        </p:spPr>
+        <p:txBody>
+          <a:bodyPr wrap="none" rtlCol="0">
+            <a:spAutoFit/>
+          </a:bodyPr>
+          <a:lstStyle/>
+          <a:p>
+            <a:r>
+              <a:rPr lang="de-DE" dirty="0">
+                <a:latin typeface="Novecento sans Normal" panose="00000500000000000000"/>
+              </a:rPr>
+              <a:t>API</a:t>
+            </a:r>
+          </a:p>
+        </p:txBody>
+      </p:sp>
+      <p:pic>
+        <p:nvPicPr>
+          <p:cNvPr id="14" name="Grafik 13">
+            <a:extLst>
+              <a:ext uri="{FF2B5EF4-FFF2-40B4-BE49-F238E27FC236}">
+                <a16:creationId xmlns:a16="http://schemas.microsoft.com/office/drawing/2014/main" id="{D5B57B18-F3FA-449F-A78F-6D13664BBDD3}"/>
+              </a:ext>
+            </a:extLst>
+          </p:cNvPr>
+          <p:cNvPicPr>
+            <a:picLocks noChangeAspect="1"/>
+          </p:cNvPicPr>
+          <p:nvPr/>
+        </p:nvPicPr>
+        <p:blipFill>
+          <a:blip r:embed="rId3">
+            <a:extLst>
+              <a:ext uri="{28A0092B-C50C-407E-A947-70E740481C1C}">
+                <a14:useLocalDpi xmlns:a14="http://schemas.microsoft.com/office/drawing/2010/main" val="0"/>
+              </a:ext>
+            </a:extLst>
+          </a:blip>
+          <a:stretch>
+            <a:fillRect/>
+          </a:stretch>
+        </p:blipFill>
+        <p:spPr>
+          <a:xfrm>
+            <a:off x="3413801" y="3060879"/>
+            <a:ext cx="1326470" cy="1658087"/>
+          </a:xfrm>
+          <a:prstGeom prst="rect">
+            <a:avLst/>
+          </a:prstGeom>
+        </p:spPr>
+      </p:pic>
+      <p:sp>
+        <p:nvSpPr>
+          <p:cNvPr id="15" name="Textfeld 14">
+            <a:extLst>
+              <a:ext uri="{FF2B5EF4-FFF2-40B4-BE49-F238E27FC236}">
+                <a16:creationId xmlns:a16="http://schemas.microsoft.com/office/drawing/2014/main" id="{453EC442-9A6E-4996-BEC0-39E1C9541060}"/>
+              </a:ext>
+            </a:extLst>
+          </p:cNvPr>
+          <p:cNvSpPr txBox="1"/>
+          <p:nvPr/>
+        </p:nvSpPr>
+        <p:spPr>
+          <a:xfrm>
+            <a:off x="3413801" y="4681038"/>
+            <a:ext cx="1363963" cy="369332"/>
+          </a:xfrm>
+          <a:prstGeom prst="rect">
+            <a:avLst/>
+          </a:prstGeom>
+          <a:noFill/>
+        </p:spPr>
+        <p:txBody>
+          <a:bodyPr wrap="none" rtlCol="0">
+            <a:spAutoFit/>
+          </a:bodyPr>
+          <a:lstStyle/>
+          <a:p>
+            <a:r>
+              <a:rPr lang="de-DE" dirty="0">
+                <a:latin typeface="Novecento sans Normal" panose="00000500000000000000"/>
+              </a:rPr>
+              <a:t>Android App</a:t>
+            </a:r>
+          </a:p>
+        </p:txBody>
+      </p:sp>
+      <p:pic>
+        <p:nvPicPr>
+          <p:cNvPr id="16" name="Grafik 15" descr="Ein Bild, das Text, ClipArt enthält.&#10;&#10;Automatisch generierte Beschreibung">
+            <a:extLst>
+              <a:ext uri="{FF2B5EF4-FFF2-40B4-BE49-F238E27FC236}">
+                <a16:creationId xmlns:a16="http://schemas.microsoft.com/office/drawing/2014/main" id="{867F052A-E23B-4FD2-B43B-FC581CA8EB31}"/>
+              </a:ext>
+            </a:extLst>
+          </p:cNvPr>
+          <p:cNvPicPr>
+            <a:picLocks noChangeAspect="1"/>
+          </p:cNvPicPr>
+          <p:nvPr/>
+        </p:nvPicPr>
+        <p:blipFill>
+          <a:blip r:embed="rId4">
+            <a:extLst>
+              <a:ext uri="{28A0092B-C50C-407E-A947-70E740481C1C}">
+                <a14:useLocalDpi xmlns:a14="http://schemas.microsoft.com/office/drawing/2010/main" val="0"/>
+              </a:ext>
+            </a:extLst>
+          </a:blip>
+          <a:stretch>
+            <a:fillRect/>
+          </a:stretch>
+        </p:blipFill>
+        <p:spPr>
+          <a:xfrm>
+            <a:off x="7114180" y="3780704"/>
+            <a:ext cx="1468829" cy="772566"/>
+          </a:xfrm>
+          <a:prstGeom prst="rect">
+            <a:avLst/>
+          </a:prstGeom>
+        </p:spPr>
+      </p:pic>
+      <p:pic>
+        <p:nvPicPr>
+          <p:cNvPr id="17" name="Grafik 16">
+            <a:extLst>
+              <a:ext uri="{FF2B5EF4-FFF2-40B4-BE49-F238E27FC236}">
+                <a16:creationId xmlns:a16="http://schemas.microsoft.com/office/drawing/2014/main" id="{09080F71-E8B0-46E4-BC80-37C8F633AFAF}"/>
+              </a:ext>
+            </a:extLst>
+          </p:cNvPr>
+          <p:cNvPicPr>
+            <a:picLocks noChangeAspect="1"/>
+          </p:cNvPicPr>
+          <p:nvPr/>
+        </p:nvPicPr>
+        <p:blipFill>
+          <a:blip r:embed="rId5">
+            <a:extLst>
+              <a:ext uri="{28A0092B-C50C-407E-A947-70E740481C1C}">
+                <a14:useLocalDpi xmlns:a14="http://schemas.microsoft.com/office/drawing/2010/main" val="0"/>
+              </a:ext>
+            </a:extLst>
+          </a:blip>
+          <a:stretch>
+            <a:fillRect/>
+          </a:stretch>
+        </p:blipFill>
+        <p:spPr>
+          <a:xfrm>
+            <a:off x="6821546" y="3226575"/>
+            <a:ext cx="2054098" cy="554129"/>
+          </a:xfrm>
+          <a:prstGeom prst="rect">
+            <a:avLst/>
+          </a:prstGeom>
+        </p:spPr>
+      </p:pic>
+      <p:sp>
+        <p:nvSpPr>
+          <p:cNvPr id="18" name="Textfeld 17">
+            <a:extLst>
+              <a:ext uri="{FF2B5EF4-FFF2-40B4-BE49-F238E27FC236}">
+                <a16:creationId xmlns:a16="http://schemas.microsoft.com/office/drawing/2014/main" id="{335486D4-AE33-4120-8B34-ED916FEC9EFE}"/>
+              </a:ext>
+            </a:extLst>
+          </p:cNvPr>
+          <p:cNvSpPr txBox="1"/>
+          <p:nvPr/>
+        </p:nvSpPr>
+        <p:spPr>
+          <a:xfrm>
+            <a:off x="7075396" y="4642776"/>
+            <a:ext cx="1693092" cy="646331"/>
+          </a:xfrm>
+          <a:prstGeom prst="rect">
+            <a:avLst/>
+          </a:prstGeom>
+          <a:noFill/>
+        </p:spPr>
+        <p:txBody>
+          <a:bodyPr wrap="none" rtlCol="0">
+            <a:spAutoFit/>
+          </a:bodyPr>
+          <a:lstStyle/>
+          <a:p>
+            <a:r>
+              <a:rPr lang="de-DE" dirty="0">
+                <a:latin typeface="Novecento sans Normal" panose="00000500000000000000"/>
+              </a:rPr>
+              <a:t>ML-Algorithmus</a:t>
+            </a:r>
+          </a:p>
+          <a:p>
+            <a:r>
+              <a:rPr lang="de-DE" dirty="0">
+                <a:latin typeface="Novecento sans Normal" panose="00000500000000000000"/>
+              </a:rPr>
+              <a:t>(Python)</a:t>
+            </a:r>
+          </a:p>
+        </p:txBody>
+      </p:sp>
+      <p:pic>
+        <p:nvPicPr>
+          <p:cNvPr id="19" name="Grafik 18">
+            <a:extLst>
+              <a:ext uri="{FF2B5EF4-FFF2-40B4-BE49-F238E27FC236}">
+                <a16:creationId xmlns:a16="http://schemas.microsoft.com/office/drawing/2014/main" id="{F2A31171-704F-4674-B47D-788D84AA2CA0}"/>
+              </a:ext>
+            </a:extLst>
+          </p:cNvPr>
+          <p:cNvPicPr>
+            <a:picLocks noChangeAspect="1"/>
+          </p:cNvPicPr>
+          <p:nvPr/>
+        </p:nvPicPr>
+        <p:blipFill>
+          <a:blip r:embed="rId6"/>
+          <a:stretch>
+            <a:fillRect/>
+          </a:stretch>
+        </p:blipFill>
+        <p:spPr>
+          <a:xfrm>
+            <a:off x="5290378" y="3818078"/>
+            <a:ext cx="1155482" cy="646331"/>
+          </a:xfrm>
+          <a:prstGeom prst="rect">
+            <a:avLst/>
+          </a:prstGeom>
+        </p:spPr>
+      </p:pic>
+      <p:cxnSp>
+        <p:nvCxnSpPr>
+          <p:cNvPr id="21" name="Gerade Verbindung mit Pfeil 20">
+            <a:extLst>
+              <a:ext uri="{FF2B5EF4-FFF2-40B4-BE49-F238E27FC236}">
+                <a16:creationId xmlns:a16="http://schemas.microsoft.com/office/drawing/2014/main" id="{6F12C8E4-FA5B-4165-B972-3A95D07807D4}"/>
+              </a:ext>
+            </a:extLst>
+          </p:cNvPr>
+          <p:cNvCxnSpPr>
+            <a:cxnSpLocks/>
+          </p:cNvCxnSpPr>
+          <p:nvPr/>
+        </p:nvCxnSpPr>
+        <p:spPr>
+          <a:xfrm>
+            <a:off x="5471057" y="3518807"/>
+            <a:ext cx="716062" cy="0"/>
+          </a:xfrm>
+          <a:prstGeom prst="straightConnector1">
+            <a:avLst/>
+          </a:prstGeom>
+          <a:ln w="28575">
+            <a:solidFill>
+              <a:srgbClr val="66358C"/>
+            </a:solidFill>
+            <a:tailEnd type="triangle"/>
+          </a:ln>
+        </p:spPr>
+        <p:style>
+          <a:lnRef idx="1">
+            <a:schemeClr val="accent1"/>
+          </a:lnRef>
+          <a:fillRef idx="0">
+            <a:schemeClr val="accent1"/>
+          </a:fillRef>
+          <a:effectRef idx="0">
+            <a:schemeClr val="accent1"/>
+          </a:effectRef>
+          <a:fontRef idx="minor">
+            <a:schemeClr val="tx1"/>
+          </a:fontRef>
+        </p:style>
+      </p:cxnSp>
+      <p:sp>
+        <p:nvSpPr>
+          <p:cNvPr id="22" name="Textfeld 21">
+            <a:extLst>
+              <a:ext uri="{FF2B5EF4-FFF2-40B4-BE49-F238E27FC236}">
+                <a16:creationId xmlns:a16="http://schemas.microsoft.com/office/drawing/2014/main" id="{C6670E04-A8F7-47FF-8AE4-7981BE06DAF6}"/>
+              </a:ext>
+            </a:extLst>
+          </p:cNvPr>
+          <p:cNvSpPr txBox="1"/>
+          <p:nvPr/>
+        </p:nvSpPr>
+        <p:spPr>
+          <a:xfrm>
+            <a:off x="5493942" y="3226575"/>
+            <a:ext cx="621200" cy="338554"/>
+          </a:xfrm>
+          <a:prstGeom prst="rect">
+            <a:avLst/>
+          </a:prstGeom>
+          <a:noFill/>
+        </p:spPr>
+        <p:txBody>
+          <a:bodyPr wrap="square" rtlCol="0">
+            <a:spAutoFit/>
+          </a:bodyPr>
+          <a:lstStyle/>
+          <a:p>
+            <a:r>
+              <a:rPr lang="de-DE" sz="1600" dirty="0">
+                <a:latin typeface="Novecento sans Normal" panose="00000500000000000000"/>
+              </a:rPr>
+              <a:t>Foto</a:t>
+            </a:r>
+          </a:p>
+        </p:txBody>
+      </p:sp>
+      <p:cxnSp>
+        <p:nvCxnSpPr>
+          <p:cNvPr id="23" name="Gerade Verbindung mit Pfeil 22">
+            <a:extLst>
+              <a:ext uri="{FF2B5EF4-FFF2-40B4-BE49-F238E27FC236}">
+                <a16:creationId xmlns:a16="http://schemas.microsoft.com/office/drawing/2014/main" id="{1BBF881E-F283-4EE7-B3A3-CBC0AB3E260F}"/>
+              </a:ext>
+            </a:extLst>
+          </p:cNvPr>
+          <p:cNvCxnSpPr>
+            <a:cxnSpLocks/>
+          </p:cNvCxnSpPr>
+          <p:nvPr/>
+        </p:nvCxnSpPr>
+        <p:spPr>
+          <a:xfrm flipH="1">
+            <a:off x="5524389" y="5022032"/>
+            <a:ext cx="662730" cy="0"/>
+          </a:xfrm>
+          <a:prstGeom prst="straightConnector1">
+            <a:avLst/>
+          </a:prstGeom>
+          <a:ln w="28575">
+            <a:solidFill>
+              <a:srgbClr val="66358C"/>
+            </a:solidFill>
+            <a:tailEnd type="triangle"/>
+          </a:ln>
+        </p:spPr>
+        <p:style>
+          <a:lnRef idx="1">
+            <a:schemeClr val="accent1"/>
+          </a:lnRef>
+          <a:fillRef idx="0">
+            <a:schemeClr val="accent1"/>
+          </a:fillRef>
+          <a:effectRef idx="0">
+            <a:schemeClr val="accent1"/>
+          </a:effectRef>
+          <a:fontRef idx="minor">
+            <a:schemeClr val="tx1"/>
+          </a:fontRef>
+        </p:style>
+      </p:cxnSp>
+      <p:sp>
+        <p:nvSpPr>
+          <p:cNvPr id="25" name="Textfeld 24">
+            <a:extLst>
+              <a:ext uri="{FF2B5EF4-FFF2-40B4-BE49-F238E27FC236}">
+                <a16:creationId xmlns:a16="http://schemas.microsoft.com/office/drawing/2014/main" id="{8BDE9C6E-445C-4B5A-9E36-B8F75FE2385D}"/>
+              </a:ext>
+            </a:extLst>
+          </p:cNvPr>
+          <p:cNvSpPr txBox="1"/>
+          <p:nvPr/>
+        </p:nvSpPr>
+        <p:spPr>
+          <a:xfrm>
+            <a:off x="5471057" y="4717358"/>
+            <a:ext cx="889987" cy="338554"/>
+          </a:xfrm>
+          <a:prstGeom prst="rect">
+            <a:avLst/>
+          </a:prstGeom>
+          <a:noFill/>
+        </p:spPr>
+        <p:txBody>
+          <a:bodyPr wrap="none" rtlCol="0">
+            <a:spAutoFit/>
+          </a:bodyPr>
+          <a:lstStyle/>
+          <a:p>
+            <a:r>
+              <a:rPr lang="de-DE" sz="1600" dirty="0">
+                <a:latin typeface="Novecento sans Normal" panose="00000500000000000000"/>
+              </a:rPr>
+              <a:t>Emotion</a:t>
+            </a:r>
           </a:p>
         </p:txBody>
       </p:sp>
@@ -6810,7 +7986,7 @@
                 <a:latin typeface="Novecento sans Normal" panose="00000500000000000000" pitchFamily="50" charset="0"/>
                 <a:cs typeface="Vani" panose="020B0502040204020203" pitchFamily="18" charset="0"/>
               </a:rPr>
-              <a:t>UNSER VORGEHENSWEISE</a:t>
+              <a:t>UNSERE VORGEHENSWEISE</a:t>
             </a:r>
             <a:endParaRPr lang="en-US" sz="5400" dirty="0"/>
           </a:p>
@@ -7290,36 +8466,6 @@
           </a:p>
         </p:txBody>
       </p:sp>
-      <p:sp>
-        <p:nvSpPr>
-          <p:cNvPr id="3" name="Inhaltsplatzhalter 2">
-            <a:extLst>
-              <a:ext uri="{FF2B5EF4-FFF2-40B4-BE49-F238E27FC236}">
-                <a16:creationId xmlns:a16="http://schemas.microsoft.com/office/drawing/2014/main" id="{C66D88BC-0614-41B2-8E3F-31D011E2B631}"/>
-              </a:ext>
-            </a:extLst>
-          </p:cNvPr>
-          <p:cNvSpPr>
-            <a:spLocks noGrp="1"/>
-          </p:cNvSpPr>
-          <p:nvPr>
-            <p:ph idx="1"/>
-          </p:nvPr>
-        </p:nvSpPr>
-        <p:spPr/>
-        <p:txBody>
-          <a:bodyPr/>
-          <a:lstStyle/>
-          <a:p>
-            <a:r>
-              <a:rPr lang="de-DE" dirty="0">
-                <a:latin typeface="Novecento sans Normal" panose="00000500000000000000"/>
-              </a:rPr>
-              <a:t>ALLE&lt;</a:t>
-            </a:r>
-          </a:p>
-        </p:txBody>
-      </p:sp>
       <p:pic>
         <p:nvPicPr>
           <p:cNvPr id="4" name="Grafik 3" descr="Ein Bild, das Pfeil enthält.&#10;&#10;Automatisch generierte Beschreibung">
@@ -7348,8 +8494,8 @@
         </p:blipFill>
         <p:spPr>
           <a:xfrm>
-            <a:off x="10851603" y="-109471"/>
-            <a:ext cx="1532965" cy="1532965"/>
+            <a:off x="5101906" y="2946623"/>
+            <a:ext cx="1773867" cy="1773867"/>
           </a:xfrm>
           <a:prstGeom prst="rect">
             <a:avLst/>
@@ -7423,6 +8569,1908 @@
               <a:t>20</a:t>
             </a:fld>
             <a:endParaRPr lang="de-DE"/>
+          </a:p>
+        </p:txBody>
+      </p:sp>
+      <p:sp>
+        <p:nvSpPr>
+          <p:cNvPr id="11" name="Rechteck 10">
+            <a:extLst>
+              <a:ext uri="{FF2B5EF4-FFF2-40B4-BE49-F238E27FC236}">
+                <a16:creationId xmlns:a16="http://schemas.microsoft.com/office/drawing/2014/main" id="{62AC13FA-33BD-45CB-9CA2-67F49124C581}"/>
+              </a:ext>
+            </a:extLst>
+          </p:cNvPr>
+          <p:cNvSpPr/>
+          <p:nvPr/>
+        </p:nvSpPr>
+        <p:spPr>
+          <a:xfrm>
+            <a:off x="1324762" y="1815034"/>
+            <a:ext cx="2885813" cy="1131589"/>
+          </a:xfrm>
+          <a:custGeom>
+            <a:avLst/>
+            <a:gdLst>
+              <a:gd name="connsiteX0" fmla="*/ 0 w 2885813"/>
+              <a:gd name="connsiteY0" fmla="*/ 0 h 1131589"/>
+              <a:gd name="connsiteX1" fmla="*/ 548304 w 2885813"/>
+              <a:gd name="connsiteY1" fmla="*/ 0 h 1131589"/>
+              <a:gd name="connsiteX2" fmla="*/ 1125467 w 2885813"/>
+              <a:gd name="connsiteY2" fmla="*/ 0 h 1131589"/>
+              <a:gd name="connsiteX3" fmla="*/ 1702630 w 2885813"/>
+              <a:gd name="connsiteY3" fmla="*/ 0 h 1131589"/>
+              <a:gd name="connsiteX4" fmla="*/ 2308650 w 2885813"/>
+              <a:gd name="connsiteY4" fmla="*/ 0 h 1131589"/>
+              <a:gd name="connsiteX5" fmla="*/ 2885813 w 2885813"/>
+              <a:gd name="connsiteY5" fmla="*/ 0 h 1131589"/>
+              <a:gd name="connsiteX6" fmla="*/ 2885813 w 2885813"/>
+              <a:gd name="connsiteY6" fmla="*/ 531847 h 1131589"/>
+              <a:gd name="connsiteX7" fmla="*/ 2885813 w 2885813"/>
+              <a:gd name="connsiteY7" fmla="*/ 1131589 h 1131589"/>
+              <a:gd name="connsiteX8" fmla="*/ 2308650 w 2885813"/>
+              <a:gd name="connsiteY8" fmla="*/ 1131589 h 1131589"/>
+              <a:gd name="connsiteX9" fmla="*/ 1760346 w 2885813"/>
+              <a:gd name="connsiteY9" fmla="*/ 1131589 h 1131589"/>
+              <a:gd name="connsiteX10" fmla="*/ 1125467 w 2885813"/>
+              <a:gd name="connsiteY10" fmla="*/ 1131589 h 1131589"/>
+              <a:gd name="connsiteX11" fmla="*/ 606021 w 2885813"/>
+              <a:gd name="connsiteY11" fmla="*/ 1131589 h 1131589"/>
+              <a:gd name="connsiteX12" fmla="*/ 0 w 2885813"/>
+              <a:gd name="connsiteY12" fmla="*/ 1131589 h 1131589"/>
+              <a:gd name="connsiteX13" fmla="*/ 0 w 2885813"/>
+              <a:gd name="connsiteY13" fmla="*/ 577110 h 1131589"/>
+              <a:gd name="connsiteX14" fmla="*/ 0 w 2885813"/>
+              <a:gd name="connsiteY14" fmla="*/ 0 h 1131589"/>
+            </a:gdLst>
+            <a:ahLst/>
+            <a:cxnLst>
+              <a:cxn ang="0">
+                <a:pos x="connsiteX0" y="connsiteY0"/>
+              </a:cxn>
+              <a:cxn ang="0">
+                <a:pos x="connsiteX1" y="connsiteY1"/>
+              </a:cxn>
+              <a:cxn ang="0">
+                <a:pos x="connsiteX2" y="connsiteY2"/>
+              </a:cxn>
+              <a:cxn ang="0">
+                <a:pos x="connsiteX3" y="connsiteY3"/>
+              </a:cxn>
+              <a:cxn ang="0">
+                <a:pos x="connsiteX4" y="connsiteY4"/>
+              </a:cxn>
+              <a:cxn ang="0">
+                <a:pos x="connsiteX5" y="connsiteY5"/>
+              </a:cxn>
+              <a:cxn ang="0">
+                <a:pos x="connsiteX6" y="connsiteY6"/>
+              </a:cxn>
+              <a:cxn ang="0">
+                <a:pos x="connsiteX7" y="connsiteY7"/>
+              </a:cxn>
+              <a:cxn ang="0">
+                <a:pos x="connsiteX8" y="connsiteY8"/>
+              </a:cxn>
+              <a:cxn ang="0">
+                <a:pos x="connsiteX9" y="connsiteY9"/>
+              </a:cxn>
+              <a:cxn ang="0">
+                <a:pos x="connsiteX10" y="connsiteY10"/>
+              </a:cxn>
+              <a:cxn ang="0">
+                <a:pos x="connsiteX11" y="connsiteY11"/>
+              </a:cxn>
+              <a:cxn ang="0">
+                <a:pos x="connsiteX12" y="connsiteY12"/>
+              </a:cxn>
+              <a:cxn ang="0">
+                <a:pos x="connsiteX13" y="connsiteY13"/>
+              </a:cxn>
+              <a:cxn ang="0">
+                <a:pos x="connsiteX14" y="connsiteY14"/>
+              </a:cxn>
+            </a:cxnLst>
+            <a:rect l="l" t="t" r="r" b="b"/>
+            <a:pathLst>
+              <a:path w="2885813" h="1131589" extrusionOk="0">
+                <a:moveTo>
+                  <a:pt x="0" y="0"/>
+                </a:moveTo>
+                <a:cubicBezTo>
+                  <a:pt x="259660" y="16593"/>
+                  <a:pt x="289587" y="3171"/>
+                  <a:pt x="548304" y="0"/>
+                </a:cubicBezTo>
+                <a:cubicBezTo>
+                  <a:pt x="807021" y="-3171"/>
+                  <a:pt x="959018" y="7540"/>
+                  <a:pt x="1125467" y="0"/>
+                </a:cubicBezTo>
+                <a:cubicBezTo>
+                  <a:pt x="1291916" y="-7540"/>
+                  <a:pt x="1573443" y="24371"/>
+                  <a:pt x="1702630" y="0"/>
+                </a:cubicBezTo>
+                <a:cubicBezTo>
+                  <a:pt x="1831817" y="-24371"/>
+                  <a:pt x="2056302" y="-30003"/>
+                  <a:pt x="2308650" y="0"/>
+                </a:cubicBezTo>
+                <a:cubicBezTo>
+                  <a:pt x="2560998" y="30003"/>
+                  <a:pt x="2696021" y="19880"/>
+                  <a:pt x="2885813" y="0"/>
+                </a:cubicBezTo>
+                <a:cubicBezTo>
+                  <a:pt x="2907434" y="140730"/>
+                  <a:pt x="2903011" y="375307"/>
+                  <a:pt x="2885813" y="531847"/>
+                </a:cubicBezTo>
+                <a:cubicBezTo>
+                  <a:pt x="2868615" y="688387"/>
+                  <a:pt x="2883217" y="895954"/>
+                  <a:pt x="2885813" y="1131589"/>
+                </a:cubicBezTo>
+                <a:cubicBezTo>
+                  <a:pt x="2625972" y="1122134"/>
+                  <a:pt x="2561306" y="1132244"/>
+                  <a:pt x="2308650" y="1131589"/>
+                </a:cubicBezTo>
+                <a:cubicBezTo>
+                  <a:pt x="2055994" y="1130934"/>
+                  <a:pt x="1877411" y="1107826"/>
+                  <a:pt x="1760346" y="1131589"/>
+                </a:cubicBezTo>
+                <a:cubicBezTo>
+                  <a:pt x="1643281" y="1155352"/>
+                  <a:pt x="1412227" y="1124138"/>
+                  <a:pt x="1125467" y="1131589"/>
+                </a:cubicBezTo>
+                <a:cubicBezTo>
+                  <a:pt x="838707" y="1139040"/>
+                  <a:pt x="717027" y="1131667"/>
+                  <a:pt x="606021" y="1131589"/>
+                </a:cubicBezTo>
+                <a:cubicBezTo>
+                  <a:pt x="495015" y="1131511"/>
+                  <a:pt x="221328" y="1116397"/>
+                  <a:pt x="0" y="1131589"/>
+                </a:cubicBezTo>
+                <a:cubicBezTo>
+                  <a:pt x="12818" y="937195"/>
+                  <a:pt x="-12614" y="841714"/>
+                  <a:pt x="0" y="577110"/>
+                </a:cubicBezTo>
+                <a:cubicBezTo>
+                  <a:pt x="12614" y="312506"/>
+                  <a:pt x="2299" y="179668"/>
+                  <a:pt x="0" y="0"/>
+                </a:cubicBezTo>
+                <a:close/>
+              </a:path>
+            </a:pathLst>
+          </a:custGeom>
+          <a:noFill/>
+          <a:ln w="28575">
+            <a:solidFill>
+              <a:srgbClr val="66358C"/>
+            </a:solidFill>
+            <a:extLst>
+              <a:ext uri="{C807C97D-BFC1-408E-A445-0C87EB9F89A2}">
+                <ask:lineSketchStyleProps xmlns:ask="http://schemas.microsoft.com/office/drawing/2018/sketchyshapes" sd="2398108061">
+                  <a:prstGeom prst="rect">
+                    <a:avLst/>
+                  </a:prstGeom>
+                  <ask:type>
+                    <ask:lineSketchFreehand/>
+                  </ask:type>
+                </ask:lineSketchStyleProps>
+              </a:ext>
+            </a:extLst>
+          </a:ln>
+        </p:spPr>
+        <p:style>
+          <a:lnRef idx="2">
+            <a:schemeClr val="accent1">
+              <a:shade val="50000"/>
+            </a:schemeClr>
+          </a:lnRef>
+          <a:fillRef idx="1">
+            <a:schemeClr val="accent1"/>
+          </a:fillRef>
+          <a:effectRef idx="0">
+            <a:schemeClr val="accent1"/>
+          </a:effectRef>
+          <a:fontRef idx="minor">
+            <a:schemeClr val="lt1"/>
+          </a:fontRef>
+        </p:style>
+        <p:txBody>
+          <a:bodyPr rtlCol="0" anchor="ctr"/>
+          <a:lstStyle/>
+          <a:p>
+            <a:pPr algn="ctr"/>
+            <a:r>
+              <a:rPr lang="de-DE" dirty="0">
+                <a:solidFill>
+                  <a:schemeClr val="tx1"/>
+                </a:solidFill>
+                <a:latin typeface="Novecento sans Normal" panose="00000500000000000000"/>
+              </a:rPr>
+              <a:t>..</a:t>
+            </a:r>
+          </a:p>
+        </p:txBody>
+      </p:sp>
+      <p:sp>
+        <p:nvSpPr>
+          <p:cNvPr id="12" name="Rechteck 11">
+            <a:extLst>
+              <a:ext uri="{FF2B5EF4-FFF2-40B4-BE49-F238E27FC236}">
+                <a16:creationId xmlns:a16="http://schemas.microsoft.com/office/drawing/2014/main" id="{E38E89D3-3641-4A68-9F1C-52D3493E18A1}"/>
+              </a:ext>
+            </a:extLst>
+          </p:cNvPr>
+          <p:cNvSpPr/>
+          <p:nvPr/>
+        </p:nvSpPr>
+        <p:spPr>
+          <a:xfrm>
+            <a:off x="2216093" y="3136581"/>
+            <a:ext cx="2885813" cy="1131589"/>
+          </a:xfrm>
+          <a:custGeom>
+            <a:avLst/>
+            <a:gdLst>
+              <a:gd name="connsiteX0" fmla="*/ 0 w 2885813"/>
+              <a:gd name="connsiteY0" fmla="*/ 0 h 1131589"/>
+              <a:gd name="connsiteX1" fmla="*/ 577163 w 2885813"/>
+              <a:gd name="connsiteY1" fmla="*/ 0 h 1131589"/>
+              <a:gd name="connsiteX2" fmla="*/ 1183183 w 2885813"/>
+              <a:gd name="connsiteY2" fmla="*/ 0 h 1131589"/>
+              <a:gd name="connsiteX3" fmla="*/ 1760346 w 2885813"/>
+              <a:gd name="connsiteY3" fmla="*/ 0 h 1131589"/>
+              <a:gd name="connsiteX4" fmla="*/ 2366367 w 2885813"/>
+              <a:gd name="connsiteY4" fmla="*/ 0 h 1131589"/>
+              <a:gd name="connsiteX5" fmla="*/ 2885813 w 2885813"/>
+              <a:gd name="connsiteY5" fmla="*/ 0 h 1131589"/>
+              <a:gd name="connsiteX6" fmla="*/ 2885813 w 2885813"/>
+              <a:gd name="connsiteY6" fmla="*/ 565795 h 1131589"/>
+              <a:gd name="connsiteX7" fmla="*/ 2885813 w 2885813"/>
+              <a:gd name="connsiteY7" fmla="*/ 1131589 h 1131589"/>
+              <a:gd name="connsiteX8" fmla="*/ 2337509 w 2885813"/>
+              <a:gd name="connsiteY8" fmla="*/ 1131589 h 1131589"/>
+              <a:gd name="connsiteX9" fmla="*/ 1789204 w 2885813"/>
+              <a:gd name="connsiteY9" fmla="*/ 1131589 h 1131589"/>
+              <a:gd name="connsiteX10" fmla="*/ 1154325 w 2885813"/>
+              <a:gd name="connsiteY10" fmla="*/ 1131589 h 1131589"/>
+              <a:gd name="connsiteX11" fmla="*/ 606021 w 2885813"/>
+              <a:gd name="connsiteY11" fmla="*/ 1131589 h 1131589"/>
+              <a:gd name="connsiteX12" fmla="*/ 0 w 2885813"/>
+              <a:gd name="connsiteY12" fmla="*/ 1131589 h 1131589"/>
+              <a:gd name="connsiteX13" fmla="*/ 0 w 2885813"/>
+              <a:gd name="connsiteY13" fmla="*/ 543163 h 1131589"/>
+              <a:gd name="connsiteX14" fmla="*/ 0 w 2885813"/>
+              <a:gd name="connsiteY14" fmla="*/ 0 h 1131589"/>
+            </a:gdLst>
+            <a:ahLst/>
+            <a:cxnLst>
+              <a:cxn ang="0">
+                <a:pos x="connsiteX0" y="connsiteY0"/>
+              </a:cxn>
+              <a:cxn ang="0">
+                <a:pos x="connsiteX1" y="connsiteY1"/>
+              </a:cxn>
+              <a:cxn ang="0">
+                <a:pos x="connsiteX2" y="connsiteY2"/>
+              </a:cxn>
+              <a:cxn ang="0">
+                <a:pos x="connsiteX3" y="connsiteY3"/>
+              </a:cxn>
+              <a:cxn ang="0">
+                <a:pos x="connsiteX4" y="connsiteY4"/>
+              </a:cxn>
+              <a:cxn ang="0">
+                <a:pos x="connsiteX5" y="connsiteY5"/>
+              </a:cxn>
+              <a:cxn ang="0">
+                <a:pos x="connsiteX6" y="connsiteY6"/>
+              </a:cxn>
+              <a:cxn ang="0">
+                <a:pos x="connsiteX7" y="connsiteY7"/>
+              </a:cxn>
+              <a:cxn ang="0">
+                <a:pos x="connsiteX8" y="connsiteY8"/>
+              </a:cxn>
+              <a:cxn ang="0">
+                <a:pos x="connsiteX9" y="connsiteY9"/>
+              </a:cxn>
+              <a:cxn ang="0">
+                <a:pos x="connsiteX10" y="connsiteY10"/>
+              </a:cxn>
+              <a:cxn ang="0">
+                <a:pos x="connsiteX11" y="connsiteY11"/>
+              </a:cxn>
+              <a:cxn ang="0">
+                <a:pos x="connsiteX12" y="connsiteY12"/>
+              </a:cxn>
+              <a:cxn ang="0">
+                <a:pos x="connsiteX13" y="connsiteY13"/>
+              </a:cxn>
+              <a:cxn ang="0">
+                <a:pos x="connsiteX14" y="connsiteY14"/>
+              </a:cxn>
+            </a:cxnLst>
+            <a:rect l="l" t="t" r="r" b="b"/>
+            <a:pathLst>
+              <a:path w="2885813" h="1131589" extrusionOk="0">
+                <a:moveTo>
+                  <a:pt x="0" y="0"/>
+                </a:moveTo>
+                <a:cubicBezTo>
+                  <a:pt x="122746" y="6702"/>
+                  <a:pt x="395516" y="1874"/>
+                  <a:pt x="577163" y="0"/>
+                </a:cubicBezTo>
+                <a:cubicBezTo>
+                  <a:pt x="758810" y="-1874"/>
+                  <a:pt x="896827" y="25982"/>
+                  <a:pt x="1183183" y="0"/>
+                </a:cubicBezTo>
+                <a:cubicBezTo>
+                  <a:pt x="1469539" y="-25982"/>
+                  <a:pt x="1483337" y="17480"/>
+                  <a:pt x="1760346" y="0"/>
+                </a:cubicBezTo>
+                <a:cubicBezTo>
+                  <a:pt x="2037355" y="-17480"/>
+                  <a:pt x="2125912" y="-10304"/>
+                  <a:pt x="2366367" y="0"/>
+                </a:cubicBezTo>
+                <a:cubicBezTo>
+                  <a:pt x="2606822" y="10304"/>
+                  <a:pt x="2730500" y="23701"/>
+                  <a:pt x="2885813" y="0"/>
+                </a:cubicBezTo>
+                <a:cubicBezTo>
+                  <a:pt x="2881865" y="260288"/>
+                  <a:pt x="2904460" y="283741"/>
+                  <a:pt x="2885813" y="565795"/>
+                </a:cubicBezTo>
+                <a:cubicBezTo>
+                  <a:pt x="2867166" y="847849"/>
+                  <a:pt x="2874549" y="898096"/>
+                  <a:pt x="2885813" y="1131589"/>
+                </a:cubicBezTo>
+                <a:cubicBezTo>
+                  <a:pt x="2653286" y="1156242"/>
+                  <a:pt x="2577492" y="1136572"/>
+                  <a:pt x="2337509" y="1131589"/>
+                </a:cubicBezTo>
+                <a:cubicBezTo>
+                  <a:pt x="2097526" y="1126606"/>
+                  <a:pt x="1994738" y="1114968"/>
+                  <a:pt x="1789204" y="1131589"/>
+                </a:cubicBezTo>
+                <a:cubicBezTo>
+                  <a:pt x="1583670" y="1148210"/>
+                  <a:pt x="1405808" y="1104050"/>
+                  <a:pt x="1154325" y="1131589"/>
+                </a:cubicBezTo>
+                <a:cubicBezTo>
+                  <a:pt x="902842" y="1159128"/>
+                  <a:pt x="868395" y="1108933"/>
+                  <a:pt x="606021" y="1131589"/>
+                </a:cubicBezTo>
+                <a:cubicBezTo>
+                  <a:pt x="343647" y="1154245"/>
+                  <a:pt x="123726" y="1141243"/>
+                  <a:pt x="0" y="1131589"/>
+                </a:cubicBezTo>
+                <a:cubicBezTo>
+                  <a:pt x="13949" y="991279"/>
+                  <a:pt x="25719" y="800669"/>
+                  <a:pt x="0" y="543163"/>
+                </a:cubicBezTo>
+                <a:cubicBezTo>
+                  <a:pt x="-25719" y="285657"/>
+                  <a:pt x="-21124" y="218034"/>
+                  <a:pt x="0" y="0"/>
+                </a:cubicBezTo>
+                <a:close/>
+              </a:path>
+            </a:pathLst>
+          </a:custGeom>
+          <a:noFill/>
+          <a:ln w="28575">
+            <a:solidFill>
+              <a:srgbClr val="66358C"/>
+            </a:solidFill>
+            <a:extLst>
+              <a:ext uri="{C807C97D-BFC1-408E-A445-0C87EB9F89A2}">
+                <ask:lineSketchStyleProps xmlns:ask="http://schemas.microsoft.com/office/drawing/2018/sketchyshapes" sd="399823571">
+                  <a:prstGeom prst="rect">
+                    <a:avLst/>
+                  </a:prstGeom>
+                  <ask:type>
+                    <ask:lineSketchFreehand/>
+                  </ask:type>
+                </ask:lineSketchStyleProps>
+              </a:ext>
+            </a:extLst>
+          </a:ln>
+        </p:spPr>
+        <p:style>
+          <a:lnRef idx="2">
+            <a:schemeClr val="accent1">
+              <a:shade val="50000"/>
+            </a:schemeClr>
+          </a:lnRef>
+          <a:fillRef idx="1">
+            <a:schemeClr val="accent1"/>
+          </a:fillRef>
+          <a:effectRef idx="0">
+            <a:schemeClr val="accent1"/>
+          </a:effectRef>
+          <a:fontRef idx="minor">
+            <a:schemeClr val="lt1"/>
+          </a:fontRef>
+        </p:style>
+        <p:txBody>
+          <a:bodyPr rtlCol="0" anchor="ctr"/>
+          <a:lstStyle/>
+          <a:p>
+            <a:pPr algn="ctr"/>
+            <a:r>
+              <a:rPr lang="de-DE" dirty="0">
+                <a:solidFill>
+                  <a:schemeClr val="tx1"/>
+                </a:solidFill>
+                <a:latin typeface="Novecento sans Normal" panose="00000500000000000000"/>
+              </a:rPr>
+              <a:t>Moderner </a:t>
+            </a:r>
+            <a:r>
+              <a:rPr lang="de-DE" dirty="0" err="1">
+                <a:solidFill>
+                  <a:schemeClr val="tx1"/>
+                </a:solidFill>
+                <a:latin typeface="Novecento sans Normal" panose="00000500000000000000"/>
+              </a:rPr>
+              <a:t>Machine</a:t>
+            </a:r>
+            <a:r>
+              <a:rPr lang="de-DE" dirty="0">
+                <a:solidFill>
+                  <a:schemeClr val="tx1"/>
+                </a:solidFill>
+                <a:latin typeface="Novecento sans Normal" panose="00000500000000000000"/>
+              </a:rPr>
+              <a:t>-Learning Algorithmus für die Emotionserkennung</a:t>
+            </a:r>
+          </a:p>
+        </p:txBody>
+      </p:sp>
+      <p:sp>
+        <p:nvSpPr>
+          <p:cNvPr id="13" name="Rechteck 12">
+            <a:extLst>
+              <a:ext uri="{FF2B5EF4-FFF2-40B4-BE49-F238E27FC236}">
+                <a16:creationId xmlns:a16="http://schemas.microsoft.com/office/drawing/2014/main" id="{E0D4C329-4905-4AC8-AC56-4E4E0834819B}"/>
+              </a:ext>
+            </a:extLst>
+          </p:cNvPr>
+          <p:cNvSpPr/>
+          <p:nvPr/>
+        </p:nvSpPr>
+        <p:spPr>
+          <a:xfrm>
+            <a:off x="7388606" y="1815034"/>
+            <a:ext cx="2885813" cy="1131589"/>
+          </a:xfrm>
+          <a:custGeom>
+            <a:avLst/>
+            <a:gdLst>
+              <a:gd name="connsiteX0" fmla="*/ 0 w 2885813"/>
+              <a:gd name="connsiteY0" fmla="*/ 0 h 1131589"/>
+              <a:gd name="connsiteX1" fmla="*/ 548304 w 2885813"/>
+              <a:gd name="connsiteY1" fmla="*/ 0 h 1131589"/>
+              <a:gd name="connsiteX2" fmla="*/ 1125467 w 2885813"/>
+              <a:gd name="connsiteY2" fmla="*/ 0 h 1131589"/>
+              <a:gd name="connsiteX3" fmla="*/ 1702630 w 2885813"/>
+              <a:gd name="connsiteY3" fmla="*/ 0 h 1131589"/>
+              <a:gd name="connsiteX4" fmla="*/ 2337509 w 2885813"/>
+              <a:gd name="connsiteY4" fmla="*/ 0 h 1131589"/>
+              <a:gd name="connsiteX5" fmla="*/ 2885813 w 2885813"/>
+              <a:gd name="connsiteY5" fmla="*/ 0 h 1131589"/>
+              <a:gd name="connsiteX6" fmla="*/ 2885813 w 2885813"/>
+              <a:gd name="connsiteY6" fmla="*/ 531847 h 1131589"/>
+              <a:gd name="connsiteX7" fmla="*/ 2885813 w 2885813"/>
+              <a:gd name="connsiteY7" fmla="*/ 1131589 h 1131589"/>
+              <a:gd name="connsiteX8" fmla="*/ 2366367 w 2885813"/>
+              <a:gd name="connsiteY8" fmla="*/ 1131589 h 1131589"/>
+              <a:gd name="connsiteX9" fmla="*/ 1731488 w 2885813"/>
+              <a:gd name="connsiteY9" fmla="*/ 1131589 h 1131589"/>
+              <a:gd name="connsiteX10" fmla="*/ 1212041 w 2885813"/>
+              <a:gd name="connsiteY10" fmla="*/ 1131589 h 1131589"/>
+              <a:gd name="connsiteX11" fmla="*/ 692595 w 2885813"/>
+              <a:gd name="connsiteY11" fmla="*/ 1131589 h 1131589"/>
+              <a:gd name="connsiteX12" fmla="*/ 0 w 2885813"/>
+              <a:gd name="connsiteY12" fmla="*/ 1131589 h 1131589"/>
+              <a:gd name="connsiteX13" fmla="*/ 0 w 2885813"/>
+              <a:gd name="connsiteY13" fmla="*/ 577110 h 1131589"/>
+              <a:gd name="connsiteX14" fmla="*/ 0 w 2885813"/>
+              <a:gd name="connsiteY14" fmla="*/ 0 h 1131589"/>
+            </a:gdLst>
+            <a:ahLst/>
+            <a:cxnLst>
+              <a:cxn ang="0">
+                <a:pos x="connsiteX0" y="connsiteY0"/>
+              </a:cxn>
+              <a:cxn ang="0">
+                <a:pos x="connsiteX1" y="connsiteY1"/>
+              </a:cxn>
+              <a:cxn ang="0">
+                <a:pos x="connsiteX2" y="connsiteY2"/>
+              </a:cxn>
+              <a:cxn ang="0">
+                <a:pos x="connsiteX3" y="connsiteY3"/>
+              </a:cxn>
+              <a:cxn ang="0">
+                <a:pos x="connsiteX4" y="connsiteY4"/>
+              </a:cxn>
+              <a:cxn ang="0">
+                <a:pos x="connsiteX5" y="connsiteY5"/>
+              </a:cxn>
+              <a:cxn ang="0">
+                <a:pos x="connsiteX6" y="connsiteY6"/>
+              </a:cxn>
+              <a:cxn ang="0">
+                <a:pos x="connsiteX7" y="connsiteY7"/>
+              </a:cxn>
+              <a:cxn ang="0">
+                <a:pos x="connsiteX8" y="connsiteY8"/>
+              </a:cxn>
+              <a:cxn ang="0">
+                <a:pos x="connsiteX9" y="connsiteY9"/>
+              </a:cxn>
+              <a:cxn ang="0">
+                <a:pos x="connsiteX10" y="connsiteY10"/>
+              </a:cxn>
+              <a:cxn ang="0">
+                <a:pos x="connsiteX11" y="connsiteY11"/>
+              </a:cxn>
+              <a:cxn ang="0">
+                <a:pos x="connsiteX12" y="connsiteY12"/>
+              </a:cxn>
+              <a:cxn ang="0">
+                <a:pos x="connsiteX13" y="connsiteY13"/>
+              </a:cxn>
+              <a:cxn ang="0">
+                <a:pos x="connsiteX14" y="connsiteY14"/>
+              </a:cxn>
+            </a:cxnLst>
+            <a:rect l="l" t="t" r="r" b="b"/>
+            <a:pathLst>
+              <a:path w="2885813" h="1131589" extrusionOk="0">
+                <a:moveTo>
+                  <a:pt x="0" y="0"/>
+                </a:moveTo>
+                <a:cubicBezTo>
+                  <a:pt x="255859" y="-13364"/>
+                  <a:pt x="339318" y="1514"/>
+                  <a:pt x="548304" y="0"/>
+                </a:cubicBezTo>
+                <a:cubicBezTo>
+                  <a:pt x="757290" y="-1514"/>
+                  <a:pt x="953599" y="2034"/>
+                  <a:pt x="1125467" y="0"/>
+                </a:cubicBezTo>
+                <a:cubicBezTo>
+                  <a:pt x="1297335" y="-2034"/>
+                  <a:pt x="1468161" y="-15656"/>
+                  <a:pt x="1702630" y="0"/>
+                </a:cubicBezTo>
+                <a:cubicBezTo>
+                  <a:pt x="1937099" y="15656"/>
+                  <a:pt x="2137677" y="-14806"/>
+                  <a:pt x="2337509" y="0"/>
+                </a:cubicBezTo>
+                <a:cubicBezTo>
+                  <a:pt x="2537341" y="14806"/>
+                  <a:pt x="2733888" y="21799"/>
+                  <a:pt x="2885813" y="0"/>
+                </a:cubicBezTo>
+                <a:cubicBezTo>
+                  <a:pt x="2898310" y="261690"/>
+                  <a:pt x="2861079" y="398179"/>
+                  <a:pt x="2885813" y="531847"/>
+                </a:cubicBezTo>
+                <a:cubicBezTo>
+                  <a:pt x="2910547" y="665515"/>
+                  <a:pt x="2910411" y="933712"/>
+                  <a:pt x="2885813" y="1131589"/>
+                </a:cubicBezTo>
+                <a:cubicBezTo>
+                  <a:pt x="2682079" y="1108004"/>
+                  <a:pt x="2504311" y="1113767"/>
+                  <a:pt x="2366367" y="1131589"/>
+                </a:cubicBezTo>
+                <a:cubicBezTo>
+                  <a:pt x="2228423" y="1149411"/>
+                  <a:pt x="2019709" y="1129680"/>
+                  <a:pt x="1731488" y="1131589"/>
+                </a:cubicBezTo>
+                <a:cubicBezTo>
+                  <a:pt x="1443267" y="1133498"/>
+                  <a:pt x="1424229" y="1150728"/>
+                  <a:pt x="1212041" y="1131589"/>
+                </a:cubicBezTo>
+                <a:cubicBezTo>
+                  <a:pt x="999853" y="1112450"/>
+                  <a:pt x="850535" y="1122348"/>
+                  <a:pt x="692595" y="1131589"/>
+                </a:cubicBezTo>
+                <a:cubicBezTo>
+                  <a:pt x="534655" y="1140830"/>
+                  <a:pt x="281260" y="1142300"/>
+                  <a:pt x="0" y="1131589"/>
+                </a:cubicBezTo>
+                <a:cubicBezTo>
+                  <a:pt x="-18881" y="942499"/>
+                  <a:pt x="14037" y="813963"/>
+                  <a:pt x="0" y="577110"/>
+                </a:cubicBezTo>
+                <a:cubicBezTo>
+                  <a:pt x="-14037" y="340257"/>
+                  <a:pt x="-12498" y="234101"/>
+                  <a:pt x="0" y="0"/>
+                </a:cubicBezTo>
+                <a:close/>
+              </a:path>
+            </a:pathLst>
+          </a:custGeom>
+          <a:noFill/>
+          <a:ln w="28575">
+            <a:solidFill>
+              <a:srgbClr val="66358C"/>
+            </a:solidFill>
+            <a:extLst>
+              <a:ext uri="{C807C97D-BFC1-408E-A445-0C87EB9F89A2}">
+                <ask:lineSketchStyleProps xmlns:ask="http://schemas.microsoft.com/office/drawing/2018/sketchyshapes" sd="3542096935">
+                  <a:prstGeom prst="rect">
+                    <a:avLst/>
+                  </a:prstGeom>
+                  <ask:type>
+                    <ask:lineSketchFreehand/>
+                  </ask:type>
+                </ask:lineSketchStyleProps>
+              </a:ext>
+            </a:extLst>
+          </a:ln>
+        </p:spPr>
+        <p:style>
+          <a:lnRef idx="2">
+            <a:schemeClr val="accent1">
+              <a:shade val="50000"/>
+            </a:schemeClr>
+          </a:lnRef>
+          <a:fillRef idx="1">
+            <a:schemeClr val="accent1"/>
+          </a:fillRef>
+          <a:effectRef idx="0">
+            <a:schemeClr val="accent1"/>
+          </a:effectRef>
+          <a:fontRef idx="minor">
+            <a:schemeClr val="lt1"/>
+          </a:fontRef>
+        </p:style>
+        <p:txBody>
+          <a:bodyPr rtlCol="0" anchor="ctr"/>
+          <a:lstStyle/>
+          <a:p>
+            <a:pPr algn="ctr"/>
+            <a:r>
+              <a:rPr lang="de-DE" dirty="0">
+                <a:solidFill>
+                  <a:schemeClr val="tx1"/>
+                </a:solidFill>
+                <a:latin typeface="Novecento sans Normal" panose="00000500000000000000"/>
+              </a:rPr>
+              <a:t>…</a:t>
+            </a:r>
+          </a:p>
+        </p:txBody>
+      </p:sp>
+      <p:sp>
+        <p:nvSpPr>
+          <p:cNvPr id="14" name="Rechteck 13">
+            <a:extLst>
+              <a:ext uri="{FF2B5EF4-FFF2-40B4-BE49-F238E27FC236}">
+                <a16:creationId xmlns:a16="http://schemas.microsoft.com/office/drawing/2014/main" id="{2AFD712A-2C70-413D-B1C4-13ED30F5E492}"/>
+              </a:ext>
+            </a:extLst>
+          </p:cNvPr>
+          <p:cNvSpPr/>
+          <p:nvPr/>
+        </p:nvSpPr>
+        <p:spPr>
+          <a:xfrm>
+            <a:off x="4356684" y="1815034"/>
+            <a:ext cx="2885813" cy="1131589"/>
+          </a:xfrm>
+          <a:custGeom>
+            <a:avLst/>
+            <a:gdLst>
+              <a:gd name="connsiteX0" fmla="*/ 0 w 2885813"/>
+              <a:gd name="connsiteY0" fmla="*/ 0 h 1131589"/>
+              <a:gd name="connsiteX1" fmla="*/ 577163 w 2885813"/>
+              <a:gd name="connsiteY1" fmla="*/ 0 h 1131589"/>
+              <a:gd name="connsiteX2" fmla="*/ 1183183 w 2885813"/>
+              <a:gd name="connsiteY2" fmla="*/ 0 h 1131589"/>
+              <a:gd name="connsiteX3" fmla="*/ 1760346 w 2885813"/>
+              <a:gd name="connsiteY3" fmla="*/ 0 h 1131589"/>
+              <a:gd name="connsiteX4" fmla="*/ 2366367 w 2885813"/>
+              <a:gd name="connsiteY4" fmla="*/ 0 h 1131589"/>
+              <a:gd name="connsiteX5" fmla="*/ 2885813 w 2885813"/>
+              <a:gd name="connsiteY5" fmla="*/ 0 h 1131589"/>
+              <a:gd name="connsiteX6" fmla="*/ 2885813 w 2885813"/>
+              <a:gd name="connsiteY6" fmla="*/ 565795 h 1131589"/>
+              <a:gd name="connsiteX7" fmla="*/ 2885813 w 2885813"/>
+              <a:gd name="connsiteY7" fmla="*/ 1131589 h 1131589"/>
+              <a:gd name="connsiteX8" fmla="*/ 2337509 w 2885813"/>
+              <a:gd name="connsiteY8" fmla="*/ 1131589 h 1131589"/>
+              <a:gd name="connsiteX9" fmla="*/ 1789204 w 2885813"/>
+              <a:gd name="connsiteY9" fmla="*/ 1131589 h 1131589"/>
+              <a:gd name="connsiteX10" fmla="*/ 1154325 w 2885813"/>
+              <a:gd name="connsiteY10" fmla="*/ 1131589 h 1131589"/>
+              <a:gd name="connsiteX11" fmla="*/ 606021 w 2885813"/>
+              <a:gd name="connsiteY11" fmla="*/ 1131589 h 1131589"/>
+              <a:gd name="connsiteX12" fmla="*/ 0 w 2885813"/>
+              <a:gd name="connsiteY12" fmla="*/ 1131589 h 1131589"/>
+              <a:gd name="connsiteX13" fmla="*/ 0 w 2885813"/>
+              <a:gd name="connsiteY13" fmla="*/ 543163 h 1131589"/>
+              <a:gd name="connsiteX14" fmla="*/ 0 w 2885813"/>
+              <a:gd name="connsiteY14" fmla="*/ 0 h 1131589"/>
+            </a:gdLst>
+            <a:ahLst/>
+            <a:cxnLst>
+              <a:cxn ang="0">
+                <a:pos x="connsiteX0" y="connsiteY0"/>
+              </a:cxn>
+              <a:cxn ang="0">
+                <a:pos x="connsiteX1" y="connsiteY1"/>
+              </a:cxn>
+              <a:cxn ang="0">
+                <a:pos x="connsiteX2" y="connsiteY2"/>
+              </a:cxn>
+              <a:cxn ang="0">
+                <a:pos x="connsiteX3" y="connsiteY3"/>
+              </a:cxn>
+              <a:cxn ang="0">
+                <a:pos x="connsiteX4" y="connsiteY4"/>
+              </a:cxn>
+              <a:cxn ang="0">
+                <a:pos x="connsiteX5" y="connsiteY5"/>
+              </a:cxn>
+              <a:cxn ang="0">
+                <a:pos x="connsiteX6" y="connsiteY6"/>
+              </a:cxn>
+              <a:cxn ang="0">
+                <a:pos x="connsiteX7" y="connsiteY7"/>
+              </a:cxn>
+              <a:cxn ang="0">
+                <a:pos x="connsiteX8" y="connsiteY8"/>
+              </a:cxn>
+              <a:cxn ang="0">
+                <a:pos x="connsiteX9" y="connsiteY9"/>
+              </a:cxn>
+              <a:cxn ang="0">
+                <a:pos x="connsiteX10" y="connsiteY10"/>
+              </a:cxn>
+              <a:cxn ang="0">
+                <a:pos x="connsiteX11" y="connsiteY11"/>
+              </a:cxn>
+              <a:cxn ang="0">
+                <a:pos x="connsiteX12" y="connsiteY12"/>
+              </a:cxn>
+              <a:cxn ang="0">
+                <a:pos x="connsiteX13" y="connsiteY13"/>
+              </a:cxn>
+              <a:cxn ang="0">
+                <a:pos x="connsiteX14" y="connsiteY14"/>
+              </a:cxn>
+            </a:cxnLst>
+            <a:rect l="l" t="t" r="r" b="b"/>
+            <a:pathLst>
+              <a:path w="2885813" h="1131589" extrusionOk="0">
+                <a:moveTo>
+                  <a:pt x="0" y="0"/>
+                </a:moveTo>
+                <a:cubicBezTo>
+                  <a:pt x="122746" y="6702"/>
+                  <a:pt x="395516" y="1874"/>
+                  <a:pt x="577163" y="0"/>
+                </a:cubicBezTo>
+                <a:cubicBezTo>
+                  <a:pt x="758810" y="-1874"/>
+                  <a:pt x="896827" y="25982"/>
+                  <a:pt x="1183183" y="0"/>
+                </a:cubicBezTo>
+                <a:cubicBezTo>
+                  <a:pt x="1469539" y="-25982"/>
+                  <a:pt x="1483337" y="17480"/>
+                  <a:pt x="1760346" y="0"/>
+                </a:cubicBezTo>
+                <a:cubicBezTo>
+                  <a:pt x="2037355" y="-17480"/>
+                  <a:pt x="2125912" y="-10304"/>
+                  <a:pt x="2366367" y="0"/>
+                </a:cubicBezTo>
+                <a:cubicBezTo>
+                  <a:pt x="2606822" y="10304"/>
+                  <a:pt x="2730500" y="23701"/>
+                  <a:pt x="2885813" y="0"/>
+                </a:cubicBezTo>
+                <a:cubicBezTo>
+                  <a:pt x="2881865" y="260288"/>
+                  <a:pt x="2904460" y="283741"/>
+                  <a:pt x="2885813" y="565795"/>
+                </a:cubicBezTo>
+                <a:cubicBezTo>
+                  <a:pt x="2867166" y="847849"/>
+                  <a:pt x="2874549" y="898096"/>
+                  <a:pt x="2885813" y="1131589"/>
+                </a:cubicBezTo>
+                <a:cubicBezTo>
+                  <a:pt x="2653286" y="1156242"/>
+                  <a:pt x="2577492" y="1136572"/>
+                  <a:pt x="2337509" y="1131589"/>
+                </a:cubicBezTo>
+                <a:cubicBezTo>
+                  <a:pt x="2097526" y="1126606"/>
+                  <a:pt x="1994738" y="1114968"/>
+                  <a:pt x="1789204" y="1131589"/>
+                </a:cubicBezTo>
+                <a:cubicBezTo>
+                  <a:pt x="1583670" y="1148210"/>
+                  <a:pt x="1405808" y="1104050"/>
+                  <a:pt x="1154325" y="1131589"/>
+                </a:cubicBezTo>
+                <a:cubicBezTo>
+                  <a:pt x="902842" y="1159128"/>
+                  <a:pt x="868395" y="1108933"/>
+                  <a:pt x="606021" y="1131589"/>
+                </a:cubicBezTo>
+                <a:cubicBezTo>
+                  <a:pt x="343647" y="1154245"/>
+                  <a:pt x="123726" y="1141243"/>
+                  <a:pt x="0" y="1131589"/>
+                </a:cubicBezTo>
+                <a:cubicBezTo>
+                  <a:pt x="13949" y="991279"/>
+                  <a:pt x="25719" y="800669"/>
+                  <a:pt x="0" y="543163"/>
+                </a:cubicBezTo>
+                <a:cubicBezTo>
+                  <a:pt x="-25719" y="285657"/>
+                  <a:pt x="-21124" y="218034"/>
+                  <a:pt x="0" y="0"/>
+                </a:cubicBezTo>
+                <a:close/>
+              </a:path>
+            </a:pathLst>
+          </a:custGeom>
+          <a:noFill/>
+          <a:ln w="28575">
+            <a:solidFill>
+              <a:srgbClr val="66358C"/>
+            </a:solidFill>
+            <a:extLst>
+              <a:ext uri="{C807C97D-BFC1-408E-A445-0C87EB9F89A2}">
+                <ask:lineSketchStyleProps xmlns:ask="http://schemas.microsoft.com/office/drawing/2018/sketchyshapes" sd="399823571">
+                  <a:prstGeom prst="rect">
+                    <a:avLst/>
+                  </a:prstGeom>
+                  <ask:type>
+                    <ask:lineSketchFreehand/>
+                  </ask:type>
+                </ask:lineSketchStyleProps>
+              </a:ext>
+            </a:extLst>
+          </a:ln>
+        </p:spPr>
+        <p:style>
+          <a:lnRef idx="2">
+            <a:schemeClr val="accent1">
+              <a:shade val="50000"/>
+            </a:schemeClr>
+          </a:lnRef>
+          <a:fillRef idx="1">
+            <a:schemeClr val="accent1"/>
+          </a:fillRef>
+          <a:effectRef idx="0">
+            <a:schemeClr val="accent1"/>
+          </a:effectRef>
+          <a:fontRef idx="minor">
+            <a:schemeClr val="lt1"/>
+          </a:fontRef>
+        </p:style>
+        <p:txBody>
+          <a:bodyPr rtlCol="0" anchor="ctr"/>
+          <a:lstStyle/>
+          <a:p>
+            <a:pPr algn="ctr"/>
+            <a:r>
+              <a:rPr lang="de-DE" dirty="0">
+                <a:solidFill>
+                  <a:schemeClr val="tx1"/>
+                </a:solidFill>
+                <a:latin typeface="Novecento sans Normal" panose="00000500000000000000"/>
+              </a:rPr>
+              <a:t>Innovatives und praktisches Design</a:t>
+            </a:r>
+          </a:p>
+        </p:txBody>
+      </p:sp>
+      <p:sp>
+        <p:nvSpPr>
+          <p:cNvPr id="15" name="Rechteck 14">
+            <a:extLst>
+              <a:ext uri="{FF2B5EF4-FFF2-40B4-BE49-F238E27FC236}">
+                <a16:creationId xmlns:a16="http://schemas.microsoft.com/office/drawing/2014/main" id="{9F55BA8B-337B-4703-9DCA-C4FDD8ACF16A}"/>
+              </a:ext>
+            </a:extLst>
+          </p:cNvPr>
+          <p:cNvSpPr/>
+          <p:nvPr/>
+        </p:nvSpPr>
+        <p:spPr>
+          <a:xfrm>
+            <a:off x="6736645" y="3136581"/>
+            <a:ext cx="2885813" cy="1131589"/>
+          </a:xfrm>
+          <a:custGeom>
+            <a:avLst/>
+            <a:gdLst>
+              <a:gd name="connsiteX0" fmla="*/ 0 w 2885813"/>
+              <a:gd name="connsiteY0" fmla="*/ 0 h 1131589"/>
+              <a:gd name="connsiteX1" fmla="*/ 490588 w 2885813"/>
+              <a:gd name="connsiteY1" fmla="*/ 0 h 1131589"/>
+              <a:gd name="connsiteX2" fmla="*/ 1010035 w 2885813"/>
+              <a:gd name="connsiteY2" fmla="*/ 0 h 1131589"/>
+              <a:gd name="connsiteX3" fmla="*/ 1644913 w 2885813"/>
+              <a:gd name="connsiteY3" fmla="*/ 0 h 1131589"/>
+              <a:gd name="connsiteX4" fmla="*/ 2222076 w 2885813"/>
+              <a:gd name="connsiteY4" fmla="*/ 0 h 1131589"/>
+              <a:gd name="connsiteX5" fmla="*/ 2885813 w 2885813"/>
+              <a:gd name="connsiteY5" fmla="*/ 0 h 1131589"/>
+              <a:gd name="connsiteX6" fmla="*/ 2885813 w 2885813"/>
+              <a:gd name="connsiteY6" fmla="*/ 543163 h 1131589"/>
+              <a:gd name="connsiteX7" fmla="*/ 2885813 w 2885813"/>
+              <a:gd name="connsiteY7" fmla="*/ 1131589 h 1131589"/>
+              <a:gd name="connsiteX8" fmla="*/ 2395225 w 2885813"/>
+              <a:gd name="connsiteY8" fmla="*/ 1131589 h 1131589"/>
+              <a:gd name="connsiteX9" fmla="*/ 1760346 w 2885813"/>
+              <a:gd name="connsiteY9" fmla="*/ 1131589 h 1131589"/>
+              <a:gd name="connsiteX10" fmla="*/ 1183183 w 2885813"/>
+              <a:gd name="connsiteY10" fmla="*/ 1131589 h 1131589"/>
+              <a:gd name="connsiteX11" fmla="*/ 606021 w 2885813"/>
+              <a:gd name="connsiteY11" fmla="*/ 1131589 h 1131589"/>
+              <a:gd name="connsiteX12" fmla="*/ 0 w 2885813"/>
+              <a:gd name="connsiteY12" fmla="*/ 1131589 h 1131589"/>
+              <a:gd name="connsiteX13" fmla="*/ 0 w 2885813"/>
+              <a:gd name="connsiteY13" fmla="*/ 543163 h 1131589"/>
+              <a:gd name="connsiteX14" fmla="*/ 0 w 2885813"/>
+              <a:gd name="connsiteY14" fmla="*/ 0 h 1131589"/>
+            </a:gdLst>
+            <a:ahLst/>
+            <a:cxnLst>
+              <a:cxn ang="0">
+                <a:pos x="connsiteX0" y="connsiteY0"/>
+              </a:cxn>
+              <a:cxn ang="0">
+                <a:pos x="connsiteX1" y="connsiteY1"/>
+              </a:cxn>
+              <a:cxn ang="0">
+                <a:pos x="connsiteX2" y="connsiteY2"/>
+              </a:cxn>
+              <a:cxn ang="0">
+                <a:pos x="connsiteX3" y="connsiteY3"/>
+              </a:cxn>
+              <a:cxn ang="0">
+                <a:pos x="connsiteX4" y="connsiteY4"/>
+              </a:cxn>
+              <a:cxn ang="0">
+                <a:pos x="connsiteX5" y="connsiteY5"/>
+              </a:cxn>
+              <a:cxn ang="0">
+                <a:pos x="connsiteX6" y="connsiteY6"/>
+              </a:cxn>
+              <a:cxn ang="0">
+                <a:pos x="connsiteX7" y="connsiteY7"/>
+              </a:cxn>
+              <a:cxn ang="0">
+                <a:pos x="connsiteX8" y="connsiteY8"/>
+              </a:cxn>
+              <a:cxn ang="0">
+                <a:pos x="connsiteX9" y="connsiteY9"/>
+              </a:cxn>
+              <a:cxn ang="0">
+                <a:pos x="connsiteX10" y="connsiteY10"/>
+              </a:cxn>
+              <a:cxn ang="0">
+                <a:pos x="connsiteX11" y="connsiteY11"/>
+              </a:cxn>
+              <a:cxn ang="0">
+                <a:pos x="connsiteX12" y="connsiteY12"/>
+              </a:cxn>
+              <a:cxn ang="0">
+                <a:pos x="connsiteX13" y="connsiteY13"/>
+              </a:cxn>
+              <a:cxn ang="0">
+                <a:pos x="connsiteX14" y="connsiteY14"/>
+              </a:cxn>
+            </a:cxnLst>
+            <a:rect l="l" t="t" r="r" b="b"/>
+            <a:pathLst>
+              <a:path w="2885813" h="1131589" extrusionOk="0">
+                <a:moveTo>
+                  <a:pt x="0" y="0"/>
+                </a:moveTo>
+                <a:cubicBezTo>
+                  <a:pt x="137066" y="-11227"/>
+                  <a:pt x="304999" y="22081"/>
+                  <a:pt x="490588" y="0"/>
+                </a:cubicBezTo>
+                <a:cubicBezTo>
+                  <a:pt x="676177" y="-22081"/>
+                  <a:pt x="898492" y="16394"/>
+                  <a:pt x="1010035" y="0"/>
+                </a:cubicBezTo>
+                <a:cubicBezTo>
+                  <a:pt x="1121578" y="-16394"/>
+                  <a:pt x="1416215" y="-5365"/>
+                  <a:pt x="1644913" y="0"/>
+                </a:cubicBezTo>
+                <a:cubicBezTo>
+                  <a:pt x="1873611" y="5365"/>
+                  <a:pt x="2011306" y="25430"/>
+                  <a:pt x="2222076" y="0"/>
+                </a:cubicBezTo>
+                <a:cubicBezTo>
+                  <a:pt x="2432846" y="-25430"/>
+                  <a:pt x="2716261" y="30735"/>
+                  <a:pt x="2885813" y="0"/>
+                </a:cubicBezTo>
+                <a:cubicBezTo>
+                  <a:pt x="2867766" y="232953"/>
+                  <a:pt x="2859057" y="349259"/>
+                  <a:pt x="2885813" y="543163"/>
+                </a:cubicBezTo>
+                <a:cubicBezTo>
+                  <a:pt x="2912569" y="737067"/>
+                  <a:pt x="2872593" y="855163"/>
+                  <a:pt x="2885813" y="1131589"/>
+                </a:cubicBezTo>
+                <a:cubicBezTo>
+                  <a:pt x="2721000" y="1151921"/>
+                  <a:pt x="2563705" y="1153452"/>
+                  <a:pt x="2395225" y="1131589"/>
+                </a:cubicBezTo>
+                <a:cubicBezTo>
+                  <a:pt x="2226745" y="1109726"/>
+                  <a:pt x="1985329" y="1136636"/>
+                  <a:pt x="1760346" y="1131589"/>
+                </a:cubicBezTo>
+                <a:cubicBezTo>
+                  <a:pt x="1535363" y="1126542"/>
+                  <a:pt x="1324877" y="1105261"/>
+                  <a:pt x="1183183" y="1131589"/>
+                </a:cubicBezTo>
+                <a:cubicBezTo>
+                  <a:pt x="1041489" y="1157917"/>
+                  <a:pt x="841983" y="1126599"/>
+                  <a:pt x="606021" y="1131589"/>
+                </a:cubicBezTo>
+                <a:cubicBezTo>
+                  <a:pt x="370059" y="1136579"/>
+                  <a:pt x="259548" y="1103315"/>
+                  <a:pt x="0" y="1131589"/>
+                </a:cubicBezTo>
+                <a:cubicBezTo>
+                  <a:pt x="26031" y="980118"/>
+                  <a:pt x="-9936" y="725808"/>
+                  <a:pt x="0" y="543163"/>
+                </a:cubicBezTo>
+                <a:cubicBezTo>
+                  <a:pt x="9936" y="360518"/>
+                  <a:pt x="-7503" y="137820"/>
+                  <a:pt x="0" y="0"/>
+                </a:cubicBezTo>
+                <a:close/>
+              </a:path>
+            </a:pathLst>
+          </a:custGeom>
+          <a:noFill/>
+          <a:ln w="28575">
+            <a:solidFill>
+              <a:srgbClr val="66358C"/>
+            </a:solidFill>
+            <a:extLst>
+              <a:ext uri="{C807C97D-BFC1-408E-A445-0C87EB9F89A2}">
+                <ask:lineSketchStyleProps xmlns:ask="http://schemas.microsoft.com/office/drawing/2018/sketchyshapes" sd="2650216993">
+                  <a:prstGeom prst="rect">
+                    <a:avLst/>
+                  </a:prstGeom>
+                  <ask:type>
+                    <ask:lineSketchFreehand/>
+                  </ask:type>
+                </ask:lineSketchStyleProps>
+              </a:ext>
+            </a:extLst>
+          </a:ln>
+        </p:spPr>
+        <p:style>
+          <a:lnRef idx="2">
+            <a:schemeClr val="accent1">
+              <a:shade val="50000"/>
+            </a:schemeClr>
+          </a:lnRef>
+          <a:fillRef idx="1">
+            <a:schemeClr val="accent1"/>
+          </a:fillRef>
+          <a:effectRef idx="0">
+            <a:schemeClr val="accent1"/>
+          </a:effectRef>
+          <a:fontRef idx="minor">
+            <a:schemeClr val="lt1"/>
+          </a:fontRef>
+        </p:style>
+        <p:txBody>
+          <a:bodyPr rtlCol="0" anchor="ctr"/>
+          <a:lstStyle/>
+          <a:p>
+            <a:pPr algn="ctr"/>
+            <a:r>
+              <a:rPr lang="de-DE" dirty="0">
+                <a:solidFill>
+                  <a:schemeClr val="tx1"/>
+                </a:solidFill>
+                <a:latin typeface="Novecento sans Normal" panose="00000500000000000000"/>
+              </a:rPr>
+              <a:t>…</a:t>
+            </a:r>
+          </a:p>
+        </p:txBody>
+      </p:sp>
+      <p:pic>
+        <p:nvPicPr>
+          <p:cNvPr id="19" name="Grafik 18" descr="Ein Bild, das Pfeil enthält.&#10;&#10;Automatisch generierte Beschreibung">
+            <a:extLst>
+              <a:ext uri="{FF2B5EF4-FFF2-40B4-BE49-F238E27FC236}">
+                <a16:creationId xmlns:a16="http://schemas.microsoft.com/office/drawing/2014/main" id="{ACC19228-6EB3-4E42-804E-4BB63AA49FCD}"/>
+              </a:ext>
+            </a:extLst>
+          </p:cNvPr>
+          <p:cNvPicPr>
+            <a:picLocks noChangeAspect="1"/>
+          </p:cNvPicPr>
+          <p:nvPr/>
+        </p:nvPicPr>
+        <p:blipFill>
+          <a:blip r:embed="rId2">
+            <a:extLst>
+              <a:ext uri="{28A0092B-C50C-407E-A947-70E740481C1C}">
+                <a14:useLocalDpi xmlns:a14="http://schemas.microsoft.com/office/drawing/2010/main" val="0"/>
+              </a:ext>
+            </a:extLst>
+          </a:blip>
+          <a:stretch>
+            <a:fillRect/>
+          </a:stretch>
+        </p:blipFill>
+        <p:spPr>
+          <a:xfrm>
+            <a:off x="10851603" y="-109471"/>
+            <a:ext cx="1532965" cy="1532965"/>
+          </a:xfrm>
+          <a:prstGeom prst="rect">
+            <a:avLst/>
+          </a:prstGeom>
+        </p:spPr>
+      </p:pic>
+      <p:sp>
+        <p:nvSpPr>
+          <p:cNvPr id="20" name="Rechteck 19">
+            <a:extLst>
+              <a:ext uri="{FF2B5EF4-FFF2-40B4-BE49-F238E27FC236}">
+                <a16:creationId xmlns:a16="http://schemas.microsoft.com/office/drawing/2014/main" id="{56DFF2CF-F32D-4B3A-BC71-D913A7D571DF}"/>
+              </a:ext>
+            </a:extLst>
+          </p:cNvPr>
+          <p:cNvSpPr/>
+          <p:nvPr/>
+        </p:nvSpPr>
+        <p:spPr>
+          <a:xfrm>
+            <a:off x="1324762" y="4469008"/>
+            <a:ext cx="2885813" cy="1131589"/>
+          </a:xfrm>
+          <a:custGeom>
+            <a:avLst/>
+            <a:gdLst>
+              <a:gd name="connsiteX0" fmla="*/ 0 w 2885813"/>
+              <a:gd name="connsiteY0" fmla="*/ 0 h 1131589"/>
+              <a:gd name="connsiteX1" fmla="*/ 548304 w 2885813"/>
+              <a:gd name="connsiteY1" fmla="*/ 0 h 1131589"/>
+              <a:gd name="connsiteX2" fmla="*/ 1038893 w 2885813"/>
+              <a:gd name="connsiteY2" fmla="*/ 0 h 1131589"/>
+              <a:gd name="connsiteX3" fmla="*/ 1673772 w 2885813"/>
+              <a:gd name="connsiteY3" fmla="*/ 0 h 1131589"/>
+              <a:gd name="connsiteX4" fmla="*/ 2222076 w 2885813"/>
+              <a:gd name="connsiteY4" fmla="*/ 0 h 1131589"/>
+              <a:gd name="connsiteX5" fmla="*/ 2885813 w 2885813"/>
+              <a:gd name="connsiteY5" fmla="*/ 0 h 1131589"/>
+              <a:gd name="connsiteX6" fmla="*/ 2885813 w 2885813"/>
+              <a:gd name="connsiteY6" fmla="*/ 588426 h 1131589"/>
+              <a:gd name="connsiteX7" fmla="*/ 2885813 w 2885813"/>
+              <a:gd name="connsiteY7" fmla="*/ 1131589 h 1131589"/>
+              <a:gd name="connsiteX8" fmla="*/ 2308650 w 2885813"/>
+              <a:gd name="connsiteY8" fmla="*/ 1131589 h 1131589"/>
+              <a:gd name="connsiteX9" fmla="*/ 1818062 w 2885813"/>
+              <a:gd name="connsiteY9" fmla="*/ 1131589 h 1131589"/>
+              <a:gd name="connsiteX10" fmla="*/ 1240900 w 2885813"/>
+              <a:gd name="connsiteY10" fmla="*/ 1131589 h 1131589"/>
+              <a:gd name="connsiteX11" fmla="*/ 663737 w 2885813"/>
+              <a:gd name="connsiteY11" fmla="*/ 1131589 h 1131589"/>
+              <a:gd name="connsiteX12" fmla="*/ 0 w 2885813"/>
+              <a:gd name="connsiteY12" fmla="*/ 1131589 h 1131589"/>
+              <a:gd name="connsiteX13" fmla="*/ 0 w 2885813"/>
+              <a:gd name="connsiteY13" fmla="*/ 543163 h 1131589"/>
+              <a:gd name="connsiteX14" fmla="*/ 0 w 2885813"/>
+              <a:gd name="connsiteY14" fmla="*/ 0 h 1131589"/>
+            </a:gdLst>
+            <a:ahLst/>
+            <a:cxnLst>
+              <a:cxn ang="0">
+                <a:pos x="connsiteX0" y="connsiteY0"/>
+              </a:cxn>
+              <a:cxn ang="0">
+                <a:pos x="connsiteX1" y="connsiteY1"/>
+              </a:cxn>
+              <a:cxn ang="0">
+                <a:pos x="connsiteX2" y="connsiteY2"/>
+              </a:cxn>
+              <a:cxn ang="0">
+                <a:pos x="connsiteX3" y="connsiteY3"/>
+              </a:cxn>
+              <a:cxn ang="0">
+                <a:pos x="connsiteX4" y="connsiteY4"/>
+              </a:cxn>
+              <a:cxn ang="0">
+                <a:pos x="connsiteX5" y="connsiteY5"/>
+              </a:cxn>
+              <a:cxn ang="0">
+                <a:pos x="connsiteX6" y="connsiteY6"/>
+              </a:cxn>
+              <a:cxn ang="0">
+                <a:pos x="connsiteX7" y="connsiteY7"/>
+              </a:cxn>
+              <a:cxn ang="0">
+                <a:pos x="connsiteX8" y="connsiteY8"/>
+              </a:cxn>
+              <a:cxn ang="0">
+                <a:pos x="connsiteX9" y="connsiteY9"/>
+              </a:cxn>
+              <a:cxn ang="0">
+                <a:pos x="connsiteX10" y="connsiteY10"/>
+              </a:cxn>
+              <a:cxn ang="0">
+                <a:pos x="connsiteX11" y="connsiteY11"/>
+              </a:cxn>
+              <a:cxn ang="0">
+                <a:pos x="connsiteX12" y="connsiteY12"/>
+              </a:cxn>
+              <a:cxn ang="0">
+                <a:pos x="connsiteX13" y="connsiteY13"/>
+              </a:cxn>
+              <a:cxn ang="0">
+                <a:pos x="connsiteX14" y="connsiteY14"/>
+              </a:cxn>
+            </a:cxnLst>
+            <a:rect l="l" t="t" r="r" b="b"/>
+            <a:pathLst>
+              <a:path w="2885813" h="1131589" extrusionOk="0">
+                <a:moveTo>
+                  <a:pt x="0" y="0"/>
+                </a:moveTo>
+                <a:cubicBezTo>
+                  <a:pt x="184969" y="11053"/>
+                  <a:pt x="345900" y="5097"/>
+                  <a:pt x="548304" y="0"/>
+                </a:cubicBezTo>
+                <a:cubicBezTo>
+                  <a:pt x="750708" y="-5097"/>
+                  <a:pt x="836522" y="-12481"/>
+                  <a:pt x="1038893" y="0"/>
+                </a:cubicBezTo>
+                <a:cubicBezTo>
+                  <a:pt x="1241264" y="12481"/>
+                  <a:pt x="1497403" y="-23288"/>
+                  <a:pt x="1673772" y="0"/>
+                </a:cubicBezTo>
+                <a:cubicBezTo>
+                  <a:pt x="1850141" y="23288"/>
+                  <a:pt x="2107496" y="25300"/>
+                  <a:pt x="2222076" y="0"/>
+                </a:cubicBezTo>
+                <a:cubicBezTo>
+                  <a:pt x="2336656" y="-25300"/>
+                  <a:pt x="2634214" y="14713"/>
+                  <a:pt x="2885813" y="0"/>
+                </a:cubicBezTo>
+                <a:cubicBezTo>
+                  <a:pt x="2897079" y="160129"/>
+                  <a:pt x="2893814" y="361200"/>
+                  <a:pt x="2885813" y="588426"/>
+                </a:cubicBezTo>
+                <a:cubicBezTo>
+                  <a:pt x="2877812" y="815652"/>
+                  <a:pt x="2870569" y="889849"/>
+                  <a:pt x="2885813" y="1131589"/>
+                </a:cubicBezTo>
+                <a:cubicBezTo>
+                  <a:pt x="2707451" y="1142528"/>
+                  <a:pt x="2433643" y="1137854"/>
+                  <a:pt x="2308650" y="1131589"/>
+                </a:cubicBezTo>
+                <a:cubicBezTo>
+                  <a:pt x="2183657" y="1125324"/>
+                  <a:pt x="1926988" y="1155117"/>
+                  <a:pt x="1818062" y="1131589"/>
+                </a:cubicBezTo>
+                <a:cubicBezTo>
+                  <a:pt x="1709136" y="1108061"/>
+                  <a:pt x="1418906" y="1152183"/>
+                  <a:pt x="1240900" y="1131589"/>
+                </a:cubicBezTo>
+                <a:cubicBezTo>
+                  <a:pt x="1062894" y="1110995"/>
+                  <a:pt x="874289" y="1160121"/>
+                  <a:pt x="663737" y="1131589"/>
+                </a:cubicBezTo>
+                <a:cubicBezTo>
+                  <a:pt x="453185" y="1103057"/>
+                  <a:pt x="165505" y="1164717"/>
+                  <a:pt x="0" y="1131589"/>
+                </a:cubicBezTo>
+                <a:cubicBezTo>
+                  <a:pt x="23467" y="940987"/>
+                  <a:pt x="-17385" y="701451"/>
+                  <a:pt x="0" y="543163"/>
+                </a:cubicBezTo>
+                <a:cubicBezTo>
+                  <a:pt x="17385" y="384875"/>
+                  <a:pt x="-8441" y="246236"/>
+                  <a:pt x="0" y="0"/>
+                </a:cubicBezTo>
+                <a:close/>
+              </a:path>
+            </a:pathLst>
+          </a:custGeom>
+          <a:noFill/>
+          <a:ln w="28575">
+            <a:solidFill>
+              <a:srgbClr val="66358C"/>
+            </a:solidFill>
+            <a:extLst>
+              <a:ext uri="{C807C97D-BFC1-408E-A445-0C87EB9F89A2}">
+                <ask:lineSketchStyleProps xmlns:ask="http://schemas.microsoft.com/office/drawing/2018/sketchyshapes" sd="1219033472">
+                  <a:prstGeom prst="rect">
+                    <a:avLst/>
+                  </a:prstGeom>
+                  <ask:type>
+                    <ask:lineSketchFreehand/>
+                  </ask:type>
+                </ask:lineSketchStyleProps>
+              </a:ext>
+            </a:extLst>
+          </a:ln>
+        </p:spPr>
+        <p:style>
+          <a:lnRef idx="2">
+            <a:schemeClr val="accent1">
+              <a:shade val="50000"/>
+            </a:schemeClr>
+          </a:lnRef>
+          <a:fillRef idx="1">
+            <a:schemeClr val="accent1"/>
+          </a:fillRef>
+          <a:effectRef idx="0">
+            <a:schemeClr val="accent1"/>
+          </a:effectRef>
+          <a:fontRef idx="minor">
+            <a:schemeClr val="lt1"/>
+          </a:fontRef>
+        </p:style>
+        <p:txBody>
+          <a:bodyPr rtlCol="0" anchor="ctr"/>
+          <a:lstStyle/>
+          <a:p>
+            <a:pPr algn="ctr"/>
+            <a:r>
+              <a:rPr lang="de-DE" dirty="0">
+                <a:solidFill>
+                  <a:schemeClr val="tx1"/>
+                </a:solidFill>
+                <a:latin typeface="Novecento sans Normal" panose="00000500000000000000"/>
+              </a:rPr>
+              <a:t>…</a:t>
+            </a:r>
+          </a:p>
+        </p:txBody>
+      </p:sp>
+      <p:sp>
+        <p:nvSpPr>
+          <p:cNvPr id="21" name="Rechteck 20">
+            <a:extLst>
+              <a:ext uri="{FF2B5EF4-FFF2-40B4-BE49-F238E27FC236}">
+                <a16:creationId xmlns:a16="http://schemas.microsoft.com/office/drawing/2014/main" id="{140FB7B8-A05B-459A-9FF1-0E02BC10387C}"/>
+              </a:ext>
+            </a:extLst>
+          </p:cNvPr>
+          <p:cNvSpPr/>
+          <p:nvPr/>
+        </p:nvSpPr>
+        <p:spPr>
+          <a:xfrm>
+            <a:off x="7388606" y="4469008"/>
+            <a:ext cx="2885813" cy="1131589"/>
+          </a:xfrm>
+          <a:custGeom>
+            <a:avLst/>
+            <a:gdLst>
+              <a:gd name="connsiteX0" fmla="*/ 0 w 2885813"/>
+              <a:gd name="connsiteY0" fmla="*/ 0 h 1131589"/>
+              <a:gd name="connsiteX1" fmla="*/ 634879 w 2885813"/>
+              <a:gd name="connsiteY1" fmla="*/ 0 h 1131589"/>
+              <a:gd name="connsiteX2" fmla="*/ 1269758 w 2885813"/>
+              <a:gd name="connsiteY2" fmla="*/ 0 h 1131589"/>
+              <a:gd name="connsiteX3" fmla="*/ 1760346 w 2885813"/>
+              <a:gd name="connsiteY3" fmla="*/ 0 h 1131589"/>
+              <a:gd name="connsiteX4" fmla="*/ 2395225 w 2885813"/>
+              <a:gd name="connsiteY4" fmla="*/ 0 h 1131589"/>
+              <a:gd name="connsiteX5" fmla="*/ 2885813 w 2885813"/>
+              <a:gd name="connsiteY5" fmla="*/ 0 h 1131589"/>
+              <a:gd name="connsiteX6" fmla="*/ 2885813 w 2885813"/>
+              <a:gd name="connsiteY6" fmla="*/ 543163 h 1131589"/>
+              <a:gd name="connsiteX7" fmla="*/ 2885813 w 2885813"/>
+              <a:gd name="connsiteY7" fmla="*/ 1131589 h 1131589"/>
+              <a:gd name="connsiteX8" fmla="*/ 2279792 w 2885813"/>
+              <a:gd name="connsiteY8" fmla="*/ 1131589 h 1131589"/>
+              <a:gd name="connsiteX9" fmla="*/ 1702630 w 2885813"/>
+              <a:gd name="connsiteY9" fmla="*/ 1131589 h 1131589"/>
+              <a:gd name="connsiteX10" fmla="*/ 1125467 w 2885813"/>
+              <a:gd name="connsiteY10" fmla="*/ 1131589 h 1131589"/>
+              <a:gd name="connsiteX11" fmla="*/ 634879 w 2885813"/>
+              <a:gd name="connsiteY11" fmla="*/ 1131589 h 1131589"/>
+              <a:gd name="connsiteX12" fmla="*/ 0 w 2885813"/>
+              <a:gd name="connsiteY12" fmla="*/ 1131589 h 1131589"/>
+              <a:gd name="connsiteX13" fmla="*/ 0 w 2885813"/>
+              <a:gd name="connsiteY13" fmla="*/ 554479 h 1131589"/>
+              <a:gd name="connsiteX14" fmla="*/ 0 w 2885813"/>
+              <a:gd name="connsiteY14" fmla="*/ 0 h 1131589"/>
+            </a:gdLst>
+            <a:ahLst/>
+            <a:cxnLst>
+              <a:cxn ang="0">
+                <a:pos x="connsiteX0" y="connsiteY0"/>
+              </a:cxn>
+              <a:cxn ang="0">
+                <a:pos x="connsiteX1" y="connsiteY1"/>
+              </a:cxn>
+              <a:cxn ang="0">
+                <a:pos x="connsiteX2" y="connsiteY2"/>
+              </a:cxn>
+              <a:cxn ang="0">
+                <a:pos x="connsiteX3" y="connsiteY3"/>
+              </a:cxn>
+              <a:cxn ang="0">
+                <a:pos x="connsiteX4" y="connsiteY4"/>
+              </a:cxn>
+              <a:cxn ang="0">
+                <a:pos x="connsiteX5" y="connsiteY5"/>
+              </a:cxn>
+              <a:cxn ang="0">
+                <a:pos x="connsiteX6" y="connsiteY6"/>
+              </a:cxn>
+              <a:cxn ang="0">
+                <a:pos x="connsiteX7" y="connsiteY7"/>
+              </a:cxn>
+              <a:cxn ang="0">
+                <a:pos x="connsiteX8" y="connsiteY8"/>
+              </a:cxn>
+              <a:cxn ang="0">
+                <a:pos x="connsiteX9" y="connsiteY9"/>
+              </a:cxn>
+              <a:cxn ang="0">
+                <a:pos x="connsiteX10" y="connsiteY10"/>
+              </a:cxn>
+              <a:cxn ang="0">
+                <a:pos x="connsiteX11" y="connsiteY11"/>
+              </a:cxn>
+              <a:cxn ang="0">
+                <a:pos x="connsiteX12" y="connsiteY12"/>
+              </a:cxn>
+              <a:cxn ang="0">
+                <a:pos x="connsiteX13" y="connsiteY13"/>
+              </a:cxn>
+              <a:cxn ang="0">
+                <a:pos x="connsiteX14" y="connsiteY14"/>
+              </a:cxn>
+            </a:cxnLst>
+            <a:rect l="l" t="t" r="r" b="b"/>
+            <a:pathLst>
+              <a:path w="2885813" h="1131589" extrusionOk="0">
+                <a:moveTo>
+                  <a:pt x="0" y="0"/>
+                </a:moveTo>
+                <a:cubicBezTo>
+                  <a:pt x="283333" y="-24676"/>
+                  <a:pt x="448171" y="8316"/>
+                  <a:pt x="634879" y="0"/>
+                </a:cubicBezTo>
+                <a:cubicBezTo>
+                  <a:pt x="821587" y="-8316"/>
+                  <a:pt x="1033261" y="-5613"/>
+                  <a:pt x="1269758" y="0"/>
+                </a:cubicBezTo>
+                <a:cubicBezTo>
+                  <a:pt x="1506255" y="5613"/>
+                  <a:pt x="1597286" y="17871"/>
+                  <a:pt x="1760346" y="0"/>
+                </a:cubicBezTo>
+                <a:cubicBezTo>
+                  <a:pt x="1923406" y="-17871"/>
+                  <a:pt x="2211414" y="24187"/>
+                  <a:pt x="2395225" y="0"/>
+                </a:cubicBezTo>
+                <a:cubicBezTo>
+                  <a:pt x="2579036" y="-24187"/>
+                  <a:pt x="2772588" y="16163"/>
+                  <a:pt x="2885813" y="0"/>
+                </a:cubicBezTo>
+                <a:cubicBezTo>
+                  <a:pt x="2911186" y="152958"/>
+                  <a:pt x="2889157" y="427995"/>
+                  <a:pt x="2885813" y="543163"/>
+                </a:cubicBezTo>
+                <a:cubicBezTo>
+                  <a:pt x="2882469" y="658331"/>
+                  <a:pt x="2913628" y="973399"/>
+                  <a:pt x="2885813" y="1131589"/>
+                </a:cubicBezTo>
+                <a:cubicBezTo>
+                  <a:pt x="2683984" y="1118207"/>
+                  <a:pt x="2460128" y="1119127"/>
+                  <a:pt x="2279792" y="1131589"/>
+                </a:cubicBezTo>
+                <a:cubicBezTo>
+                  <a:pt x="2099456" y="1144051"/>
+                  <a:pt x="1876875" y="1123173"/>
+                  <a:pt x="1702630" y="1131589"/>
+                </a:cubicBezTo>
+                <a:cubicBezTo>
+                  <a:pt x="1528385" y="1140005"/>
+                  <a:pt x="1385847" y="1123891"/>
+                  <a:pt x="1125467" y="1131589"/>
+                </a:cubicBezTo>
+                <a:cubicBezTo>
+                  <a:pt x="865087" y="1139287"/>
+                  <a:pt x="815155" y="1113386"/>
+                  <a:pt x="634879" y="1131589"/>
+                </a:cubicBezTo>
+                <a:cubicBezTo>
+                  <a:pt x="454603" y="1149792"/>
+                  <a:pt x="150466" y="1156553"/>
+                  <a:pt x="0" y="1131589"/>
+                </a:cubicBezTo>
+                <a:cubicBezTo>
+                  <a:pt x="22460" y="859189"/>
+                  <a:pt x="10693" y="734784"/>
+                  <a:pt x="0" y="554479"/>
+                </a:cubicBezTo>
+                <a:cubicBezTo>
+                  <a:pt x="-10693" y="374174"/>
+                  <a:pt x="-9752" y="225908"/>
+                  <a:pt x="0" y="0"/>
+                </a:cubicBezTo>
+                <a:close/>
+              </a:path>
+            </a:pathLst>
+          </a:custGeom>
+          <a:noFill/>
+          <a:ln w="28575">
+            <a:solidFill>
+              <a:srgbClr val="66358C"/>
+            </a:solidFill>
+            <a:extLst>
+              <a:ext uri="{C807C97D-BFC1-408E-A445-0C87EB9F89A2}">
+                <ask:lineSketchStyleProps xmlns:ask="http://schemas.microsoft.com/office/drawing/2018/sketchyshapes" sd="1725446443">
+                  <a:prstGeom prst="rect">
+                    <a:avLst/>
+                  </a:prstGeom>
+                  <ask:type>
+                    <ask:lineSketchFreehand/>
+                  </ask:type>
+                </ask:lineSketchStyleProps>
+              </a:ext>
+            </a:extLst>
+          </a:ln>
+        </p:spPr>
+        <p:style>
+          <a:lnRef idx="2">
+            <a:schemeClr val="accent1">
+              <a:shade val="50000"/>
+            </a:schemeClr>
+          </a:lnRef>
+          <a:fillRef idx="1">
+            <a:schemeClr val="accent1"/>
+          </a:fillRef>
+          <a:effectRef idx="0">
+            <a:schemeClr val="accent1"/>
+          </a:effectRef>
+          <a:fontRef idx="minor">
+            <a:schemeClr val="lt1"/>
+          </a:fontRef>
+        </p:style>
+        <p:txBody>
+          <a:bodyPr rtlCol="0" anchor="ctr"/>
+          <a:lstStyle/>
+          <a:p>
+            <a:pPr algn="ctr"/>
+            <a:r>
+              <a:rPr lang="de-DE" dirty="0">
+                <a:solidFill>
+                  <a:schemeClr val="tx1"/>
+                </a:solidFill>
+                <a:latin typeface="Novecento sans Normal" panose="00000500000000000000"/>
+              </a:rPr>
+              <a:t>Beworbenes Produktportfolio ist beliebig erweiterbar</a:t>
+            </a:r>
+          </a:p>
+        </p:txBody>
+      </p:sp>
+      <p:sp>
+        <p:nvSpPr>
+          <p:cNvPr id="22" name="Rechteck 21">
+            <a:extLst>
+              <a:ext uri="{FF2B5EF4-FFF2-40B4-BE49-F238E27FC236}">
+                <a16:creationId xmlns:a16="http://schemas.microsoft.com/office/drawing/2014/main" id="{A0DEAA88-DE0A-40E5-A3ED-ECA51583377C}"/>
+              </a:ext>
+            </a:extLst>
+          </p:cNvPr>
+          <p:cNvSpPr/>
+          <p:nvPr/>
+        </p:nvSpPr>
+        <p:spPr>
+          <a:xfrm>
+            <a:off x="4356684" y="4469008"/>
+            <a:ext cx="2885813" cy="1131589"/>
+          </a:xfrm>
+          <a:custGeom>
+            <a:avLst/>
+            <a:gdLst>
+              <a:gd name="connsiteX0" fmla="*/ 0 w 2885813"/>
+              <a:gd name="connsiteY0" fmla="*/ 0 h 1131589"/>
+              <a:gd name="connsiteX1" fmla="*/ 577163 w 2885813"/>
+              <a:gd name="connsiteY1" fmla="*/ 0 h 1131589"/>
+              <a:gd name="connsiteX2" fmla="*/ 1183183 w 2885813"/>
+              <a:gd name="connsiteY2" fmla="*/ 0 h 1131589"/>
+              <a:gd name="connsiteX3" fmla="*/ 1760346 w 2885813"/>
+              <a:gd name="connsiteY3" fmla="*/ 0 h 1131589"/>
+              <a:gd name="connsiteX4" fmla="*/ 2366367 w 2885813"/>
+              <a:gd name="connsiteY4" fmla="*/ 0 h 1131589"/>
+              <a:gd name="connsiteX5" fmla="*/ 2885813 w 2885813"/>
+              <a:gd name="connsiteY5" fmla="*/ 0 h 1131589"/>
+              <a:gd name="connsiteX6" fmla="*/ 2885813 w 2885813"/>
+              <a:gd name="connsiteY6" fmla="*/ 565795 h 1131589"/>
+              <a:gd name="connsiteX7" fmla="*/ 2885813 w 2885813"/>
+              <a:gd name="connsiteY7" fmla="*/ 1131589 h 1131589"/>
+              <a:gd name="connsiteX8" fmla="*/ 2337509 w 2885813"/>
+              <a:gd name="connsiteY8" fmla="*/ 1131589 h 1131589"/>
+              <a:gd name="connsiteX9" fmla="*/ 1789204 w 2885813"/>
+              <a:gd name="connsiteY9" fmla="*/ 1131589 h 1131589"/>
+              <a:gd name="connsiteX10" fmla="*/ 1154325 w 2885813"/>
+              <a:gd name="connsiteY10" fmla="*/ 1131589 h 1131589"/>
+              <a:gd name="connsiteX11" fmla="*/ 606021 w 2885813"/>
+              <a:gd name="connsiteY11" fmla="*/ 1131589 h 1131589"/>
+              <a:gd name="connsiteX12" fmla="*/ 0 w 2885813"/>
+              <a:gd name="connsiteY12" fmla="*/ 1131589 h 1131589"/>
+              <a:gd name="connsiteX13" fmla="*/ 0 w 2885813"/>
+              <a:gd name="connsiteY13" fmla="*/ 543163 h 1131589"/>
+              <a:gd name="connsiteX14" fmla="*/ 0 w 2885813"/>
+              <a:gd name="connsiteY14" fmla="*/ 0 h 1131589"/>
+            </a:gdLst>
+            <a:ahLst/>
+            <a:cxnLst>
+              <a:cxn ang="0">
+                <a:pos x="connsiteX0" y="connsiteY0"/>
+              </a:cxn>
+              <a:cxn ang="0">
+                <a:pos x="connsiteX1" y="connsiteY1"/>
+              </a:cxn>
+              <a:cxn ang="0">
+                <a:pos x="connsiteX2" y="connsiteY2"/>
+              </a:cxn>
+              <a:cxn ang="0">
+                <a:pos x="connsiteX3" y="connsiteY3"/>
+              </a:cxn>
+              <a:cxn ang="0">
+                <a:pos x="connsiteX4" y="connsiteY4"/>
+              </a:cxn>
+              <a:cxn ang="0">
+                <a:pos x="connsiteX5" y="connsiteY5"/>
+              </a:cxn>
+              <a:cxn ang="0">
+                <a:pos x="connsiteX6" y="connsiteY6"/>
+              </a:cxn>
+              <a:cxn ang="0">
+                <a:pos x="connsiteX7" y="connsiteY7"/>
+              </a:cxn>
+              <a:cxn ang="0">
+                <a:pos x="connsiteX8" y="connsiteY8"/>
+              </a:cxn>
+              <a:cxn ang="0">
+                <a:pos x="connsiteX9" y="connsiteY9"/>
+              </a:cxn>
+              <a:cxn ang="0">
+                <a:pos x="connsiteX10" y="connsiteY10"/>
+              </a:cxn>
+              <a:cxn ang="0">
+                <a:pos x="connsiteX11" y="connsiteY11"/>
+              </a:cxn>
+              <a:cxn ang="0">
+                <a:pos x="connsiteX12" y="connsiteY12"/>
+              </a:cxn>
+              <a:cxn ang="0">
+                <a:pos x="connsiteX13" y="connsiteY13"/>
+              </a:cxn>
+              <a:cxn ang="0">
+                <a:pos x="connsiteX14" y="connsiteY14"/>
+              </a:cxn>
+            </a:cxnLst>
+            <a:rect l="l" t="t" r="r" b="b"/>
+            <a:pathLst>
+              <a:path w="2885813" h="1131589" extrusionOk="0">
+                <a:moveTo>
+                  <a:pt x="0" y="0"/>
+                </a:moveTo>
+                <a:cubicBezTo>
+                  <a:pt x="122746" y="6702"/>
+                  <a:pt x="395516" y="1874"/>
+                  <a:pt x="577163" y="0"/>
+                </a:cubicBezTo>
+                <a:cubicBezTo>
+                  <a:pt x="758810" y="-1874"/>
+                  <a:pt x="896827" y="25982"/>
+                  <a:pt x="1183183" y="0"/>
+                </a:cubicBezTo>
+                <a:cubicBezTo>
+                  <a:pt x="1469539" y="-25982"/>
+                  <a:pt x="1483337" y="17480"/>
+                  <a:pt x="1760346" y="0"/>
+                </a:cubicBezTo>
+                <a:cubicBezTo>
+                  <a:pt x="2037355" y="-17480"/>
+                  <a:pt x="2125912" y="-10304"/>
+                  <a:pt x="2366367" y="0"/>
+                </a:cubicBezTo>
+                <a:cubicBezTo>
+                  <a:pt x="2606822" y="10304"/>
+                  <a:pt x="2730500" y="23701"/>
+                  <a:pt x="2885813" y="0"/>
+                </a:cubicBezTo>
+                <a:cubicBezTo>
+                  <a:pt x="2881865" y="260288"/>
+                  <a:pt x="2904460" y="283741"/>
+                  <a:pt x="2885813" y="565795"/>
+                </a:cubicBezTo>
+                <a:cubicBezTo>
+                  <a:pt x="2867166" y="847849"/>
+                  <a:pt x="2874549" y="898096"/>
+                  <a:pt x="2885813" y="1131589"/>
+                </a:cubicBezTo>
+                <a:cubicBezTo>
+                  <a:pt x="2653286" y="1156242"/>
+                  <a:pt x="2577492" y="1136572"/>
+                  <a:pt x="2337509" y="1131589"/>
+                </a:cubicBezTo>
+                <a:cubicBezTo>
+                  <a:pt x="2097526" y="1126606"/>
+                  <a:pt x="1994738" y="1114968"/>
+                  <a:pt x="1789204" y="1131589"/>
+                </a:cubicBezTo>
+                <a:cubicBezTo>
+                  <a:pt x="1583670" y="1148210"/>
+                  <a:pt x="1405808" y="1104050"/>
+                  <a:pt x="1154325" y="1131589"/>
+                </a:cubicBezTo>
+                <a:cubicBezTo>
+                  <a:pt x="902842" y="1159128"/>
+                  <a:pt x="868395" y="1108933"/>
+                  <a:pt x="606021" y="1131589"/>
+                </a:cubicBezTo>
+                <a:cubicBezTo>
+                  <a:pt x="343647" y="1154245"/>
+                  <a:pt x="123726" y="1141243"/>
+                  <a:pt x="0" y="1131589"/>
+                </a:cubicBezTo>
+                <a:cubicBezTo>
+                  <a:pt x="13949" y="991279"/>
+                  <a:pt x="25719" y="800669"/>
+                  <a:pt x="0" y="543163"/>
+                </a:cubicBezTo>
+                <a:cubicBezTo>
+                  <a:pt x="-25719" y="285657"/>
+                  <a:pt x="-21124" y="218034"/>
+                  <a:pt x="0" y="0"/>
+                </a:cubicBezTo>
+                <a:close/>
+              </a:path>
+            </a:pathLst>
+          </a:custGeom>
+          <a:noFill/>
+          <a:ln w="28575">
+            <a:solidFill>
+              <a:srgbClr val="66358C"/>
+            </a:solidFill>
+            <a:extLst>
+              <a:ext uri="{C807C97D-BFC1-408E-A445-0C87EB9F89A2}">
+                <ask:lineSketchStyleProps xmlns:ask="http://schemas.microsoft.com/office/drawing/2018/sketchyshapes" sd="399823571">
+                  <a:prstGeom prst="rect">
+                    <a:avLst/>
+                  </a:prstGeom>
+                  <ask:type>
+                    <ask:lineSketchFreehand/>
+                  </ask:type>
+                </ask:lineSketchStyleProps>
+              </a:ext>
+            </a:extLst>
+          </a:ln>
+        </p:spPr>
+        <p:style>
+          <a:lnRef idx="2">
+            <a:schemeClr val="accent1">
+              <a:shade val="50000"/>
+            </a:schemeClr>
+          </a:lnRef>
+          <a:fillRef idx="1">
+            <a:schemeClr val="accent1"/>
+          </a:fillRef>
+          <a:effectRef idx="0">
+            <a:schemeClr val="accent1"/>
+          </a:effectRef>
+          <a:fontRef idx="minor">
+            <a:schemeClr val="lt1"/>
+          </a:fontRef>
+        </p:style>
+        <p:txBody>
+          <a:bodyPr rtlCol="0" anchor="ctr"/>
+          <a:lstStyle/>
+          <a:p>
+            <a:pPr algn="ctr"/>
+            <a:r>
+              <a:rPr lang="de-DE" dirty="0">
+                <a:solidFill>
+                  <a:schemeClr val="tx1"/>
+                </a:solidFill>
+                <a:latin typeface="Novecento sans Normal" panose="00000500000000000000"/>
+              </a:rPr>
+              <a:t>…</a:t>
+            </a:r>
           </a:p>
         </p:txBody>
       </p:sp>
@@ -16647,7 +19695,7 @@
                       </a:schemeClr>
                     </a:solidFill>
                   </a:rPr>
-                  <a:t>Grundgerüst der App</a:t>
+                  <a:t>Grundgerüst der Android-App</a:t>
                 </a:r>
               </a:p>
             </p:txBody>
@@ -17168,9 +20216,9 @@
           <p:grpSpPr>
             <a:xfrm>
               <a:off x="7589358" y="2582981"/>
-              <a:ext cx="1294782" cy="566647"/>
+              <a:ext cx="1294782" cy="450377"/>
               <a:chOff x="2110555" y="2162177"/>
-              <a:chExt cx="1294782" cy="566647"/>
+              <a:chExt cx="1294782" cy="450377"/>
             </a:xfrm>
           </p:grpSpPr>
           <p:sp>
@@ -17231,7 +20279,7 @@
             <p:spPr>
               <a:xfrm>
                 <a:off x="2110555" y="2380014"/>
-                <a:ext cx="1294782" cy="348810"/>
+                <a:ext cx="1294782" cy="232540"/>
               </a:xfrm>
               <a:prstGeom prst="rect">
                 <a:avLst/>
@@ -17254,7 +20302,7 @@
                       </a:schemeClr>
                     </a:solidFill>
                   </a:rPr>
-                  <a:t>Fertigstellung einer App die die Ansprüchen der Jung Bank entsprechen  </a:t>
+                  <a:t>Fertigstellung einer App die den Ansprüchen der Jung Bank entsprechen  </a:t>
                 </a:r>
               </a:p>
             </p:txBody>
@@ -18797,36 +21845,6 @@
           </a:p>
         </p:txBody>
       </p:sp>
-      <p:sp>
-        <p:nvSpPr>
-          <p:cNvPr id="3" name="Inhaltsplatzhalter 2">
-            <a:extLst>
-              <a:ext uri="{FF2B5EF4-FFF2-40B4-BE49-F238E27FC236}">
-                <a16:creationId xmlns:a16="http://schemas.microsoft.com/office/drawing/2014/main" id="{C66D88BC-0614-41B2-8E3F-31D011E2B631}"/>
-              </a:ext>
-            </a:extLst>
-          </p:cNvPr>
-          <p:cNvSpPr>
-            <a:spLocks noGrp="1"/>
-          </p:cNvSpPr>
-          <p:nvPr>
-            <p:ph idx="1"/>
-          </p:nvPr>
-        </p:nvSpPr>
-        <p:spPr/>
-        <p:txBody>
-          <a:bodyPr/>
-          <a:lstStyle/>
-          <a:p>
-            <a:r>
-              <a:rPr lang="de-DE" dirty="0">
-                <a:latin typeface="Novecento sans Normal" panose="00000500000000000000"/>
-              </a:rPr>
-              <a:t>PS</a:t>
-            </a:r>
-          </a:p>
-        </p:txBody>
-      </p:sp>
       <p:pic>
         <p:nvPicPr>
           <p:cNvPr id="4" name="Grafik 3" descr="Ein Bild, das Pfeil enthält.&#10;&#10;Automatisch generierte Beschreibung">
@@ -18933,6 +21951,2817 @@
           </a:p>
         </p:txBody>
       </p:sp>
+      <p:graphicFrame>
+        <p:nvGraphicFramePr>
+          <p:cNvPr id="9" name="Tabelle 4">
+            <a:extLst>
+              <a:ext uri="{FF2B5EF4-FFF2-40B4-BE49-F238E27FC236}">
+                <a16:creationId xmlns:a16="http://schemas.microsoft.com/office/drawing/2014/main" id="{1728C7C2-DE1A-4A95-A9EE-F7864B91D34A}"/>
+              </a:ext>
+            </a:extLst>
+          </p:cNvPr>
+          <p:cNvGraphicFramePr>
+            <a:graphicFrameLocks noGrp="1"/>
+          </p:cNvGraphicFramePr>
+          <p:nvPr>
+            <p:extLst>
+              <p:ext uri="{D42A27DB-BD31-4B8C-83A1-F6EECF244321}">
+                <p14:modId xmlns:p14="http://schemas.microsoft.com/office/powerpoint/2010/main" val="3287347144"/>
+              </p:ext>
+            </p:extLst>
+          </p:nvPr>
+        </p:nvGraphicFramePr>
+        <p:xfrm>
+          <a:off x="838200" y="1568771"/>
+          <a:ext cx="10515600" cy="4457919"/>
+        </p:xfrm>
+        <a:graphic>
+          <a:graphicData uri="http://schemas.openxmlformats.org/drawingml/2006/table">
+            <a:tbl>
+              <a:tblPr firstRow="1" firstCol="1" bandRow="1"/>
+              <a:tblGrid>
+                <a:gridCol w="2103120">
+                  <a:extLst>
+                    <a:ext uri="{9D8B030D-6E8A-4147-A177-3AD203B41FA5}">
+                      <a16:colId xmlns:a16="http://schemas.microsoft.com/office/drawing/2014/main" val="683493395"/>
+                    </a:ext>
+                  </a:extLst>
+                </a:gridCol>
+                <a:gridCol w="2103120">
+                  <a:extLst>
+                    <a:ext uri="{9D8B030D-6E8A-4147-A177-3AD203B41FA5}">
+                      <a16:colId xmlns:a16="http://schemas.microsoft.com/office/drawing/2014/main" val="1107975000"/>
+                    </a:ext>
+                  </a:extLst>
+                </a:gridCol>
+                <a:gridCol w="2103120">
+                  <a:extLst>
+                    <a:ext uri="{9D8B030D-6E8A-4147-A177-3AD203B41FA5}">
+                      <a16:colId xmlns:a16="http://schemas.microsoft.com/office/drawing/2014/main" val="4226720679"/>
+                    </a:ext>
+                  </a:extLst>
+                </a:gridCol>
+                <a:gridCol w="2103120">
+                  <a:extLst>
+                    <a:ext uri="{9D8B030D-6E8A-4147-A177-3AD203B41FA5}">
+                      <a16:colId xmlns:a16="http://schemas.microsoft.com/office/drawing/2014/main" val="1877207980"/>
+                    </a:ext>
+                  </a:extLst>
+                </a:gridCol>
+                <a:gridCol w="2103120">
+                  <a:extLst>
+                    <a:ext uri="{9D8B030D-6E8A-4147-A177-3AD203B41FA5}">
+                      <a16:colId xmlns:a16="http://schemas.microsoft.com/office/drawing/2014/main" val="236303503"/>
+                    </a:ext>
+                  </a:extLst>
+                </a:gridCol>
+              </a:tblGrid>
+              <a:tr h="675141">
+                <a:tc>
+                  <a:txBody>
+                    <a:bodyPr/>
+                    <a:lstStyle>
+                      <a:lvl1pPr marL="0" algn="l" defTabSz="914400" rtl="0" eaLnBrk="1" latinLnBrk="0" hangingPunct="1">
+                        <a:defRPr sz="1800" b="1" kern="1200">
+                          <a:solidFill>
+                            <a:schemeClr val="lt1"/>
+                          </a:solidFill>
+                          <a:latin typeface="Franklin Gothic Book" panose="020F0502020204030204"/>
+                        </a:defRPr>
+                      </a:lvl1pPr>
+                      <a:lvl2pPr marL="457200" algn="l" defTabSz="914400" rtl="0" eaLnBrk="1" latinLnBrk="0" hangingPunct="1">
+                        <a:defRPr sz="1800" b="1" kern="1200">
+                          <a:solidFill>
+                            <a:schemeClr val="lt1"/>
+                          </a:solidFill>
+                          <a:latin typeface="Franklin Gothic Book" panose="020F0502020204030204"/>
+                        </a:defRPr>
+                      </a:lvl2pPr>
+                      <a:lvl3pPr marL="914400" algn="l" defTabSz="914400" rtl="0" eaLnBrk="1" latinLnBrk="0" hangingPunct="1">
+                        <a:defRPr sz="1800" b="1" kern="1200">
+                          <a:solidFill>
+                            <a:schemeClr val="lt1"/>
+                          </a:solidFill>
+                          <a:latin typeface="Franklin Gothic Book" panose="020F0502020204030204"/>
+                        </a:defRPr>
+                      </a:lvl3pPr>
+                      <a:lvl4pPr marL="1371600" algn="l" defTabSz="914400" rtl="0" eaLnBrk="1" latinLnBrk="0" hangingPunct="1">
+                        <a:defRPr sz="1800" b="1" kern="1200">
+                          <a:solidFill>
+                            <a:schemeClr val="lt1"/>
+                          </a:solidFill>
+                          <a:latin typeface="Franklin Gothic Book" panose="020F0502020204030204"/>
+                        </a:defRPr>
+                      </a:lvl4pPr>
+                      <a:lvl5pPr marL="1828800" algn="l" defTabSz="914400" rtl="0" eaLnBrk="1" latinLnBrk="0" hangingPunct="1">
+                        <a:defRPr sz="1800" b="1" kern="1200">
+                          <a:solidFill>
+                            <a:schemeClr val="lt1"/>
+                          </a:solidFill>
+                          <a:latin typeface="Franklin Gothic Book" panose="020F0502020204030204"/>
+                        </a:defRPr>
+                      </a:lvl5pPr>
+                      <a:lvl6pPr marL="2286000" algn="l" defTabSz="914400" rtl="0" eaLnBrk="1" latinLnBrk="0" hangingPunct="1">
+                        <a:defRPr sz="1800" b="1" kern="1200">
+                          <a:solidFill>
+                            <a:schemeClr val="lt1"/>
+                          </a:solidFill>
+                          <a:latin typeface="Franklin Gothic Book" panose="020F0502020204030204"/>
+                        </a:defRPr>
+                      </a:lvl6pPr>
+                      <a:lvl7pPr marL="2743200" algn="l" defTabSz="914400" rtl="0" eaLnBrk="1" latinLnBrk="0" hangingPunct="1">
+                        <a:defRPr sz="1800" b="1" kern="1200">
+                          <a:solidFill>
+                            <a:schemeClr val="lt1"/>
+                          </a:solidFill>
+                          <a:latin typeface="Franklin Gothic Book" panose="020F0502020204030204"/>
+                        </a:defRPr>
+                      </a:lvl7pPr>
+                      <a:lvl8pPr marL="3200400" algn="l" defTabSz="914400" rtl="0" eaLnBrk="1" latinLnBrk="0" hangingPunct="1">
+                        <a:defRPr sz="1800" b="1" kern="1200">
+                          <a:solidFill>
+                            <a:schemeClr val="lt1"/>
+                          </a:solidFill>
+                          <a:latin typeface="Franklin Gothic Book" panose="020F0502020204030204"/>
+                        </a:defRPr>
+                      </a:lvl8pPr>
+                      <a:lvl9pPr marL="3657600" algn="l" defTabSz="914400" rtl="0" eaLnBrk="1" latinLnBrk="0" hangingPunct="1">
+                        <a:defRPr sz="1800" b="1" kern="1200">
+                          <a:solidFill>
+                            <a:schemeClr val="lt1"/>
+                          </a:solidFill>
+                          <a:latin typeface="Franklin Gothic Book" panose="020F0502020204030204"/>
+                        </a:defRPr>
+                      </a:lvl9pPr>
+                    </a:lstStyle>
+                    <a:p>
+                      <a:r>
+                        <a:rPr lang="de-DE" sz="1400" dirty="0">
+                          <a:latin typeface="Novecento sans Normal" panose="00000500000000000000"/>
+                        </a:rPr>
+                        <a:t>Emotion</a:t>
+                      </a:r>
+                    </a:p>
+                    <a:p>
+                      <a:r>
+                        <a:rPr lang="de-DE" sz="1400" dirty="0">
+                          <a:latin typeface="Novecento sans Normal" panose="00000500000000000000"/>
+                        </a:rPr>
+                        <a:t>Altersgruppe</a:t>
+                      </a:r>
+                    </a:p>
+                  </a:txBody>
+                  <a:tcPr>
+                    <a:lnL w="12700" cmpd="sng">
+                      <a:solidFill>
+                        <a:srgbClr val="FFFFFF"/>
+                      </a:solidFill>
+                    </a:lnL>
+                    <a:lnR w="12700" cmpd="sng">
+                      <a:solidFill>
+                        <a:srgbClr val="FFFFFF"/>
+                      </a:solidFill>
+                    </a:lnR>
+                    <a:lnT w="12700" cmpd="sng">
+                      <a:solidFill>
+                        <a:srgbClr val="FFFFFF"/>
+                      </a:solidFill>
+                    </a:lnT>
+                    <a:lnB w="38100" cmpd="sng">
+                      <a:solidFill>
+                        <a:srgbClr val="FFFFFF"/>
+                      </a:solidFill>
+                    </a:lnB>
+                    <a:lnTlToBr w="12700" cmpd="sng">
+                      <a:noFill/>
+                      <a:prstDash val="solid"/>
+                    </a:lnTlToBr>
+                    <a:lnBlToTr w="12700" cmpd="sng">
+                      <a:noFill/>
+                      <a:prstDash val="solid"/>
+                    </a:lnBlToTr>
+                    <a:solidFill>
+                      <a:srgbClr val="9BA8B7"/>
+                    </a:solidFill>
+                  </a:tcPr>
+                </a:tc>
+                <a:tc>
+                  <a:txBody>
+                    <a:bodyPr/>
+                    <a:lstStyle>
+                      <a:lvl1pPr marL="0" algn="l" defTabSz="914400" rtl="0" eaLnBrk="1" latinLnBrk="0" hangingPunct="1">
+                        <a:defRPr sz="1800" b="1" kern="1200">
+                          <a:solidFill>
+                            <a:schemeClr val="lt1"/>
+                          </a:solidFill>
+                          <a:latin typeface="Franklin Gothic Book" panose="020F0502020204030204"/>
+                        </a:defRPr>
+                      </a:lvl1pPr>
+                      <a:lvl2pPr marL="457200" algn="l" defTabSz="914400" rtl="0" eaLnBrk="1" latinLnBrk="0" hangingPunct="1">
+                        <a:defRPr sz="1800" b="1" kern="1200">
+                          <a:solidFill>
+                            <a:schemeClr val="lt1"/>
+                          </a:solidFill>
+                          <a:latin typeface="Franklin Gothic Book" panose="020F0502020204030204"/>
+                        </a:defRPr>
+                      </a:lvl2pPr>
+                      <a:lvl3pPr marL="914400" algn="l" defTabSz="914400" rtl="0" eaLnBrk="1" latinLnBrk="0" hangingPunct="1">
+                        <a:defRPr sz="1800" b="1" kern="1200">
+                          <a:solidFill>
+                            <a:schemeClr val="lt1"/>
+                          </a:solidFill>
+                          <a:latin typeface="Franklin Gothic Book" panose="020F0502020204030204"/>
+                        </a:defRPr>
+                      </a:lvl3pPr>
+                      <a:lvl4pPr marL="1371600" algn="l" defTabSz="914400" rtl="0" eaLnBrk="1" latinLnBrk="0" hangingPunct="1">
+                        <a:defRPr sz="1800" b="1" kern="1200">
+                          <a:solidFill>
+                            <a:schemeClr val="lt1"/>
+                          </a:solidFill>
+                          <a:latin typeface="Franklin Gothic Book" panose="020F0502020204030204"/>
+                        </a:defRPr>
+                      </a:lvl4pPr>
+                      <a:lvl5pPr marL="1828800" algn="l" defTabSz="914400" rtl="0" eaLnBrk="1" latinLnBrk="0" hangingPunct="1">
+                        <a:defRPr sz="1800" b="1" kern="1200">
+                          <a:solidFill>
+                            <a:schemeClr val="lt1"/>
+                          </a:solidFill>
+                          <a:latin typeface="Franklin Gothic Book" panose="020F0502020204030204"/>
+                        </a:defRPr>
+                      </a:lvl5pPr>
+                      <a:lvl6pPr marL="2286000" algn="l" defTabSz="914400" rtl="0" eaLnBrk="1" latinLnBrk="0" hangingPunct="1">
+                        <a:defRPr sz="1800" b="1" kern="1200">
+                          <a:solidFill>
+                            <a:schemeClr val="lt1"/>
+                          </a:solidFill>
+                          <a:latin typeface="Franklin Gothic Book" panose="020F0502020204030204"/>
+                        </a:defRPr>
+                      </a:lvl6pPr>
+                      <a:lvl7pPr marL="2743200" algn="l" defTabSz="914400" rtl="0" eaLnBrk="1" latinLnBrk="0" hangingPunct="1">
+                        <a:defRPr sz="1800" b="1" kern="1200">
+                          <a:solidFill>
+                            <a:schemeClr val="lt1"/>
+                          </a:solidFill>
+                          <a:latin typeface="Franklin Gothic Book" panose="020F0502020204030204"/>
+                        </a:defRPr>
+                      </a:lvl7pPr>
+                      <a:lvl8pPr marL="3200400" algn="l" defTabSz="914400" rtl="0" eaLnBrk="1" latinLnBrk="0" hangingPunct="1">
+                        <a:defRPr sz="1800" b="1" kern="1200">
+                          <a:solidFill>
+                            <a:schemeClr val="lt1"/>
+                          </a:solidFill>
+                          <a:latin typeface="Franklin Gothic Book" panose="020F0502020204030204"/>
+                        </a:defRPr>
+                      </a:lvl8pPr>
+                      <a:lvl9pPr marL="3657600" algn="l" defTabSz="914400" rtl="0" eaLnBrk="1" latinLnBrk="0" hangingPunct="1">
+                        <a:defRPr sz="1800" b="1" kern="1200">
+                          <a:solidFill>
+                            <a:schemeClr val="lt1"/>
+                          </a:solidFill>
+                          <a:latin typeface="Franklin Gothic Book" panose="020F0502020204030204"/>
+                        </a:defRPr>
+                      </a:lvl9pPr>
+                    </a:lstStyle>
+                    <a:p>
+                      <a:r>
+                        <a:rPr lang="de-DE" sz="1400" dirty="0">
+                          <a:latin typeface="Novecento sans Normal" panose="00000500000000000000"/>
+                        </a:rPr>
+                        <a:t>Freude</a:t>
+                      </a:r>
+                    </a:p>
+                  </a:txBody>
+                  <a:tcPr>
+                    <a:lnL w="12700" cmpd="sng">
+                      <a:solidFill>
+                        <a:srgbClr val="FFFFFF"/>
+                      </a:solidFill>
+                    </a:lnL>
+                    <a:lnR w="12700" cmpd="sng">
+                      <a:solidFill>
+                        <a:srgbClr val="FFFFFF"/>
+                      </a:solidFill>
+                    </a:lnR>
+                    <a:lnT w="12700" cmpd="sng">
+                      <a:solidFill>
+                        <a:srgbClr val="FFFFFF"/>
+                      </a:solidFill>
+                    </a:lnT>
+                    <a:lnB w="38100" cmpd="sng">
+                      <a:solidFill>
+                        <a:srgbClr val="FFFFFF"/>
+                      </a:solidFill>
+                    </a:lnB>
+                    <a:lnTlToBr w="12700" cmpd="sng">
+                      <a:noFill/>
+                      <a:prstDash val="solid"/>
+                    </a:lnTlToBr>
+                    <a:lnBlToTr w="12700" cmpd="sng">
+                      <a:noFill/>
+                      <a:prstDash val="solid"/>
+                    </a:lnBlToTr>
+                    <a:solidFill>
+                      <a:srgbClr val="9BA8B7"/>
+                    </a:solidFill>
+                  </a:tcPr>
+                </a:tc>
+                <a:tc>
+                  <a:txBody>
+                    <a:bodyPr/>
+                    <a:lstStyle>
+                      <a:lvl1pPr marL="0" algn="l" defTabSz="914400" rtl="0" eaLnBrk="1" latinLnBrk="0" hangingPunct="1">
+                        <a:defRPr sz="1800" b="1" kern="1200">
+                          <a:solidFill>
+                            <a:schemeClr val="lt1"/>
+                          </a:solidFill>
+                          <a:latin typeface="Franklin Gothic Book" panose="020F0502020204030204"/>
+                        </a:defRPr>
+                      </a:lvl1pPr>
+                      <a:lvl2pPr marL="457200" algn="l" defTabSz="914400" rtl="0" eaLnBrk="1" latinLnBrk="0" hangingPunct="1">
+                        <a:defRPr sz="1800" b="1" kern="1200">
+                          <a:solidFill>
+                            <a:schemeClr val="lt1"/>
+                          </a:solidFill>
+                          <a:latin typeface="Franklin Gothic Book" panose="020F0502020204030204"/>
+                        </a:defRPr>
+                      </a:lvl2pPr>
+                      <a:lvl3pPr marL="914400" algn="l" defTabSz="914400" rtl="0" eaLnBrk="1" latinLnBrk="0" hangingPunct="1">
+                        <a:defRPr sz="1800" b="1" kern="1200">
+                          <a:solidFill>
+                            <a:schemeClr val="lt1"/>
+                          </a:solidFill>
+                          <a:latin typeface="Franklin Gothic Book" panose="020F0502020204030204"/>
+                        </a:defRPr>
+                      </a:lvl3pPr>
+                      <a:lvl4pPr marL="1371600" algn="l" defTabSz="914400" rtl="0" eaLnBrk="1" latinLnBrk="0" hangingPunct="1">
+                        <a:defRPr sz="1800" b="1" kern="1200">
+                          <a:solidFill>
+                            <a:schemeClr val="lt1"/>
+                          </a:solidFill>
+                          <a:latin typeface="Franklin Gothic Book" panose="020F0502020204030204"/>
+                        </a:defRPr>
+                      </a:lvl4pPr>
+                      <a:lvl5pPr marL="1828800" algn="l" defTabSz="914400" rtl="0" eaLnBrk="1" latinLnBrk="0" hangingPunct="1">
+                        <a:defRPr sz="1800" b="1" kern="1200">
+                          <a:solidFill>
+                            <a:schemeClr val="lt1"/>
+                          </a:solidFill>
+                          <a:latin typeface="Franklin Gothic Book" panose="020F0502020204030204"/>
+                        </a:defRPr>
+                      </a:lvl5pPr>
+                      <a:lvl6pPr marL="2286000" algn="l" defTabSz="914400" rtl="0" eaLnBrk="1" latinLnBrk="0" hangingPunct="1">
+                        <a:defRPr sz="1800" b="1" kern="1200">
+                          <a:solidFill>
+                            <a:schemeClr val="lt1"/>
+                          </a:solidFill>
+                          <a:latin typeface="Franklin Gothic Book" panose="020F0502020204030204"/>
+                        </a:defRPr>
+                      </a:lvl6pPr>
+                      <a:lvl7pPr marL="2743200" algn="l" defTabSz="914400" rtl="0" eaLnBrk="1" latinLnBrk="0" hangingPunct="1">
+                        <a:defRPr sz="1800" b="1" kern="1200">
+                          <a:solidFill>
+                            <a:schemeClr val="lt1"/>
+                          </a:solidFill>
+                          <a:latin typeface="Franklin Gothic Book" panose="020F0502020204030204"/>
+                        </a:defRPr>
+                      </a:lvl7pPr>
+                      <a:lvl8pPr marL="3200400" algn="l" defTabSz="914400" rtl="0" eaLnBrk="1" latinLnBrk="0" hangingPunct="1">
+                        <a:defRPr sz="1800" b="1" kern="1200">
+                          <a:solidFill>
+                            <a:schemeClr val="lt1"/>
+                          </a:solidFill>
+                          <a:latin typeface="Franklin Gothic Book" panose="020F0502020204030204"/>
+                        </a:defRPr>
+                      </a:lvl8pPr>
+                      <a:lvl9pPr marL="3657600" algn="l" defTabSz="914400" rtl="0" eaLnBrk="1" latinLnBrk="0" hangingPunct="1">
+                        <a:defRPr sz="1800" b="1" kern="1200">
+                          <a:solidFill>
+                            <a:schemeClr val="lt1"/>
+                          </a:solidFill>
+                          <a:latin typeface="Franklin Gothic Book" panose="020F0502020204030204"/>
+                        </a:defRPr>
+                      </a:lvl9pPr>
+                    </a:lstStyle>
+                    <a:p>
+                      <a:r>
+                        <a:rPr lang="de-DE" sz="1400" dirty="0">
+                          <a:latin typeface="Novecento sans Normal" panose="00000500000000000000"/>
+                        </a:rPr>
+                        <a:t>Wut</a:t>
+                      </a:r>
+                    </a:p>
+                  </a:txBody>
+                  <a:tcPr>
+                    <a:lnL w="12700" cmpd="sng">
+                      <a:solidFill>
+                        <a:srgbClr val="FFFFFF"/>
+                      </a:solidFill>
+                    </a:lnL>
+                    <a:lnR w="12700" cmpd="sng">
+                      <a:solidFill>
+                        <a:srgbClr val="FFFFFF"/>
+                      </a:solidFill>
+                    </a:lnR>
+                    <a:lnT w="12700" cmpd="sng">
+                      <a:solidFill>
+                        <a:srgbClr val="FFFFFF"/>
+                      </a:solidFill>
+                    </a:lnT>
+                    <a:lnB w="38100" cmpd="sng">
+                      <a:solidFill>
+                        <a:srgbClr val="FFFFFF"/>
+                      </a:solidFill>
+                    </a:lnB>
+                    <a:lnTlToBr w="12700" cmpd="sng">
+                      <a:noFill/>
+                      <a:prstDash val="solid"/>
+                    </a:lnTlToBr>
+                    <a:lnBlToTr w="12700" cmpd="sng">
+                      <a:noFill/>
+                      <a:prstDash val="solid"/>
+                    </a:lnBlToTr>
+                    <a:solidFill>
+                      <a:srgbClr val="9BA8B7"/>
+                    </a:solidFill>
+                  </a:tcPr>
+                </a:tc>
+                <a:tc>
+                  <a:txBody>
+                    <a:bodyPr/>
+                    <a:lstStyle>
+                      <a:lvl1pPr marL="0" algn="l" defTabSz="914400" rtl="0" eaLnBrk="1" latinLnBrk="0" hangingPunct="1">
+                        <a:defRPr sz="1800" b="1" kern="1200">
+                          <a:solidFill>
+                            <a:schemeClr val="lt1"/>
+                          </a:solidFill>
+                          <a:latin typeface="Franklin Gothic Book" panose="020F0502020204030204"/>
+                        </a:defRPr>
+                      </a:lvl1pPr>
+                      <a:lvl2pPr marL="457200" algn="l" defTabSz="914400" rtl="0" eaLnBrk="1" latinLnBrk="0" hangingPunct="1">
+                        <a:defRPr sz="1800" b="1" kern="1200">
+                          <a:solidFill>
+                            <a:schemeClr val="lt1"/>
+                          </a:solidFill>
+                          <a:latin typeface="Franklin Gothic Book" panose="020F0502020204030204"/>
+                        </a:defRPr>
+                      </a:lvl2pPr>
+                      <a:lvl3pPr marL="914400" algn="l" defTabSz="914400" rtl="0" eaLnBrk="1" latinLnBrk="0" hangingPunct="1">
+                        <a:defRPr sz="1800" b="1" kern="1200">
+                          <a:solidFill>
+                            <a:schemeClr val="lt1"/>
+                          </a:solidFill>
+                          <a:latin typeface="Franklin Gothic Book" panose="020F0502020204030204"/>
+                        </a:defRPr>
+                      </a:lvl3pPr>
+                      <a:lvl4pPr marL="1371600" algn="l" defTabSz="914400" rtl="0" eaLnBrk="1" latinLnBrk="0" hangingPunct="1">
+                        <a:defRPr sz="1800" b="1" kern="1200">
+                          <a:solidFill>
+                            <a:schemeClr val="lt1"/>
+                          </a:solidFill>
+                          <a:latin typeface="Franklin Gothic Book" panose="020F0502020204030204"/>
+                        </a:defRPr>
+                      </a:lvl4pPr>
+                      <a:lvl5pPr marL="1828800" algn="l" defTabSz="914400" rtl="0" eaLnBrk="1" latinLnBrk="0" hangingPunct="1">
+                        <a:defRPr sz="1800" b="1" kern="1200">
+                          <a:solidFill>
+                            <a:schemeClr val="lt1"/>
+                          </a:solidFill>
+                          <a:latin typeface="Franklin Gothic Book" panose="020F0502020204030204"/>
+                        </a:defRPr>
+                      </a:lvl5pPr>
+                      <a:lvl6pPr marL="2286000" algn="l" defTabSz="914400" rtl="0" eaLnBrk="1" latinLnBrk="0" hangingPunct="1">
+                        <a:defRPr sz="1800" b="1" kern="1200">
+                          <a:solidFill>
+                            <a:schemeClr val="lt1"/>
+                          </a:solidFill>
+                          <a:latin typeface="Franklin Gothic Book" panose="020F0502020204030204"/>
+                        </a:defRPr>
+                      </a:lvl6pPr>
+                      <a:lvl7pPr marL="2743200" algn="l" defTabSz="914400" rtl="0" eaLnBrk="1" latinLnBrk="0" hangingPunct="1">
+                        <a:defRPr sz="1800" b="1" kern="1200">
+                          <a:solidFill>
+                            <a:schemeClr val="lt1"/>
+                          </a:solidFill>
+                          <a:latin typeface="Franklin Gothic Book" panose="020F0502020204030204"/>
+                        </a:defRPr>
+                      </a:lvl7pPr>
+                      <a:lvl8pPr marL="3200400" algn="l" defTabSz="914400" rtl="0" eaLnBrk="1" latinLnBrk="0" hangingPunct="1">
+                        <a:defRPr sz="1800" b="1" kern="1200">
+                          <a:solidFill>
+                            <a:schemeClr val="lt1"/>
+                          </a:solidFill>
+                          <a:latin typeface="Franklin Gothic Book" panose="020F0502020204030204"/>
+                        </a:defRPr>
+                      </a:lvl8pPr>
+                      <a:lvl9pPr marL="3657600" algn="l" defTabSz="914400" rtl="0" eaLnBrk="1" latinLnBrk="0" hangingPunct="1">
+                        <a:defRPr sz="1800" b="1" kern="1200">
+                          <a:solidFill>
+                            <a:schemeClr val="lt1"/>
+                          </a:solidFill>
+                          <a:latin typeface="Franklin Gothic Book" panose="020F0502020204030204"/>
+                        </a:defRPr>
+                      </a:lvl9pPr>
+                    </a:lstStyle>
+                    <a:p>
+                      <a:r>
+                        <a:rPr lang="de-DE" sz="1400" dirty="0">
+                          <a:latin typeface="Novecento sans Normal" panose="00000500000000000000"/>
+                        </a:rPr>
+                        <a:t>Langeweile</a:t>
+                      </a:r>
+                    </a:p>
+                  </a:txBody>
+                  <a:tcPr>
+                    <a:lnL w="12700" cmpd="sng">
+                      <a:solidFill>
+                        <a:srgbClr val="FFFFFF"/>
+                      </a:solidFill>
+                    </a:lnL>
+                    <a:lnR w="12700" cmpd="sng">
+                      <a:solidFill>
+                        <a:srgbClr val="FFFFFF"/>
+                      </a:solidFill>
+                    </a:lnR>
+                    <a:lnT w="12700" cmpd="sng">
+                      <a:solidFill>
+                        <a:srgbClr val="FFFFFF"/>
+                      </a:solidFill>
+                    </a:lnT>
+                    <a:lnB w="38100" cmpd="sng">
+                      <a:solidFill>
+                        <a:srgbClr val="FFFFFF"/>
+                      </a:solidFill>
+                    </a:lnB>
+                    <a:lnTlToBr w="12700" cmpd="sng">
+                      <a:noFill/>
+                      <a:prstDash val="solid"/>
+                    </a:lnTlToBr>
+                    <a:lnBlToTr w="12700" cmpd="sng">
+                      <a:noFill/>
+                      <a:prstDash val="solid"/>
+                    </a:lnBlToTr>
+                    <a:solidFill>
+                      <a:srgbClr val="9BA8B7"/>
+                    </a:solidFill>
+                  </a:tcPr>
+                </a:tc>
+                <a:tc>
+                  <a:txBody>
+                    <a:bodyPr/>
+                    <a:lstStyle>
+                      <a:lvl1pPr marL="0" algn="l" defTabSz="914400" rtl="0" eaLnBrk="1" latinLnBrk="0" hangingPunct="1">
+                        <a:defRPr sz="1800" b="1" kern="1200">
+                          <a:solidFill>
+                            <a:schemeClr val="lt1"/>
+                          </a:solidFill>
+                          <a:latin typeface="Franklin Gothic Book" panose="020F0502020204030204"/>
+                        </a:defRPr>
+                      </a:lvl1pPr>
+                      <a:lvl2pPr marL="457200" algn="l" defTabSz="914400" rtl="0" eaLnBrk="1" latinLnBrk="0" hangingPunct="1">
+                        <a:defRPr sz="1800" b="1" kern="1200">
+                          <a:solidFill>
+                            <a:schemeClr val="lt1"/>
+                          </a:solidFill>
+                          <a:latin typeface="Franklin Gothic Book" panose="020F0502020204030204"/>
+                        </a:defRPr>
+                      </a:lvl2pPr>
+                      <a:lvl3pPr marL="914400" algn="l" defTabSz="914400" rtl="0" eaLnBrk="1" latinLnBrk="0" hangingPunct="1">
+                        <a:defRPr sz="1800" b="1" kern="1200">
+                          <a:solidFill>
+                            <a:schemeClr val="lt1"/>
+                          </a:solidFill>
+                          <a:latin typeface="Franklin Gothic Book" panose="020F0502020204030204"/>
+                        </a:defRPr>
+                      </a:lvl3pPr>
+                      <a:lvl4pPr marL="1371600" algn="l" defTabSz="914400" rtl="0" eaLnBrk="1" latinLnBrk="0" hangingPunct="1">
+                        <a:defRPr sz="1800" b="1" kern="1200">
+                          <a:solidFill>
+                            <a:schemeClr val="lt1"/>
+                          </a:solidFill>
+                          <a:latin typeface="Franklin Gothic Book" panose="020F0502020204030204"/>
+                        </a:defRPr>
+                      </a:lvl4pPr>
+                      <a:lvl5pPr marL="1828800" algn="l" defTabSz="914400" rtl="0" eaLnBrk="1" latinLnBrk="0" hangingPunct="1">
+                        <a:defRPr sz="1800" b="1" kern="1200">
+                          <a:solidFill>
+                            <a:schemeClr val="lt1"/>
+                          </a:solidFill>
+                          <a:latin typeface="Franklin Gothic Book" panose="020F0502020204030204"/>
+                        </a:defRPr>
+                      </a:lvl5pPr>
+                      <a:lvl6pPr marL="2286000" algn="l" defTabSz="914400" rtl="0" eaLnBrk="1" latinLnBrk="0" hangingPunct="1">
+                        <a:defRPr sz="1800" b="1" kern="1200">
+                          <a:solidFill>
+                            <a:schemeClr val="lt1"/>
+                          </a:solidFill>
+                          <a:latin typeface="Franklin Gothic Book" panose="020F0502020204030204"/>
+                        </a:defRPr>
+                      </a:lvl6pPr>
+                      <a:lvl7pPr marL="2743200" algn="l" defTabSz="914400" rtl="0" eaLnBrk="1" latinLnBrk="0" hangingPunct="1">
+                        <a:defRPr sz="1800" b="1" kern="1200">
+                          <a:solidFill>
+                            <a:schemeClr val="lt1"/>
+                          </a:solidFill>
+                          <a:latin typeface="Franklin Gothic Book" panose="020F0502020204030204"/>
+                        </a:defRPr>
+                      </a:lvl7pPr>
+                      <a:lvl8pPr marL="3200400" algn="l" defTabSz="914400" rtl="0" eaLnBrk="1" latinLnBrk="0" hangingPunct="1">
+                        <a:defRPr sz="1800" b="1" kern="1200">
+                          <a:solidFill>
+                            <a:schemeClr val="lt1"/>
+                          </a:solidFill>
+                          <a:latin typeface="Franklin Gothic Book" panose="020F0502020204030204"/>
+                        </a:defRPr>
+                      </a:lvl8pPr>
+                      <a:lvl9pPr marL="3657600" algn="l" defTabSz="914400" rtl="0" eaLnBrk="1" latinLnBrk="0" hangingPunct="1">
+                        <a:defRPr sz="1800" b="1" kern="1200">
+                          <a:solidFill>
+                            <a:schemeClr val="lt1"/>
+                          </a:solidFill>
+                          <a:latin typeface="Franklin Gothic Book" panose="020F0502020204030204"/>
+                        </a:defRPr>
+                      </a:lvl9pPr>
+                    </a:lstStyle>
+                    <a:p>
+                      <a:r>
+                        <a:rPr lang="de-DE" sz="1400" dirty="0">
+                          <a:latin typeface="Novecento sans Normal" panose="00000500000000000000"/>
+                        </a:rPr>
+                        <a:t>Angst</a:t>
+                      </a:r>
+                    </a:p>
+                  </a:txBody>
+                  <a:tcPr>
+                    <a:lnL w="12700" cmpd="sng">
+                      <a:solidFill>
+                        <a:srgbClr val="FFFFFF"/>
+                      </a:solidFill>
+                    </a:lnL>
+                    <a:lnR w="12700" cmpd="sng">
+                      <a:solidFill>
+                        <a:srgbClr val="FFFFFF"/>
+                      </a:solidFill>
+                    </a:lnR>
+                    <a:lnT w="12700" cmpd="sng">
+                      <a:solidFill>
+                        <a:srgbClr val="FFFFFF"/>
+                      </a:solidFill>
+                    </a:lnT>
+                    <a:lnB w="38100" cmpd="sng">
+                      <a:solidFill>
+                        <a:srgbClr val="FFFFFF"/>
+                      </a:solidFill>
+                    </a:lnB>
+                    <a:lnTlToBr w="12700" cmpd="sng">
+                      <a:noFill/>
+                      <a:prstDash val="solid"/>
+                    </a:lnTlToBr>
+                    <a:lnBlToTr w="12700" cmpd="sng">
+                      <a:noFill/>
+                      <a:prstDash val="solid"/>
+                    </a:lnBlToTr>
+                    <a:solidFill>
+                      <a:srgbClr val="9BA8B7"/>
+                    </a:solidFill>
+                  </a:tcPr>
+                </a:tc>
+                <a:extLst>
+                  <a:ext uri="{0D108BD9-81ED-4DB2-BD59-A6C34878D82A}">
+                    <a16:rowId xmlns:a16="http://schemas.microsoft.com/office/drawing/2014/main" val="1875035331"/>
+                  </a:ext>
+                </a:extLst>
+              </a:tr>
+              <a:tr h="1107976">
+                <a:tc>
+                  <a:txBody>
+                    <a:bodyPr/>
+                    <a:lstStyle>
+                      <a:lvl1pPr marL="0" algn="l" defTabSz="914400" rtl="0" eaLnBrk="1" latinLnBrk="0" hangingPunct="1">
+                        <a:defRPr sz="1800" b="1" kern="1200">
+                          <a:solidFill>
+                            <a:schemeClr val="lt1"/>
+                          </a:solidFill>
+                          <a:latin typeface="Franklin Gothic Book" panose="020F0502020204030204"/>
+                        </a:defRPr>
+                      </a:lvl1pPr>
+                      <a:lvl2pPr marL="457200" algn="l" defTabSz="914400" rtl="0" eaLnBrk="1" latinLnBrk="0" hangingPunct="1">
+                        <a:defRPr sz="1800" b="1" kern="1200">
+                          <a:solidFill>
+                            <a:schemeClr val="lt1"/>
+                          </a:solidFill>
+                          <a:latin typeface="Franklin Gothic Book" panose="020F0502020204030204"/>
+                        </a:defRPr>
+                      </a:lvl2pPr>
+                      <a:lvl3pPr marL="914400" algn="l" defTabSz="914400" rtl="0" eaLnBrk="1" latinLnBrk="0" hangingPunct="1">
+                        <a:defRPr sz="1800" b="1" kern="1200">
+                          <a:solidFill>
+                            <a:schemeClr val="lt1"/>
+                          </a:solidFill>
+                          <a:latin typeface="Franklin Gothic Book" panose="020F0502020204030204"/>
+                        </a:defRPr>
+                      </a:lvl3pPr>
+                      <a:lvl4pPr marL="1371600" algn="l" defTabSz="914400" rtl="0" eaLnBrk="1" latinLnBrk="0" hangingPunct="1">
+                        <a:defRPr sz="1800" b="1" kern="1200">
+                          <a:solidFill>
+                            <a:schemeClr val="lt1"/>
+                          </a:solidFill>
+                          <a:latin typeface="Franklin Gothic Book" panose="020F0502020204030204"/>
+                        </a:defRPr>
+                      </a:lvl4pPr>
+                      <a:lvl5pPr marL="1828800" algn="l" defTabSz="914400" rtl="0" eaLnBrk="1" latinLnBrk="0" hangingPunct="1">
+                        <a:defRPr sz="1800" b="1" kern="1200">
+                          <a:solidFill>
+                            <a:schemeClr val="lt1"/>
+                          </a:solidFill>
+                          <a:latin typeface="Franklin Gothic Book" panose="020F0502020204030204"/>
+                        </a:defRPr>
+                      </a:lvl5pPr>
+                      <a:lvl6pPr marL="2286000" algn="l" defTabSz="914400" rtl="0" eaLnBrk="1" latinLnBrk="0" hangingPunct="1">
+                        <a:defRPr sz="1800" b="1" kern="1200">
+                          <a:solidFill>
+                            <a:schemeClr val="lt1"/>
+                          </a:solidFill>
+                          <a:latin typeface="Franklin Gothic Book" panose="020F0502020204030204"/>
+                        </a:defRPr>
+                      </a:lvl6pPr>
+                      <a:lvl7pPr marL="2743200" algn="l" defTabSz="914400" rtl="0" eaLnBrk="1" latinLnBrk="0" hangingPunct="1">
+                        <a:defRPr sz="1800" b="1" kern="1200">
+                          <a:solidFill>
+                            <a:schemeClr val="lt1"/>
+                          </a:solidFill>
+                          <a:latin typeface="Franklin Gothic Book" panose="020F0502020204030204"/>
+                        </a:defRPr>
+                      </a:lvl7pPr>
+                      <a:lvl8pPr marL="3200400" algn="l" defTabSz="914400" rtl="0" eaLnBrk="1" latinLnBrk="0" hangingPunct="1">
+                        <a:defRPr sz="1800" b="1" kern="1200">
+                          <a:solidFill>
+                            <a:schemeClr val="lt1"/>
+                          </a:solidFill>
+                          <a:latin typeface="Franklin Gothic Book" panose="020F0502020204030204"/>
+                        </a:defRPr>
+                      </a:lvl8pPr>
+                      <a:lvl9pPr marL="3657600" algn="l" defTabSz="914400" rtl="0" eaLnBrk="1" latinLnBrk="0" hangingPunct="1">
+                        <a:defRPr sz="1800" b="1" kern="1200">
+                          <a:solidFill>
+                            <a:schemeClr val="lt1"/>
+                          </a:solidFill>
+                          <a:latin typeface="Franklin Gothic Book" panose="020F0502020204030204"/>
+                        </a:defRPr>
+                      </a:lvl9pPr>
+                    </a:lstStyle>
+                    <a:p>
+                      <a:r>
+                        <a:rPr lang="de-DE" sz="1400" dirty="0">
+                          <a:latin typeface="Novecento sans Normal" panose="00000500000000000000"/>
+                        </a:rPr>
+                        <a:t>18 – 25</a:t>
+                      </a:r>
+                    </a:p>
+                  </a:txBody>
+                  <a:tcPr>
+                    <a:lnL w="12700" cmpd="sng">
+                      <a:solidFill>
+                        <a:srgbClr val="FFFFFF"/>
+                      </a:solidFill>
+                    </a:lnL>
+                    <a:lnR w="12700" cmpd="sng">
+                      <a:solidFill>
+                        <a:srgbClr val="FFFFFF"/>
+                      </a:solidFill>
+                    </a:lnR>
+                    <a:lnT w="38100" cmpd="sng">
+                      <a:solidFill>
+                        <a:srgbClr val="FFFFFF"/>
+                      </a:solidFill>
+                    </a:lnT>
+                    <a:lnB w="12700" cmpd="sng">
+                      <a:solidFill>
+                        <a:srgbClr val="FFFFFF"/>
+                      </a:solidFill>
+                    </a:lnB>
+                    <a:lnTlToBr w="12700" cmpd="sng">
+                      <a:noFill/>
+                      <a:prstDash val="solid"/>
+                    </a:lnTlToBr>
+                    <a:lnBlToTr w="12700" cmpd="sng">
+                      <a:noFill/>
+                      <a:prstDash val="solid"/>
+                    </a:lnBlToTr>
+                    <a:solidFill>
+                      <a:srgbClr val="9BA8B7"/>
+                    </a:solidFill>
+                  </a:tcPr>
+                </a:tc>
+                <a:tc>
+                  <a:txBody>
+                    <a:bodyPr/>
+                    <a:lstStyle>
+                      <a:lvl1pPr marL="0" algn="l" defTabSz="914400" rtl="0" eaLnBrk="1" latinLnBrk="0" hangingPunct="1">
+                        <a:defRPr sz="1800" kern="1200">
+                          <a:solidFill>
+                            <a:schemeClr val="dk1"/>
+                          </a:solidFill>
+                          <a:latin typeface="Franklin Gothic Book" panose="020F0502020204030204"/>
+                        </a:defRPr>
+                      </a:lvl1pPr>
+                      <a:lvl2pPr marL="457200" algn="l" defTabSz="914400" rtl="0" eaLnBrk="1" latinLnBrk="0" hangingPunct="1">
+                        <a:defRPr sz="1800" kern="1200">
+                          <a:solidFill>
+                            <a:schemeClr val="dk1"/>
+                          </a:solidFill>
+                          <a:latin typeface="Franklin Gothic Book" panose="020F0502020204030204"/>
+                        </a:defRPr>
+                      </a:lvl2pPr>
+                      <a:lvl3pPr marL="914400" algn="l" defTabSz="914400" rtl="0" eaLnBrk="1" latinLnBrk="0" hangingPunct="1">
+                        <a:defRPr sz="1800" kern="1200">
+                          <a:solidFill>
+                            <a:schemeClr val="dk1"/>
+                          </a:solidFill>
+                          <a:latin typeface="Franklin Gothic Book" panose="020F0502020204030204"/>
+                        </a:defRPr>
+                      </a:lvl3pPr>
+                      <a:lvl4pPr marL="1371600" algn="l" defTabSz="914400" rtl="0" eaLnBrk="1" latinLnBrk="0" hangingPunct="1">
+                        <a:defRPr sz="1800" kern="1200">
+                          <a:solidFill>
+                            <a:schemeClr val="dk1"/>
+                          </a:solidFill>
+                          <a:latin typeface="Franklin Gothic Book" panose="020F0502020204030204"/>
+                        </a:defRPr>
+                      </a:lvl4pPr>
+                      <a:lvl5pPr marL="1828800" algn="l" defTabSz="914400" rtl="0" eaLnBrk="1" latinLnBrk="0" hangingPunct="1">
+                        <a:defRPr sz="1800" kern="1200">
+                          <a:solidFill>
+                            <a:schemeClr val="dk1"/>
+                          </a:solidFill>
+                          <a:latin typeface="Franklin Gothic Book" panose="020F0502020204030204"/>
+                        </a:defRPr>
+                      </a:lvl5pPr>
+                      <a:lvl6pPr marL="2286000" algn="l" defTabSz="914400" rtl="0" eaLnBrk="1" latinLnBrk="0" hangingPunct="1">
+                        <a:defRPr sz="1800" kern="1200">
+                          <a:solidFill>
+                            <a:schemeClr val="dk1"/>
+                          </a:solidFill>
+                          <a:latin typeface="Franklin Gothic Book" panose="020F0502020204030204"/>
+                        </a:defRPr>
+                      </a:lvl6pPr>
+                      <a:lvl7pPr marL="2743200" algn="l" defTabSz="914400" rtl="0" eaLnBrk="1" latinLnBrk="0" hangingPunct="1">
+                        <a:defRPr sz="1800" kern="1200">
+                          <a:solidFill>
+                            <a:schemeClr val="dk1"/>
+                          </a:solidFill>
+                          <a:latin typeface="Franklin Gothic Book" panose="020F0502020204030204"/>
+                        </a:defRPr>
+                      </a:lvl7pPr>
+                      <a:lvl8pPr marL="3200400" algn="l" defTabSz="914400" rtl="0" eaLnBrk="1" latinLnBrk="0" hangingPunct="1">
+                        <a:defRPr sz="1800" kern="1200">
+                          <a:solidFill>
+                            <a:schemeClr val="dk1"/>
+                          </a:solidFill>
+                          <a:latin typeface="Franklin Gothic Book" panose="020F0502020204030204"/>
+                        </a:defRPr>
+                      </a:lvl8pPr>
+                      <a:lvl9pPr marL="3657600" algn="l" defTabSz="914400" rtl="0" eaLnBrk="1" latinLnBrk="0" hangingPunct="1">
+                        <a:defRPr sz="1800" kern="1200">
+                          <a:solidFill>
+                            <a:schemeClr val="dk1"/>
+                          </a:solidFill>
+                          <a:latin typeface="Franklin Gothic Book" panose="020F0502020204030204"/>
+                        </a:defRPr>
+                      </a:lvl9pPr>
+                    </a:lstStyle>
+                    <a:p>
+                      <a:r>
+                        <a:rPr lang="de-DE" sz="1400" dirty="0">
+                          <a:latin typeface="Novecento sans Normal" panose="00000500000000000000"/>
+                        </a:rPr>
+                        <a:t>Girokonto „</a:t>
+                      </a:r>
+                      <a:r>
+                        <a:rPr lang="de-DE" sz="1400" dirty="0" err="1">
+                          <a:latin typeface="Novecento sans Normal" panose="00000500000000000000"/>
+                        </a:rPr>
+                        <a:t>joy</a:t>
+                      </a:r>
+                      <a:r>
+                        <a:rPr lang="de-DE" sz="1400" dirty="0">
+                          <a:latin typeface="Novecento sans Normal" panose="00000500000000000000"/>
+                        </a:rPr>
+                        <a:t>“ (inklusive moderner Banking-App für 0€ Kontogebühren)</a:t>
+                      </a:r>
+                    </a:p>
+                  </a:txBody>
+                  <a:tcPr>
+                    <a:lnL w="12700" cmpd="sng">
+                      <a:solidFill>
+                        <a:srgbClr val="FFFFFF"/>
+                      </a:solidFill>
+                    </a:lnL>
+                    <a:lnR w="12700" cmpd="sng">
+                      <a:solidFill>
+                        <a:srgbClr val="FFFFFF"/>
+                      </a:solidFill>
+                    </a:lnR>
+                    <a:lnT w="38100" cmpd="sng">
+                      <a:solidFill>
+                        <a:srgbClr val="FFFFFF"/>
+                      </a:solidFill>
+                    </a:lnT>
+                    <a:lnB w="12700" cmpd="sng">
+                      <a:solidFill>
+                        <a:srgbClr val="FFFFFF"/>
+                      </a:solidFill>
+                    </a:lnB>
+                    <a:lnTlToBr w="12700" cmpd="sng">
+                      <a:noFill/>
+                      <a:prstDash val="solid"/>
+                    </a:lnTlToBr>
+                    <a:lnBlToTr w="12700" cmpd="sng">
+                      <a:noFill/>
+                      <a:prstDash val="solid"/>
+                    </a:lnBlToTr>
+                    <a:solidFill>
+                      <a:srgbClr val="9BA8B7">
+                        <a:tint val="40000"/>
+                      </a:srgbClr>
+                    </a:solidFill>
+                  </a:tcPr>
+                </a:tc>
+                <a:tc>
+                  <a:txBody>
+                    <a:bodyPr/>
+                    <a:lstStyle>
+                      <a:lvl1pPr marL="0" algn="l" defTabSz="914400" rtl="0" eaLnBrk="1" latinLnBrk="0" hangingPunct="1">
+                        <a:defRPr sz="1800" kern="1200">
+                          <a:solidFill>
+                            <a:schemeClr val="dk1"/>
+                          </a:solidFill>
+                          <a:latin typeface="Franklin Gothic Book" panose="020F0502020204030204"/>
+                        </a:defRPr>
+                      </a:lvl1pPr>
+                      <a:lvl2pPr marL="457200" algn="l" defTabSz="914400" rtl="0" eaLnBrk="1" latinLnBrk="0" hangingPunct="1">
+                        <a:defRPr sz="1800" kern="1200">
+                          <a:solidFill>
+                            <a:schemeClr val="dk1"/>
+                          </a:solidFill>
+                          <a:latin typeface="Franklin Gothic Book" panose="020F0502020204030204"/>
+                        </a:defRPr>
+                      </a:lvl2pPr>
+                      <a:lvl3pPr marL="914400" algn="l" defTabSz="914400" rtl="0" eaLnBrk="1" latinLnBrk="0" hangingPunct="1">
+                        <a:defRPr sz="1800" kern="1200">
+                          <a:solidFill>
+                            <a:schemeClr val="dk1"/>
+                          </a:solidFill>
+                          <a:latin typeface="Franklin Gothic Book" panose="020F0502020204030204"/>
+                        </a:defRPr>
+                      </a:lvl3pPr>
+                      <a:lvl4pPr marL="1371600" algn="l" defTabSz="914400" rtl="0" eaLnBrk="1" latinLnBrk="0" hangingPunct="1">
+                        <a:defRPr sz="1800" kern="1200">
+                          <a:solidFill>
+                            <a:schemeClr val="dk1"/>
+                          </a:solidFill>
+                          <a:latin typeface="Franklin Gothic Book" panose="020F0502020204030204"/>
+                        </a:defRPr>
+                      </a:lvl4pPr>
+                      <a:lvl5pPr marL="1828800" algn="l" defTabSz="914400" rtl="0" eaLnBrk="1" latinLnBrk="0" hangingPunct="1">
+                        <a:defRPr sz="1800" kern="1200">
+                          <a:solidFill>
+                            <a:schemeClr val="dk1"/>
+                          </a:solidFill>
+                          <a:latin typeface="Franklin Gothic Book" panose="020F0502020204030204"/>
+                        </a:defRPr>
+                      </a:lvl5pPr>
+                      <a:lvl6pPr marL="2286000" algn="l" defTabSz="914400" rtl="0" eaLnBrk="1" latinLnBrk="0" hangingPunct="1">
+                        <a:defRPr sz="1800" kern="1200">
+                          <a:solidFill>
+                            <a:schemeClr val="dk1"/>
+                          </a:solidFill>
+                          <a:latin typeface="Franklin Gothic Book" panose="020F0502020204030204"/>
+                        </a:defRPr>
+                      </a:lvl6pPr>
+                      <a:lvl7pPr marL="2743200" algn="l" defTabSz="914400" rtl="0" eaLnBrk="1" latinLnBrk="0" hangingPunct="1">
+                        <a:defRPr sz="1800" kern="1200">
+                          <a:solidFill>
+                            <a:schemeClr val="dk1"/>
+                          </a:solidFill>
+                          <a:latin typeface="Franklin Gothic Book" panose="020F0502020204030204"/>
+                        </a:defRPr>
+                      </a:lvl7pPr>
+                      <a:lvl8pPr marL="3200400" algn="l" defTabSz="914400" rtl="0" eaLnBrk="1" latinLnBrk="0" hangingPunct="1">
+                        <a:defRPr sz="1800" kern="1200">
+                          <a:solidFill>
+                            <a:schemeClr val="dk1"/>
+                          </a:solidFill>
+                          <a:latin typeface="Franklin Gothic Book" panose="020F0502020204030204"/>
+                        </a:defRPr>
+                      </a:lvl8pPr>
+                      <a:lvl9pPr marL="3657600" algn="l" defTabSz="914400" rtl="0" eaLnBrk="1" latinLnBrk="0" hangingPunct="1">
+                        <a:defRPr sz="1800" kern="1200">
+                          <a:solidFill>
+                            <a:schemeClr val="dk1"/>
+                          </a:solidFill>
+                          <a:latin typeface="Franklin Gothic Book" panose="020F0502020204030204"/>
+                        </a:defRPr>
+                      </a:lvl9pPr>
+                    </a:lstStyle>
+                    <a:p>
+                      <a:pPr marL="0" marR="0" lvl="0" indent="0" algn="l" defTabSz="914400" rtl="0" eaLnBrk="1" fontAlgn="auto" latinLnBrk="0" hangingPunct="1">
+                        <a:lnSpc>
+                          <a:spcPct val="100000"/>
+                        </a:lnSpc>
+                        <a:spcBef>
+                          <a:spcPts val="0"/>
+                        </a:spcBef>
+                        <a:spcAft>
+                          <a:spcPts val="0"/>
+                        </a:spcAft>
+                        <a:buClrTx/>
+                        <a:buSzTx/>
+                        <a:buFontTx/>
+                        <a:buNone/>
+                        <a:tabLst/>
+                        <a:defRPr/>
+                      </a:pPr>
+                      <a:r>
+                        <a:rPr lang="de-DE" sz="1400" dirty="0">
+                          <a:latin typeface="Novecento sans Normal" panose="00000500000000000000"/>
+                        </a:rPr>
+                        <a:t>Girokonto „relax“ (so entspannt war Kontoführung noch nie!) </a:t>
+                      </a:r>
+                    </a:p>
+                    <a:p>
+                      <a:endParaRPr lang="de-DE" sz="1400" dirty="0">
+                        <a:latin typeface="Novecento sans Normal" panose="00000500000000000000"/>
+                      </a:endParaRPr>
+                    </a:p>
+                  </a:txBody>
+                  <a:tcPr>
+                    <a:lnL w="12700" cmpd="sng">
+                      <a:solidFill>
+                        <a:srgbClr val="FFFFFF"/>
+                      </a:solidFill>
+                    </a:lnL>
+                    <a:lnR w="12700" cmpd="sng">
+                      <a:solidFill>
+                        <a:srgbClr val="FFFFFF"/>
+                      </a:solidFill>
+                    </a:lnR>
+                    <a:lnT w="38100" cmpd="sng">
+                      <a:solidFill>
+                        <a:srgbClr val="FFFFFF"/>
+                      </a:solidFill>
+                    </a:lnT>
+                    <a:lnB w="12700" cmpd="sng">
+                      <a:solidFill>
+                        <a:srgbClr val="FFFFFF"/>
+                      </a:solidFill>
+                    </a:lnB>
+                    <a:lnTlToBr w="12700" cmpd="sng">
+                      <a:noFill/>
+                      <a:prstDash val="solid"/>
+                    </a:lnTlToBr>
+                    <a:lnBlToTr w="12700" cmpd="sng">
+                      <a:noFill/>
+                      <a:prstDash val="solid"/>
+                    </a:lnBlToTr>
+                    <a:solidFill>
+                      <a:srgbClr val="9BA8B7">
+                        <a:tint val="40000"/>
+                      </a:srgbClr>
+                    </a:solidFill>
+                  </a:tcPr>
+                </a:tc>
+                <a:tc>
+                  <a:txBody>
+                    <a:bodyPr/>
+                    <a:lstStyle>
+                      <a:lvl1pPr marL="0" algn="l" defTabSz="914400" rtl="0" eaLnBrk="1" latinLnBrk="0" hangingPunct="1">
+                        <a:defRPr sz="1800" kern="1200">
+                          <a:solidFill>
+                            <a:schemeClr val="dk1"/>
+                          </a:solidFill>
+                          <a:latin typeface="Franklin Gothic Book" panose="020F0502020204030204"/>
+                        </a:defRPr>
+                      </a:lvl1pPr>
+                      <a:lvl2pPr marL="457200" algn="l" defTabSz="914400" rtl="0" eaLnBrk="1" latinLnBrk="0" hangingPunct="1">
+                        <a:defRPr sz="1800" kern="1200">
+                          <a:solidFill>
+                            <a:schemeClr val="dk1"/>
+                          </a:solidFill>
+                          <a:latin typeface="Franklin Gothic Book" panose="020F0502020204030204"/>
+                        </a:defRPr>
+                      </a:lvl2pPr>
+                      <a:lvl3pPr marL="914400" algn="l" defTabSz="914400" rtl="0" eaLnBrk="1" latinLnBrk="0" hangingPunct="1">
+                        <a:defRPr sz="1800" kern="1200">
+                          <a:solidFill>
+                            <a:schemeClr val="dk1"/>
+                          </a:solidFill>
+                          <a:latin typeface="Franklin Gothic Book" panose="020F0502020204030204"/>
+                        </a:defRPr>
+                      </a:lvl3pPr>
+                      <a:lvl4pPr marL="1371600" algn="l" defTabSz="914400" rtl="0" eaLnBrk="1" latinLnBrk="0" hangingPunct="1">
+                        <a:defRPr sz="1800" kern="1200">
+                          <a:solidFill>
+                            <a:schemeClr val="dk1"/>
+                          </a:solidFill>
+                          <a:latin typeface="Franklin Gothic Book" panose="020F0502020204030204"/>
+                        </a:defRPr>
+                      </a:lvl4pPr>
+                      <a:lvl5pPr marL="1828800" algn="l" defTabSz="914400" rtl="0" eaLnBrk="1" latinLnBrk="0" hangingPunct="1">
+                        <a:defRPr sz="1800" kern="1200">
+                          <a:solidFill>
+                            <a:schemeClr val="dk1"/>
+                          </a:solidFill>
+                          <a:latin typeface="Franklin Gothic Book" panose="020F0502020204030204"/>
+                        </a:defRPr>
+                      </a:lvl5pPr>
+                      <a:lvl6pPr marL="2286000" algn="l" defTabSz="914400" rtl="0" eaLnBrk="1" latinLnBrk="0" hangingPunct="1">
+                        <a:defRPr sz="1800" kern="1200">
+                          <a:solidFill>
+                            <a:schemeClr val="dk1"/>
+                          </a:solidFill>
+                          <a:latin typeface="Franklin Gothic Book" panose="020F0502020204030204"/>
+                        </a:defRPr>
+                      </a:lvl6pPr>
+                      <a:lvl7pPr marL="2743200" algn="l" defTabSz="914400" rtl="0" eaLnBrk="1" latinLnBrk="0" hangingPunct="1">
+                        <a:defRPr sz="1800" kern="1200">
+                          <a:solidFill>
+                            <a:schemeClr val="dk1"/>
+                          </a:solidFill>
+                          <a:latin typeface="Franklin Gothic Book" panose="020F0502020204030204"/>
+                        </a:defRPr>
+                      </a:lvl7pPr>
+                      <a:lvl8pPr marL="3200400" algn="l" defTabSz="914400" rtl="0" eaLnBrk="1" latinLnBrk="0" hangingPunct="1">
+                        <a:defRPr sz="1800" kern="1200">
+                          <a:solidFill>
+                            <a:schemeClr val="dk1"/>
+                          </a:solidFill>
+                          <a:latin typeface="Franklin Gothic Book" panose="020F0502020204030204"/>
+                        </a:defRPr>
+                      </a:lvl8pPr>
+                      <a:lvl9pPr marL="3657600" algn="l" defTabSz="914400" rtl="0" eaLnBrk="1" latinLnBrk="0" hangingPunct="1">
+                        <a:defRPr sz="1800" kern="1200">
+                          <a:solidFill>
+                            <a:schemeClr val="dk1"/>
+                          </a:solidFill>
+                          <a:latin typeface="Franklin Gothic Book" panose="020F0502020204030204"/>
+                        </a:defRPr>
+                      </a:lvl9pPr>
+                    </a:lstStyle>
+                    <a:p>
+                      <a:pPr marL="0" marR="0" lvl="0" indent="0" algn="l" defTabSz="914400" rtl="0" eaLnBrk="1" fontAlgn="auto" latinLnBrk="0" hangingPunct="1">
+                        <a:lnSpc>
+                          <a:spcPct val="100000"/>
+                        </a:lnSpc>
+                        <a:spcBef>
+                          <a:spcPts val="0"/>
+                        </a:spcBef>
+                        <a:spcAft>
+                          <a:spcPts val="0"/>
+                        </a:spcAft>
+                        <a:buClrTx/>
+                        <a:buSzTx/>
+                        <a:buFontTx/>
+                        <a:buNone/>
+                        <a:tabLst/>
+                        <a:defRPr/>
+                      </a:pPr>
+                      <a:r>
+                        <a:rPr lang="de-DE" sz="1400" dirty="0">
+                          <a:latin typeface="Novecento sans Normal" panose="00000500000000000000"/>
+                        </a:rPr>
+                        <a:t>Wertpapierdepot „Future“ (mit moderner Trading-App)</a:t>
+                      </a:r>
+                    </a:p>
+                  </a:txBody>
+                  <a:tcPr>
+                    <a:lnL w="12700" cmpd="sng">
+                      <a:solidFill>
+                        <a:srgbClr val="FFFFFF"/>
+                      </a:solidFill>
+                    </a:lnL>
+                    <a:lnR w="12700" cmpd="sng">
+                      <a:solidFill>
+                        <a:srgbClr val="FFFFFF"/>
+                      </a:solidFill>
+                    </a:lnR>
+                    <a:lnT w="38100" cmpd="sng">
+                      <a:solidFill>
+                        <a:srgbClr val="FFFFFF"/>
+                      </a:solidFill>
+                    </a:lnT>
+                    <a:lnB w="12700" cmpd="sng">
+                      <a:solidFill>
+                        <a:srgbClr val="FFFFFF"/>
+                      </a:solidFill>
+                    </a:lnB>
+                    <a:lnTlToBr w="12700" cmpd="sng">
+                      <a:noFill/>
+                      <a:prstDash val="solid"/>
+                    </a:lnTlToBr>
+                    <a:lnBlToTr w="12700" cmpd="sng">
+                      <a:noFill/>
+                      <a:prstDash val="solid"/>
+                    </a:lnBlToTr>
+                    <a:solidFill>
+                      <a:srgbClr val="9BA8B7">
+                        <a:tint val="40000"/>
+                      </a:srgbClr>
+                    </a:solidFill>
+                  </a:tcPr>
+                </a:tc>
+                <a:tc>
+                  <a:txBody>
+                    <a:bodyPr/>
+                    <a:lstStyle>
+                      <a:lvl1pPr marL="0" algn="l" defTabSz="914400" rtl="0" eaLnBrk="1" latinLnBrk="0" hangingPunct="1">
+                        <a:defRPr sz="1800" kern="1200">
+                          <a:solidFill>
+                            <a:schemeClr val="dk1"/>
+                          </a:solidFill>
+                          <a:latin typeface="Franklin Gothic Book" panose="020F0502020204030204"/>
+                        </a:defRPr>
+                      </a:lvl1pPr>
+                      <a:lvl2pPr marL="457200" algn="l" defTabSz="914400" rtl="0" eaLnBrk="1" latinLnBrk="0" hangingPunct="1">
+                        <a:defRPr sz="1800" kern="1200">
+                          <a:solidFill>
+                            <a:schemeClr val="dk1"/>
+                          </a:solidFill>
+                          <a:latin typeface="Franklin Gothic Book" panose="020F0502020204030204"/>
+                        </a:defRPr>
+                      </a:lvl2pPr>
+                      <a:lvl3pPr marL="914400" algn="l" defTabSz="914400" rtl="0" eaLnBrk="1" latinLnBrk="0" hangingPunct="1">
+                        <a:defRPr sz="1800" kern="1200">
+                          <a:solidFill>
+                            <a:schemeClr val="dk1"/>
+                          </a:solidFill>
+                          <a:latin typeface="Franklin Gothic Book" panose="020F0502020204030204"/>
+                        </a:defRPr>
+                      </a:lvl3pPr>
+                      <a:lvl4pPr marL="1371600" algn="l" defTabSz="914400" rtl="0" eaLnBrk="1" latinLnBrk="0" hangingPunct="1">
+                        <a:defRPr sz="1800" kern="1200">
+                          <a:solidFill>
+                            <a:schemeClr val="dk1"/>
+                          </a:solidFill>
+                          <a:latin typeface="Franklin Gothic Book" panose="020F0502020204030204"/>
+                        </a:defRPr>
+                      </a:lvl4pPr>
+                      <a:lvl5pPr marL="1828800" algn="l" defTabSz="914400" rtl="0" eaLnBrk="1" latinLnBrk="0" hangingPunct="1">
+                        <a:defRPr sz="1800" kern="1200">
+                          <a:solidFill>
+                            <a:schemeClr val="dk1"/>
+                          </a:solidFill>
+                          <a:latin typeface="Franklin Gothic Book" panose="020F0502020204030204"/>
+                        </a:defRPr>
+                      </a:lvl5pPr>
+                      <a:lvl6pPr marL="2286000" algn="l" defTabSz="914400" rtl="0" eaLnBrk="1" latinLnBrk="0" hangingPunct="1">
+                        <a:defRPr sz="1800" kern="1200">
+                          <a:solidFill>
+                            <a:schemeClr val="dk1"/>
+                          </a:solidFill>
+                          <a:latin typeface="Franklin Gothic Book" panose="020F0502020204030204"/>
+                        </a:defRPr>
+                      </a:lvl6pPr>
+                      <a:lvl7pPr marL="2743200" algn="l" defTabSz="914400" rtl="0" eaLnBrk="1" latinLnBrk="0" hangingPunct="1">
+                        <a:defRPr sz="1800" kern="1200">
+                          <a:solidFill>
+                            <a:schemeClr val="dk1"/>
+                          </a:solidFill>
+                          <a:latin typeface="Franklin Gothic Book" panose="020F0502020204030204"/>
+                        </a:defRPr>
+                      </a:lvl7pPr>
+                      <a:lvl8pPr marL="3200400" algn="l" defTabSz="914400" rtl="0" eaLnBrk="1" latinLnBrk="0" hangingPunct="1">
+                        <a:defRPr sz="1800" kern="1200">
+                          <a:solidFill>
+                            <a:schemeClr val="dk1"/>
+                          </a:solidFill>
+                          <a:latin typeface="Franklin Gothic Book" panose="020F0502020204030204"/>
+                        </a:defRPr>
+                      </a:lvl8pPr>
+                      <a:lvl9pPr marL="3657600" algn="l" defTabSz="914400" rtl="0" eaLnBrk="1" latinLnBrk="0" hangingPunct="1">
+                        <a:defRPr sz="1800" kern="1200">
+                          <a:solidFill>
+                            <a:schemeClr val="dk1"/>
+                          </a:solidFill>
+                          <a:latin typeface="Franklin Gothic Book" panose="020F0502020204030204"/>
+                        </a:defRPr>
+                      </a:lvl9pPr>
+                    </a:lstStyle>
+                    <a:p>
+                      <a:pPr marL="0" marR="0" lvl="0" indent="0" algn="l" defTabSz="914400" rtl="0" eaLnBrk="1" fontAlgn="auto" latinLnBrk="0" hangingPunct="1">
+                        <a:lnSpc>
+                          <a:spcPct val="100000"/>
+                        </a:lnSpc>
+                        <a:spcBef>
+                          <a:spcPts val="0"/>
+                        </a:spcBef>
+                        <a:spcAft>
+                          <a:spcPts val="0"/>
+                        </a:spcAft>
+                        <a:buClrTx/>
+                        <a:buSzTx/>
+                        <a:buFontTx/>
+                        <a:buNone/>
+                        <a:tabLst/>
+                        <a:defRPr/>
+                      </a:pPr>
+                      <a:r>
+                        <a:rPr lang="de-DE" sz="1400" dirty="0">
+                          <a:latin typeface="Novecento sans Normal" panose="00000500000000000000"/>
+                        </a:rPr>
+                        <a:t>Sparplan „</a:t>
+                      </a:r>
+                      <a:r>
+                        <a:rPr lang="de-DE" sz="1400" dirty="0" err="1">
+                          <a:latin typeface="Novecento sans Normal" panose="00000500000000000000"/>
+                        </a:rPr>
+                        <a:t>safe</a:t>
+                      </a:r>
+                      <a:r>
+                        <a:rPr lang="de-DE" sz="1400" dirty="0">
+                          <a:latin typeface="Novecento sans Normal" panose="00000500000000000000"/>
+                        </a:rPr>
+                        <a:t>+“ (provisionsfreie Geldanlage für eine sichere Zukunft)</a:t>
+                      </a:r>
+                    </a:p>
+                    <a:p>
+                      <a:endParaRPr lang="de-DE" sz="1400" dirty="0">
+                        <a:latin typeface="Novecento sans Normal" panose="00000500000000000000"/>
+                      </a:endParaRPr>
+                    </a:p>
+                  </a:txBody>
+                  <a:tcPr>
+                    <a:lnL w="12700" cmpd="sng">
+                      <a:solidFill>
+                        <a:srgbClr val="FFFFFF"/>
+                      </a:solidFill>
+                    </a:lnL>
+                    <a:lnR w="12700" cmpd="sng">
+                      <a:solidFill>
+                        <a:srgbClr val="FFFFFF"/>
+                      </a:solidFill>
+                    </a:lnR>
+                    <a:lnT w="38100" cmpd="sng">
+                      <a:solidFill>
+                        <a:srgbClr val="FFFFFF"/>
+                      </a:solidFill>
+                    </a:lnT>
+                    <a:lnB w="12700" cmpd="sng">
+                      <a:solidFill>
+                        <a:srgbClr val="FFFFFF"/>
+                      </a:solidFill>
+                    </a:lnB>
+                    <a:lnTlToBr w="12700" cmpd="sng">
+                      <a:noFill/>
+                      <a:prstDash val="solid"/>
+                    </a:lnTlToBr>
+                    <a:lnBlToTr w="12700" cmpd="sng">
+                      <a:noFill/>
+                      <a:prstDash val="solid"/>
+                    </a:lnBlToTr>
+                    <a:solidFill>
+                      <a:srgbClr val="9BA8B7">
+                        <a:tint val="40000"/>
+                      </a:srgbClr>
+                    </a:solidFill>
+                  </a:tcPr>
+                </a:tc>
+                <a:extLst>
+                  <a:ext uri="{0D108BD9-81ED-4DB2-BD59-A6C34878D82A}">
+                    <a16:rowId xmlns:a16="http://schemas.microsoft.com/office/drawing/2014/main" val="1833490460"/>
+                  </a:ext>
+                </a:extLst>
+              </a:tr>
+              <a:tr h="1312461">
+                <a:tc>
+                  <a:txBody>
+                    <a:bodyPr/>
+                    <a:lstStyle>
+                      <a:lvl1pPr marL="0" algn="l" defTabSz="914400" rtl="0" eaLnBrk="1" latinLnBrk="0" hangingPunct="1">
+                        <a:defRPr sz="1800" b="1" kern="1200">
+                          <a:solidFill>
+                            <a:schemeClr val="lt1"/>
+                          </a:solidFill>
+                          <a:latin typeface="Franklin Gothic Book" panose="020F0502020204030204"/>
+                        </a:defRPr>
+                      </a:lvl1pPr>
+                      <a:lvl2pPr marL="457200" algn="l" defTabSz="914400" rtl="0" eaLnBrk="1" latinLnBrk="0" hangingPunct="1">
+                        <a:defRPr sz="1800" b="1" kern="1200">
+                          <a:solidFill>
+                            <a:schemeClr val="lt1"/>
+                          </a:solidFill>
+                          <a:latin typeface="Franklin Gothic Book" panose="020F0502020204030204"/>
+                        </a:defRPr>
+                      </a:lvl2pPr>
+                      <a:lvl3pPr marL="914400" algn="l" defTabSz="914400" rtl="0" eaLnBrk="1" latinLnBrk="0" hangingPunct="1">
+                        <a:defRPr sz="1800" b="1" kern="1200">
+                          <a:solidFill>
+                            <a:schemeClr val="lt1"/>
+                          </a:solidFill>
+                          <a:latin typeface="Franklin Gothic Book" panose="020F0502020204030204"/>
+                        </a:defRPr>
+                      </a:lvl3pPr>
+                      <a:lvl4pPr marL="1371600" algn="l" defTabSz="914400" rtl="0" eaLnBrk="1" latinLnBrk="0" hangingPunct="1">
+                        <a:defRPr sz="1800" b="1" kern="1200">
+                          <a:solidFill>
+                            <a:schemeClr val="lt1"/>
+                          </a:solidFill>
+                          <a:latin typeface="Franklin Gothic Book" panose="020F0502020204030204"/>
+                        </a:defRPr>
+                      </a:lvl4pPr>
+                      <a:lvl5pPr marL="1828800" algn="l" defTabSz="914400" rtl="0" eaLnBrk="1" latinLnBrk="0" hangingPunct="1">
+                        <a:defRPr sz="1800" b="1" kern="1200">
+                          <a:solidFill>
+                            <a:schemeClr val="lt1"/>
+                          </a:solidFill>
+                          <a:latin typeface="Franklin Gothic Book" panose="020F0502020204030204"/>
+                        </a:defRPr>
+                      </a:lvl5pPr>
+                      <a:lvl6pPr marL="2286000" algn="l" defTabSz="914400" rtl="0" eaLnBrk="1" latinLnBrk="0" hangingPunct="1">
+                        <a:defRPr sz="1800" b="1" kern="1200">
+                          <a:solidFill>
+                            <a:schemeClr val="lt1"/>
+                          </a:solidFill>
+                          <a:latin typeface="Franklin Gothic Book" panose="020F0502020204030204"/>
+                        </a:defRPr>
+                      </a:lvl6pPr>
+                      <a:lvl7pPr marL="2743200" algn="l" defTabSz="914400" rtl="0" eaLnBrk="1" latinLnBrk="0" hangingPunct="1">
+                        <a:defRPr sz="1800" b="1" kern="1200">
+                          <a:solidFill>
+                            <a:schemeClr val="lt1"/>
+                          </a:solidFill>
+                          <a:latin typeface="Franklin Gothic Book" panose="020F0502020204030204"/>
+                        </a:defRPr>
+                      </a:lvl7pPr>
+                      <a:lvl8pPr marL="3200400" algn="l" defTabSz="914400" rtl="0" eaLnBrk="1" latinLnBrk="0" hangingPunct="1">
+                        <a:defRPr sz="1800" b="1" kern="1200">
+                          <a:solidFill>
+                            <a:schemeClr val="lt1"/>
+                          </a:solidFill>
+                          <a:latin typeface="Franklin Gothic Book" panose="020F0502020204030204"/>
+                        </a:defRPr>
+                      </a:lvl8pPr>
+                      <a:lvl9pPr marL="3657600" algn="l" defTabSz="914400" rtl="0" eaLnBrk="1" latinLnBrk="0" hangingPunct="1">
+                        <a:defRPr sz="1800" b="1" kern="1200">
+                          <a:solidFill>
+                            <a:schemeClr val="lt1"/>
+                          </a:solidFill>
+                          <a:latin typeface="Franklin Gothic Book" panose="020F0502020204030204"/>
+                        </a:defRPr>
+                      </a:lvl9pPr>
+                    </a:lstStyle>
+                    <a:p>
+                      <a:r>
+                        <a:rPr lang="de-DE" sz="1400" dirty="0">
+                          <a:latin typeface="Novecento sans Normal" panose="00000500000000000000"/>
+                        </a:rPr>
+                        <a:t>25 – 55</a:t>
+                      </a:r>
+                    </a:p>
+                  </a:txBody>
+                  <a:tcPr>
+                    <a:lnL w="12700" cmpd="sng">
+                      <a:solidFill>
+                        <a:srgbClr val="FFFFFF"/>
+                      </a:solidFill>
+                    </a:lnL>
+                    <a:lnR w="12700" cmpd="sng">
+                      <a:solidFill>
+                        <a:srgbClr val="FFFFFF"/>
+                      </a:solidFill>
+                    </a:lnR>
+                    <a:lnT w="12700" cmpd="sng">
+                      <a:solidFill>
+                        <a:srgbClr val="FFFFFF"/>
+                      </a:solidFill>
+                    </a:lnT>
+                    <a:lnB w="12700" cmpd="sng">
+                      <a:solidFill>
+                        <a:srgbClr val="FFFFFF"/>
+                      </a:solidFill>
+                    </a:lnB>
+                    <a:lnTlToBr w="12700" cmpd="sng">
+                      <a:noFill/>
+                      <a:prstDash val="solid"/>
+                    </a:lnTlToBr>
+                    <a:lnBlToTr w="12700" cmpd="sng">
+                      <a:noFill/>
+                      <a:prstDash val="solid"/>
+                    </a:lnBlToTr>
+                    <a:solidFill>
+                      <a:srgbClr val="9BA8B7"/>
+                    </a:solidFill>
+                  </a:tcPr>
+                </a:tc>
+                <a:tc>
+                  <a:txBody>
+                    <a:bodyPr/>
+                    <a:lstStyle>
+                      <a:lvl1pPr marL="0" algn="l" defTabSz="914400" rtl="0" eaLnBrk="1" latinLnBrk="0" hangingPunct="1">
+                        <a:defRPr sz="1800" kern="1200">
+                          <a:solidFill>
+                            <a:schemeClr val="dk1"/>
+                          </a:solidFill>
+                          <a:latin typeface="Franklin Gothic Book" panose="020F0502020204030204"/>
+                        </a:defRPr>
+                      </a:lvl1pPr>
+                      <a:lvl2pPr marL="457200" algn="l" defTabSz="914400" rtl="0" eaLnBrk="1" latinLnBrk="0" hangingPunct="1">
+                        <a:defRPr sz="1800" kern="1200">
+                          <a:solidFill>
+                            <a:schemeClr val="dk1"/>
+                          </a:solidFill>
+                          <a:latin typeface="Franklin Gothic Book" panose="020F0502020204030204"/>
+                        </a:defRPr>
+                      </a:lvl2pPr>
+                      <a:lvl3pPr marL="914400" algn="l" defTabSz="914400" rtl="0" eaLnBrk="1" latinLnBrk="0" hangingPunct="1">
+                        <a:defRPr sz="1800" kern="1200">
+                          <a:solidFill>
+                            <a:schemeClr val="dk1"/>
+                          </a:solidFill>
+                          <a:latin typeface="Franklin Gothic Book" panose="020F0502020204030204"/>
+                        </a:defRPr>
+                      </a:lvl3pPr>
+                      <a:lvl4pPr marL="1371600" algn="l" defTabSz="914400" rtl="0" eaLnBrk="1" latinLnBrk="0" hangingPunct="1">
+                        <a:defRPr sz="1800" kern="1200">
+                          <a:solidFill>
+                            <a:schemeClr val="dk1"/>
+                          </a:solidFill>
+                          <a:latin typeface="Franklin Gothic Book" panose="020F0502020204030204"/>
+                        </a:defRPr>
+                      </a:lvl4pPr>
+                      <a:lvl5pPr marL="1828800" algn="l" defTabSz="914400" rtl="0" eaLnBrk="1" latinLnBrk="0" hangingPunct="1">
+                        <a:defRPr sz="1800" kern="1200">
+                          <a:solidFill>
+                            <a:schemeClr val="dk1"/>
+                          </a:solidFill>
+                          <a:latin typeface="Franklin Gothic Book" panose="020F0502020204030204"/>
+                        </a:defRPr>
+                      </a:lvl5pPr>
+                      <a:lvl6pPr marL="2286000" algn="l" defTabSz="914400" rtl="0" eaLnBrk="1" latinLnBrk="0" hangingPunct="1">
+                        <a:defRPr sz="1800" kern="1200">
+                          <a:solidFill>
+                            <a:schemeClr val="dk1"/>
+                          </a:solidFill>
+                          <a:latin typeface="Franklin Gothic Book" panose="020F0502020204030204"/>
+                        </a:defRPr>
+                      </a:lvl6pPr>
+                      <a:lvl7pPr marL="2743200" algn="l" defTabSz="914400" rtl="0" eaLnBrk="1" latinLnBrk="0" hangingPunct="1">
+                        <a:defRPr sz="1800" kern="1200">
+                          <a:solidFill>
+                            <a:schemeClr val="dk1"/>
+                          </a:solidFill>
+                          <a:latin typeface="Franklin Gothic Book" panose="020F0502020204030204"/>
+                        </a:defRPr>
+                      </a:lvl7pPr>
+                      <a:lvl8pPr marL="3200400" algn="l" defTabSz="914400" rtl="0" eaLnBrk="1" latinLnBrk="0" hangingPunct="1">
+                        <a:defRPr sz="1800" kern="1200">
+                          <a:solidFill>
+                            <a:schemeClr val="dk1"/>
+                          </a:solidFill>
+                          <a:latin typeface="Franklin Gothic Book" panose="020F0502020204030204"/>
+                        </a:defRPr>
+                      </a:lvl8pPr>
+                      <a:lvl9pPr marL="3657600" algn="l" defTabSz="914400" rtl="0" eaLnBrk="1" latinLnBrk="0" hangingPunct="1">
+                        <a:defRPr sz="1800" kern="1200">
+                          <a:solidFill>
+                            <a:schemeClr val="dk1"/>
+                          </a:solidFill>
+                          <a:latin typeface="Franklin Gothic Book" panose="020F0502020204030204"/>
+                        </a:defRPr>
+                      </a:lvl9pPr>
+                    </a:lstStyle>
+                    <a:p>
+                      <a:pPr marL="0" marR="0" lvl="0" indent="0" algn="l" defTabSz="914400" rtl="0" eaLnBrk="1" fontAlgn="auto" latinLnBrk="0" hangingPunct="1">
+                        <a:lnSpc>
+                          <a:spcPct val="100000"/>
+                        </a:lnSpc>
+                        <a:spcBef>
+                          <a:spcPts val="0"/>
+                        </a:spcBef>
+                        <a:spcAft>
+                          <a:spcPts val="0"/>
+                        </a:spcAft>
+                        <a:buClrTx/>
+                        <a:buSzTx/>
+                        <a:buFontTx/>
+                        <a:buNone/>
+                        <a:tabLst/>
+                        <a:defRPr/>
+                      </a:pPr>
+                      <a:r>
+                        <a:rPr lang="de-DE" sz="1400" dirty="0">
+                          <a:latin typeface="Novecento sans Normal" panose="00000500000000000000"/>
+                        </a:rPr>
+                        <a:t>Jung-Kredit „</a:t>
+                      </a:r>
+                      <a:r>
+                        <a:rPr lang="de-DE" sz="1400" dirty="0" err="1">
+                          <a:latin typeface="Novecento sans Normal" panose="00000500000000000000"/>
+                        </a:rPr>
+                        <a:t>Dreamchaser</a:t>
+                      </a:r>
+                      <a:r>
+                        <a:rPr lang="de-DE" sz="1400" dirty="0">
+                          <a:latin typeface="Novecento sans Normal" panose="00000500000000000000"/>
+                        </a:rPr>
+                        <a:t>“ (Erfüllen Sie Ihre Träume mit unserem Kredit)</a:t>
+                      </a:r>
+                    </a:p>
+                  </a:txBody>
+                  <a:tcPr>
+                    <a:lnL w="12700" cmpd="sng">
+                      <a:solidFill>
+                        <a:srgbClr val="FFFFFF"/>
+                      </a:solidFill>
+                    </a:lnL>
+                    <a:lnR w="12700" cmpd="sng">
+                      <a:solidFill>
+                        <a:srgbClr val="FFFFFF"/>
+                      </a:solidFill>
+                    </a:lnR>
+                    <a:lnT w="12700" cmpd="sng">
+                      <a:solidFill>
+                        <a:srgbClr val="FFFFFF"/>
+                      </a:solidFill>
+                    </a:lnT>
+                    <a:lnB w="12700" cmpd="sng">
+                      <a:solidFill>
+                        <a:srgbClr val="FFFFFF"/>
+                      </a:solidFill>
+                    </a:lnB>
+                    <a:lnTlToBr w="12700" cmpd="sng">
+                      <a:noFill/>
+                      <a:prstDash val="solid"/>
+                    </a:lnTlToBr>
+                    <a:lnBlToTr w="12700" cmpd="sng">
+                      <a:noFill/>
+                      <a:prstDash val="solid"/>
+                    </a:lnBlToTr>
+                    <a:solidFill>
+                      <a:srgbClr val="9BA8B7">
+                        <a:tint val="20000"/>
+                      </a:srgbClr>
+                    </a:solidFill>
+                  </a:tcPr>
+                </a:tc>
+                <a:tc>
+                  <a:txBody>
+                    <a:bodyPr/>
+                    <a:lstStyle>
+                      <a:lvl1pPr marL="0" algn="l" defTabSz="914400" rtl="0" eaLnBrk="1" latinLnBrk="0" hangingPunct="1">
+                        <a:defRPr sz="1800" kern="1200">
+                          <a:solidFill>
+                            <a:schemeClr val="dk1"/>
+                          </a:solidFill>
+                          <a:latin typeface="Franklin Gothic Book" panose="020F0502020204030204"/>
+                        </a:defRPr>
+                      </a:lvl1pPr>
+                      <a:lvl2pPr marL="457200" algn="l" defTabSz="914400" rtl="0" eaLnBrk="1" latinLnBrk="0" hangingPunct="1">
+                        <a:defRPr sz="1800" kern="1200">
+                          <a:solidFill>
+                            <a:schemeClr val="dk1"/>
+                          </a:solidFill>
+                          <a:latin typeface="Franklin Gothic Book" panose="020F0502020204030204"/>
+                        </a:defRPr>
+                      </a:lvl2pPr>
+                      <a:lvl3pPr marL="914400" algn="l" defTabSz="914400" rtl="0" eaLnBrk="1" latinLnBrk="0" hangingPunct="1">
+                        <a:defRPr sz="1800" kern="1200">
+                          <a:solidFill>
+                            <a:schemeClr val="dk1"/>
+                          </a:solidFill>
+                          <a:latin typeface="Franklin Gothic Book" panose="020F0502020204030204"/>
+                        </a:defRPr>
+                      </a:lvl3pPr>
+                      <a:lvl4pPr marL="1371600" algn="l" defTabSz="914400" rtl="0" eaLnBrk="1" latinLnBrk="0" hangingPunct="1">
+                        <a:defRPr sz="1800" kern="1200">
+                          <a:solidFill>
+                            <a:schemeClr val="dk1"/>
+                          </a:solidFill>
+                          <a:latin typeface="Franklin Gothic Book" panose="020F0502020204030204"/>
+                        </a:defRPr>
+                      </a:lvl4pPr>
+                      <a:lvl5pPr marL="1828800" algn="l" defTabSz="914400" rtl="0" eaLnBrk="1" latinLnBrk="0" hangingPunct="1">
+                        <a:defRPr sz="1800" kern="1200">
+                          <a:solidFill>
+                            <a:schemeClr val="dk1"/>
+                          </a:solidFill>
+                          <a:latin typeface="Franklin Gothic Book" panose="020F0502020204030204"/>
+                        </a:defRPr>
+                      </a:lvl5pPr>
+                      <a:lvl6pPr marL="2286000" algn="l" defTabSz="914400" rtl="0" eaLnBrk="1" latinLnBrk="0" hangingPunct="1">
+                        <a:defRPr sz="1800" kern="1200">
+                          <a:solidFill>
+                            <a:schemeClr val="dk1"/>
+                          </a:solidFill>
+                          <a:latin typeface="Franklin Gothic Book" panose="020F0502020204030204"/>
+                        </a:defRPr>
+                      </a:lvl6pPr>
+                      <a:lvl7pPr marL="2743200" algn="l" defTabSz="914400" rtl="0" eaLnBrk="1" latinLnBrk="0" hangingPunct="1">
+                        <a:defRPr sz="1800" kern="1200">
+                          <a:solidFill>
+                            <a:schemeClr val="dk1"/>
+                          </a:solidFill>
+                          <a:latin typeface="Franklin Gothic Book" panose="020F0502020204030204"/>
+                        </a:defRPr>
+                      </a:lvl7pPr>
+                      <a:lvl8pPr marL="3200400" algn="l" defTabSz="914400" rtl="0" eaLnBrk="1" latinLnBrk="0" hangingPunct="1">
+                        <a:defRPr sz="1800" kern="1200">
+                          <a:solidFill>
+                            <a:schemeClr val="dk1"/>
+                          </a:solidFill>
+                          <a:latin typeface="Franklin Gothic Book" panose="020F0502020204030204"/>
+                        </a:defRPr>
+                      </a:lvl8pPr>
+                      <a:lvl9pPr marL="3657600" algn="l" defTabSz="914400" rtl="0" eaLnBrk="1" latinLnBrk="0" hangingPunct="1">
+                        <a:defRPr sz="1800" kern="1200">
+                          <a:solidFill>
+                            <a:schemeClr val="dk1"/>
+                          </a:solidFill>
+                          <a:latin typeface="Franklin Gothic Book" panose="020F0502020204030204"/>
+                        </a:defRPr>
+                      </a:lvl9pPr>
+                    </a:lstStyle>
+                    <a:p>
+                      <a:r>
+                        <a:rPr lang="de-DE" sz="1400" dirty="0">
+                          <a:latin typeface="Novecento sans Normal" panose="00000500000000000000"/>
+                        </a:rPr>
+                        <a:t>Jung-Kredit „relax“ (Zinsen, die beruhigen)</a:t>
+                      </a:r>
+                    </a:p>
+                    <a:p>
+                      <a:endParaRPr lang="de-DE" sz="1400" dirty="0">
+                        <a:latin typeface="Novecento sans Normal" panose="00000500000000000000"/>
+                      </a:endParaRPr>
+                    </a:p>
+                  </a:txBody>
+                  <a:tcPr>
+                    <a:lnL w="12700" cmpd="sng">
+                      <a:solidFill>
+                        <a:srgbClr val="FFFFFF"/>
+                      </a:solidFill>
+                    </a:lnL>
+                    <a:lnR w="12700" cmpd="sng">
+                      <a:solidFill>
+                        <a:srgbClr val="FFFFFF"/>
+                      </a:solidFill>
+                    </a:lnR>
+                    <a:lnT w="12700" cmpd="sng">
+                      <a:solidFill>
+                        <a:srgbClr val="FFFFFF"/>
+                      </a:solidFill>
+                    </a:lnT>
+                    <a:lnB w="12700" cmpd="sng">
+                      <a:solidFill>
+                        <a:srgbClr val="FFFFFF"/>
+                      </a:solidFill>
+                    </a:lnB>
+                    <a:lnTlToBr w="12700" cmpd="sng">
+                      <a:noFill/>
+                      <a:prstDash val="solid"/>
+                    </a:lnTlToBr>
+                    <a:lnBlToTr w="12700" cmpd="sng">
+                      <a:noFill/>
+                      <a:prstDash val="solid"/>
+                    </a:lnBlToTr>
+                    <a:solidFill>
+                      <a:srgbClr val="9BA8B7">
+                        <a:tint val="20000"/>
+                      </a:srgbClr>
+                    </a:solidFill>
+                  </a:tcPr>
+                </a:tc>
+                <a:tc>
+                  <a:txBody>
+                    <a:bodyPr/>
+                    <a:lstStyle>
+                      <a:lvl1pPr marL="0" algn="l" defTabSz="914400" rtl="0" eaLnBrk="1" latinLnBrk="0" hangingPunct="1">
+                        <a:defRPr sz="1800" kern="1200">
+                          <a:solidFill>
+                            <a:schemeClr val="dk1"/>
+                          </a:solidFill>
+                          <a:latin typeface="Franklin Gothic Book" panose="020F0502020204030204"/>
+                        </a:defRPr>
+                      </a:lvl1pPr>
+                      <a:lvl2pPr marL="457200" algn="l" defTabSz="914400" rtl="0" eaLnBrk="1" latinLnBrk="0" hangingPunct="1">
+                        <a:defRPr sz="1800" kern="1200">
+                          <a:solidFill>
+                            <a:schemeClr val="dk1"/>
+                          </a:solidFill>
+                          <a:latin typeface="Franklin Gothic Book" panose="020F0502020204030204"/>
+                        </a:defRPr>
+                      </a:lvl2pPr>
+                      <a:lvl3pPr marL="914400" algn="l" defTabSz="914400" rtl="0" eaLnBrk="1" latinLnBrk="0" hangingPunct="1">
+                        <a:defRPr sz="1800" kern="1200">
+                          <a:solidFill>
+                            <a:schemeClr val="dk1"/>
+                          </a:solidFill>
+                          <a:latin typeface="Franklin Gothic Book" panose="020F0502020204030204"/>
+                        </a:defRPr>
+                      </a:lvl3pPr>
+                      <a:lvl4pPr marL="1371600" algn="l" defTabSz="914400" rtl="0" eaLnBrk="1" latinLnBrk="0" hangingPunct="1">
+                        <a:defRPr sz="1800" kern="1200">
+                          <a:solidFill>
+                            <a:schemeClr val="dk1"/>
+                          </a:solidFill>
+                          <a:latin typeface="Franklin Gothic Book" panose="020F0502020204030204"/>
+                        </a:defRPr>
+                      </a:lvl4pPr>
+                      <a:lvl5pPr marL="1828800" algn="l" defTabSz="914400" rtl="0" eaLnBrk="1" latinLnBrk="0" hangingPunct="1">
+                        <a:defRPr sz="1800" kern="1200">
+                          <a:solidFill>
+                            <a:schemeClr val="dk1"/>
+                          </a:solidFill>
+                          <a:latin typeface="Franklin Gothic Book" panose="020F0502020204030204"/>
+                        </a:defRPr>
+                      </a:lvl5pPr>
+                      <a:lvl6pPr marL="2286000" algn="l" defTabSz="914400" rtl="0" eaLnBrk="1" latinLnBrk="0" hangingPunct="1">
+                        <a:defRPr sz="1800" kern="1200">
+                          <a:solidFill>
+                            <a:schemeClr val="dk1"/>
+                          </a:solidFill>
+                          <a:latin typeface="Franklin Gothic Book" panose="020F0502020204030204"/>
+                        </a:defRPr>
+                      </a:lvl6pPr>
+                      <a:lvl7pPr marL="2743200" algn="l" defTabSz="914400" rtl="0" eaLnBrk="1" latinLnBrk="0" hangingPunct="1">
+                        <a:defRPr sz="1800" kern="1200">
+                          <a:solidFill>
+                            <a:schemeClr val="dk1"/>
+                          </a:solidFill>
+                          <a:latin typeface="Franklin Gothic Book" panose="020F0502020204030204"/>
+                        </a:defRPr>
+                      </a:lvl7pPr>
+                      <a:lvl8pPr marL="3200400" algn="l" defTabSz="914400" rtl="0" eaLnBrk="1" latinLnBrk="0" hangingPunct="1">
+                        <a:defRPr sz="1800" kern="1200">
+                          <a:solidFill>
+                            <a:schemeClr val="dk1"/>
+                          </a:solidFill>
+                          <a:latin typeface="Franklin Gothic Book" panose="020F0502020204030204"/>
+                        </a:defRPr>
+                      </a:lvl8pPr>
+                      <a:lvl9pPr marL="3657600" algn="l" defTabSz="914400" rtl="0" eaLnBrk="1" latinLnBrk="0" hangingPunct="1">
+                        <a:defRPr sz="1800" kern="1200">
+                          <a:solidFill>
+                            <a:schemeClr val="dk1"/>
+                          </a:solidFill>
+                          <a:latin typeface="Franklin Gothic Book" panose="020F0502020204030204"/>
+                        </a:defRPr>
+                      </a:lvl9pPr>
+                    </a:lstStyle>
+                    <a:p>
+                      <a:pPr marL="0" marR="0" lvl="0" indent="0" algn="l" defTabSz="914400" rtl="0" eaLnBrk="1" fontAlgn="auto" latinLnBrk="0" hangingPunct="1">
+                        <a:lnSpc>
+                          <a:spcPct val="100000"/>
+                        </a:lnSpc>
+                        <a:spcBef>
+                          <a:spcPts val="0"/>
+                        </a:spcBef>
+                        <a:spcAft>
+                          <a:spcPts val="0"/>
+                        </a:spcAft>
+                        <a:buClrTx/>
+                        <a:buSzTx/>
+                        <a:buFontTx/>
+                        <a:buNone/>
+                        <a:tabLst/>
+                        <a:defRPr/>
+                      </a:pPr>
+                      <a:r>
+                        <a:rPr lang="de-DE" sz="1400" dirty="0">
+                          <a:latin typeface="Novecento sans Normal" panose="00000500000000000000"/>
+                        </a:rPr>
+                        <a:t>Jung-Visa „Action“ (mit unzähligen Attraktionsgutscheinen)</a:t>
+                      </a:r>
+                    </a:p>
+                    <a:p>
+                      <a:pPr marL="0" marR="0" lvl="0" indent="0" algn="l" defTabSz="914400" rtl="0" eaLnBrk="1" fontAlgn="auto" latinLnBrk="0" hangingPunct="1">
+                        <a:lnSpc>
+                          <a:spcPct val="100000"/>
+                        </a:lnSpc>
+                        <a:spcBef>
+                          <a:spcPts val="0"/>
+                        </a:spcBef>
+                        <a:spcAft>
+                          <a:spcPts val="0"/>
+                        </a:spcAft>
+                        <a:buClrTx/>
+                        <a:buSzTx/>
+                        <a:buFontTx/>
+                        <a:buNone/>
+                        <a:tabLst/>
+                        <a:defRPr/>
+                      </a:pPr>
+                      <a:endParaRPr lang="de-DE" sz="1400" dirty="0">
+                        <a:latin typeface="Novecento sans Normal" panose="00000500000000000000"/>
+                      </a:endParaRPr>
+                    </a:p>
+                  </a:txBody>
+                  <a:tcPr>
+                    <a:lnL w="12700" cmpd="sng">
+                      <a:solidFill>
+                        <a:srgbClr val="FFFFFF"/>
+                      </a:solidFill>
+                    </a:lnL>
+                    <a:lnR w="12700" cmpd="sng">
+                      <a:solidFill>
+                        <a:srgbClr val="FFFFFF"/>
+                      </a:solidFill>
+                    </a:lnR>
+                    <a:lnT w="12700" cmpd="sng">
+                      <a:solidFill>
+                        <a:srgbClr val="FFFFFF"/>
+                      </a:solidFill>
+                    </a:lnT>
+                    <a:lnB w="12700" cmpd="sng">
+                      <a:solidFill>
+                        <a:srgbClr val="FFFFFF"/>
+                      </a:solidFill>
+                    </a:lnB>
+                    <a:lnTlToBr w="12700" cmpd="sng">
+                      <a:noFill/>
+                      <a:prstDash val="solid"/>
+                    </a:lnTlToBr>
+                    <a:lnBlToTr w="12700" cmpd="sng">
+                      <a:noFill/>
+                      <a:prstDash val="solid"/>
+                    </a:lnBlToTr>
+                    <a:solidFill>
+                      <a:srgbClr val="9BA8B7">
+                        <a:tint val="20000"/>
+                      </a:srgbClr>
+                    </a:solidFill>
+                  </a:tcPr>
+                </a:tc>
+                <a:tc>
+                  <a:txBody>
+                    <a:bodyPr/>
+                    <a:lstStyle>
+                      <a:lvl1pPr marL="0" algn="l" defTabSz="914400" rtl="0" eaLnBrk="1" latinLnBrk="0" hangingPunct="1">
+                        <a:defRPr sz="1800" kern="1200">
+                          <a:solidFill>
+                            <a:schemeClr val="dk1"/>
+                          </a:solidFill>
+                          <a:latin typeface="Franklin Gothic Book" panose="020F0502020204030204"/>
+                        </a:defRPr>
+                      </a:lvl1pPr>
+                      <a:lvl2pPr marL="457200" algn="l" defTabSz="914400" rtl="0" eaLnBrk="1" latinLnBrk="0" hangingPunct="1">
+                        <a:defRPr sz="1800" kern="1200">
+                          <a:solidFill>
+                            <a:schemeClr val="dk1"/>
+                          </a:solidFill>
+                          <a:latin typeface="Franklin Gothic Book" panose="020F0502020204030204"/>
+                        </a:defRPr>
+                      </a:lvl2pPr>
+                      <a:lvl3pPr marL="914400" algn="l" defTabSz="914400" rtl="0" eaLnBrk="1" latinLnBrk="0" hangingPunct="1">
+                        <a:defRPr sz="1800" kern="1200">
+                          <a:solidFill>
+                            <a:schemeClr val="dk1"/>
+                          </a:solidFill>
+                          <a:latin typeface="Franklin Gothic Book" panose="020F0502020204030204"/>
+                        </a:defRPr>
+                      </a:lvl3pPr>
+                      <a:lvl4pPr marL="1371600" algn="l" defTabSz="914400" rtl="0" eaLnBrk="1" latinLnBrk="0" hangingPunct="1">
+                        <a:defRPr sz="1800" kern="1200">
+                          <a:solidFill>
+                            <a:schemeClr val="dk1"/>
+                          </a:solidFill>
+                          <a:latin typeface="Franklin Gothic Book" panose="020F0502020204030204"/>
+                        </a:defRPr>
+                      </a:lvl4pPr>
+                      <a:lvl5pPr marL="1828800" algn="l" defTabSz="914400" rtl="0" eaLnBrk="1" latinLnBrk="0" hangingPunct="1">
+                        <a:defRPr sz="1800" kern="1200">
+                          <a:solidFill>
+                            <a:schemeClr val="dk1"/>
+                          </a:solidFill>
+                          <a:latin typeface="Franklin Gothic Book" panose="020F0502020204030204"/>
+                        </a:defRPr>
+                      </a:lvl5pPr>
+                      <a:lvl6pPr marL="2286000" algn="l" defTabSz="914400" rtl="0" eaLnBrk="1" latinLnBrk="0" hangingPunct="1">
+                        <a:defRPr sz="1800" kern="1200">
+                          <a:solidFill>
+                            <a:schemeClr val="dk1"/>
+                          </a:solidFill>
+                          <a:latin typeface="Franklin Gothic Book" panose="020F0502020204030204"/>
+                        </a:defRPr>
+                      </a:lvl6pPr>
+                      <a:lvl7pPr marL="2743200" algn="l" defTabSz="914400" rtl="0" eaLnBrk="1" latinLnBrk="0" hangingPunct="1">
+                        <a:defRPr sz="1800" kern="1200">
+                          <a:solidFill>
+                            <a:schemeClr val="dk1"/>
+                          </a:solidFill>
+                          <a:latin typeface="Franklin Gothic Book" panose="020F0502020204030204"/>
+                        </a:defRPr>
+                      </a:lvl7pPr>
+                      <a:lvl8pPr marL="3200400" algn="l" defTabSz="914400" rtl="0" eaLnBrk="1" latinLnBrk="0" hangingPunct="1">
+                        <a:defRPr sz="1800" kern="1200">
+                          <a:solidFill>
+                            <a:schemeClr val="dk1"/>
+                          </a:solidFill>
+                          <a:latin typeface="Franklin Gothic Book" panose="020F0502020204030204"/>
+                        </a:defRPr>
+                      </a:lvl8pPr>
+                      <a:lvl9pPr marL="3657600" algn="l" defTabSz="914400" rtl="0" eaLnBrk="1" latinLnBrk="0" hangingPunct="1">
+                        <a:defRPr sz="1800" kern="1200">
+                          <a:solidFill>
+                            <a:schemeClr val="dk1"/>
+                          </a:solidFill>
+                          <a:latin typeface="Franklin Gothic Book" panose="020F0502020204030204"/>
+                        </a:defRPr>
+                      </a:lvl9pPr>
+                    </a:lstStyle>
+                    <a:p>
+                      <a:pPr marL="0" marR="0" lvl="0" indent="0" algn="l" defTabSz="914400" rtl="0" eaLnBrk="1" fontAlgn="auto" latinLnBrk="0" hangingPunct="1">
+                        <a:lnSpc>
+                          <a:spcPct val="100000"/>
+                        </a:lnSpc>
+                        <a:spcBef>
+                          <a:spcPts val="0"/>
+                        </a:spcBef>
+                        <a:spcAft>
+                          <a:spcPts val="0"/>
+                        </a:spcAft>
+                        <a:buClrTx/>
+                        <a:buSzTx/>
+                        <a:buFontTx/>
+                        <a:buNone/>
+                        <a:tabLst/>
+                        <a:defRPr/>
+                      </a:pPr>
+                      <a:r>
+                        <a:rPr lang="de-DE" sz="1400" dirty="0">
+                          <a:latin typeface="Novecento sans Normal" panose="00000500000000000000"/>
+                        </a:rPr>
+                        <a:t>Flex-Kredit (mit Ratenpausen-Option)</a:t>
+                      </a:r>
+                    </a:p>
+                    <a:p>
+                      <a:endParaRPr lang="de-DE" sz="1400" dirty="0">
+                        <a:latin typeface="Novecento sans Normal" panose="00000500000000000000"/>
+                      </a:endParaRPr>
+                    </a:p>
+                  </a:txBody>
+                  <a:tcPr>
+                    <a:lnL w="12700" cmpd="sng">
+                      <a:solidFill>
+                        <a:srgbClr val="FFFFFF"/>
+                      </a:solidFill>
+                    </a:lnL>
+                    <a:lnR w="12700" cmpd="sng">
+                      <a:solidFill>
+                        <a:srgbClr val="FFFFFF"/>
+                      </a:solidFill>
+                    </a:lnR>
+                    <a:lnT w="12700" cmpd="sng">
+                      <a:solidFill>
+                        <a:srgbClr val="FFFFFF"/>
+                      </a:solidFill>
+                    </a:lnT>
+                    <a:lnB w="12700" cmpd="sng">
+                      <a:solidFill>
+                        <a:srgbClr val="FFFFFF"/>
+                      </a:solidFill>
+                    </a:lnB>
+                    <a:lnTlToBr w="12700" cmpd="sng">
+                      <a:noFill/>
+                      <a:prstDash val="solid"/>
+                    </a:lnTlToBr>
+                    <a:lnBlToTr w="12700" cmpd="sng">
+                      <a:noFill/>
+                      <a:prstDash val="solid"/>
+                    </a:lnBlToTr>
+                    <a:solidFill>
+                      <a:srgbClr val="9BA8B7">
+                        <a:tint val="20000"/>
+                      </a:srgbClr>
+                    </a:solidFill>
+                  </a:tcPr>
+                </a:tc>
+                <a:extLst>
+                  <a:ext uri="{0D108BD9-81ED-4DB2-BD59-A6C34878D82A}">
+                    <a16:rowId xmlns:a16="http://schemas.microsoft.com/office/drawing/2014/main" val="923443137"/>
+                  </a:ext>
+                </a:extLst>
+              </a:tr>
+              <a:tr h="1312077">
+                <a:tc>
+                  <a:txBody>
+                    <a:bodyPr/>
+                    <a:lstStyle>
+                      <a:lvl1pPr marL="0" algn="l" defTabSz="914400" rtl="0" eaLnBrk="1" latinLnBrk="0" hangingPunct="1">
+                        <a:defRPr sz="1800" b="1" kern="1200">
+                          <a:solidFill>
+                            <a:schemeClr val="lt1"/>
+                          </a:solidFill>
+                          <a:latin typeface="Franklin Gothic Book" panose="020F0502020204030204"/>
+                        </a:defRPr>
+                      </a:lvl1pPr>
+                      <a:lvl2pPr marL="457200" algn="l" defTabSz="914400" rtl="0" eaLnBrk="1" latinLnBrk="0" hangingPunct="1">
+                        <a:defRPr sz="1800" b="1" kern="1200">
+                          <a:solidFill>
+                            <a:schemeClr val="lt1"/>
+                          </a:solidFill>
+                          <a:latin typeface="Franklin Gothic Book" panose="020F0502020204030204"/>
+                        </a:defRPr>
+                      </a:lvl2pPr>
+                      <a:lvl3pPr marL="914400" algn="l" defTabSz="914400" rtl="0" eaLnBrk="1" latinLnBrk="0" hangingPunct="1">
+                        <a:defRPr sz="1800" b="1" kern="1200">
+                          <a:solidFill>
+                            <a:schemeClr val="lt1"/>
+                          </a:solidFill>
+                          <a:latin typeface="Franklin Gothic Book" panose="020F0502020204030204"/>
+                        </a:defRPr>
+                      </a:lvl3pPr>
+                      <a:lvl4pPr marL="1371600" algn="l" defTabSz="914400" rtl="0" eaLnBrk="1" latinLnBrk="0" hangingPunct="1">
+                        <a:defRPr sz="1800" b="1" kern="1200">
+                          <a:solidFill>
+                            <a:schemeClr val="lt1"/>
+                          </a:solidFill>
+                          <a:latin typeface="Franklin Gothic Book" panose="020F0502020204030204"/>
+                        </a:defRPr>
+                      </a:lvl4pPr>
+                      <a:lvl5pPr marL="1828800" algn="l" defTabSz="914400" rtl="0" eaLnBrk="1" latinLnBrk="0" hangingPunct="1">
+                        <a:defRPr sz="1800" b="1" kern="1200">
+                          <a:solidFill>
+                            <a:schemeClr val="lt1"/>
+                          </a:solidFill>
+                          <a:latin typeface="Franklin Gothic Book" panose="020F0502020204030204"/>
+                        </a:defRPr>
+                      </a:lvl5pPr>
+                      <a:lvl6pPr marL="2286000" algn="l" defTabSz="914400" rtl="0" eaLnBrk="1" latinLnBrk="0" hangingPunct="1">
+                        <a:defRPr sz="1800" b="1" kern="1200">
+                          <a:solidFill>
+                            <a:schemeClr val="lt1"/>
+                          </a:solidFill>
+                          <a:latin typeface="Franklin Gothic Book" panose="020F0502020204030204"/>
+                        </a:defRPr>
+                      </a:lvl6pPr>
+                      <a:lvl7pPr marL="2743200" algn="l" defTabSz="914400" rtl="0" eaLnBrk="1" latinLnBrk="0" hangingPunct="1">
+                        <a:defRPr sz="1800" b="1" kern="1200">
+                          <a:solidFill>
+                            <a:schemeClr val="lt1"/>
+                          </a:solidFill>
+                          <a:latin typeface="Franklin Gothic Book" panose="020F0502020204030204"/>
+                        </a:defRPr>
+                      </a:lvl7pPr>
+                      <a:lvl8pPr marL="3200400" algn="l" defTabSz="914400" rtl="0" eaLnBrk="1" latinLnBrk="0" hangingPunct="1">
+                        <a:defRPr sz="1800" b="1" kern="1200">
+                          <a:solidFill>
+                            <a:schemeClr val="lt1"/>
+                          </a:solidFill>
+                          <a:latin typeface="Franklin Gothic Book" panose="020F0502020204030204"/>
+                        </a:defRPr>
+                      </a:lvl8pPr>
+                      <a:lvl9pPr marL="3657600" algn="l" defTabSz="914400" rtl="0" eaLnBrk="1" latinLnBrk="0" hangingPunct="1">
+                        <a:defRPr sz="1800" b="1" kern="1200">
+                          <a:solidFill>
+                            <a:schemeClr val="lt1"/>
+                          </a:solidFill>
+                          <a:latin typeface="Franklin Gothic Book" panose="020F0502020204030204"/>
+                        </a:defRPr>
+                      </a:lvl9pPr>
+                    </a:lstStyle>
+                    <a:p>
+                      <a:r>
+                        <a:rPr lang="de-DE" sz="1400" dirty="0">
+                          <a:latin typeface="Novecento sans Normal" panose="00000500000000000000"/>
+                        </a:rPr>
+                        <a:t>55+</a:t>
+                      </a:r>
+                    </a:p>
+                  </a:txBody>
+                  <a:tcPr>
+                    <a:lnL w="12700" cmpd="sng">
+                      <a:solidFill>
+                        <a:srgbClr val="FFFFFF"/>
+                      </a:solidFill>
+                    </a:lnL>
+                    <a:lnR w="12700" cmpd="sng">
+                      <a:solidFill>
+                        <a:srgbClr val="FFFFFF"/>
+                      </a:solidFill>
+                    </a:lnR>
+                    <a:lnT w="12700" cmpd="sng">
+                      <a:solidFill>
+                        <a:srgbClr val="FFFFFF"/>
+                      </a:solidFill>
+                    </a:lnT>
+                    <a:lnB w="12700" cmpd="sng">
+                      <a:solidFill>
+                        <a:srgbClr val="FFFFFF"/>
+                      </a:solidFill>
+                    </a:lnB>
+                    <a:lnTlToBr w="12700" cmpd="sng">
+                      <a:noFill/>
+                      <a:prstDash val="solid"/>
+                    </a:lnTlToBr>
+                    <a:lnBlToTr w="12700" cmpd="sng">
+                      <a:noFill/>
+                      <a:prstDash val="solid"/>
+                    </a:lnBlToTr>
+                    <a:solidFill>
+                      <a:srgbClr val="9BA8B7"/>
+                    </a:solidFill>
+                  </a:tcPr>
+                </a:tc>
+                <a:tc>
+                  <a:txBody>
+                    <a:bodyPr/>
+                    <a:lstStyle>
+                      <a:lvl1pPr marL="0" algn="l" defTabSz="914400" rtl="0" eaLnBrk="1" latinLnBrk="0" hangingPunct="1">
+                        <a:defRPr sz="1800" kern="1200">
+                          <a:solidFill>
+                            <a:schemeClr val="dk1"/>
+                          </a:solidFill>
+                          <a:latin typeface="Franklin Gothic Book" panose="020F0502020204030204"/>
+                        </a:defRPr>
+                      </a:lvl1pPr>
+                      <a:lvl2pPr marL="457200" algn="l" defTabSz="914400" rtl="0" eaLnBrk="1" latinLnBrk="0" hangingPunct="1">
+                        <a:defRPr sz="1800" kern="1200">
+                          <a:solidFill>
+                            <a:schemeClr val="dk1"/>
+                          </a:solidFill>
+                          <a:latin typeface="Franklin Gothic Book" panose="020F0502020204030204"/>
+                        </a:defRPr>
+                      </a:lvl2pPr>
+                      <a:lvl3pPr marL="914400" algn="l" defTabSz="914400" rtl="0" eaLnBrk="1" latinLnBrk="0" hangingPunct="1">
+                        <a:defRPr sz="1800" kern="1200">
+                          <a:solidFill>
+                            <a:schemeClr val="dk1"/>
+                          </a:solidFill>
+                          <a:latin typeface="Franklin Gothic Book" panose="020F0502020204030204"/>
+                        </a:defRPr>
+                      </a:lvl3pPr>
+                      <a:lvl4pPr marL="1371600" algn="l" defTabSz="914400" rtl="0" eaLnBrk="1" latinLnBrk="0" hangingPunct="1">
+                        <a:defRPr sz="1800" kern="1200">
+                          <a:solidFill>
+                            <a:schemeClr val="dk1"/>
+                          </a:solidFill>
+                          <a:latin typeface="Franklin Gothic Book" panose="020F0502020204030204"/>
+                        </a:defRPr>
+                      </a:lvl4pPr>
+                      <a:lvl5pPr marL="1828800" algn="l" defTabSz="914400" rtl="0" eaLnBrk="1" latinLnBrk="0" hangingPunct="1">
+                        <a:defRPr sz="1800" kern="1200">
+                          <a:solidFill>
+                            <a:schemeClr val="dk1"/>
+                          </a:solidFill>
+                          <a:latin typeface="Franklin Gothic Book" panose="020F0502020204030204"/>
+                        </a:defRPr>
+                      </a:lvl5pPr>
+                      <a:lvl6pPr marL="2286000" algn="l" defTabSz="914400" rtl="0" eaLnBrk="1" latinLnBrk="0" hangingPunct="1">
+                        <a:defRPr sz="1800" kern="1200">
+                          <a:solidFill>
+                            <a:schemeClr val="dk1"/>
+                          </a:solidFill>
+                          <a:latin typeface="Franklin Gothic Book" panose="020F0502020204030204"/>
+                        </a:defRPr>
+                      </a:lvl6pPr>
+                      <a:lvl7pPr marL="2743200" algn="l" defTabSz="914400" rtl="0" eaLnBrk="1" latinLnBrk="0" hangingPunct="1">
+                        <a:defRPr sz="1800" kern="1200">
+                          <a:solidFill>
+                            <a:schemeClr val="dk1"/>
+                          </a:solidFill>
+                          <a:latin typeface="Franklin Gothic Book" panose="020F0502020204030204"/>
+                        </a:defRPr>
+                      </a:lvl7pPr>
+                      <a:lvl8pPr marL="3200400" algn="l" defTabSz="914400" rtl="0" eaLnBrk="1" latinLnBrk="0" hangingPunct="1">
+                        <a:defRPr sz="1800" kern="1200">
+                          <a:solidFill>
+                            <a:schemeClr val="dk1"/>
+                          </a:solidFill>
+                          <a:latin typeface="Franklin Gothic Book" panose="020F0502020204030204"/>
+                        </a:defRPr>
+                      </a:lvl8pPr>
+                      <a:lvl9pPr marL="3657600" algn="l" defTabSz="914400" rtl="0" eaLnBrk="1" latinLnBrk="0" hangingPunct="1">
+                        <a:defRPr sz="1800" kern="1200">
+                          <a:solidFill>
+                            <a:schemeClr val="dk1"/>
+                          </a:solidFill>
+                          <a:latin typeface="Franklin Gothic Book" panose="020F0502020204030204"/>
+                        </a:defRPr>
+                      </a:lvl9pPr>
+                    </a:lstStyle>
+                    <a:p>
+                      <a:pPr marL="0" marR="0" lvl="0" indent="0" algn="l" defTabSz="914400" rtl="0" eaLnBrk="1" fontAlgn="auto" latinLnBrk="0" hangingPunct="1">
+                        <a:lnSpc>
+                          <a:spcPct val="100000"/>
+                        </a:lnSpc>
+                        <a:spcBef>
+                          <a:spcPts val="0"/>
+                        </a:spcBef>
+                        <a:spcAft>
+                          <a:spcPts val="0"/>
+                        </a:spcAft>
+                        <a:buClrTx/>
+                        <a:buSzTx/>
+                        <a:buFontTx/>
+                        <a:buNone/>
+                        <a:tabLst/>
+                        <a:defRPr/>
+                      </a:pPr>
+                      <a:r>
+                        <a:rPr lang="de-DE" sz="1400" dirty="0">
+                          <a:latin typeface="Novecento sans Normal" panose="00000500000000000000"/>
+                        </a:rPr>
+                        <a:t>Jung-MasterCard „</a:t>
+                      </a:r>
+                      <a:r>
+                        <a:rPr lang="de-DE" sz="1400" dirty="0" err="1">
+                          <a:latin typeface="Novecento sans Normal" panose="00000500000000000000"/>
+                        </a:rPr>
+                        <a:t>bet</a:t>
+                      </a:r>
+                      <a:r>
+                        <a:rPr lang="de-DE" sz="1400" dirty="0">
+                          <a:latin typeface="Novecento sans Normal" panose="00000500000000000000"/>
+                        </a:rPr>
+                        <a:t>“ (mit hoher Gewinnchance bei Los-Ziehungen)</a:t>
+                      </a:r>
+                    </a:p>
+                  </a:txBody>
+                  <a:tcPr>
+                    <a:lnL w="12700" cmpd="sng">
+                      <a:solidFill>
+                        <a:srgbClr val="FFFFFF"/>
+                      </a:solidFill>
+                    </a:lnL>
+                    <a:lnR w="12700" cmpd="sng">
+                      <a:solidFill>
+                        <a:srgbClr val="FFFFFF"/>
+                      </a:solidFill>
+                    </a:lnR>
+                    <a:lnT w="12700" cmpd="sng">
+                      <a:solidFill>
+                        <a:srgbClr val="FFFFFF"/>
+                      </a:solidFill>
+                    </a:lnT>
+                    <a:lnB w="12700" cmpd="sng">
+                      <a:solidFill>
+                        <a:srgbClr val="FFFFFF"/>
+                      </a:solidFill>
+                    </a:lnB>
+                    <a:lnTlToBr w="12700" cmpd="sng">
+                      <a:noFill/>
+                      <a:prstDash val="solid"/>
+                    </a:lnTlToBr>
+                    <a:lnBlToTr w="12700" cmpd="sng">
+                      <a:noFill/>
+                      <a:prstDash val="solid"/>
+                    </a:lnBlToTr>
+                    <a:solidFill>
+                      <a:srgbClr val="9BA8B7">
+                        <a:tint val="40000"/>
+                      </a:srgbClr>
+                    </a:solidFill>
+                  </a:tcPr>
+                </a:tc>
+                <a:tc>
+                  <a:txBody>
+                    <a:bodyPr/>
+                    <a:lstStyle>
+                      <a:lvl1pPr marL="0" algn="l" defTabSz="914400" rtl="0" eaLnBrk="1" latinLnBrk="0" hangingPunct="1">
+                        <a:defRPr sz="1800" kern="1200">
+                          <a:solidFill>
+                            <a:schemeClr val="dk1"/>
+                          </a:solidFill>
+                          <a:latin typeface="Franklin Gothic Book" panose="020F0502020204030204"/>
+                        </a:defRPr>
+                      </a:lvl1pPr>
+                      <a:lvl2pPr marL="457200" algn="l" defTabSz="914400" rtl="0" eaLnBrk="1" latinLnBrk="0" hangingPunct="1">
+                        <a:defRPr sz="1800" kern="1200">
+                          <a:solidFill>
+                            <a:schemeClr val="dk1"/>
+                          </a:solidFill>
+                          <a:latin typeface="Franklin Gothic Book" panose="020F0502020204030204"/>
+                        </a:defRPr>
+                      </a:lvl2pPr>
+                      <a:lvl3pPr marL="914400" algn="l" defTabSz="914400" rtl="0" eaLnBrk="1" latinLnBrk="0" hangingPunct="1">
+                        <a:defRPr sz="1800" kern="1200">
+                          <a:solidFill>
+                            <a:schemeClr val="dk1"/>
+                          </a:solidFill>
+                          <a:latin typeface="Franklin Gothic Book" panose="020F0502020204030204"/>
+                        </a:defRPr>
+                      </a:lvl3pPr>
+                      <a:lvl4pPr marL="1371600" algn="l" defTabSz="914400" rtl="0" eaLnBrk="1" latinLnBrk="0" hangingPunct="1">
+                        <a:defRPr sz="1800" kern="1200">
+                          <a:solidFill>
+                            <a:schemeClr val="dk1"/>
+                          </a:solidFill>
+                          <a:latin typeface="Franklin Gothic Book" panose="020F0502020204030204"/>
+                        </a:defRPr>
+                      </a:lvl4pPr>
+                      <a:lvl5pPr marL="1828800" algn="l" defTabSz="914400" rtl="0" eaLnBrk="1" latinLnBrk="0" hangingPunct="1">
+                        <a:defRPr sz="1800" kern="1200">
+                          <a:solidFill>
+                            <a:schemeClr val="dk1"/>
+                          </a:solidFill>
+                          <a:latin typeface="Franklin Gothic Book" panose="020F0502020204030204"/>
+                        </a:defRPr>
+                      </a:lvl5pPr>
+                      <a:lvl6pPr marL="2286000" algn="l" defTabSz="914400" rtl="0" eaLnBrk="1" latinLnBrk="0" hangingPunct="1">
+                        <a:defRPr sz="1800" kern="1200">
+                          <a:solidFill>
+                            <a:schemeClr val="dk1"/>
+                          </a:solidFill>
+                          <a:latin typeface="Franklin Gothic Book" panose="020F0502020204030204"/>
+                        </a:defRPr>
+                      </a:lvl6pPr>
+                      <a:lvl7pPr marL="2743200" algn="l" defTabSz="914400" rtl="0" eaLnBrk="1" latinLnBrk="0" hangingPunct="1">
+                        <a:defRPr sz="1800" kern="1200">
+                          <a:solidFill>
+                            <a:schemeClr val="dk1"/>
+                          </a:solidFill>
+                          <a:latin typeface="Franklin Gothic Book" panose="020F0502020204030204"/>
+                        </a:defRPr>
+                      </a:lvl7pPr>
+                      <a:lvl8pPr marL="3200400" algn="l" defTabSz="914400" rtl="0" eaLnBrk="1" latinLnBrk="0" hangingPunct="1">
+                        <a:defRPr sz="1800" kern="1200">
+                          <a:solidFill>
+                            <a:schemeClr val="dk1"/>
+                          </a:solidFill>
+                          <a:latin typeface="Franklin Gothic Book" panose="020F0502020204030204"/>
+                        </a:defRPr>
+                      </a:lvl8pPr>
+                      <a:lvl9pPr marL="3657600" algn="l" defTabSz="914400" rtl="0" eaLnBrk="1" latinLnBrk="0" hangingPunct="1">
+                        <a:defRPr sz="1800" kern="1200">
+                          <a:solidFill>
+                            <a:schemeClr val="dk1"/>
+                          </a:solidFill>
+                          <a:latin typeface="Franklin Gothic Book" panose="020F0502020204030204"/>
+                        </a:defRPr>
+                      </a:lvl9pPr>
+                    </a:lstStyle>
+                    <a:p>
+                      <a:pPr marL="0" marR="0" lvl="0" indent="0" algn="l" defTabSz="914400" rtl="0" eaLnBrk="1" fontAlgn="auto" latinLnBrk="0" hangingPunct="1">
+                        <a:lnSpc>
+                          <a:spcPct val="100000"/>
+                        </a:lnSpc>
+                        <a:spcBef>
+                          <a:spcPts val="0"/>
+                        </a:spcBef>
+                        <a:spcAft>
+                          <a:spcPts val="0"/>
+                        </a:spcAft>
+                        <a:buClrTx/>
+                        <a:buSzTx/>
+                        <a:buFontTx/>
+                        <a:buNone/>
+                        <a:tabLst/>
+                        <a:defRPr/>
+                      </a:pPr>
+                      <a:r>
+                        <a:rPr lang="de-DE" sz="1400" dirty="0">
+                          <a:latin typeface="Novecento sans Normal" panose="00000500000000000000"/>
+                        </a:rPr>
+                        <a:t>Girokonto „relax</a:t>
+                      </a:r>
+                      <a:r>
+                        <a:rPr lang="de-DE" sz="1400">
+                          <a:latin typeface="Novecento sans Normal" panose="00000500000000000000"/>
+                        </a:rPr>
+                        <a:t>+“ (legen </a:t>
+                      </a:r>
+                      <a:r>
+                        <a:rPr lang="de-DE" sz="1400" dirty="0">
+                          <a:latin typeface="Novecento sans Normal" panose="00000500000000000000"/>
+                        </a:rPr>
+                        <a:t>Sie sich zurück und profitieren Sie von hohen Zinsen)</a:t>
+                      </a:r>
+                    </a:p>
+                  </a:txBody>
+                  <a:tcPr>
+                    <a:lnL w="12700" cmpd="sng">
+                      <a:solidFill>
+                        <a:srgbClr val="FFFFFF"/>
+                      </a:solidFill>
+                    </a:lnL>
+                    <a:lnR w="12700" cmpd="sng">
+                      <a:solidFill>
+                        <a:srgbClr val="FFFFFF"/>
+                      </a:solidFill>
+                    </a:lnR>
+                    <a:lnT w="12700" cmpd="sng">
+                      <a:solidFill>
+                        <a:srgbClr val="FFFFFF"/>
+                      </a:solidFill>
+                    </a:lnT>
+                    <a:lnB w="12700" cmpd="sng">
+                      <a:solidFill>
+                        <a:srgbClr val="FFFFFF"/>
+                      </a:solidFill>
+                    </a:lnB>
+                    <a:lnTlToBr w="12700" cmpd="sng">
+                      <a:noFill/>
+                      <a:prstDash val="solid"/>
+                    </a:lnTlToBr>
+                    <a:lnBlToTr w="12700" cmpd="sng">
+                      <a:noFill/>
+                      <a:prstDash val="solid"/>
+                    </a:lnBlToTr>
+                    <a:solidFill>
+                      <a:srgbClr val="9BA8B7">
+                        <a:tint val="40000"/>
+                      </a:srgbClr>
+                    </a:solidFill>
+                  </a:tcPr>
+                </a:tc>
+                <a:tc>
+                  <a:txBody>
+                    <a:bodyPr/>
+                    <a:lstStyle>
+                      <a:lvl1pPr marL="0" algn="l" defTabSz="914400" rtl="0" eaLnBrk="1" latinLnBrk="0" hangingPunct="1">
+                        <a:defRPr sz="1800" kern="1200">
+                          <a:solidFill>
+                            <a:schemeClr val="dk1"/>
+                          </a:solidFill>
+                          <a:latin typeface="Franklin Gothic Book" panose="020F0502020204030204"/>
+                        </a:defRPr>
+                      </a:lvl1pPr>
+                      <a:lvl2pPr marL="457200" algn="l" defTabSz="914400" rtl="0" eaLnBrk="1" latinLnBrk="0" hangingPunct="1">
+                        <a:defRPr sz="1800" kern="1200">
+                          <a:solidFill>
+                            <a:schemeClr val="dk1"/>
+                          </a:solidFill>
+                          <a:latin typeface="Franklin Gothic Book" panose="020F0502020204030204"/>
+                        </a:defRPr>
+                      </a:lvl2pPr>
+                      <a:lvl3pPr marL="914400" algn="l" defTabSz="914400" rtl="0" eaLnBrk="1" latinLnBrk="0" hangingPunct="1">
+                        <a:defRPr sz="1800" kern="1200">
+                          <a:solidFill>
+                            <a:schemeClr val="dk1"/>
+                          </a:solidFill>
+                          <a:latin typeface="Franklin Gothic Book" panose="020F0502020204030204"/>
+                        </a:defRPr>
+                      </a:lvl3pPr>
+                      <a:lvl4pPr marL="1371600" algn="l" defTabSz="914400" rtl="0" eaLnBrk="1" latinLnBrk="0" hangingPunct="1">
+                        <a:defRPr sz="1800" kern="1200">
+                          <a:solidFill>
+                            <a:schemeClr val="dk1"/>
+                          </a:solidFill>
+                          <a:latin typeface="Franklin Gothic Book" panose="020F0502020204030204"/>
+                        </a:defRPr>
+                      </a:lvl4pPr>
+                      <a:lvl5pPr marL="1828800" algn="l" defTabSz="914400" rtl="0" eaLnBrk="1" latinLnBrk="0" hangingPunct="1">
+                        <a:defRPr sz="1800" kern="1200">
+                          <a:solidFill>
+                            <a:schemeClr val="dk1"/>
+                          </a:solidFill>
+                          <a:latin typeface="Franklin Gothic Book" panose="020F0502020204030204"/>
+                        </a:defRPr>
+                      </a:lvl5pPr>
+                      <a:lvl6pPr marL="2286000" algn="l" defTabSz="914400" rtl="0" eaLnBrk="1" latinLnBrk="0" hangingPunct="1">
+                        <a:defRPr sz="1800" kern="1200">
+                          <a:solidFill>
+                            <a:schemeClr val="dk1"/>
+                          </a:solidFill>
+                          <a:latin typeface="Franklin Gothic Book" panose="020F0502020204030204"/>
+                        </a:defRPr>
+                      </a:lvl6pPr>
+                      <a:lvl7pPr marL="2743200" algn="l" defTabSz="914400" rtl="0" eaLnBrk="1" latinLnBrk="0" hangingPunct="1">
+                        <a:defRPr sz="1800" kern="1200">
+                          <a:solidFill>
+                            <a:schemeClr val="dk1"/>
+                          </a:solidFill>
+                          <a:latin typeface="Franklin Gothic Book" panose="020F0502020204030204"/>
+                        </a:defRPr>
+                      </a:lvl7pPr>
+                      <a:lvl8pPr marL="3200400" algn="l" defTabSz="914400" rtl="0" eaLnBrk="1" latinLnBrk="0" hangingPunct="1">
+                        <a:defRPr sz="1800" kern="1200">
+                          <a:solidFill>
+                            <a:schemeClr val="dk1"/>
+                          </a:solidFill>
+                          <a:latin typeface="Franklin Gothic Book" panose="020F0502020204030204"/>
+                        </a:defRPr>
+                      </a:lvl8pPr>
+                      <a:lvl9pPr marL="3657600" algn="l" defTabSz="914400" rtl="0" eaLnBrk="1" latinLnBrk="0" hangingPunct="1">
+                        <a:defRPr sz="1800" kern="1200">
+                          <a:solidFill>
+                            <a:schemeClr val="dk1"/>
+                          </a:solidFill>
+                          <a:latin typeface="Franklin Gothic Book" panose="020F0502020204030204"/>
+                        </a:defRPr>
+                      </a:lvl9pPr>
+                    </a:lstStyle>
+                    <a:p>
+                      <a:pPr marL="0" marR="0" lvl="0" indent="0" algn="l" defTabSz="914400" rtl="0" eaLnBrk="1" fontAlgn="auto" latinLnBrk="0" hangingPunct="1">
+                        <a:lnSpc>
+                          <a:spcPct val="100000"/>
+                        </a:lnSpc>
+                        <a:spcBef>
+                          <a:spcPts val="0"/>
+                        </a:spcBef>
+                        <a:spcAft>
+                          <a:spcPts val="0"/>
+                        </a:spcAft>
+                        <a:buClrTx/>
+                        <a:buSzTx/>
+                        <a:buFontTx/>
+                        <a:buNone/>
+                        <a:tabLst/>
+                        <a:defRPr/>
+                      </a:pPr>
+                      <a:r>
+                        <a:rPr lang="de-DE" sz="1400" dirty="0">
+                          <a:latin typeface="Novecento sans Normal" panose="00000500000000000000"/>
+                        </a:rPr>
+                        <a:t>Jung-Bank Rentenrechner (schon gewusst wie hoch Ihre Rente ist?)</a:t>
+                      </a:r>
+                    </a:p>
+                    <a:p>
+                      <a:endParaRPr lang="de-DE" sz="1400" dirty="0">
+                        <a:latin typeface="Novecento sans Normal" panose="00000500000000000000"/>
+                      </a:endParaRPr>
+                    </a:p>
+                  </a:txBody>
+                  <a:tcPr>
+                    <a:lnL w="12700" cmpd="sng">
+                      <a:solidFill>
+                        <a:srgbClr val="FFFFFF"/>
+                      </a:solidFill>
+                    </a:lnL>
+                    <a:lnR w="12700" cmpd="sng">
+                      <a:solidFill>
+                        <a:srgbClr val="FFFFFF"/>
+                      </a:solidFill>
+                    </a:lnR>
+                    <a:lnT w="12700" cmpd="sng">
+                      <a:solidFill>
+                        <a:srgbClr val="FFFFFF"/>
+                      </a:solidFill>
+                    </a:lnT>
+                    <a:lnB w="12700" cmpd="sng">
+                      <a:solidFill>
+                        <a:srgbClr val="FFFFFF"/>
+                      </a:solidFill>
+                    </a:lnB>
+                    <a:lnTlToBr w="12700" cmpd="sng">
+                      <a:noFill/>
+                      <a:prstDash val="solid"/>
+                    </a:lnTlToBr>
+                    <a:lnBlToTr w="12700" cmpd="sng">
+                      <a:noFill/>
+                      <a:prstDash val="solid"/>
+                    </a:lnBlToTr>
+                    <a:solidFill>
+                      <a:srgbClr val="9BA8B7">
+                        <a:tint val="40000"/>
+                      </a:srgbClr>
+                    </a:solidFill>
+                  </a:tcPr>
+                </a:tc>
+                <a:tc>
+                  <a:txBody>
+                    <a:bodyPr/>
+                    <a:lstStyle>
+                      <a:lvl1pPr marL="0" algn="l" defTabSz="914400" rtl="0" eaLnBrk="1" latinLnBrk="0" hangingPunct="1">
+                        <a:defRPr sz="1800" kern="1200">
+                          <a:solidFill>
+                            <a:schemeClr val="dk1"/>
+                          </a:solidFill>
+                          <a:latin typeface="Franklin Gothic Book" panose="020F0502020204030204"/>
+                        </a:defRPr>
+                      </a:lvl1pPr>
+                      <a:lvl2pPr marL="457200" algn="l" defTabSz="914400" rtl="0" eaLnBrk="1" latinLnBrk="0" hangingPunct="1">
+                        <a:defRPr sz="1800" kern="1200">
+                          <a:solidFill>
+                            <a:schemeClr val="dk1"/>
+                          </a:solidFill>
+                          <a:latin typeface="Franklin Gothic Book" panose="020F0502020204030204"/>
+                        </a:defRPr>
+                      </a:lvl2pPr>
+                      <a:lvl3pPr marL="914400" algn="l" defTabSz="914400" rtl="0" eaLnBrk="1" latinLnBrk="0" hangingPunct="1">
+                        <a:defRPr sz="1800" kern="1200">
+                          <a:solidFill>
+                            <a:schemeClr val="dk1"/>
+                          </a:solidFill>
+                          <a:latin typeface="Franklin Gothic Book" panose="020F0502020204030204"/>
+                        </a:defRPr>
+                      </a:lvl3pPr>
+                      <a:lvl4pPr marL="1371600" algn="l" defTabSz="914400" rtl="0" eaLnBrk="1" latinLnBrk="0" hangingPunct="1">
+                        <a:defRPr sz="1800" kern="1200">
+                          <a:solidFill>
+                            <a:schemeClr val="dk1"/>
+                          </a:solidFill>
+                          <a:latin typeface="Franklin Gothic Book" panose="020F0502020204030204"/>
+                        </a:defRPr>
+                      </a:lvl4pPr>
+                      <a:lvl5pPr marL="1828800" algn="l" defTabSz="914400" rtl="0" eaLnBrk="1" latinLnBrk="0" hangingPunct="1">
+                        <a:defRPr sz="1800" kern="1200">
+                          <a:solidFill>
+                            <a:schemeClr val="dk1"/>
+                          </a:solidFill>
+                          <a:latin typeface="Franklin Gothic Book" panose="020F0502020204030204"/>
+                        </a:defRPr>
+                      </a:lvl5pPr>
+                      <a:lvl6pPr marL="2286000" algn="l" defTabSz="914400" rtl="0" eaLnBrk="1" latinLnBrk="0" hangingPunct="1">
+                        <a:defRPr sz="1800" kern="1200">
+                          <a:solidFill>
+                            <a:schemeClr val="dk1"/>
+                          </a:solidFill>
+                          <a:latin typeface="Franklin Gothic Book" panose="020F0502020204030204"/>
+                        </a:defRPr>
+                      </a:lvl6pPr>
+                      <a:lvl7pPr marL="2743200" algn="l" defTabSz="914400" rtl="0" eaLnBrk="1" latinLnBrk="0" hangingPunct="1">
+                        <a:defRPr sz="1800" kern="1200">
+                          <a:solidFill>
+                            <a:schemeClr val="dk1"/>
+                          </a:solidFill>
+                          <a:latin typeface="Franklin Gothic Book" panose="020F0502020204030204"/>
+                        </a:defRPr>
+                      </a:lvl7pPr>
+                      <a:lvl8pPr marL="3200400" algn="l" defTabSz="914400" rtl="0" eaLnBrk="1" latinLnBrk="0" hangingPunct="1">
+                        <a:defRPr sz="1800" kern="1200">
+                          <a:solidFill>
+                            <a:schemeClr val="dk1"/>
+                          </a:solidFill>
+                          <a:latin typeface="Franklin Gothic Book" panose="020F0502020204030204"/>
+                        </a:defRPr>
+                      </a:lvl8pPr>
+                      <a:lvl9pPr marL="3657600" algn="l" defTabSz="914400" rtl="0" eaLnBrk="1" latinLnBrk="0" hangingPunct="1">
+                        <a:defRPr sz="1800" kern="1200">
+                          <a:solidFill>
+                            <a:schemeClr val="dk1"/>
+                          </a:solidFill>
+                          <a:latin typeface="Franklin Gothic Book" panose="020F0502020204030204"/>
+                        </a:defRPr>
+                      </a:lvl9pPr>
+                    </a:lstStyle>
+                    <a:p>
+                      <a:pPr marL="0" marR="0" lvl="0" indent="0" algn="l" defTabSz="914400" rtl="0" eaLnBrk="1" fontAlgn="auto" latinLnBrk="0" hangingPunct="1">
+                        <a:lnSpc>
+                          <a:spcPct val="100000"/>
+                        </a:lnSpc>
+                        <a:spcBef>
+                          <a:spcPts val="0"/>
+                        </a:spcBef>
+                        <a:spcAft>
+                          <a:spcPts val="0"/>
+                        </a:spcAft>
+                        <a:buClrTx/>
+                        <a:buSzTx/>
+                        <a:buFontTx/>
+                        <a:buNone/>
+                        <a:tabLst/>
+                        <a:defRPr/>
+                      </a:pPr>
+                      <a:r>
+                        <a:rPr lang="de-DE" sz="1400" dirty="0">
+                          <a:latin typeface="Novecento sans Normal" panose="00000500000000000000"/>
+                        </a:rPr>
+                        <a:t>Jung-Bank Rentenrechner (blicken Sie gewissenhaft in die Zukunft!)</a:t>
+                      </a:r>
+                    </a:p>
+                    <a:p>
+                      <a:endParaRPr lang="de-DE" sz="1400" dirty="0">
+                        <a:latin typeface="Novecento sans Normal" panose="00000500000000000000"/>
+                      </a:endParaRPr>
+                    </a:p>
+                  </a:txBody>
+                  <a:tcPr>
+                    <a:lnL w="12700" cmpd="sng">
+                      <a:solidFill>
+                        <a:srgbClr val="FFFFFF"/>
+                      </a:solidFill>
+                    </a:lnL>
+                    <a:lnR w="12700" cmpd="sng">
+                      <a:solidFill>
+                        <a:srgbClr val="FFFFFF"/>
+                      </a:solidFill>
+                    </a:lnR>
+                    <a:lnT w="12700" cmpd="sng">
+                      <a:solidFill>
+                        <a:srgbClr val="FFFFFF"/>
+                      </a:solidFill>
+                    </a:lnT>
+                    <a:lnB w="12700" cmpd="sng">
+                      <a:solidFill>
+                        <a:srgbClr val="FFFFFF"/>
+                      </a:solidFill>
+                    </a:lnB>
+                    <a:lnTlToBr w="12700" cmpd="sng">
+                      <a:noFill/>
+                      <a:prstDash val="solid"/>
+                    </a:lnTlToBr>
+                    <a:lnBlToTr w="12700" cmpd="sng">
+                      <a:noFill/>
+                      <a:prstDash val="solid"/>
+                    </a:lnBlToTr>
+                    <a:solidFill>
+                      <a:srgbClr val="9BA8B7">
+                        <a:tint val="40000"/>
+                      </a:srgbClr>
+                    </a:solidFill>
+                  </a:tcPr>
+                </a:tc>
+                <a:extLst>
+                  <a:ext uri="{0D108BD9-81ED-4DB2-BD59-A6C34878D82A}">
+                    <a16:rowId xmlns:a16="http://schemas.microsoft.com/office/drawing/2014/main" val="2776853972"/>
+                  </a:ext>
+                </a:extLst>
+              </a:tr>
+            </a:tbl>
+          </a:graphicData>
+        </a:graphic>
+      </p:graphicFrame>
     </p:spTree>
     <p:extLst>
       <p:ext uri="{BB962C8B-B14F-4D97-AF65-F5344CB8AC3E}">
@@ -19009,36 +24838,6 @@
           </a:p>
         </p:txBody>
       </p:sp>
-      <p:sp>
-        <p:nvSpPr>
-          <p:cNvPr id="3" name="Inhaltsplatzhalter 2">
-            <a:extLst>
-              <a:ext uri="{FF2B5EF4-FFF2-40B4-BE49-F238E27FC236}">
-                <a16:creationId xmlns:a16="http://schemas.microsoft.com/office/drawing/2014/main" id="{C66D88BC-0614-41B2-8E3F-31D011E2B631}"/>
-              </a:ext>
-            </a:extLst>
-          </p:cNvPr>
-          <p:cNvSpPr>
-            <a:spLocks noGrp="1"/>
-          </p:cNvSpPr>
-          <p:nvPr>
-            <p:ph idx="1"/>
-          </p:nvPr>
-        </p:nvSpPr>
-        <p:spPr/>
-        <p:txBody>
-          <a:bodyPr/>
-          <a:lstStyle/>
-          <a:p>
-            <a:r>
-              <a:rPr lang="de-DE" dirty="0">
-                <a:latin typeface="Novecento sans Normal" panose="00000500000000000000"/>
-              </a:rPr>
-              <a:t>PS</a:t>
-            </a:r>
-          </a:p>
-        </p:txBody>
-      </p:sp>
       <p:pic>
         <p:nvPicPr>
           <p:cNvPr id="4" name="Grafik 3" descr="Ein Bild, das Pfeil enthält.&#10;&#10;Automatisch generierte Beschreibung">
@@ -19142,6 +24941,1390 @@
               <a:t>9</a:t>
             </a:fld>
             <a:endParaRPr lang="de-DE"/>
+          </a:p>
+        </p:txBody>
+      </p:sp>
+      <p:graphicFrame>
+        <p:nvGraphicFramePr>
+          <p:cNvPr id="9" name="Tabelle 26">
+            <a:extLst>
+              <a:ext uri="{FF2B5EF4-FFF2-40B4-BE49-F238E27FC236}">
+                <a16:creationId xmlns:a16="http://schemas.microsoft.com/office/drawing/2014/main" id="{9E5E8813-09DE-4C30-B027-E3BB82DC88F5}"/>
+              </a:ext>
+            </a:extLst>
+          </p:cNvPr>
+          <p:cNvGraphicFramePr>
+            <a:graphicFrameLocks noGrp="1"/>
+          </p:cNvGraphicFramePr>
+          <p:nvPr>
+            <p:extLst>
+              <p:ext uri="{D42A27DB-BD31-4B8C-83A1-F6EECF244321}">
+                <p14:modId xmlns:p14="http://schemas.microsoft.com/office/powerpoint/2010/main" val="2488495734"/>
+              </p:ext>
+            </p:extLst>
+          </p:nvPr>
+        </p:nvGraphicFramePr>
+        <p:xfrm>
+          <a:off x="903938" y="4473866"/>
+          <a:ext cx="4896562" cy="1645920"/>
+        </p:xfrm>
+        <a:graphic>
+          <a:graphicData uri="http://schemas.openxmlformats.org/drawingml/2006/table">
+            <a:tbl>
+              <a:tblPr firstRow="1" bandRow="1"/>
+              <a:tblGrid>
+                <a:gridCol w="2448281">
+                  <a:extLst>
+                    <a:ext uri="{9D8B030D-6E8A-4147-A177-3AD203B41FA5}">
+                      <a16:colId xmlns:a16="http://schemas.microsoft.com/office/drawing/2014/main" val="25708122"/>
+                    </a:ext>
+                  </a:extLst>
+                </a:gridCol>
+                <a:gridCol w="2448281">
+                  <a:extLst>
+                    <a:ext uri="{9D8B030D-6E8A-4147-A177-3AD203B41FA5}">
+                      <a16:colId xmlns:a16="http://schemas.microsoft.com/office/drawing/2014/main" val="1966958074"/>
+                    </a:ext>
+                  </a:extLst>
+                </a:gridCol>
+              </a:tblGrid>
+              <a:tr h="0">
+                <a:tc>
+                  <a:txBody>
+                    <a:bodyPr/>
+                    <a:lstStyle>
+                      <a:lvl1pPr marL="0" algn="l" defTabSz="914400" rtl="0" eaLnBrk="1" latinLnBrk="0" hangingPunct="1">
+                        <a:defRPr sz="1800" b="1" kern="1200">
+                          <a:solidFill>
+                            <a:schemeClr val="lt1"/>
+                          </a:solidFill>
+                          <a:latin typeface="Franklin Gothic Book" panose="020F0502020204030204"/>
+                        </a:defRPr>
+                      </a:lvl1pPr>
+                      <a:lvl2pPr marL="457200" algn="l" defTabSz="914400" rtl="0" eaLnBrk="1" latinLnBrk="0" hangingPunct="1">
+                        <a:defRPr sz="1800" b="1" kern="1200">
+                          <a:solidFill>
+                            <a:schemeClr val="lt1"/>
+                          </a:solidFill>
+                          <a:latin typeface="Franklin Gothic Book" panose="020F0502020204030204"/>
+                        </a:defRPr>
+                      </a:lvl2pPr>
+                      <a:lvl3pPr marL="914400" algn="l" defTabSz="914400" rtl="0" eaLnBrk="1" latinLnBrk="0" hangingPunct="1">
+                        <a:defRPr sz="1800" b="1" kern="1200">
+                          <a:solidFill>
+                            <a:schemeClr val="lt1"/>
+                          </a:solidFill>
+                          <a:latin typeface="Franklin Gothic Book" panose="020F0502020204030204"/>
+                        </a:defRPr>
+                      </a:lvl3pPr>
+                      <a:lvl4pPr marL="1371600" algn="l" defTabSz="914400" rtl="0" eaLnBrk="1" latinLnBrk="0" hangingPunct="1">
+                        <a:defRPr sz="1800" b="1" kern="1200">
+                          <a:solidFill>
+                            <a:schemeClr val="lt1"/>
+                          </a:solidFill>
+                          <a:latin typeface="Franklin Gothic Book" panose="020F0502020204030204"/>
+                        </a:defRPr>
+                      </a:lvl4pPr>
+                      <a:lvl5pPr marL="1828800" algn="l" defTabSz="914400" rtl="0" eaLnBrk="1" latinLnBrk="0" hangingPunct="1">
+                        <a:defRPr sz="1800" b="1" kern="1200">
+                          <a:solidFill>
+                            <a:schemeClr val="lt1"/>
+                          </a:solidFill>
+                          <a:latin typeface="Franklin Gothic Book" panose="020F0502020204030204"/>
+                        </a:defRPr>
+                      </a:lvl5pPr>
+                      <a:lvl6pPr marL="2286000" algn="l" defTabSz="914400" rtl="0" eaLnBrk="1" latinLnBrk="0" hangingPunct="1">
+                        <a:defRPr sz="1800" b="1" kern="1200">
+                          <a:solidFill>
+                            <a:schemeClr val="lt1"/>
+                          </a:solidFill>
+                          <a:latin typeface="Franklin Gothic Book" panose="020F0502020204030204"/>
+                        </a:defRPr>
+                      </a:lvl6pPr>
+                      <a:lvl7pPr marL="2743200" algn="l" defTabSz="914400" rtl="0" eaLnBrk="1" latinLnBrk="0" hangingPunct="1">
+                        <a:defRPr sz="1800" b="1" kern="1200">
+                          <a:solidFill>
+                            <a:schemeClr val="lt1"/>
+                          </a:solidFill>
+                          <a:latin typeface="Franklin Gothic Book" panose="020F0502020204030204"/>
+                        </a:defRPr>
+                      </a:lvl7pPr>
+                      <a:lvl8pPr marL="3200400" algn="l" defTabSz="914400" rtl="0" eaLnBrk="1" latinLnBrk="0" hangingPunct="1">
+                        <a:defRPr sz="1800" b="1" kern="1200">
+                          <a:solidFill>
+                            <a:schemeClr val="lt1"/>
+                          </a:solidFill>
+                          <a:latin typeface="Franklin Gothic Book" panose="020F0502020204030204"/>
+                        </a:defRPr>
+                      </a:lvl8pPr>
+                      <a:lvl9pPr marL="3657600" algn="l" defTabSz="914400" rtl="0" eaLnBrk="1" latinLnBrk="0" hangingPunct="1">
+                        <a:defRPr sz="1800" b="1" kern="1200">
+                          <a:solidFill>
+                            <a:schemeClr val="lt1"/>
+                          </a:solidFill>
+                          <a:latin typeface="Franklin Gothic Book" panose="020F0502020204030204"/>
+                        </a:defRPr>
+                      </a:lvl9pPr>
+                    </a:lstStyle>
+                    <a:p>
+                      <a:r>
+                        <a:rPr lang="de-DE" sz="1600" dirty="0">
+                          <a:latin typeface="Novecento sans Normal" panose="00000500000000000000"/>
+                        </a:rPr>
+                        <a:t>Ereignisname</a:t>
+                      </a:r>
+                    </a:p>
+                  </a:txBody>
+                  <a:tcPr>
+                    <a:lnL w="12700" cmpd="sng">
+                      <a:solidFill>
+                        <a:srgbClr val="FFFFFF"/>
+                      </a:solidFill>
+                    </a:lnL>
+                    <a:lnR w="12700" cmpd="sng">
+                      <a:solidFill>
+                        <a:srgbClr val="FFFFFF"/>
+                      </a:solidFill>
+                    </a:lnR>
+                    <a:lnT w="12700" cmpd="sng">
+                      <a:solidFill>
+                        <a:srgbClr val="FFFFFF"/>
+                      </a:solidFill>
+                    </a:lnT>
+                    <a:lnB w="38100" cmpd="sng">
+                      <a:solidFill>
+                        <a:srgbClr val="FFFFFF"/>
+                      </a:solidFill>
+                    </a:lnB>
+                    <a:lnTlToBr w="12700" cmpd="sng">
+                      <a:noFill/>
+                      <a:prstDash val="solid"/>
+                    </a:lnTlToBr>
+                    <a:lnBlToTr w="12700" cmpd="sng">
+                      <a:noFill/>
+                      <a:prstDash val="solid"/>
+                    </a:lnBlToTr>
+                    <a:solidFill>
+                      <a:srgbClr val="9BA8B7"/>
+                    </a:solidFill>
+                  </a:tcPr>
+                </a:tc>
+                <a:tc>
+                  <a:txBody>
+                    <a:bodyPr/>
+                    <a:lstStyle>
+                      <a:lvl1pPr marL="0" algn="l" defTabSz="914400" rtl="0" eaLnBrk="1" latinLnBrk="0" hangingPunct="1">
+                        <a:defRPr sz="1800" b="1" kern="1200">
+                          <a:solidFill>
+                            <a:schemeClr val="lt1"/>
+                          </a:solidFill>
+                          <a:latin typeface="Franklin Gothic Book" panose="020F0502020204030204"/>
+                        </a:defRPr>
+                      </a:lvl1pPr>
+                      <a:lvl2pPr marL="457200" algn="l" defTabSz="914400" rtl="0" eaLnBrk="1" latinLnBrk="0" hangingPunct="1">
+                        <a:defRPr sz="1800" b="1" kern="1200">
+                          <a:solidFill>
+                            <a:schemeClr val="lt1"/>
+                          </a:solidFill>
+                          <a:latin typeface="Franklin Gothic Book" panose="020F0502020204030204"/>
+                        </a:defRPr>
+                      </a:lvl2pPr>
+                      <a:lvl3pPr marL="914400" algn="l" defTabSz="914400" rtl="0" eaLnBrk="1" latinLnBrk="0" hangingPunct="1">
+                        <a:defRPr sz="1800" b="1" kern="1200">
+                          <a:solidFill>
+                            <a:schemeClr val="lt1"/>
+                          </a:solidFill>
+                          <a:latin typeface="Franklin Gothic Book" panose="020F0502020204030204"/>
+                        </a:defRPr>
+                      </a:lvl3pPr>
+                      <a:lvl4pPr marL="1371600" algn="l" defTabSz="914400" rtl="0" eaLnBrk="1" latinLnBrk="0" hangingPunct="1">
+                        <a:defRPr sz="1800" b="1" kern="1200">
+                          <a:solidFill>
+                            <a:schemeClr val="lt1"/>
+                          </a:solidFill>
+                          <a:latin typeface="Franklin Gothic Book" panose="020F0502020204030204"/>
+                        </a:defRPr>
+                      </a:lvl4pPr>
+                      <a:lvl5pPr marL="1828800" algn="l" defTabSz="914400" rtl="0" eaLnBrk="1" latinLnBrk="0" hangingPunct="1">
+                        <a:defRPr sz="1800" b="1" kern="1200">
+                          <a:solidFill>
+                            <a:schemeClr val="lt1"/>
+                          </a:solidFill>
+                          <a:latin typeface="Franklin Gothic Book" panose="020F0502020204030204"/>
+                        </a:defRPr>
+                      </a:lvl5pPr>
+                      <a:lvl6pPr marL="2286000" algn="l" defTabSz="914400" rtl="0" eaLnBrk="1" latinLnBrk="0" hangingPunct="1">
+                        <a:defRPr sz="1800" b="1" kern="1200">
+                          <a:solidFill>
+                            <a:schemeClr val="lt1"/>
+                          </a:solidFill>
+                          <a:latin typeface="Franklin Gothic Book" panose="020F0502020204030204"/>
+                        </a:defRPr>
+                      </a:lvl6pPr>
+                      <a:lvl7pPr marL="2743200" algn="l" defTabSz="914400" rtl="0" eaLnBrk="1" latinLnBrk="0" hangingPunct="1">
+                        <a:defRPr sz="1800" b="1" kern="1200">
+                          <a:solidFill>
+                            <a:schemeClr val="lt1"/>
+                          </a:solidFill>
+                          <a:latin typeface="Franklin Gothic Book" panose="020F0502020204030204"/>
+                        </a:defRPr>
+                      </a:lvl7pPr>
+                      <a:lvl8pPr marL="3200400" algn="l" defTabSz="914400" rtl="0" eaLnBrk="1" latinLnBrk="0" hangingPunct="1">
+                        <a:defRPr sz="1800" b="1" kern="1200">
+                          <a:solidFill>
+                            <a:schemeClr val="lt1"/>
+                          </a:solidFill>
+                          <a:latin typeface="Franklin Gothic Book" panose="020F0502020204030204"/>
+                        </a:defRPr>
+                      </a:lvl8pPr>
+                      <a:lvl9pPr marL="3657600" algn="l" defTabSz="914400" rtl="0" eaLnBrk="1" latinLnBrk="0" hangingPunct="1">
+                        <a:defRPr sz="1800" b="1" kern="1200">
+                          <a:solidFill>
+                            <a:schemeClr val="lt1"/>
+                          </a:solidFill>
+                          <a:latin typeface="Franklin Gothic Book" panose="020F0502020204030204"/>
+                        </a:defRPr>
+                      </a:lvl9pPr>
+                    </a:lstStyle>
+                    <a:p>
+                      <a:r>
+                        <a:rPr lang="de-DE" sz="1600" dirty="0">
+                          <a:latin typeface="Novecento sans Normal" panose="00000500000000000000"/>
+                        </a:rPr>
+                        <a:t>Datenflüsse</a:t>
+                      </a:r>
+                    </a:p>
+                  </a:txBody>
+                  <a:tcPr>
+                    <a:lnL w="12700" cmpd="sng">
+                      <a:solidFill>
+                        <a:srgbClr val="FFFFFF"/>
+                      </a:solidFill>
+                    </a:lnL>
+                    <a:lnR w="12700" cmpd="sng">
+                      <a:solidFill>
+                        <a:srgbClr val="FFFFFF"/>
+                      </a:solidFill>
+                    </a:lnR>
+                    <a:lnT w="12700" cmpd="sng">
+                      <a:solidFill>
+                        <a:srgbClr val="FFFFFF"/>
+                      </a:solidFill>
+                    </a:lnT>
+                    <a:lnB w="38100" cmpd="sng">
+                      <a:solidFill>
+                        <a:srgbClr val="FFFFFF"/>
+                      </a:solidFill>
+                    </a:lnB>
+                    <a:lnTlToBr w="12700" cmpd="sng">
+                      <a:noFill/>
+                      <a:prstDash val="solid"/>
+                    </a:lnTlToBr>
+                    <a:lnBlToTr w="12700" cmpd="sng">
+                      <a:noFill/>
+                      <a:prstDash val="solid"/>
+                    </a:lnBlToTr>
+                    <a:solidFill>
+                      <a:srgbClr val="9BA8B7"/>
+                    </a:solidFill>
+                  </a:tcPr>
+                </a:tc>
+                <a:extLst>
+                  <a:ext uri="{0D108BD9-81ED-4DB2-BD59-A6C34878D82A}">
+                    <a16:rowId xmlns:a16="http://schemas.microsoft.com/office/drawing/2014/main" val="1069225320"/>
+                  </a:ext>
+                </a:extLst>
+              </a:tr>
+              <a:tr h="1152279">
+                <a:tc>
+                  <a:txBody>
+                    <a:bodyPr/>
+                    <a:lstStyle>
+                      <a:lvl1pPr marL="0" algn="l" defTabSz="914400" rtl="0" eaLnBrk="1" latinLnBrk="0" hangingPunct="1">
+                        <a:defRPr sz="1800" kern="1200">
+                          <a:solidFill>
+                            <a:schemeClr val="dk1"/>
+                          </a:solidFill>
+                          <a:latin typeface="Franklin Gothic Book" panose="020F0502020204030204"/>
+                        </a:defRPr>
+                      </a:lvl1pPr>
+                      <a:lvl2pPr marL="457200" algn="l" defTabSz="914400" rtl="0" eaLnBrk="1" latinLnBrk="0" hangingPunct="1">
+                        <a:defRPr sz="1800" kern="1200">
+                          <a:solidFill>
+                            <a:schemeClr val="dk1"/>
+                          </a:solidFill>
+                          <a:latin typeface="Franklin Gothic Book" panose="020F0502020204030204"/>
+                        </a:defRPr>
+                      </a:lvl2pPr>
+                      <a:lvl3pPr marL="914400" algn="l" defTabSz="914400" rtl="0" eaLnBrk="1" latinLnBrk="0" hangingPunct="1">
+                        <a:defRPr sz="1800" kern="1200">
+                          <a:solidFill>
+                            <a:schemeClr val="dk1"/>
+                          </a:solidFill>
+                          <a:latin typeface="Franklin Gothic Book" panose="020F0502020204030204"/>
+                        </a:defRPr>
+                      </a:lvl3pPr>
+                      <a:lvl4pPr marL="1371600" algn="l" defTabSz="914400" rtl="0" eaLnBrk="1" latinLnBrk="0" hangingPunct="1">
+                        <a:defRPr sz="1800" kern="1200">
+                          <a:solidFill>
+                            <a:schemeClr val="dk1"/>
+                          </a:solidFill>
+                          <a:latin typeface="Franklin Gothic Book" panose="020F0502020204030204"/>
+                        </a:defRPr>
+                      </a:lvl4pPr>
+                      <a:lvl5pPr marL="1828800" algn="l" defTabSz="914400" rtl="0" eaLnBrk="1" latinLnBrk="0" hangingPunct="1">
+                        <a:defRPr sz="1800" kern="1200">
+                          <a:solidFill>
+                            <a:schemeClr val="dk1"/>
+                          </a:solidFill>
+                          <a:latin typeface="Franklin Gothic Book" panose="020F0502020204030204"/>
+                        </a:defRPr>
+                      </a:lvl5pPr>
+                      <a:lvl6pPr marL="2286000" algn="l" defTabSz="914400" rtl="0" eaLnBrk="1" latinLnBrk="0" hangingPunct="1">
+                        <a:defRPr sz="1800" kern="1200">
+                          <a:solidFill>
+                            <a:schemeClr val="dk1"/>
+                          </a:solidFill>
+                          <a:latin typeface="Franklin Gothic Book" panose="020F0502020204030204"/>
+                        </a:defRPr>
+                      </a:lvl6pPr>
+                      <a:lvl7pPr marL="2743200" algn="l" defTabSz="914400" rtl="0" eaLnBrk="1" latinLnBrk="0" hangingPunct="1">
+                        <a:defRPr sz="1800" kern="1200">
+                          <a:solidFill>
+                            <a:schemeClr val="dk1"/>
+                          </a:solidFill>
+                          <a:latin typeface="Franklin Gothic Book" panose="020F0502020204030204"/>
+                        </a:defRPr>
+                      </a:lvl7pPr>
+                      <a:lvl8pPr marL="3200400" algn="l" defTabSz="914400" rtl="0" eaLnBrk="1" latinLnBrk="0" hangingPunct="1">
+                        <a:defRPr sz="1800" kern="1200">
+                          <a:solidFill>
+                            <a:schemeClr val="dk1"/>
+                          </a:solidFill>
+                          <a:latin typeface="Franklin Gothic Book" panose="020F0502020204030204"/>
+                        </a:defRPr>
+                      </a:lvl8pPr>
+                      <a:lvl9pPr marL="3657600" algn="l" defTabSz="914400" rtl="0" eaLnBrk="1" latinLnBrk="0" hangingPunct="1">
+                        <a:defRPr sz="1800" kern="1200">
+                          <a:solidFill>
+                            <a:schemeClr val="dk1"/>
+                          </a:solidFill>
+                          <a:latin typeface="Franklin Gothic Book" panose="020F0502020204030204"/>
+                        </a:defRPr>
+                      </a:lvl9pPr>
+                    </a:lstStyle>
+                    <a:p>
+                      <a:r>
+                        <a:rPr lang="de-DE" sz="1600" dirty="0">
+                          <a:latin typeface="Novecento sans Normal" panose="00000500000000000000"/>
+                        </a:rPr>
+                        <a:t>Produktvorschlag anfragen</a:t>
+                      </a:r>
+                    </a:p>
+                  </a:txBody>
+                  <a:tcPr>
+                    <a:lnL w="12700" cmpd="sng">
+                      <a:solidFill>
+                        <a:srgbClr val="FFFFFF"/>
+                      </a:solidFill>
+                    </a:lnL>
+                    <a:lnR w="12700" cmpd="sng">
+                      <a:solidFill>
+                        <a:srgbClr val="FFFFFF"/>
+                      </a:solidFill>
+                    </a:lnR>
+                    <a:lnT w="38100" cmpd="sng">
+                      <a:solidFill>
+                        <a:srgbClr val="FFFFFF"/>
+                      </a:solidFill>
+                    </a:lnT>
+                    <a:lnB w="12700" cmpd="sng">
+                      <a:solidFill>
+                        <a:srgbClr val="FFFFFF"/>
+                      </a:solidFill>
+                    </a:lnB>
+                    <a:lnTlToBr w="12700" cmpd="sng">
+                      <a:noFill/>
+                      <a:prstDash val="solid"/>
+                    </a:lnTlToBr>
+                    <a:lnBlToTr w="12700" cmpd="sng">
+                      <a:noFill/>
+                      <a:prstDash val="solid"/>
+                    </a:lnBlToTr>
+                    <a:solidFill>
+                      <a:srgbClr val="9BA8B7">
+                        <a:tint val="40000"/>
+                      </a:srgbClr>
+                    </a:solidFill>
+                  </a:tcPr>
+                </a:tc>
+                <a:tc>
+                  <a:txBody>
+                    <a:bodyPr/>
+                    <a:lstStyle>
+                      <a:lvl1pPr marL="0" algn="l" defTabSz="914400" rtl="0" eaLnBrk="1" latinLnBrk="0" hangingPunct="1">
+                        <a:defRPr sz="1800" kern="1200">
+                          <a:solidFill>
+                            <a:schemeClr val="dk1"/>
+                          </a:solidFill>
+                          <a:latin typeface="Franklin Gothic Book" panose="020F0502020204030204"/>
+                        </a:defRPr>
+                      </a:lvl1pPr>
+                      <a:lvl2pPr marL="457200" algn="l" defTabSz="914400" rtl="0" eaLnBrk="1" latinLnBrk="0" hangingPunct="1">
+                        <a:defRPr sz="1800" kern="1200">
+                          <a:solidFill>
+                            <a:schemeClr val="dk1"/>
+                          </a:solidFill>
+                          <a:latin typeface="Franklin Gothic Book" panose="020F0502020204030204"/>
+                        </a:defRPr>
+                      </a:lvl2pPr>
+                      <a:lvl3pPr marL="914400" algn="l" defTabSz="914400" rtl="0" eaLnBrk="1" latinLnBrk="0" hangingPunct="1">
+                        <a:defRPr sz="1800" kern="1200">
+                          <a:solidFill>
+                            <a:schemeClr val="dk1"/>
+                          </a:solidFill>
+                          <a:latin typeface="Franklin Gothic Book" panose="020F0502020204030204"/>
+                        </a:defRPr>
+                      </a:lvl3pPr>
+                      <a:lvl4pPr marL="1371600" algn="l" defTabSz="914400" rtl="0" eaLnBrk="1" latinLnBrk="0" hangingPunct="1">
+                        <a:defRPr sz="1800" kern="1200">
+                          <a:solidFill>
+                            <a:schemeClr val="dk1"/>
+                          </a:solidFill>
+                          <a:latin typeface="Franklin Gothic Book" panose="020F0502020204030204"/>
+                        </a:defRPr>
+                      </a:lvl4pPr>
+                      <a:lvl5pPr marL="1828800" algn="l" defTabSz="914400" rtl="0" eaLnBrk="1" latinLnBrk="0" hangingPunct="1">
+                        <a:defRPr sz="1800" kern="1200">
+                          <a:solidFill>
+                            <a:schemeClr val="dk1"/>
+                          </a:solidFill>
+                          <a:latin typeface="Franklin Gothic Book" panose="020F0502020204030204"/>
+                        </a:defRPr>
+                      </a:lvl5pPr>
+                      <a:lvl6pPr marL="2286000" algn="l" defTabSz="914400" rtl="0" eaLnBrk="1" latinLnBrk="0" hangingPunct="1">
+                        <a:defRPr sz="1800" kern="1200">
+                          <a:solidFill>
+                            <a:schemeClr val="dk1"/>
+                          </a:solidFill>
+                          <a:latin typeface="Franklin Gothic Book" panose="020F0502020204030204"/>
+                        </a:defRPr>
+                      </a:lvl6pPr>
+                      <a:lvl7pPr marL="2743200" algn="l" defTabSz="914400" rtl="0" eaLnBrk="1" latinLnBrk="0" hangingPunct="1">
+                        <a:defRPr sz="1800" kern="1200">
+                          <a:solidFill>
+                            <a:schemeClr val="dk1"/>
+                          </a:solidFill>
+                          <a:latin typeface="Franklin Gothic Book" panose="020F0502020204030204"/>
+                        </a:defRPr>
+                      </a:lvl7pPr>
+                      <a:lvl8pPr marL="3200400" algn="l" defTabSz="914400" rtl="0" eaLnBrk="1" latinLnBrk="0" hangingPunct="1">
+                        <a:defRPr sz="1800" kern="1200">
+                          <a:solidFill>
+                            <a:schemeClr val="dk1"/>
+                          </a:solidFill>
+                          <a:latin typeface="Franklin Gothic Book" panose="020F0502020204030204"/>
+                        </a:defRPr>
+                      </a:lvl8pPr>
+                      <a:lvl9pPr marL="3657600" algn="l" defTabSz="914400" rtl="0" eaLnBrk="1" latinLnBrk="0" hangingPunct="1">
+                        <a:defRPr sz="1800" kern="1200">
+                          <a:solidFill>
+                            <a:schemeClr val="dk1"/>
+                          </a:solidFill>
+                          <a:latin typeface="Franklin Gothic Book" panose="020F0502020204030204"/>
+                        </a:defRPr>
+                      </a:lvl9pPr>
+                    </a:lstStyle>
+                    <a:p>
+                      <a:r>
+                        <a:rPr lang="de-DE" sz="1600" dirty="0">
+                          <a:latin typeface="Novecento sans Normal" panose="00000500000000000000"/>
+                        </a:rPr>
+                        <a:t>Name (I)</a:t>
+                      </a:r>
+                    </a:p>
+                    <a:p>
+                      <a:r>
+                        <a:rPr lang="de-DE" sz="1600" dirty="0">
+                          <a:latin typeface="Novecento sans Normal" panose="00000500000000000000"/>
+                        </a:rPr>
+                        <a:t>Alter (I)</a:t>
+                      </a:r>
+                    </a:p>
+                    <a:p>
+                      <a:r>
+                        <a:rPr lang="de-DE" sz="1600" dirty="0">
+                          <a:latin typeface="Novecento sans Normal" panose="00000500000000000000"/>
+                        </a:rPr>
+                        <a:t>Gesichts-Foto (I)</a:t>
+                      </a:r>
+                    </a:p>
+                    <a:p>
+                      <a:r>
+                        <a:rPr lang="de-DE" sz="1600" dirty="0">
+                          <a:latin typeface="Novecento sans Normal" panose="00000500000000000000"/>
+                        </a:rPr>
+                        <a:t>Produktempfehlung (O)</a:t>
+                      </a:r>
+                    </a:p>
+                    <a:p>
+                      <a:r>
+                        <a:rPr lang="de-DE" sz="1600" dirty="0">
+                          <a:latin typeface="Novecento sans Normal" panose="00000500000000000000"/>
+                        </a:rPr>
+                        <a:t>Fehlermeldung (O)</a:t>
+                      </a:r>
+                    </a:p>
+                  </a:txBody>
+                  <a:tcPr>
+                    <a:lnL w="12700" cmpd="sng">
+                      <a:solidFill>
+                        <a:srgbClr val="FFFFFF"/>
+                      </a:solidFill>
+                    </a:lnL>
+                    <a:lnR w="12700" cmpd="sng">
+                      <a:solidFill>
+                        <a:srgbClr val="FFFFFF"/>
+                      </a:solidFill>
+                    </a:lnR>
+                    <a:lnT w="38100" cmpd="sng">
+                      <a:solidFill>
+                        <a:srgbClr val="FFFFFF"/>
+                      </a:solidFill>
+                    </a:lnT>
+                    <a:lnB w="12700" cmpd="sng">
+                      <a:solidFill>
+                        <a:srgbClr val="FFFFFF"/>
+                      </a:solidFill>
+                    </a:lnB>
+                    <a:lnTlToBr w="12700" cmpd="sng">
+                      <a:noFill/>
+                      <a:prstDash val="solid"/>
+                    </a:lnTlToBr>
+                    <a:lnBlToTr w="12700" cmpd="sng">
+                      <a:noFill/>
+                      <a:prstDash val="solid"/>
+                    </a:lnBlToTr>
+                    <a:solidFill>
+                      <a:srgbClr val="9BA8B7">
+                        <a:tint val="40000"/>
+                      </a:srgbClr>
+                    </a:solidFill>
+                  </a:tcPr>
+                </a:tc>
+                <a:extLst>
+                  <a:ext uri="{0D108BD9-81ED-4DB2-BD59-A6C34878D82A}">
+                    <a16:rowId xmlns:a16="http://schemas.microsoft.com/office/drawing/2014/main" val="3220794546"/>
+                  </a:ext>
+                </a:extLst>
+              </a:tr>
+            </a:tbl>
+          </a:graphicData>
+        </a:graphic>
+      </p:graphicFrame>
+      <p:grpSp>
+        <p:nvGrpSpPr>
+          <p:cNvPr id="10" name="Gruppieren 9">
+            <a:extLst>
+              <a:ext uri="{FF2B5EF4-FFF2-40B4-BE49-F238E27FC236}">
+                <a16:creationId xmlns:a16="http://schemas.microsoft.com/office/drawing/2014/main" id="{AC379230-F26A-4849-8199-800A13FEFCF0}"/>
+              </a:ext>
+            </a:extLst>
+          </p:cNvPr>
+          <p:cNvGrpSpPr/>
+          <p:nvPr/>
+        </p:nvGrpSpPr>
+        <p:grpSpPr>
+          <a:xfrm>
+            <a:off x="838200" y="1987921"/>
+            <a:ext cx="10013403" cy="2495301"/>
+            <a:chOff x="1142277" y="2229639"/>
+            <a:chExt cx="10013403" cy="2495301"/>
+          </a:xfrm>
+        </p:grpSpPr>
+        <p:sp>
+          <p:nvSpPr>
+            <p:cNvPr id="11" name="Rechteck 10">
+              <a:extLst>
+                <a:ext uri="{FF2B5EF4-FFF2-40B4-BE49-F238E27FC236}">
+                  <a16:creationId xmlns:a16="http://schemas.microsoft.com/office/drawing/2014/main" id="{E89571E1-0381-4AF1-A14E-B8F5D6767A33}"/>
+                </a:ext>
+              </a:extLst>
+            </p:cNvPr>
+            <p:cNvSpPr/>
+            <p:nvPr/>
+          </p:nvSpPr>
+          <p:spPr>
+            <a:xfrm>
+              <a:off x="1736521" y="2668567"/>
+              <a:ext cx="1818761" cy="1077983"/>
+            </a:xfrm>
+            <a:prstGeom prst="rect">
+              <a:avLst/>
+            </a:prstGeom>
+            <a:solidFill>
+              <a:srgbClr val="9BA8B7"/>
+            </a:solidFill>
+            <a:ln w="15875" cap="flat" cmpd="sng" algn="ctr">
+              <a:solidFill>
+                <a:srgbClr val="9BA8B7">
+                  <a:shade val="50000"/>
+                </a:srgbClr>
+              </a:solidFill>
+              <a:prstDash val="solid"/>
+            </a:ln>
+            <a:effectLst/>
+          </p:spPr>
+          <p:txBody>
+            <a:bodyPr rtlCol="0" anchor="ctr"/>
+            <a:lstStyle/>
+            <a:p>
+              <a:pPr marL="0" marR="0" lvl="0" indent="0" algn="ctr" defTabSz="914400" eaLnBrk="1" fontAlgn="auto" latinLnBrk="0" hangingPunct="1">
+                <a:lnSpc>
+                  <a:spcPct val="100000"/>
+                </a:lnSpc>
+                <a:spcBef>
+                  <a:spcPts val="0"/>
+                </a:spcBef>
+                <a:spcAft>
+                  <a:spcPts val="0"/>
+                </a:spcAft>
+                <a:buClrTx/>
+                <a:buSzTx/>
+                <a:buFontTx/>
+                <a:buNone/>
+                <a:tabLst/>
+                <a:defRPr/>
+              </a:pPr>
+              <a:r>
+                <a:rPr kumimoji="0" lang="de-DE" sz="1800" b="0" i="0" u="none" strike="noStrike" kern="0" cap="none" spc="0" normalizeH="0" baseline="0" noProof="0" dirty="0">
+                  <a:ln>
+                    <a:noFill/>
+                  </a:ln>
+                  <a:solidFill>
+                    <a:srgbClr val="FFFFFF"/>
+                  </a:solidFill>
+                  <a:effectLst/>
+                  <a:uLnTx/>
+                  <a:uFillTx/>
+                  <a:latin typeface="Novecento sans Normal" panose="00000500000000000000"/>
+                </a:rPr>
+                <a:t>Kunde</a:t>
+              </a:r>
+            </a:p>
+          </p:txBody>
+        </p:sp>
+        <p:sp>
+          <p:nvSpPr>
+            <p:cNvPr id="12" name="Ellipse 11">
+              <a:extLst>
+                <a:ext uri="{FF2B5EF4-FFF2-40B4-BE49-F238E27FC236}">
+                  <a16:creationId xmlns:a16="http://schemas.microsoft.com/office/drawing/2014/main" id="{FE68ACFD-653E-4274-9488-4FF9E8F1D8ED}"/>
+                </a:ext>
+              </a:extLst>
+            </p:cNvPr>
+            <p:cNvSpPr/>
+            <p:nvPr/>
+          </p:nvSpPr>
+          <p:spPr>
+            <a:xfrm>
+              <a:off x="7538913" y="2533669"/>
+              <a:ext cx="3191381" cy="1212886"/>
+            </a:xfrm>
+            <a:prstGeom prst="ellipse">
+              <a:avLst/>
+            </a:prstGeom>
+            <a:solidFill>
+              <a:srgbClr val="9BA8B7"/>
+            </a:solidFill>
+            <a:ln w="15875" cap="flat" cmpd="sng" algn="ctr">
+              <a:solidFill>
+                <a:srgbClr val="9BA8B7">
+                  <a:shade val="50000"/>
+                </a:srgbClr>
+              </a:solidFill>
+              <a:prstDash val="solid"/>
+            </a:ln>
+            <a:effectLst/>
+          </p:spPr>
+          <p:txBody>
+            <a:bodyPr rtlCol="0" anchor="ctr"/>
+            <a:lstStyle/>
+            <a:p>
+              <a:pPr marL="0" marR="0" lvl="0" indent="0" algn="ctr" defTabSz="914400" eaLnBrk="1" fontAlgn="auto" latinLnBrk="0" hangingPunct="1">
+                <a:lnSpc>
+                  <a:spcPct val="100000"/>
+                </a:lnSpc>
+                <a:spcBef>
+                  <a:spcPts val="0"/>
+                </a:spcBef>
+                <a:spcAft>
+                  <a:spcPts val="0"/>
+                </a:spcAft>
+                <a:buClrTx/>
+                <a:buSzTx/>
+                <a:buFontTx/>
+                <a:buNone/>
+                <a:tabLst/>
+                <a:defRPr/>
+              </a:pPr>
+              <a:r>
+                <a:rPr kumimoji="0" lang="de-DE" sz="1800" b="0" i="0" u="none" strike="noStrike" kern="0" cap="none" spc="0" normalizeH="0" baseline="0" noProof="0" dirty="0">
+                  <a:ln>
+                    <a:noFill/>
+                  </a:ln>
+                  <a:solidFill>
+                    <a:srgbClr val="FFFFFF"/>
+                  </a:solidFill>
+                  <a:effectLst/>
+                  <a:uLnTx/>
+                  <a:uFillTx/>
+                  <a:latin typeface="Novecento sans Normal" panose="00000500000000000000"/>
+                </a:rPr>
+                <a:t>Produktvorschlag anfragen</a:t>
+              </a:r>
+            </a:p>
+          </p:txBody>
+        </p:sp>
+        <p:cxnSp>
+          <p:nvCxnSpPr>
+            <p:cNvPr id="13" name="Gerade Verbindung mit Pfeil 12">
+              <a:extLst>
+                <a:ext uri="{FF2B5EF4-FFF2-40B4-BE49-F238E27FC236}">
+                  <a16:creationId xmlns:a16="http://schemas.microsoft.com/office/drawing/2014/main" id="{23511917-A98E-4668-B4FF-1FD17B2F4E8C}"/>
+                </a:ext>
+              </a:extLst>
+            </p:cNvPr>
+            <p:cNvCxnSpPr/>
+            <p:nvPr/>
+          </p:nvCxnSpPr>
+          <p:spPr>
+            <a:xfrm>
+              <a:off x="3686134" y="2668567"/>
+              <a:ext cx="3733101" cy="0"/>
+            </a:xfrm>
+            <a:prstGeom prst="straightConnector1">
+              <a:avLst/>
+            </a:prstGeom>
+            <a:noFill/>
+            <a:ln w="12700" cap="flat" cmpd="sng" algn="ctr">
+              <a:solidFill>
+                <a:srgbClr val="9BA8B7"/>
+              </a:solidFill>
+              <a:prstDash val="solid"/>
+              <a:tailEnd type="triangle"/>
+            </a:ln>
+            <a:effectLst/>
+          </p:spPr>
+        </p:cxnSp>
+        <p:sp>
+          <p:nvSpPr>
+            <p:cNvPr id="14" name="Textfeld 13">
+              <a:extLst>
+                <a:ext uri="{FF2B5EF4-FFF2-40B4-BE49-F238E27FC236}">
+                  <a16:creationId xmlns:a16="http://schemas.microsoft.com/office/drawing/2014/main" id="{9969D6B2-900F-4EAA-A6CC-134328B3E086}"/>
+                </a:ext>
+              </a:extLst>
+            </p:cNvPr>
+            <p:cNvSpPr txBox="1"/>
+            <p:nvPr/>
+          </p:nvSpPr>
+          <p:spPr>
+            <a:xfrm>
+              <a:off x="5025006" y="2407324"/>
+              <a:ext cx="702436" cy="338554"/>
+            </a:xfrm>
+            <a:prstGeom prst="rect">
+              <a:avLst/>
+            </a:prstGeom>
+            <a:noFill/>
+          </p:spPr>
+          <p:txBody>
+            <a:bodyPr wrap="none" rtlCol="0">
+              <a:spAutoFit/>
+            </a:bodyPr>
+            <a:lstStyle/>
+            <a:p>
+              <a:pPr marL="0" marR="0" lvl="0" indent="0" defTabSz="914400" eaLnBrk="1" fontAlgn="auto" latinLnBrk="0" hangingPunct="1">
+                <a:lnSpc>
+                  <a:spcPct val="100000"/>
+                </a:lnSpc>
+                <a:spcBef>
+                  <a:spcPts val="0"/>
+                </a:spcBef>
+                <a:spcAft>
+                  <a:spcPts val="0"/>
+                </a:spcAft>
+                <a:buClrTx/>
+                <a:buSzTx/>
+                <a:buFontTx/>
+                <a:buNone/>
+                <a:tabLst/>
+                <a:defRPr/>
+              </a:pPr>
+              <a:r>
+                <a:rPr kumimoji="0" lang="de-DE" sz="1600" b="0" i="0" u="none" strike="noStrike" kern="0" cap="none" spc="0" normalizeH="0" baseline="0" noProof="0" dirty="0">
+                  <a:ln>
+                    <a:noFill/>
+                  </a:ln>
+                  <a:solidFill>
+                    <a:srgbClr val="000000"/>
+                  </a:solidFill>
+                  <a:effectLst/>
+                  <a:uLnTx/>
+                  <a:uFillTx/>
+                  <a:latin typeface="Novecento sans Normal" panose="00000500000000000000"/>
+                </a:rPr>
+                <a:t>Name</a:t>
+              </a:r>
+            </a:p>
+          </p:txBody>
+        </p:sp>
+        <p:cxnSp>
+          <p:nvCxnSpPr>
+            <p:cNvPr id="15" name="Gerade Verbindung mit Pfeil 14">
+              <a:extLst>
+                <a:ext uri="{FF2B5EF4-FFF2-40B4-BE49-F238E27FC236}">
+                  <a16:creationId xmlns:a16="http://schemas.microsoft.com/office/drawing/2014/main" id="{269D24B8-0A7C-4D60-8C59-4CE92CC5DD56}"/>
+                </a:ext>
+              </a:extLst>
+            </p:cNvPr>
+            <p:cNvCxnSpPr/>
+            <p:nvPr/>
+          </p:nvCxnSpPr>
+          <p:spPr>
+            <a:xfrm>
+              <a:off x="3686134" y="2904957"/>
+              <a:ext cx="3733101" cy="0"/>
+            </a:xfrm>
+            <a:prstGeom prst="straightConnector1">
+              <a:avLst/>
+            </a:prstGeom>
+            <a:noFill/>
+            <a:ln w="12700" cap="flat" cmpd="sng" algn="ctr">
+              <a:solidFill>
+                <a:srgbClr val="9BA8B7"/>
+              </a:solidFill>
+              <a:prstDash val="solid"/>
+              <a:tailEnd type="triangle"/>
+            </a:ln>
+            <a:effectLst/>
+          </p:spPr>
+        </p:cxnSp>
+        <p:sp>
+          <p:nvSpPr>
+            <p:cNvPr id="16" name="Textfeld 15">
+              <a:extLst>
+                <a:ext uri="{FF2B5EF4-FFF2-40B4-BE49-F238E27FC236}">
+                  <a16:creationId xmlns:a16="http://schemas.microsoft.com/office/drawing/2014/main" id="{67FC2BF3-E0A7-4B82-A1CC-2D750D29FB61}"/>
+                </a:ext>
+              </a:extLst>
+            </p:cNvPr>
+            <p:cNvSpPr txBox="1"/>
+            <p:nvPr/>
+          </p:nvSpPr>
+          <p:spPr>
+            <a:xfrm>
+              <a:off x="5025006" y="2633959"/>
+              <a:ext cx="639919" cy="338554"/>
+            </a:xfrm>
+            <a:prstGeom prst="rect">
+              <a:avLst/>
+            </a:prstGeom>
+            <a:noFill/>
+          </p:spPr>
+          <p:txBody>
+            <a:bodyPr wrap="none" rtlCol="0">
+              <a:spAutoFit/>
+            </a:bodyPr>
+            <a:lstStyle/>
+            <a:p>
+              <a:pPr marL="0" marR="0" lvl="0" indent="0" defTabSz="914400" eaLnBrk="1" fontAlgn="auto" latinLnBrk="0" hangingPunct="1">
+                <a:lnSpc>
+                  <a:spcPct val="100000"/>
+                </a:lnSpc>
+                <a:spcBef>
+                  <a:spcPts val="0"/>
+                </a:spcBef>
+                <a:spcAft>
+                  <a:spcPts val="0"/>
+                </a:spcAft>
+                <a:buClrTx/>
+                <a:buSzTx/>
+                <a:buFontTx/>
+                <a:buNone/>
+                <a:tabLst/>
+                <a:defRPr/>
+              </a:pPr>
+              <a:r>
+                <a:rPr kumimoji="0" lang="de-DE" sz="1600" b="0" i="0" u="none" strike="noStrike" kern="0" cap="none" spc="0" normalizeH="0" baseline="0" noProof="0" dirty="0">
+                  <a:ln>
+                    <a:noFill/>
+                  </a:ln>
+                  <a:solidFill>
+                    <a:srgbClr val="000000"/>
+                  </a:solidFill>
+                  <a:effectLst/>
+                  <a:uLnTx/>
+                  <a:uFillTx/>
+                  <a:latin typeface="Novecento sans Normal" panose="00000500000000000000"/>
+                </a:rPr>
+                <a:t> Alter</a:t>
+              </a:r>
+            </a:p>
+          </p:txBody>
+        </p:sp>
+        <p:cxnSp>
+          <p:nvCxnSpPr>
+            <p:cNvPr id="17" name="Gerade Verbindung mit Pfeil 16">
+              <a:extLst>
+                <a:ext uri="{FF2B5EF4-FFF2-40B4-BE49-F238E27FC236}">
+                  <a16:creationId xmlns:a16="http://schemas.microsoft.com/office/drawing/2014/main" id="{6097A428-EFCC-4113-A7A4-B827165F77C4}"/>
+                </a:ext>
+              </a:extLst>
+            </p:cNvPr>
+            <p:cNvCxnSpPr/>
+            <p:nvPr/>
+          </p:nvCxnSpPr>
+          <p:spPr>
+            <a:xfrm>
+              <a:off x="3696127" y="3141347"/>
+              <a:ext cx="3733101" cy="0"/>
+            </a:xfrm>
+            <a:prstGeom prst="straightConnector1">
+              <a:avLst/>
+            </a:prstGeom>
+            <a:noFill/>
+            <a:ln w="12700" cap="flat" cmpd="sng" algn="ctr">
+              <a:solidFill>
+                <a:srgbClr val="9BA8B7"/>
+              </a:solidFill>
+              <a:prstDash val="solid"/>
+              <a:tailEnd type="triangle"/>
+            </a:ln>
+            <a:effectLst/>
+          </p:spPr>
+        </p:cxnSp>
+        <p:sp>
+          <p:nvSpPr>
+            <p:cNvPr id="18" name="Textfeld 17">
+              <a:extLst>
+                <a:ext uri="{FF2B5EF4-FFF2-40B4-BE49-F238E27FC236}">
+                  <a16:creationId xmlns:a16="http://schemas.microsoft.com/office/drawing/2014/main" id="{9ED93862-9E4C-4788-A87F-764B1BBB6DCA}"/>
+                </a:ext>
+              </a:extLst>
+            </p:cNvPr>
+            <p:cNvSpPr txBox="1"/>
+            <p:nvPr/>
+          </p:nvSpPr>
+          <p:spPr>
+            <a:xfrm>
+              <a:off x="4697835" y="2879204"/>
+              <a:ext cx="1691446" cy="338554"/>
+            </a:xfrm>
+            <a:prstGeom prst="rect">
+              <a:avLst/>
+            </a:prstGeom>
+            <a:noFill/>
+          </p:spPr>
+          <p:txBody>
+            <a:bodyPr wrap="square" rtlCol="0">
+              <a:spAutoFit/>
+            </a:bodyPr>
+            <a:lstStyle/>
+            <a:p>
+              <a:pPr marL="0" marR="0" lvl="0" indent="0" defTabSz="914400" eaLnBrk="1" fontAlgn="auto" latinLnBrk="0" hangingPunct="1">
+                <a:lnSpc>
+                  <a:spcPct val="100000"/>
+                </a:lnSpc>
+                <a:spcBef>
+                  <a:spcPts val="0"/>
+                </a:spcBef>
+                <a:spcAft>
+                  <a:spcPts val="0"/>
+                </a:spcAft>
+                <a:buClrTx/>
+                <a:buSzTx/>
+                <a:buFontTx/>
+                <a:buNone/>
+                <a:tabLst/>
+                <a:defRPr/>
+              </a:pPr>
+              <a:r>
+                <a:rPr kumimoji="0" lang="de-DE" sz="1600" b="0" i="0" u="none" strike="noStrike" kern="0" cap="none" spc="0" normalizeH="0" baseline="0" noProof="0" dirty="0">
+                  <a:ln>
+                    <a:noFill/>
+                  </a:ln>
+                  <a:solidFill>
+                    <a:srgbClr val="000000"/>
+                  </a:solidFill>
+                  <a:effectLst/>
+                  <a:uLnTx/>
+                  <a:uFillTx/>
+                  <a:latin typeface="Novecento sans Normal" panose="00000500000000000000"/>
+                </a:rPr>
+                <a:t>Gesichts-Foto</a:t>
+              </a:r>
+            </a:p>
+          </p:txBody>
+        </p:sp>
+        <p:cxnSp>
+          <p:nvCxnSpPr>
+            <p:cNvPr id="19" name="Gerade Verbindung mit Pfeil 18">
+              <a:extLst>
+                <a:ext uri="{FF2B5EF4-FFF2-40B4-BE49-F238E27FC236}">
+                  <a16:creationId xmlns:a16="http://schemas.microsoft.com/office/drawing/2014/main" id="{6C2801B9-8AFE-47CC-BC40-24F84331AD98}"/>
+                </a:ext>
+              </a:extLst>
+            </p:cNvPr>
+            <p:cNvCxnSpPr>
+              <a:cxnSpLocks/>
+            </p:cNvCxnSpPr>
+            <p:nvPr/>
+          </p:nvCxnSpPr>
+          <p:spPr>
+            <a:xfrm flipH="1">
+              <a:off x="3701341" y="3484397"/>
+              <a:ext cx="3717894" cy="0"/>
+            </a:xfrm>
+            <a:prstGeom prst="straightConnector1">
+              <a:avLst/>
+            </a:prstGeom>
+            <a:noFill/>
+            <a:ln w="12700" cap="flat" cmpd="sng" algn="ctr">
+              <a:solidFill>
+                <a:srgbClr val="9BA8B7"/>
+              </a:solidFill>
+              <a:prstDash val="solid"/>
+              <a:tailEnd type="triangle"/>
+            </a:ln>
+            <a:effectLst/>
+          </p:spPr>
+        </p:cxnSp>
+        <p:sp>
+          <p:nvSpPr>
+            <p:cNvPr id="20" name="Textfeld 19">
+              <a:extLst>
+                <a:ext uri="{FF2B5EF4-FFF2-40B4-BE49-F238E27FC236}">
+                  <a16:creationId xmlns:a16="http://schemas.microsoft.com/office/drawing/2014/main" id="{D1C0BA17-02E2-4C7F-A093-26EE4C3CD35E}"/>
+                </a:ext>
+              </a:extLst>
+            </p:cNvPr>
+            <p:cNvSpPr txBox="1"/>
+            <p:nvPr/>
+          </p:nvSpPr>
+          <p:spPr>
+            <a:xfrm>
+              <a:off x="4604711" y="3205787"/>
+              <a:ext cx="1877694" cy="338554"/>
+            </a:xfrm>
+            <a:prstGeom prst="rect">
+              <a:avLst/>
+            </a:prstGeom>
+            <a:noFill/>
+          </p:spPr>
+          <p:txBody>
+            <a:bodyPr wrap="none" rtlCol="0">
+              <a:spAutoFit/>
+            </a:bodyPr>
+            <a:lstStyle/>
+            <a:p>
+              <a:pPr marL="0" marR="0" lvl="0" indent="0" defTabSz="914400" eaLnBrk="1" fontAlgn="auto" latinLnBrk="0" hangingPunct="1">
+                <a:lnSpc>
+                  <a:spcPct val="100000"/>
+                </a:lnSpc>
+                <a:spcBef>
+                  <a:spcPts val="0"/>
+                </a:spcBef>
+                <a:spcAft>
+                  <a:spcPts val="0"/>
+                </a:spcAft>
+                <a:buClrTx/>
+                <a:buSzTx/>
+                <a:buFontTx/>
+                <a:buNone/>
+                <a:tabLst/>
+                <a:defRPr/>
+              </a:pPr>
+              <a:r>
+                <a:rPr kumimoji="0" lang="de-DE" sz="1600" b="0" i="0" u="none" strike="noStrike" kern="0" cap="none" spc="0" normalizeH="0" baseline="0" noProof="0" dirty="0">
+                  <a:ln>
+                    <a:noFill/>
+                  </a:ln>
+                  <a:solidFill>
+                    <a:srgbClr val="000000"/>
+                  </a:solidFill>
+                  <a:effectLst/>
+                  <a:uLnTx/>
+                  <a:uFillTx/>
+                  <a:latin typeface="Novecento sans Normal" panose="00000500000000000000"/>
+                </a:rPr>
+                <a:t>Produktempfehlung</a:t>
+              </a:r>
+            </a:p>
+          </p:txBody>
+        </p:sp>
+        <p:cxnSp>
+          <p:nvCxnSpPr>
+            <p:cNvPr id="21" name="Gerade Verbindung mit Pfeil 20">
+              <a:extLst>
+                <a:ext uri="{FF2B5EF4-FFF2-40B4-BE49-F238E27FC236}">
+                  <a16:creationId xmlns:a16="http://schemas.microsoft.com/office/drawing/2014/main" id="{E1EC340B-C306-421C-83D8-68FE9671AF8F}"/>
+                </a:ext>
+              </a:extLst>
+            </p:cNvPr>
+            <p:cNvCxnSpPr>
+              <a:cxnSpLocks/>
+            </p:cNvCxnSpPr>
+            <p:nvPr/>
+          </p:nvCxnSpPr>
+          <p:spPr>
+            <a:xfrm flipH="1">
+              <a:off x="3711334" y="3746554"/>
+              <a:ext cx="3717894" cy="0"/>
+            </a:xfrm>
+            <a:prstGeom prst="straightConnector1">
+              <a:avLst/>
+            </a:prstGeom>
+            <a:noFill/>
+            <a:ln w="12700" cap="flat" cmpd="sng" algn="ctr">
+              <a:solidFill>
+                <a:srgbClr val="9BA8B7"/>
+              </a:solidFill>
+              <a:prstDash val="solid"/>
+              <a:tailEnd type="triangle"/>
+            </a:ln>
+            <a:effectLst/>
+          </p:spPr>
+        </p:cxnSp>
+        <p:sp>
+          <p:nvSpPr>
+            <p:cNvPr id="22" name="Textfeld 21">
+              <a:extLst>
+                <a:ext uri="{FF2B5EF4-FFF2-40B4-BE49-F238E27FC236}">
+                  <a16:creationId xmlns:a16="http://schemas.microsoft.com/office/drawing/2014/main" id="{70A6BF32-5595-4429-B12E-C0812F1FDD3D}"/>
+                </a:ext>
+              </a:extLst>
+            </p:cNvPr>
+            <p:cNvSpPr txBox="1"/>
+            <p:nvPr/>
+          </p:nvSpPr>
+          <p:spPr>
+            <a:xfrm>
+              <a:off x="4772562" y="3473008"/>
+              <a:ext cx="1477392" cy="338554"/>
+            </a:xfrm>
+            <a:prstGeom prst="rect">
+              <a:avLst/>
+            </a:prstGeom>
+            <a:noFill/>
+          </p:spPr>
+          <p:txBody>
+            <a:bodyPr wrap="none" rtlCol="0">
+              <a:spAutoFit/>
+            </a:bodyPr>
+            <a:lstStyle/>
+            <a:p>
+              <a:pPr marL="0" marR="0" lvl="0" indent="0" defTabSz="914400" eaLnBrk="1" fontAlgn="auto" latinLnBrk="0" hangingPunct="1">
+                <a:lnSpc>
+                  <a:spcPct val="100000"/>
+                </a:lnSpc>
+                <a:spcBef>
+                  <a:spcPts val="0"/>
+                </a:spcBef>
+                <a:spcAft>
+                  <a:spcPts val="0"/>
+                </a:spcAft>
+                <a:buClrTx/>
+                <a:buSzTx/>
+                <a:buFontTx/>
+                <a:buNone/>
+                <a:tabLst/>
+                <a:defRPr/>
+              </a:pPr>
+              <a:r>
+                <a:rPr kumimoji="0" lang="de-DE" sz="1600" b="0" i="0" u="none" strike="noStrike" kern="0" cap="none" spc="0" normalizeH="0" baseline="0" noProof="0" dirty="0">
+                  <a:ln>
+                    <a:noFill/>
+                  </a:ln>
+                  <a:solidFill>
+                    <a:srgbClr val="000000"/>
+                  </a:solidFill>
+                  <a:effectLst/>
+                  <a:uLnTx/>
+                  <a:uFillTx/>
+                  <a:latin typeface="Novecento sans Normal" panose="00000500000000000000"/>
+                </a:rPr>
+                <a:t>Fehlermeldung</a:t>
+              </a:r>
+            </a:p>
+          </p:txBody>
+        </p:sp>
+        <p:sp>
+          <p:nvSpPr>
+            <p:cNvPr id="23" name="Textfeld 22">
+              <a:extLst>
+                <a:ext uri="{FF2B5EF4-FFF2-40B4-BE49-F238E27FC236}">
+                  <a16:creationId xmlns:a16="http://schemas.microsoft.com/office/drawing/2014/main" id="{5B2080FC-112E-420F-BD89-2C85EE313946}"/>
+                </a:ext>
+              </a:extLst>
+            </p:cNvPr>
+            <p:cNvSpPr txBox="1"/>
+            <p:nvPr/>
+          </p:nvSpPr>
+          <p:spPr>
+            <a:xfrm>
+              <a:off x="1142277" y="4386386"/>
+              <a:ext cx="2515112" cy="338554"/>
+            </a:xfrm>
+            <a:prstGeom prst="rect">
+              <a:avLst/>
+            </a:prstGeom>
+            <a:noFill/>
+          </p:spPr>
+          <p:txBody>
+            <a:bodyPr wrap="none" rtlCol="0">
+              <a:spAutoFit/>
+            </a:bodyPr>
+            <a:lstStyle/>
+            <a:p>
+              <a:pPr marL="0" marR="0" lvl="0" indent="0" defTabSz="914400" eaLnBrk="1" fontAlgn="auto" latinLnBrk="0" hangingPunct="1">
+                <a:lnSpc>
+                  <a:spcPct val="100000"/>
+                </a:lnSpc>
+                <a:spcBef>
+                  <a:spcPts val="0"/>
+                </a:spcBef>
+                <a:spcAft>
+                  <a:spcPts val="0"/>
+                </a:spcAft>
+                <a:buClrTx/>
+                <a:buSzTx/>
+                <a:buFontTx/>
+                <a:buNone/>
+                <a:tabLst/>
+                <a:defRPr/>
+              </a:pPr>
+              <a:r>
+                <a:rPr kumimoji="0" lang="de-DE" sz="1600" b="0" i="0" u="none" strike="noStrike" kern="0" cap="none" spc="0" normalizeH="0" baseline="0" noProof="0" dirty="0">
+                  <a:ln>
+                    <a:noFill/>
+                  </a:ln>
+                  <a:solidFill>
+                    <a:srgbClr val="000000"/>
+                  </a:solidFill>
+                  <a:effectLst/>
+                  <a:uLnTx/>
+                  <a:uFillTx/>
+                  <a:latin typeface="Novecento sans Normal" panose="00000500000000000000"/>
+                </a:rPr>
+                <a:t>Dazugehörige Ereignisliste:</a:t>
+              </a:r>
+            </a:p>
+          </p:txBody>
+        </p:sp>
+        <p:sp>
+          <p:nvSpPr>
+            <p:cNvPr id="24" name="Rechteck 23">
+              <a:extLst>
+                <a:ext uri="{FF2B5EF4-FFF2-40B4-BE49-F238E27FC236}">
+                  <a16:creationId xmlns:a16="http://schemas.microsoft.com/office/drawing/2014/main" id="{88D0499D-0D62-49C3-BE67-B4BC6DEC82F4}"/>
+                </a:ext>
+              </a:extLst>
+            </p:cNvPr>
+            <p:cNvSpPr/>
+            <p:nvPr/>
+          </p:nvSpPr>
+          <p:spPr>
+            <a:xfrm>
+              <a:off x="1208015" y="2229639"/>
+              <a:ext cx="9947665" cy="1963728"/>
+            </a:xfrm>
+            <a:prstGeom prst="rect">
+              <a:avLst/>
+            </a:prstGeom>
+            <a:noFill/>
+            <a:ln w="19050" cap="flat" cmpd="sng" algn="ctr">
+              <a:solidFill>
+                <a:srgbClr val="9BA8B7">
+                  <a:shade val="50000"/>
+                </a:srgbClr>
+              </a:solidFill>
+              <a:prstDash val="solid"/>
+            </a:ln>
+            <a:effectLst/>
+          </p:spPr>
+          <p:txBody>
+            <a:bodyPr rtlCol="0" anchor="ctr"/>
+            <a:lstStyle/>
+            <a:p>
+              <a:pPr marL="0" marR="0" lvl="0" indent="0" algn="ctr" defTabSz="914400" eaLnBrk="1" fontAlgn="auto" latinLnBrk="0" hangingPunct="1">
+                <a:lnSpc>
+                  <a:spcPct val="100000"/>
+                </a:lnSpc>
+                <a:spcBef>
+                  <a:spcPts val="0"/>
+                </a:spcBef>
+                <a:spcAft>
+                  <a:spcPts val="0"/>
+                </a:spcAft>
+                <a:buClrTx/>
+                <a:buSzTx/>
+                <a:buFontTx/>
+                <a:buNone/>
+                <a:tabLst/>
+                <a:defRPr/>
+              </a:pPr>
+              <a:endParaRPr kumimoji="0" lang="de-DE" sz="1800" b="0" i="0" u="none" strike="noStrike" kern="0" cap="none" spc="0" normalizeH="0" baseline="0" noProof="0" dirty="0">
+                <a:ln>
+                  <a:noFill/>
+                </a:ln>
+                <a:solidFill>
+                  <a:srgbClr val="FFFFFF"/>
+                </a:solidFill>
+                <a:effectLst/>
+                <a:uLnTx/>
+                <a:uFillTx/>
+                <a:latin typeface="Novecento sans Normal" panose="00000500000000000000"/>
+              </a:endParaRPr>
+            </a:p>
+          </p:txBody>
+        </p:sp>
+      </p:grpSp>
+      <p:sp>
+        <p:nvSpPr>
+          <p:cNvPr id="25" name="Textfeld 24">
+            <a:extLst>
+              <a:ext uri="{FF2B5EF4-FFF2-40B4-BE49-F238E27FC236}">
+                <a16:creationId xmlns:a16="http://schemas.microsoft.com/office/drawing/2014/main" id="{BB71588C-1232-4EED-8EF7-167510F37BDB}"/>
+              </a:ext>
+            </a:extLst>
+          </p:cNvPr>
+          <p:cNvSpPr txBox="1"/>
+          <p:nvPr/>
+        </p:nvSpPr>
+        <p:spPr>
+          <a:xfrm>
+            <a:off x="838200" y="1641478"/>
+            <a:ext cx="2413546" cy="338554"/>
+          </a:xfrm>
+          <a:prstGeom prst="rect">
+            <a:avLst/>
+          </a:prstGeom>
+          <a:noFill/>
+        </p:spPr>
+        <p:txBody>
+          <a:bodyPr wrap="none" rtlCol="0">
+            <a:spAutoFit/>
+          </a:bodyPr>
+          <a:lstStyle/>
+          <a:p>
+            <a:r>
+              <a:rPr lang="de-DE" sz="1600" dirty="0">
+                <a:latin typeface="Novecento sans Normal" panose="00000500000000000000"/>
+              </a:rPr>
+              <a:t>Ereignis-Reaktions-Modell:</a:t>
+            </a:r>
           </a:p>
         </p:txBody>
       </p:sp>

--- a/Abschlusspräsentation.pptx
+++ b/Abschlusspräsentation.pptx
@@ -5,7 +5,7 @@
     <p:sldMasterId id="2147483648" r:id="rId1"/>
   </p:sldMasterIdLst>
   <p:notesMasterIdLst>
-    <p:notesMasterId r:id="rId24"/>
+    <p:notesMasterId r:id="rId25"/>
   </p:notesMasterIdLst>
   <p:sldIdLst>
     <p:sldId id="257" r:id="rId2"/>
@@ -30,6 +30,7 @@
     <p:sldId id="276" r:id="rId21"/>
     <p:sldId id="277" r:id="rId22"/>
     <p:sldId id="283" r:id="rId23"/>
+    <p:sldId id="284" r:id="rId24"/>
   </p:sldIdLst>
   <p:sldSz cx="12192000" cy="6858000"/>
   <p:notesSz cx="6858000" cy="9144000"/>
@@ -736,6 +737,6303 @@
 </pc:chgInfo>
 </file>
 
+<file path=ppt/diagrams/colors1.xml><?xml version="1.0" encoding="utf-8"?>
+<dgm:colorsDef xmlns:dgm="http://schemas.openxmlformats.org/drawingml/2006/diagram" xmlns:a="http://schemas.openxmlformats.org/drawingml/2006/main" uniqueId="urn:microsoft.com/office/officeart/2005/8/colors/accent1_2">
+  <dgm:title val=""/>
+  <dgm:desc val=""/>
+  <dgm:catLst>
+    <dgm:cat type="accent1" pri="11200"/>
+  </dgm:catLst>
+  <dgm:styleLbl name="node0">
+    <dgm:fillClrLst meth="repeat">
+      <a:schemeClr val="accent1"/>
+    </dgm:fillClrLst>
+    <dgm:linClrLst meth="repeat">
+      <a:schemeClr val="lt1"/>
+    </dgm:linClrLst>
+    <dgm:effectClrLst/>
+    <dgm:txLinClrLst/>
+    <dgm:txFillClrLst/>
+    <dgm:txEffectClrLst/>
+  </dgm:styleLbl>
+  <dgm:styleLbl name="alignNode1">
+    <dgm:fillClrLst meth="repeat">
+      <a:schemeClr val="accent1"/>
+    </dgm:fillClrLst>
+    <dgm:linClrLst meth="repeat">
+      <a:schemeClr val="accent1"/>
+    </dgm:linClrLst>
+    <dgm:effectClrLst/>
+    <dgm:txLinClrLst/>
+    <dgm:txFillClrLst/>
+    <dgm:txEffectClrLst/>
+  </dgm:styleLbl>
+  <dgm:styleLbl name="node1">
+    <dgm:fillClrLst meth="repeat">
+      <a:schemeClr val="accent1"/>
+    </dgm:fillClrLst>
+    <dgm:linClrLst meth="repeat">
+      <a:schemeClr val="lt1"/>
+    </dgm:linClrLst>
+    <dgm:effectClrLst/>
+    <dgm:txLinClrLst/>
+    <dgm:txFillClrLst/>
+    <dgm:txEffectClrLst/>
+  </dgm:styleLbl>
+  <dgm:styleLbl name="lnNode1">
+    <dgm:fillClrLst meth="repeat">
+      <a:schemeClr val="accent1"/>
+    </dgm:fillClrLst>
+    <dgm:linClrLst meth="repeat">
+      <a:schemeClr val="lt1"/>
+    </dgm:linClrLst>
+    <dgm:effectClrLst/>
+    <dgm:txLinClrLst/>
+    <dgm:txFillClrLst/>
+    <dgm:txEffectClrLst/>
+  </dgm:styleLbl>
+  <dgm:styleLbl name="vennNode1">
+    <dgm:fillClrLst meth="repeat">
+      <a:schemeClr val="accent1">
+        <a:alpha val="50000"/>
+      </a:schemeClr>
+    </dgm:fillClrLst>
+    <dgm:linClrLst meth="repeat">
+      <a:schemeClr val="lt1"/>
+    </dgm:linClrLst>
+    <dgm:effectClrLst/>
+    <dgm:txLinClrLst/>
+    <dgm:txFillClrLst/>
+    <dgm:txEffectClrLst/>
+  </dgm:styleLbl>
+  <dgm:styleLbl name="node2">
+    <dgm:fillClrLst meth="repeat">
+      <a:schemeClr val="accent1"/>
+    </dgm:fillClrLst>
+    <dgm:linClrLst meth="repeat">
+      <a:schemeClr val="lt1"/>
+    </dgm:linClrLst>
+    <dgm:effectClrLst/>
+    <dgm:txLinClrLst/>
+    <dgm:txFillClrLst/>
+    <dgm:txEffectClrLst/>
+  </dgm:styleLbl>
+  <dgm:styleLbl name="node3">
+    <dgm:fillClrLst meth="repeat">
+      <a:schemeClr val="accent1"/>
+    </dgm:fillClrLst>
+    <dgm:linClrLst meth="repeat">
+      <a:schemeClr val="lt1"/>
+    </dgm:linClrLst>
+    <dgm:effectClrLst/>
+    <dgm:txLinClrLst/>
+    <dgm:txFillClrLst/>
+    <dgm:txEffectClrLst/>
+  </dgm:styleLbl>
+  <dgm:styleLbl name="node4">
+    <dgm:fillClrLst meth="repeat">
+      <a:schemeClr val="accent1"/>
+    </dgm:fillClrLst>
+    <dgm:linClrLst meth="repeat">
+      <a:schemeClr val="lt1"/>
+    </dgm:linClrLst>
+    <dgm:effectClrLst/>
+    <dgm:txLinClrLst/>
+    <dgm:txFillClrLst/>
+    <dgm:txEffectClrLst/>
+  </dgm:styleLbl>
+  <dgm:styleLbl name="fgImgPlace1">
+    <dgm:fillClrLst meth="repeat">
+      <a:schemeClr val="accent1">
+        <a:tint val="50000"/>
+      </a:schemeClr>
+    </dgm:fillClrLst>
+    <dgm:linClrLst meth="repeat">
+      <a:schemeClr val="lt1"/>
+    </dgm:linClrLst>
+    <dgm:effectClrLst/>
+    <dgm:txLinClrLst/>
+    <dgm:txFillClrLst meth="repeat">
+      <a:schemeClr val="lt1"/>
+    </dgm:txFillClrLst>
+    <dgm:txEffectClrLst/>
+  </dgm:styleLbl>
+  <dgm:styleLbl name="alignImgPlace1">
+    <dgm:fillClrLst meth="repeat">
+      <a:schemeClr val="accent1">
+        <a:tint val="50000"/>
+      </a:schemeClr>
+    </dgm:fillClrLst>
+    <dgm:linClrLst meth="repeat">
+      <a:schemeClr val="lt1"/>
+    </dgm:linClrLst>
+    <dgm:effectClrLst/>
+    <dgm:txLinClrLst/>
+    <dgm:txFillClrLst meth="repeat">
+      <a:schemeClr val="lt1"/>
+    </dgm:txFillClrLst>
+    <dgm:txEffectClrLst/>
+  </dgm:styleLbl>
+  <dgm:styleLbl name="bgImgPlace1">
+    <dgm:fillClrLst meth="repeat">
+      <a:schemeClr val="accent1">
+        <a:tint val="50000"/>
+      </a:schemeClr>
+    </dgm:fillClrLst>
+    <dgm:linClrLst meth="repeat">
+      <a:schemeClr val="lt1"/>
+    </dgm:linClrLst>
+    <dgm:effectClrLst/>
+    <dgm:txLinClrLst/>
+    <dgm:txFillClrLst meth="repeat">
+      <a:schemeClr val="lt1"/>
+    </dgm:txFillClrLst>
+    <dgm:txEffectClrLst/>
+  </dgm:styleLbl>
+  <dgm:styleLbl name="sibTrans2D1">
+    <dgm:fillClrLst meth="repeat">
+      <a:schemeClr val="accent1">
+        <a:tint val="60000"/>
+      </a:schemeClr>
+    </dgm:fillClrLst>
+    <dgm:linClrLst meth="repeat">
+      <a:schemeClr val="accent1">
+        <a:tint val="60000"/>
+      </a:schemeClr>
+    </dgm:linClrLst>
+    <dgm:effectClrLst/>
+    <dgm:txLinClrLst/>
+    <dgm:txFillClrLst/>
+    <dgm:txEffectClrLst/>
+  </dgm:styleLbl>
+  <dgm:styleLbl name="fgSibTrans2D1">
+    <dgm:fillClrLst meth="repeat">
+      <a:schemeClr val="accent1">
+        <a:tint val="60000"/>
+      </a:schemeClr>
+    </dgm:fillClrLst>
+    <dgm:linClrLst meth="repeat">
+      <a:schemeClr val="accent1">
+        <a:tint val="60000"/>
+      </a:schemeClr>
+    </dgm:linClrLst>
+    <dgm:effectClrLst/>
+    <dgm:txLinClrLst/>
+    <dgm:txFillClrLst/>
+    <dgm:txEffectClrLst/>
+  </dgm:styleLbl>
+  <dgm:styleLbl name="bgSibTrans2D1">
+    <dgm:fillClrLst meth="repeat">
+      <a:schemeClr val="accent1">
+        <a:tint val="60000"/>
+      </a:schemeClr>
+    </dgm:fillClrLst>
+    <dgm:linClrLst meth="repeat">
+      <a:schemeClr val="accent1">
+        <a:tint val="60000"/>
+      </a:schemeClr>
+    </dgm:linClrLst>
+    <dgm:effectClrLst/>
+    <dgm:txLinClrLst/>
+    <dgm:txFillClrLst/>
+    <dgm:txEffectClrLst/>
+  </dgm:styleLbl>
+  <dgm:styleLbl name="sibTrans1D1">
+    <dgm:fillClrLst meth="repeat">
+      <a:schemeClr val="accent1"/>
+    </dgm:fillClrLst>
+    <dgm:linClrLst meth="repeat">
+      <a:schemeClr val="accent1"/>
+    </dgm:linClrLst>
+    <dgm:effectClrLst/>
+    <dgm:txLinClrLst/>
+    <dgm:txFillClrLst meth="repeat">
+      <a:schemeClr val="tx1"/>
+    </dgm:txFillClrLst>
+    <dgm:txEffectClrLst/>
+  </dgm:styleLbl>
+  <dgm:styleLbl name="callout">
+    <dgm:fillClrLst meth="repeat">
+      <a:schemeClr val="accent1"/>
+    </dgm:fillClrLst>
+    <dgm:linClrLst meth="repeat">
+      <a:schemeClr val="accent1">
+        <a:tint val="50000"/>
+      </a:schemeClr>
+    </dgm:linClrLst>
+    <dgm:effectClrLst/>
+    <dgm:txLinClrLst/>
+    <dgm:txFillClrLst meth="repeat">
+      <a:schemeClr val="tx1"/>
+    </dgm:txFillClrLst>
+    <dgm:txEffectClrLst/>
+  </dgm:styleLbl>
+  <dgm:styleLbl name="asst0">
+    <dgm:fillClrLst meth="repeat">
+      <a:schemeClr val="accent1"/>
+    </dgm:fillClrLst>
+    <dgm:linClrLst meth="repeat">
+      <a:schemeClr val="lt1"/>
+    </dgm:linClrLst>
+    <dgm:effectClrLst/>
+    <dgm:txLinClrLst/>
+    <dgm:txFillClrLst/>
+    <dgm:txEffectClrLst/>
+  </dgm:styleLbl>
+  <dgm:styleLbl name="asst1">
+    <dgm:fillClrLst meth="repeat">
+      <a:schemeClr val="accent1"/>
+    </dgm:fillClrLst>
+    <dgm:linClrLst meth="repeat">
+      <a:schemeClr val="lt1"/>
+    </dgm:linClrLst>
+    <dgm:effectClrLst/>
+    <dgm:txLinClrLst/>
+    <dgm:txFillClrLst/>
+    <dgm:txEffectClrLst/>
+  </dgm:styleLbl>
+  <dgm:styleLbl name="asst2">
+    <dgm:fillClrLst meth="repeat">
+      <a:schemeClr val="accent1"/>
+    </dgm:fillClrLst>
+    <dgm:linClrLst meth="repeat">
+      <a:schemeClr val="lt1"/>
+    </dgm:linClrLst>
+    <dgm:effectClrLst/>
+    <dgm:txLinClrLst/>
+    <dgm:txFillClrLst/>
+    <dgm:txEffectClrLst/>
+  </dgm:styleLbl>
+  <dgm:styleLbl name="asst3">
+    <dgm:fillClrLst meth="repeat">
+      <a:schemeClr val="accent1"/>
+    </dgm:fillClrLst>
+    <dgm:linClrLst meth="repeat">
+      <a:schemeClr val="lt1"/>
+    </dgm:linClrLst>
+    <dgm:effectClrLst/>
+    <dgm:txLinClrLst/>
+    <dgm:txFillClrLst/>
+    <dgm:txEffectClrLst/>
+  </dgm:styleLbl>
+  <dgm:styleLbl name="asst4">
+    <dgm:fillClrLst meth="repeat">
+      <a:schemeClr val="accent1"/>
+    </dgm:fillClrLst>
+    <dgm:linClrLst meth="repeat">
+      <a:schemeClr val="lt1"/>
+    </dgm:linClrLst>
+    <dgm:effectClrLst/>
+    <dgm:txLinClrLst/>
+    <dgm:txFillClrLst/>
+    <dgm:txEffectClrLst/>
+  </dgm:styleLbl>
+  <dgm:styleLbl name="parChTrans2D1">
+    <dgm:fillClrLst meth="repeat">
+      <a:schemeClr val="accent1">
+        <a:tint val="60000"/>
+      </a:schemeClr>
+    </dgm:fillClrLst>
+    <dgm:linClrLst meth="repeat">
+      <a:schemeClr val="accent1">
+        <a:tint val="60000"/>
+      </a:schemeClr>
+    </dgm:linClrLst>
+    <dgm:effectClrLst/>
+    <dgm:txLinClrLst/>
+    <dgm:txFillClrLst meth="repeat">
+      <a:schemeClr val="lt1"/>
+    </dgm:txFillClrLst>
+    <dgm:txEffectClrLst/>
+  </dgm:styleLbl>
+  <dgm:styleLbl name="parChTrans2D2">
+    <dgm:fillClrLst meth="repeat">
+      <a:schemeClr val="accent1"/>
+    </dgm:fillClrLst>
+    <dgm:linClrLst meth="repeat">
+      <a:schemeClr val="accent1"/>
+    </dgm:linClrLst>
+    <dgm:effectClrLst/>
+    <dgm:txLinClrLst/>
+    <dgm:txFillClrLst meth="repeat">
+      <a:schemeClr val="lt1"/>
+    </dgm:txFillClrLst>
+    <dgm:txEffectClrLst/>
+  </dgm:styleLbl>
+  <dgm:styleLbl name="parChTrans2D3">
+    <dgm:fillClrLst meth="repeat">
+      <a:schemeClr val="accent1"/>
+    </dgm:fillClrLst>
+    <dgm:linClrLst meth="repeat">
+      <a:schemeClr val="accent1"/>
+    </dgm:linClrLst>
+    <dgm:effectClrLst/>
+    <dgm:txLinClrLst/>
+    <dgm:txFillClrLst meth="repeat">
+      <a:schemeClr val="lt1"/>
+    </dgm:txFillClrLst>
+    <dgm:txEffectClrLst/>
+  </dgm:styleLbl>
+  <dgm:styleLbl name="parChTrans2D4">
+    <dgm:fillClrLst meth="repeat">
+      <a:schemeClr val="accent1"/>
+    </dgm:fillClrLst>
+    <dgm:linClrLst meth="repeat">
+      <a:schemeClr val="accent1"/>
+    </dgm:linClrLst>
+    <dgm:effectClrLst/>
+    <dgm:txLinClrLst/>
+    <dgm:txFillClrLst meth="repeat">
+      <a:schemeClr val="lt1"/>
+    </dgm:txFillClrLst>
+    <dgm:txEffectClrLst/>
+  </dgm:styleLbl>
+  <dgm:styleLbl name="parChTrans1D1">
+    <dgm:fillClrLst meth="repeat">
+      <a:schemeClr val="accent1"/>
+    </dgm:fillClrLst>
+    <dgm:linClrLst meth="repeat">
+      <a:schemeClr val="accent1">
+        <a:shade val="60000"/>
+      </a:schemeClr>
+    </dgm:linClrLst>
+    <dgm:effectClrLst/>
+    <dgm:txLinClrLst/>
+    <dgm:txFillClrLst meth="repeat">
+      <a:schemeClr val="tx1"/>
+    </dgm:txFillClrLst>
+    <dgm:txEffectClrLst/>
+  </dgm:styleLbl>
+  <dgm:styleLbl name="parChTrans1D2">
+    <dgm:fillClrLst meth="repeat">
+      <a:schemeClr val="accent1"/>
+    </dgm:fillClrLst>
+    <dgm:linClrLst meth="repeat">
+      <a:schemeClr val="accent1">
+        <a:shade val="60000"/>
+      </a:schemeClr>
+    </dgm:linClrLst>
+    <dgm:effectClrLst/>
+    <dgm:txLinClrLst/>
+    <dgm:txFillClrLst meth="repeat">
+      <a:schemeClr val="tx1"/>
+    </dgm:txFillClrLst>
+    <dgm:txEffectClrLst/>
+  </dgm:styleLbl>
+  <dgm:styleLbl name="parChTrans1D3">
+    <dgm:fillClrLst meth="repeat">
+      <a:schemeClr val="accent1"/>
+    </dgm:fillClrLst>
+    <dgm:linClrLst meth="repeat">
+      <a:schemeClr val="accent1">
+        <a:shade val="80000"/>
+      </a:schemeClr>
+    </dgm:linClrLst>
+    <dgm:effectClrLst/>
+    <dgm:txLinClrLst/>
+    <dgm:txFillClrLst meth="repeat">
+      <a:schemeClr val="tx1"/>
+    </dgm:txFillClrLst>
+    <dgm:txEffectClrLst/>
+  </dgm:styleLbl>
+  <dgm:styleLbl name="parChTrans1D4">
+    <dgm:fillClrLst meth="repeat">
+      <a:schemeClr val="accent1"/>
+    </dgm:fillClrLst>
+    <dgm:linClrLst meth="repeat">
+      <a:schemeClr val="accent1">
+        <a:shade val="80000"/>
+      </a:schemeClr>
+    </dgm:linClrLst>
+    <dgm:effectClrLst/>
+    <dgm:txLinClrLst/>
+    <dgm:txFillClrLst meth="repeat">
+      <a:schemeClr val="tx1"/>
+    </dgm:txFillClrLst>
+    <dgm:txEffectClrLst/>
+  </dgm:styleLbl>
+  <dgm:styleLbl name="fgAcc1">
+    <dgm:fillClrLst meth="repeat">
+      <a:schemeClr val="lt1">
+        <a:alpha val="90000"/>
+      </a:schemeClr>
+    </dgm:fillClrLst>
+    <dgm:linClrLst meth="repeat">
+      <a:schemeClr val="accent1"/>
+    </dgm:linClrLst>
+    <dgm:effectClrLst/>
+    <dgm:txLinClrLst/>
+    <dgm:txFillClrLst meth="repeat">
+      <a:schemeClr val="dk1"/>
+    </dgm:txFillClrLst>
+    <dgm:txEffectClrLst/>
+  </dgm:styleLbl>
+  <dgm:styleLbl name="conFgAcc1">
+    <dgm:fillClrLst meth="repeat">
+      <a:schemeClr val="lt1">
+        <a:alpha val="90000"/>
+      </a:schemeClr>
+    </dgm:fillClrLst>
+    <dgm:linClrLst meth="repeat">
+      <a:schemeClr val="accent1"/>
+    </dgm:linClrLst>
+    <dgm:effectClrLst/>
+    <dgm:txLinClrLst/>
+    <dgm:txFillClrLst meth="repeat">
+      <a:schemeClr val="dk1"/>
+    </dgm:txFillClrLst>
+    <dgm:txEffectClrLst/>
+  </dgm:styleLbl>
+  <dgm:styleLbl name="alignAcc1">
+    <dgm:fillClrLst meth="repeat">
+      <a:schemeClr val="lt1">
+        <a:alpha val="90000"/>
+      </a:schemeClr>
+    </dgm:fillClrLst>
+    <dgm:linClrLst meth="repeat">
+      <a:schemeClr val="accent1"/>
+    </dgm:linClrLst>
+    <dgm:effectClrLst/>
+    <dgm:txLinClrLst/>
+    <dgm:txFillClrLst meth="repeat">
+      <a:schemeClr val="dk1"/>
+    </dgm:txFillClrLst>
+    <dgm:txEffectClrLst/>
+  </dgm:styleLbl>
+  <dgm:styleLbl name="trAlignAcc1">
+    <dgm:fillClrLst meth="repeat">
+      <a:schemeClr val="lt1">
+        <a:alpha val="40000"/>
+      </a:schemeClr>
+    </dgm:fillClrLst>
+    <dgm:linClrLst meth="repeat">
+      <a:schemeClr val="accent1"/>
+    </dgm:linClrLst>
+    <dgm:effectClrLst/>
+    <dgm:txLinClrLst/>
+    <dgm:txFillClrLst meth="repeat">
+      <a:schemeClr val="dk1"/>
+    </dgm:txFillClrLst>
+    <dgm:txEffectClrLst/>
+  </dgm:styleLbl>
+  <dgm:styleLbl name="bgAcc1">
+    <dgm:fillClrLst meth="repeat">
+      <a:schemeClr val="lt1">
+        <a:alpha val="90000"/>
+      </a:schemeClr>
+    </dgm:fillClrLst>
+    <dgm:linClrLst meth="repeat">
+      <a:schemeClr val="accent1"/>
+    </dgm:linClrLst>
+    <dgm:effectClrLst/>
+    <dgm:txLinClrLst/>
+    <dgm:txFillClrLst meth="repeat">
+      <a:schemeClr val="dk1"/>
+    </dgm:txFillClrLst>
+    <dgm:txEffectClrLst/>
+  </dgm:styleLbl>
+  <dgm:styleLbl name="solidFgAcc1">
+    <dgm:fillClrLst meth="repeat">
+      <a:schemeClr val="lt1"/>
+    </dgm:fillClrLst>
+    <dgm:linClrLst meth="repeat">
+      <a:schemeClr val="accent1"/>
+    </dgm:linClrLst>
+    <dgm:effectClrLst/>
+    <dgm:txLinClrLst/>
+    <dgm:txFillClrLst meth="repeat">
+      <a:schemeClr val="dk1"/>
+    </dgm:txFillClrLst>
+    <dgm:txEffectClrLst/>
+  </dgm:styleLbl>
+  <dgm:styleLbl name="solidAlignAcc1">
+    <dgm:fillClrLst meth="repeat">
+      <a:schemeClr val="lt1"/>
+    </dgm:fillClrLst>
+    <dgm:linClrLst meth="repeat">
+      <a:schemeClr val="accent1"/>
+    </dgm:linClrLst>
+    <dgm:effectClrLst/>
+    <dgm:txLinClrLst/>
+    <dgm:txFillClrLst meth="repeat">
+      <a:schemeClr val="dk1"/>
+    </dgm:txFillClrLst>
+    <dgm:txEffectClrLst/>
+  </dgm:styleLbl>
+  <dgm:styleLbl name="solidBgAcc1">
+    <dgm:fillClrLst meth="repeat">
+      <a:schemeClr val="lt1"/>
+    </dgm:fillClrLst>
+    <dgm:linClrLst meth="repeat">
+      <a:schemeClr val="accent1"/>
+    </dgm:linClrLst>
+    <dgm:effectClrLst/>
+    <dgm:txLinClrLst/>
+    <dgm:txFillClrLst meth="repeat">
+      <a:schemeClr val="dk1"/>
+    </dgm:txFillClrLst>
+    <dgm:txEffectClrLst/>
+  </dgm:styleLbl>
+  <dgm:styleLbl name="fgAccFollowNode1">
+    <dgm:fillClrLst meth="repeat">
+      <a:schemeClr val="accent1">
+        <a:alpha val="90000"/>
+        <a:tint val="40000"/>
+      </a:schemeClr>
+    </dgm:fillClrLst>
+    <dgm:linClrLst meth="repeat">
+      <a:schemeClr val="accent1">
+        <a:alpha val="90000"/>
+        <a:tint val="40000"/>
+      </a:schemeClr>
+    </dgm:linClrLst>
+    <dgm:effectClrLst/>
+    <dgm:txLinClrLst/>
+    <dgm:txFillClrLst meth="repeat">
+      <a:schemeClr val="dk1"/>
+    </dgm:txFillClrLst>
+    <dgm:txEffectClrLst/>
+  </dgm:styleLbl>
+  <dgm:styleLbl name="alignAccFollowNode1">
+    <dgm:fillClrLst meth="repeat">
+      <a:schemeClr val="accent1">
+        <a:alpha val="90000"/>
+        <a:tint val="40000"/>
+      </a:schemeClr>
+    </dgm:fillClrLst>
+    <dgm:linClrLst meth="repeat">
+      <a:schemeClr val="accent1">
+        <a:alpha val="90000"/>
+        <a:tint val="40000"/>
+      </a:schemeClr>
+    </dgm:linClrLst>
+    <dgm:effectClrLst/>
+    <dgm:txLinClrLst/>
+    <dgm:txFillClrLst meth="repeat">
+      <a:schemeClr val="dk1"/>
+    </dgm:txFillClrLst>
+    <dgm:txEffectClrLst/>
+  </dgm:styleLbl>
+  <dgm:styleLbl name="bgAccFollowNode1">
+    <dgm:fillClrLst meth="repeat">
+      <a:schemeClr val="accent1">
+        <a:alpha val="90000"/>
+        <a:tint val="40000"/>
+      </a:schemeClr>
+    </dgm:fillClrLst>
+    <dgm:linClrLst meth="repeat">
+      <a:schemeClr val="accent1">
+        <a:alpha val="90000"/>
+        <a:tint val="40000"/>
+      </a:schemeClr>
+    </dgm:linClrLst>
+    <dgm:effectClrLst/>
+    <dgm:txLinClrLst/>
+    <dgm:txFillClrLst meth="repeat">
+      <a:schemeClr val="dk1"/>
+    </dgm:txFillClrLst>
+    <dgm:txEffectClrLst/>
+  </dgm:styleLbl>
+  <dgm:styleLbl name="fgAcc0">
+    <dgm:fillClrLst meth="repeat">
+      <a:schemeClr val="lt1">
+        <a:alpha val="90000"/>
+      </a:schemeClr>
+    </dgm:fillClrLst>
+    <dgm:linClrLst meth="repeat">
+      <a:schemeClr val="accent1"/>
+    </dgm:linClrLst>
+    <dgm:effectClrLst/>
+    <dgm:txLinClrLst/>
+    <dgm:txFillClrLst meth="repeat">
+      <a:schemeClr val="dk1"/>
+    </dgm:txFillClrLst>
+    <dgm:txEffectClrLst/>
+  </dgm:styleLbl>
+  <dgm:styleLbl name="fgAcc2">
+    <dgm:fillClrLst meth="repeat">
+      <a:schemeClr val="lt1">
+        <a:alpha val="90000"/>
+      </a:schemeClr>
+    </dgm:fillClrLst>
+    <dgm:linClrLst meth="repeat">
+      <a:schemeClr val="accent1"/>
+    </dgm:linClrLst>
+    <dgm:effectClrLst/>
+    <dgm:txLinClrLst/>
+    <dgm:txFillClrLst meth="repeat">
+      <a:schemeClr val="dk1"/>
+    </dgm:txFillClrLst>
+    <dgm:txEffectClrLst/>
+  </dgm:styleLbl>
+  <dgm:styleLbl name="fgAcc3">
+    <dgm:fillClrLst meth="repeat">
+      <a:schemeClr val="lt1">
+        <a:alpha val="90000"/>
+      </a:schemeClr>
+    </dgm:fillClrLst>
+    <dgm:linClrLst meth="repeat">
+      <a:schemeClr val="accent1"/>
+    </dgm:linClrLst>
+    <dgm:effectClrLst/>
+    <dgm:txLinClrLst/>
+    <dgm:txFillClrLst meth="repeat">
+      <a:schemeClr val="dk1"/>
+    </dgm:txFillClrLst>
+    <dgm:txEffectClrLst/>
+  </dgm:styleLbl>
+  <dgm:styleLbl name="fgAcc4">
+    <dgm:fillClrLst meth="repeat">
+      <a:schemeClr val="lt1">
+        <a:alpha val="90000"/>
+      </a:schemeClr>
+    </dgm:fillClrLst>
+    <dgm:linClrLst meth="repeat">
+      <a:schemeClr val="accent1"/>
+    </dgm:linClrLst>
+    <dgm:effectClrLst/>
+    <dgm:txLinClrLst/>
+    <dgm:txFillClrLst meth="repeat">
+      <a:schemeClr val="dk1"/>
+    </dgm:txFillClrLst>
+    <dgm:txEffectClrLst/>
+  </dgm:styleLbl>
+  <dgm:styleLbl name="bgShp">
+    <dgm:fillClrLst meth="repeat">
+      <a:schemeClr val="accent1">
+        <a:tint val="40000"/>
+      </a:schemeClr>
+    </dgm:fillClrLst>
+    <dgm:linClrLst meth="repeat">
+      <a:schemeClr val="accent1"/>
+    </dgm:linClrLst>
+    <dgm:effectClrLst/>
+    <dgm:txLinClrLst/>
+    <dgm:txFillClrLst meth="repeat">
+      <a:schemeClr val="dk1"/>
+    </dgm:txFillClrLst>
+    <dgm:txEffectClrLst/>
+  </dgm:styleLbl>
+  <dgm:styleLbl name="dkBgShp">
+    <dgm:fillClrLst meth="repeat">
+      <a:schemeClr val="accent1">
+        <a:shade val="80000"/>
+      </a:schemeClr>
+    </dgm:fillClrLst>
+    <dgm:linClrLst meth="repeat">
+      <a:schemeClr val="accent1"/>
+    </dgm:linClrLst>
+    <dgm:effectClrLst/>
+    <dgm:txLinClrLst/>
+    <dgm:txFillClrLst meth="repeat">
+      <a:schemeClr val="lt1"/>
+    </dgm:txFillClrLst>
+    <dgm:txEffectClrLst/>
+  </dgm:styleLbl>
+  <dgm:styleLbl name="trBgShp">
+    <dgm:fillClrLst meth="repeat">
+      <a:schemeClr val="accent1">
+        <a:tint val="50000"/>
+        <a:alpha val="40000"/>
+      </a:schemeClr>
+    </dgm:fillClrLst>
+    <dgm:linClrLst meth="repeat">
+      <a:schemeClr val="accent1"/>
+    </dgm:linClrLst>
+    <dgm:effectClrLst/>
+    <dgm:txLinClrLst/>
+    <dgm:txFillClrLst meth="repeat">
+      <a:schemeClr val="lt1"/>
+    </dgm:txFillClrLst>
+    <dgm:txEffectClrLst/>
+  </dgm:styleLbl>
+  <dgm:styleLbl name="fgShp">
+    <dgm:fillClrLst meth="repeat">
+      <a:schemeClr val="accent1">
+        <a:tint val="60000"/>
+      </a:schemeClr>
+    </dgm:fillClrLst>
+    <dgm:linClrLst meth="repeat">
+      <a:schemeClr val="lt1"/>
+    </dgm:linClrLst>
+    <dgm:effectClrLst/>
+    <dgm:txLinClrLst/>
+    <dgm:txFillClrLst meth="repeat">
+      <a:schemeClr val="dk1"/>
+    </dgm:txFillClrLst>
+    <dgm:txEffectClrLst/>
+  </dgm:styleLbl>
+  <dgm:styleLbl name="revTx">
+    <dgm:fillClrLst meth="repeat">
+      <a:schemeClr val="lt1">
+        <a:alpha val="0"/>
+      </a:schemeClr>
+    </dgm:fillClrLst>
+    <dgm:linClrLst meth="repeat">
+      <a:schemeClr val="dk1">
+        <a:alpha val="0"/>
+      </a:schemeClr>
+    </dgm:linClrLst>
+    <dgm:effectClrLst/>
+    <dgm:txLinClrLst/>
+    <dgm:txFillClrLst meth="repeat">
+      <a:schemeClr val="tx1"/>
+    </dgm:txFillClrLst>
+    <dgm:txEffectClrLst/>
+  </dgm:styleLbl>
+</dgm:colorsDef>
+</file>
+
+<file path=ppt/diagrams/data1.xml><?xml version="1.0" encoding="utf-8"?>
+<dgm:dataModel xmlns:dgm="http://schemas.openxmlformats.org/drawingml/2006/diagram" xmlns:a="http://schemas.openxmlformats.org/drawingml/2006/main">
+  <dgm:ptLst>
+    <dgm:pt modelId="{25B9F58F-6385-43C6-8882-277C5C6C41B0}" type="doc">
+      <dgm:prSet loTypeId="urn:microsoft.com/office/officeart/2008/layout/RadialCluster" loCatId="relationship" qsTypeId="urn:microsoft.com/office/officeart/2005/8/quickstyle/simple1" qsCatId="simple" csTypeId="urn:microsoft.com/office/officeart/2005/8/colors/accent1_2" csCatId="accent1" phldr="1"/>
+      <dgm:spPr/>
+      <dgm:t>
+        <a:bodyPr/>
+        <a:lstStyle/>
+        <a:p>
+          <a:endParaRPr lang="de-DE"/>
+        </a:p>
+      </dgm:t>
+    </dgm:pt>
+    <dgm:pt modelId="{7B984531-CA52-4476-BEB3-DE2680666087}">
+      <dgm:prSet phldrT="[Text]"/>
+      <dgm:spPr>
+        <a:solidFill>
+          <a:schemeClr val="bg2">
+            <a:lumMod val="75000"/>
+          </a:schemeClr>
+        </a:solidFill>
+      </dgm:spPr>
+      <dgm:t>
+        <a:bodyPr/>
+        <a:lstStyle/>
+        <a:p>
+          <a:r>
+            <a:rPr lang="de-DE" dirty="0"/>
+            <a:t>Alter: 18-25</a:t>
+          </a:r>
+        </a:p>
+      </dgm:t>
+    </dgm:pt>
+    <dgm:pt modelId="{E75A3E4B-D550-4682-AB08-B32DD2350875}" type="parTrans" cxnId="{6517798D-3B58-4A27-999E-860E9535E2D8}">
+      <dgm:prSet/>
+      <dgm:spPr/>
+      <dgm:t>
+        <a:bodyPr/>
+        <a:lstStyle/>
+        <a:p>
+          <a:endParaRPr lang="de-DE"/>
+        </a:p>
+      </dgm:t>
+    </dgm:pt>
+    <dgm:pt modelId="{E9B64B7E-90A9-43A5-A1D9-E8FD6B865989}" type="sibTrans" cxnId="{6517798D-3B58-4A27-999E-860E9535E2D8}">
+      <dgm:prSet/>
+      <dgm:spPr/>
+      <dgm:t>
+        <a:bodyPr/>
+        <a:lstStyle/>
+        <a:p>
+          <a:endParaRPr lang="de-DE"/>
+        </a:p>
+      </dgm:t>
+    </dgm:pt>
+    <dgm:pt modelId="{13CA0BB7-EAE8-4979-8ED0-4325D43A3415}">
+      <dgm:prSet phldrT="[Text]"/>
+      <dgm:spPr>
+        <a:solidFill>
+          <a:schemeClr val="bg2">
+            <a:lumMod val="75000"/>
+          </a:schemeClr>
+        </a:solidFill>
+      </dgm:spPr>
+      <dgm:t>
+        <a:bodyPr/>
+        <a:lstStyle/>
+        <a:p>
+          <a:r>
+            <a:rPr lang="de-DE" dirty="0"/>
+            <a:t>generelles Interesse für unterschiedliche Möglichkeiten der Geldanlagen</a:t>
+          </a:r>
+        </a:p>
+      </dgm:t>
+    </dgm:pt>
+    <dgm:pt modelId="{D7EAFE78-22CC-4130-AC70-1D890DB9401A}" type="parTrans" cxnId="{4669BDC1-2D85-4472-BFC5-791E526121FD}">
+      <dgm:prSet/>
+      <dgm:spPr/>
+      <dgm:t>
+        <a:bodyPr/>
+        <a:lstStyle/>
+        <a:p>
+          <a:endParaRPr lang="de-DE"/>
+        </a:p>
+      </dgm:t>
+    </dgm:pt>
+    <dgm:pt modelId="{DF0E941A-BB38-42E0-81D9-EBB0A066DA09}" type="sibTrans" cxnId="{4669BDC1-2D85-4472-BFC5-791E526121FD}">
+      <dgm:prSet/>
+      <dgm:spPr/>
+      <dgm:t>
+        <a:bodyPr/>
+        <a:lstStyle/>
+        <a:p>
+          <a:endParaRPr lang="de-DE"/>
+        </a:p>
+      </dgm:t>
+    </dgm:pt>
+    <dgm:pt modelId="{95910137-DCE0-4174-AE0A-9DB0FFF16277}">
+      <dgm:prSet phldrT="[Text]"/>
+      <dgm:spPr>
+        <a:solidFill>
+          <a:schemeClr val="bg2">
+            <a:lumMod val="75000"/>
+          </a:schemeClr>
+        </a:solidFill>
+      </dgm:spPr>
+      <dgm:t>
+        <a:bodyPr/>
+        <a:lstStyle/>
+        <a:p>
+          <a:r>
+            <a:rPr lang="de-DE" dirty="0"/>
+            <a:t>risikofreudig bis sehr sicherheitsbewusst</a:t>
+          </a:r>
+        </a:p>
+      </dgm:t>
+    </dgm:pt>
+    <dgm:pt modelId="{1E90C640-7F7E-4766-BCDE-902375CC92E8}" type="parTrans" cxnId="{C5CC0861-0A6F-456E-9801-52D05E812F08}">
+      <dgm:prSet/>
+      <dgm:spPr/>
+      <dgm:t>
+        <a:bodyPr/>
+        <a:lstStyle/>
+        <a:p>
+          <a:endParaRPr lang="de-DE"/>
+        </a:p>
+      </dgm:t>
+    </dgm:pt>
+    <dgm:pt modelId="{9C8DDF95-935C-4484-A55F-E07293B2AF92}" type="sibTrans" cxnId="{C5CC0861-0A6F-456E-9801-52D05E812F08}">
+      <dgm:prSet/>
+      <dgm:spPr/>
+      <dgm:t>
+        <a:bodyPr/>
+        <a:lstStyle/>
+        <a:p>
+          <a:endParaRPr lang="de-DE"/>
+        </a:p>
+      </dgm:t>
+    </dgm:pt>
+    <dgm:pt modelId="{1624C843-9127-48D5-ADDC-D7DF243B7F6F}">
+      <dgm:prSet phldrT="[Text]"/>
+      <dgm:spPr>
+        <a:solidFill>
+          <a:schemeClr val="bg2">
+            <a:lumMod val="75000"/>
+          </a:schemeClr>
+        </a:solidFill>
+      </dgm:spPr>
+      <dgm:t>
+        <a:bodyPr/>
+        <a:lstStyle/>
+        <a:p>
+          <a:r>
+            <a:rPr lang="de-DE" dirty="0"/>
+            <a:t>eher unerfahren mit Finanzgeschäften</a:t>
+          </a:r>
+        </a:p>
+      </dgm:t>
+    </dgm:pt>
+    <dgm:pt modelId="{52496679-F3B9-4DA4-BAFA-15C6C3FAEDA7}" type="parTrans" cxnId="{987DD256-AB2D-4E35-8A62-C86F071FBCF7}">
+      <dgm:prSet/>
+      <dgm:spPr/>
+      <dgm:t>
+        <a:bodyPr/>
+        <a:lstStyle/>
+        <a:p>
+          <a:endParaRPr lang="de-DE"/>
+        </a:p>
+      </dgm:t>
+    </dgm:pt>
+    <dgm:pt modelId="{526D9839-2A62-4704-B6E5-F75A237CFE33}" type="sibTrans" cxnId="{987DD256-AB2D-4E35-8A62-C86F071FBCF7}">
+      <dgm:prSet/>
+      <dgm:spPr/>
+      <dgm:t>
+        <a:bodyPr/>
+        <a:lstStyle/>
+        <a:p>
+          <a:endParaRPr lang="de-DE"/>
+        </a:p>
+      </dgm:t>
+    </dgm:pt>
+    <dgm:pt modelId="{98912DB7-1441-4739-BBD4-318BEDA7D846}">
+      <dgm:prSet phldrT="[Text]" custScaleX="162360" custScaleY="37528" custRadScaleRad="130321" custRadScaleInc="96064"/>
+      <dgm:spPr/>
+      <dgm:t>
+        <a:bodyPr/>
+        <a:lstStyle/>
+        <a:p>
+          <a:endParaRPr lang="de-DE"/>
+        </a:p>
+      </dgm:t>
+    </dgm:pt>
+    <dgm:pt modelId="{39AC6C38-5E6B-464A-8818-7A3D7750E6E8}" type="parTrans" cxnId="{AFAD1BB7-28BD-4006-82BD-EB0094107FFE}">
+      <dgm:prSet/>
+      <dgm:spPr/>
+      <dgm:t>
+        <a:bodyPr/>
+        <a:lstStyle/>
+        <a:p>
+          <a:endParaRPr lang="de-DE"/>
+        </a:p>
+      </dgm:t>
+    </dgm:pt>
+    <dgm:pt modelId="{7AB3D984-9F06-4A67-9B1E-3F6632389372}" type="sibTrans" cxnId="{AFAD1BB7-28BD-4006-82BD-EB0094107FFE}">
+      <dgm:prSet/>
+      <dgm:spPr/>
+      <dgm:t>
+        <a:bodyPr/>
+        <a:lstStyle/>
+        <a:p>
+          <a:endParaRPr lang="de-DE"/>
+        </a:p>
+      </dgm:t>
+    </dgm:pt>
+    <dgm:pt modelId="{0A0F5FBC-E516-4EE1-9B43-CE24C12B296F}">
+      <dgm:prSet phldrT="[Text]" custScaleX="227483" custScaleY="49008" custRadScaleRad="183360" custRadScaleInc="27762"/>
+      <dgm:spPr/>
+      <dgm:t>
+        <a:bodyPr/>
+        <a:lstStyle/>
+        <a:p>
+          <a:endParaRPr lang="de-DE"/>
+        </a:p>
+      </dgm:t>
+    </dgm:pt>
+    <dgm:pt modelId="{91E4FC6D-8318-4556-8821-C81EDCB40502}" type="parTrans" cxnId="{CBE34722-D3C8-402E-AEB9-B0B3C7F8D46A}">
+      <dgm:prSet/>
+      <dgm:spPr/>
+      <dgm:t>
+        <a:bodyPr/>
+        <a:lstStyle/>
+        <a:p>
+          <a:endParaRPr lang="de-DE"/>
+        </a:p>
+      </dgm:t>
+    </dgm:pt>
+    <dgm:pt modelId="{70814957-C740-4E16-A6ED-E6B05D7C606D}" type="sibTrans" cxnId="{CBE34722-D3C8-402E-AEB9-B0B3C7F8D46A}">
+      <dgm:prSet/>
+      <dgm:spPr/>
+      <dgm:t>
+        <a:bodyPr/>
+        <a:lstStyle/>
+        <a:p>
+          <a:endParaRPr lang="de-DE"/>
+        </a:p>
+      </dgm:t>
+    </dgm:pt>
+    <dgm:pt modelId="{A2E39016-73BE-44E3-8127-12BBAECD3900}">
+      <dgm:prSet phldrT="[Text]"/>
+      <dgm:spPr>
+        <a:solidFill>
+          <a:srgbClr val="72358B"/>
+        </a:solidFill>
+      </dgm:spPr>
+      <dgm:t>
+        <a:bodyPr/>
+        <a:lstStyle/>
+        <a:p>
+          <a:r>
+            <a:rPr lang="de-DE" b="1" dirty="0"/>
+            <a:t>Unsere</a:t>
+          </a:r>
+        </a:p>
+        <a:p>
+          <a:r>
+            <a:rPr lang="de-DE" b="1" dirty="0"/>
+            <a:t>Neukunden</a:t>
+          </a:r>
+        </a:p>
+      </dgm:t>
+    </dgm:pt>
+    <dgm:pt modelId="{0B4072D3-597E-4B25-BD11-EFE2C2DFDBCE}" type="sibTrans" cxnId="{B59A58F2-A502-4DDB-A3AB-D07B9BAB346D}">
+      <dgm:prSet/>
+      <dgm:spPr/>
+      <dgm:t>
+        <a:bodyPr/>
+        <a:lstStyle/>
+        <a:p>
+          <a:endParaRPr lang="de-DE"/>
+        </a:p>
+      </dgm:t>
+    </dgm:pt>
+    <dgm:pt modelId="{2198332A-E8B9-439D-A7D3-0E444E8B8068}" type="parTrans" cxnId="{B59A58F2-A502-4DDB-A3AB-D07B9BAB346D}">
+      <dgm:prSet/>
+      <dgm:spPr/>
+      <dgm:t>
+        <a:bodyPr/>
+        <a:lstStyle/>
+        <a:p>
+          <a:endParaRPr lang="de-DE"/>
+        </a:p>
+      </dgm:t>
+    </dgm:pt>
+    <dgm:pt modelId="{CE18EB4F-3B37-4CCD-9917-D7A0D2DF7516}">
+      <dgm:prSet phldrT="[Text]"/>
+      <dgm:spPr>
+        <a:solidFill>
+          <a:schemeClr val="bg2">
+            <a:lumMod val="75000"/>
+          </a:schemeClr>
+        </a:solidFill>
+      </dgm:spPr>
+      <dgm:t>
+        <a:bodyPr/>
+        <a:lstStyle/>
+        <a:p>
+          <a:r>
+            <a:rPr lang="de-DE" dirty="0"/>
+            <a:t>geringes bis mittleres Budget</a:t>
+          </a:r>
+        </a:p>
+        <a:p>
+          <a:r>
+            <a:rPr lang="de-DE" dirty="0"/>
+            <a:t>(25-200€ pro Monat)</a:t>
+          </a:r>
+        </a:p>
+      </dgm:t>
+    </dgm:pt>
+    <dgm:pt modelId="{FE7B2A13-91F0-4F20-BC58-32140F7F7765}" type="parTrans" cxnId="{6320FF06-7B0F-451B-9EAA-D90F42B39233}">
+      <dgm:prSet/>
+      <dgm:spPr/>
+      <dgm:t>
+        <a:bodyPr/>
+        <a:lstStyle/>
+        <a:p>
+          <a:endParaRPr lang="de-DE"/>
+        </a:p>
+      </dgm:t>
+    </dgm:pt>
+    <dgm:pt modelId="{565FBA44-B07F-4352-9113-90DF59C176E1}" type="sibTrans" cxnId="{6320FF06-7B0F-451B-9EAA-D90F42B39233}">
+      <dgm:prSet/>
+      <dgm:spPr/>
+      <dgm:t>
+        <a:bodyPr/>
+        <a:lstStyle/>
+        <a:p>
+          <a:endParaRPr lang="de-DE"/>
+        </a:p>
+      </dgm:t>
+    </dgm:pt>
+    <dgm:pt modelId="{F190413B-485E-4811-8B5C-1BE386D8E2CA}">
+      <dgm:prSet phldrT="[Text]"/>
+      <dgm:spPr>
+        <a:solidFill>
+          <a:schemeClr val="bg2">
+            <a:lumMod val="75000"/>
+          </a:schemeClr>
+        </a:solidFill>
+      </dgm:spPr>
+      <dgm:t>
+        <a:bodyPr/>
+        <a:lstStyle/>
+        <a:p>
+          <a:r>
+            <a:rPr lang="de-DE" dirty="0"/>
+            <a:t>Digital Natives</a:t>
+          </a:r>
+        </a:p>
+      </dgm:t>
+    </dgm:pt>
+    <dgm:pt modelId="{E65B8984-AD22-4A93-A4B3-87EA3A998A50}" type="parTrans" cxnId="{20C8606B-6008-4EAE-B094-4EA3B791C6C9}">
+      <dgm:prSet/>
+      <dgm:spPr/>
+      <dgm:t>
+        <a:bodyPr/>
+        <a:lstStyle/>
+        <a:p>
+          <a:endParaRPr lang="de-DE"/>
+        </a:p>
+      </dgm:t>
+    </dgm:pt>
+    <dgm:pt modelId="{1089F25B-F37D-4B3D-8FB6-5D8D51A3B744}" type="sibTrans" cxnId="{20C8606B-6008-4EAE-B094-4EA3B791C6C9}">
+      <dgm:prSet/>
+      <dgm:spPr/>
+      <dgm:t>
+        <a:bodyPr/>
+        <a:lstStyle/>
+        <a:p>
+          <a:endParaRPr lang="de-DE"/>
+        </a:p>
+      </dgm:t>
+    </dgm:pt>
+    <dgm:pt modelId="{D4F3C94D-E8B5-479A-BA52-A838E50F0598}" type="pres">
+      <dgm:prSet presAssocID="{25B9F58F-6385-43C6-8882-277C5C6C41B0}" presName="Name0" presStyleCnt="0">
+        <dgm:presLayoutVars>
+          <dgm:chMax val="1"/>
+          <dgm:chPref val="1"/>
+          <dgm:dir/>
+          <dgm:animOne val="branch"/>
+          <dgm:animLvl val="lvl"/>
+        </dgm:presLayoutVars>
+      </dgm:prSet>
+      <dgm:spPr/>
+    </dgm:pt>
+    <dgm:pt modelId="{B75A3C08-D6D9-4A1F-861D-6061E5161012}" type="pres">
+      <dgm:prSet presAssocID="{A2E39016-73BE-44E3-8127-12BBAECD3900}" presName="singleCycle" presStyleCnt="0"/>
+      <dgm:spPr/>
+    </dgm:pt>
+    <dgm:pt modelId="{20C79A6C-5471-4240-99C8-67F5566DBDF3}" type="pres">
+      <dgm:prSet presAssocID="{A2E39016-73BE-44E3-8127-12BBAECD3900}" presName="singleCenter" presStyleLbl="node1" presStyleIdx="0" presStyleCnt="7" custLinFactNeighborX="13129" custLinFactNeighborY="-2813">
+        <dgm:presLayoutVars>
+          <dgm:chMax val="7"/>
+          <dgm:chPref val="7"/>
+        </dgm:presLayoutVars>
+      </dgm:prSet>
+      <dgm:spPr/>
+    </dgm:pt>
+    <dgm:pt modelId="{0DF181DC-6A37-41E8-969D-16487EFBCD28}" type="pres">
+      <dgm:prSet presAssocID="{E75A3E4B-D550-4682-AB08-B32DD2350875}" presName="Name56" presStyleLbl="parChTrans1D2" presStyleIdx="0" presStyleCnt="6"/>
+      <dgm:spPr/>
+    </dgm:pt>
+    <dgm:pt modelId="{D7BF8338-80C7-46DA-902F-CEE69541CC95}" type="pres">
+      <dgm:prSet presAssocID="{7B984531-CA52-4476-BEB3-DE2680666087}" presName="text0" presStyleLbl="node1" presStyleIdx="1" presStyleCnt="7" custScaleX="162360" custScaleY="37528" custRadScaleRad="121845" custRadScaleInc="102065">
+        <dgm:presLayoutVars>
+          <dgm:bulletEnabled val="1"/>
+        </dgm:presLayoutVars>
+      </dgm:prSet>
+      <dgm:spPr/>
+    </dgm:pt>
+    <dgm:pt modelId="{E6085D85-883D-4401-81E4-AD69A7618A71}" type="pres">
+      <dgm:prSet presAssocID="{52496679-F3B9-4DA4-BAFA-15C6C3FAEDA7}" presName="Name56" presStyleLbl="parChTrans1D2" presStyleIdx="1" presStyleCnt="6"/>
+      <dgm:spPr/>
+    </dgm:pt>
+    <dgm:pt modelId="{2B8F4607-767B-4C13-AE80-E5C9EC7E6F82}" type="pres">
+      <dgm:prSet presAssocID="{1624C843-9127-48D5-ADDC-D7DF243B7F6F}" presName="text0" presStyleLbl="node1" presStyleIdx="2" presStyleCnt="7" custScaleX="398414" custScaleY="33418" custRadScaleRad="217592" custRadScaleInc="47754">
+        <dgm:presLayoutVars>
+          <dgm:bulletEnabled val="1"/>
+        </dgm:presLayoutVars>
+      </dgm:prSet>
+      <dgm:spPr/>
+    </dgm:pt>
+    <dgm:pt modelId="{81314F37-A56E-4CD8-BA5C-915FBC0533DD}" type="pres">
+      <dgm:prSet presAssocID="{D7EAFE78-22CC-4130-AC70-1D890DB9401A}" presName="Name56" presStyleLbl="parChTrans1D2" presStyleIdx="2" presStyleCnt="6"/>
+      <dgm:spPr/>
+    </dgm:pt>
+    <dgm:pt modelId="{AE8871E5-88E6-4A6C-9C8C-BA41C255D0DB}" type="pres">
+      <dgm:prSet presAssocID="{13CA0BB7-EAE8-4979-8ED0-4325D43A3415}" presName="text0" presStyleLbl="node1" presStyleIdx="3" presStyleCnt="7" custScaleX="371102" custScaleY="57874" custRadScaleRad="195795" custRadScaleInc="-43978">
+        <dgm:presLayoutVars>
+          <dgm:bulletEnabled val="1"/>
+        </dgm:presLayoutVars>
+      </dgm:prSet>
+      <dgm:spPr/>
+    </dgm:pt>
+    <dgm:pt modelId="{35CB7170-26B4-47D8-AA63-5AA4380BAB0F}" type="pres">
+      <dgm:prSet presAssocID="{1E90C640-7F7E-4766-BCDE-902375CC92E8}" presName="Name56" presStyleLbl="parChTrans1D2" presStyleIdx="3" presStyleCnt="6"/>
+      <dgm:spPr/>
+    </dgm:pt>
+    <dgm:pt modelId="{E45510DC-4F26-444D-9FE6-CA4BB4A3CFDE}" type="pres">
+      <dgm:prSet presAssocID="{95910137-DCE0-4174-AE0A-9DB0FFF16277}" presName="text0" presStyleLbl="node1" presStyleIdx="4" presStyleCnt="7" custScaleX="248496" custScaleY="63556" custRadScaleRad="101038" custRadScaleInc="50801">
+        <dgm:presLayoutVars>
+          <dgm:bulletEnabled val="1"/>
+        </dgm:presLayoutVars>
+      </dgm:prSet>
+      <dgm:spPr/>
+    </dgm:pt>
+    <dgm:pt modelId="{D085E0F5-27EE-4022-8770-DF9ABAC046EA}" type="pres">
+      <dgm:prSet presAssocID="{E65B8984-AD22-4A93-A4B3-87EA3A998A50}" presName="Name56" presStyleLbl="parChTrans1D2" presStyleIdx="4" presStyleCnt="6"/>
+      <dgm:spPr/>
+    </dgm:pt>
+    <dgm:pt modelId="{36A22287-A849-43A3-9CCE-4FFD0D8AE2F9}" type="pres">
+      <dgm:prSet presAssocID="{F190413B-485E-4811-8B5C-1BE386D8E2CA}" presName="text0" presStyleLbl="node1" presStyleIdx="5" presStyleCnt="7" custScaleX="208938" custScaleY="42881" custRadScaleRad="161184" custRadScaleInc="72637">
+        <dgm:presLayoutVars>
+          <dgm:bulletEnabled val="1"/>
+        </dgm:presLayoutVars>
+      </dgm:prSet>
+      <dgm:spPr/>
+    </dgm:pt>
+    <dgm:pt modelId="{938B87D1-4A17-460D-B225-E60EF2711E18}" type="pres">
+      <dgm:prSet presAssocID="{FE7B2A13-91F0-4F20-BC58-32140F7F7765}" presName="Name56" presStyleLbl="parChTrans1D2" presStyleIdx="5" presStyleCnt="6"/>
+      <dgm:spPr/>
+    </dgm:pt>
+    <dgm:pt modelId="{87A63E13-7F97-441E-A80B-C2878CFCAF22}" type="pres">
+      <dgm:prSet presAssocID="{CE18EB4F-3B37-4CCD-9917-D7A0D2DF7516}" presName="text0" presStyleLbl="node1" presStyleIdx="6" presStyleCnt="7" custScaleX="241128" custScaleY="57060" custRadScaleRad="215562" custRadScaleInc="-26964">
+        <dgm:presLayoutVars>
+          <dgm:bulletEnabled val="1"/>
+        </dgm:presLayoutVars>
+      </dgm:prSet>
+      <dgm:spPr/>
+    </dgm:pt>
+  </dgm:ptLst>
+  <dgm:cxnLst>
+    <dgm:cxn modelId="{97396305-908B-4606-9B50-C734D6CE272D}" type="presOf" srcId="{F190413B-485E-4811-8B5C-1BE386D8E2CA}" destId="{36A22287-A849-43A3-9CCE-4FFD0D8AE2F9}" srcOrd="0" destOrd="0" presId="urn:microsoft.com/office/officeart/2008/layout/RadialCluster"/>
+    <dgm:cxn modelId="{6320FF06-7B0F-451B-9EAA-D90F42B39233}" srcId="{A2E39016-73BE-44E3-8127-12BBAECD3900}" destId="{CE18EB4F-3B37-4CCD-9917-D7A0D2DF7516}" srcOrd="5" destOrd="0" parTransId="{FE7B2A13-91F0-4F20-BC58-32140F7F7765}" sibTransId="{565FBA44-B07F-4352-9113-90DF59C176E1}"/>
+    <dgm:cxn modelId="{F35E8207-94C6-4ACA-AA5C-C4D1B3FC85E5}" type="presOf" srcId="{13CA0BB7-EAE8-4979-8ED0-4325D43A3415}" destId="{AE8871E5-88E6-4A6C-9C8C-BA41C255D0DB}" srcOrd="0" destOrd="0" presId="urn:microsoft.com/office/officeart/2008/layout/RadialCluster"/>
+    <dgm:cxn modelId="{CBE34722-D3C8-402E-AEB9-B0B3C7F8D46A}" srcId="{25B9F58F-6385-43C6-8882-277C5C6C41B0}" destId="{0A0F5FBC-E516-4EE1-9B43-CE24C12B296F}" srcOrd="2" destOrd="0" parTransId="{91E4FC6D-8318-4556-8821-C81EDCB40502}" sibTransId="{70814957-C740-4E16-A6ED-E6B05D7C606D}"/>
+    <dgm:cxn modelId="{5C80F85F-E6DF-4119-8CF9-93F0DE74271F}" type="presOf" srcId="{1624C843-9127-48D5-ADDC-D7DF243B7F6F}" destId="{2B8F4607-767B-4C13-AE80-E5C9EC7E6F82}" srcOrd="0" destOrd="0" presId="urn:microsoft.com/office/officeart/2008/layout/RadialCluster"/>
+    <dgm:cxn modelId="{C5CC0861-0A6F-456E-9801-52D05E812F08}" srcId="{A2E39016-73BE-44E3-8127-12BBAECD3900}" destId="{95910137-DCE0-4174-AE0A-9DB0FFF16277}" srcOrd="3" destOrd="0" parTransId="{1E90C640-7F7E-4766-BCDE-902375CC92E8}" sibTransId="{9C8DDF95-935C-4484-A55F-E07293B2AF92}"/>
+    <dgm:cxn modelId="{CD5BC744-0B11-431F-8626-1D955A57D901}" type="presOf" srcId="{A2E39016-73BE-44E3-8127-12BBAECD3900}" destId="{20C79A6C-5471-4240-99C8-67F5566DBDF3}" srcOrd="0" destOrd="0" presId="urn:microsoft.com/office/officeart/2008/layout/RadialCluster"/>
+    <dgm:cxn modelId="{194B064B-E9C3-48AD-B9A9-1AF937473620}" type="presOf" srcId="{95910137-DCE0-4174-AE0A-9DB0FFF16277}" destId="{E45510DC-4F26-444D-9FE6-CA4BB4A3CFDE}" srcOrd="0" destOrd="0" presId="urn:microsoft.com/office/officeart/2008/layout/RadialCluster"/>
+    <dgm:cxn modelId="{20C8606B-6008-4EAE-B094-4EA3B791C6C9}" srcId="{A2E39016-73BE-44E3-8127-12BBAECD3900}" destId="{F190413B-485E-4811-8B5C-1BE386D8E2CA}" srcOrd="4" destOrd="0" parTransId="{E65B8984-AD22-4A93-A4B3-87EA3A998A50}" sibTransId="{1089F25B-F37D-4B3D-8FB6-5D8D51A3B744}"/>
+    <dgm:cxn modelId="{BCB07171-2BC8-4CCB-874A-EC2EE5F94023}" type="presOf" srcId="{52496679-F3B9-4DA4-BAFA-15C6C3FAEDA7}" destId="{E6085D85-883D-4401-81E4-AD69A7618A71}" srcOrd="0" destOrd="0" presId="urn:microsoft.com/office/officeart/2008/layout/RadialCluster"/>
+    <dgm:cxn modelId="{987DD256-AB2D-4E35-8A62-C86F071FBCF7}" srcId="{A2E39016-73BE-44E3-8127-12BBAECD3900}" destId="{1624C843-9127-48D5-ADDC-D7DF243B7F6F}" srcOrd="1" destOrd="0" parTransId="{52496679-F3B9-4DA4-BAFA-15C6C3FAEDA7}" sibTransId="{526D9839-2A62-4704-B6E5-F75A237CFE33}"/>
+    <dgm:cxn modelId="{3AEA1D77-F316-4D7C-BEA9-8131DD07DD81}" type="presOf" srcId="{E75A3E4B-D550-4682-AB08-B32DD2350875}" destId="{0DF181DC-6A37-41E8-969D-16487EFBCD28}" srcOrd="0" destOrd="0" presId="urn:microsoft.com/office/officeart/2008/layout/RadialCluster"/>
+    <dgm:cxn modelId="{4536AA8A-9636-4FEA-88FE-314EF111EF2F}" type="presOf" srcId="{25B9F58F-6385-43C6-8882-277C5C6C41B0}" destId="{D4F3C94D-E8B5-479A-BA52-A838E50F0598}" srcOrd="0" destOrd="0" presId="urn:microsoft.com/office/officeart/2008/layout/RadialCluster"/>
+    <dgm:cxn modelId="{46F33A8C-9189-4966-A333-072CAEECFE8E}" type="presOf" srcId="{FE7B2A13-91F0-4F20-BC58-32140F7F7765}" destId="{938B87D1-4A17-460D-B225-E60EF2711E18}" srcOrd="0" destOrd="0" presId="urn:microsoft.com/office/officeart/2008/layout/RadialCluster"/>
+    <dgm:cxn modelId="{6517798D-3B58-4A27-999E-860E9535E2D8}" srcId="{A2E39016-73BE-44E3-8127-12BBAECD3900}" destId="{7B984531-CA52-4476-BEB3-DE2680666087}" srcOrd="0" destOrd="0" parTransId="{E75A3E4B-D550-4682-AB08-B32DD2350875}" sibTransId="{E9B64B7E-90A9-43A5-A1D9-E8FD6B865989}"/>
+    <dgm:cxn modelId="{6A7D7F8E-547A-4333-A6A6-1EF89A4FB5C3}" type="presOf" srcId="{E65B8984-AD22-4A93-A4B3-87EA3A998A50}" destId="{D085E0F5-27EE-4022-8770-DF9ABAC046EA}" srcOrd="0" destOrd="0" presId="urn:microsoft.com/office/officeart/2008/layout/RadialCluster"/>
+    <dgm:cxn modelId="{AFAD1BB7-28BD-4006-82BD-EB0094107FFE}" srcId="{25B9F58F-6385-43C6-8882-277C5C6C41B0}" destId="{98912DB7-1441-4739-BBD4-318BEDA7D846}" srcOrd="1" destOrd="0" parTransId="{39AC6C38-5E6B-464A-8818-7A3D7750E6E8}" sibTransId="{7AB3D984-9F06-4A67-9B1E-3F6632389372}"/>
+    <dgm:cxn modelId="{4669BDC1-2D85-4472-BFC5-791E526121FD}" srcId="{A2E39016-73BE-44E3-8127-12BBAECD3900}" destId="{13CA0BB7-EAE8-4979-8ED0-4325D43A3415}" srcOrd="2" destOrd="0" parTransId="{D7EAFE78-22CC-4130-AC70-1D890DB9401A}" sibTransId="{DF0E941A-BB38-42E0-81D9-EBB0A066DA09}"/>
+    <dgm:cxn modelId="{A9CEBDC6-95B0-408E-B95B-11273ABEECC4}" type="presOf" srcId="{7B984531-CA52-4476-BEB3-DE2680666087}" destId="{D7BF8338-80C7-46DA-902F-CEE69541CC95}" srcOrd="0" destOrd="0" presId="urn:microsoft.com/office/officeart/2008/layout/RadialCluster"/>
+    <dgm:cxn modelId="{9B2B81D8-C96A-43DC-B60A-F059338DDC04}" type="presOf" srcId="{D7EAFE78-22CC-4130-AC70-1D890DB9401A}" destId="{81314F37-A56E-4CD8-BA5C-915FBC0533DD}" srcOrd="0" destOrd="0" presId="urn:microsoft.com/office/officeart/2008/layout/RadialCluster"/>
+    <dgm:cxn modelId="{FD7E65DC-88D5-4F56-841E-7AA30FB9E077}" type="presOf" srcId="{CE18EB4F-3B37-4CCD-9917-D7A0D2DF7516}" destId="{87A63E13-7F97-441E-A80B-C2878CFCAF22}" srcOrd="0" destOrd="0" presId="urn:microsoft.com/office/officeart/2008/layout/RadialCluster"/>
+    <dgm:cxn modelId="{B59A58F2-A502-4DDB-A3AB-D07B9BAB346D}" srcId="{25B9F58F-6385-43C6-8882-277C5C6C41B0}" destId="{A2E39016-73BE-44E3-8127-12BBAECD3900}" srcOrd="0" destOrd="0" parTransId="{2198332A-E8B9-439D-A7D3-0E444E8B8068}" sibTransId="{0B4072D3-597E-4B25-BD11-EFE2C2DFDBCE}"/>
+    <dgm:cxn modelId="{496183FC-A097-4E54-8E25-219E293B3B4A}" type="presOf" srcId="{1E90C640-7F7E-4766-BCDE-902375CC92E8}" destId="{35CB7170-26B4-47D8-AA63-5AA4380BAB0F}" srcOrd="0" destOrd="0" presId="urn:microsoft.com/office/officeart/2008/layout/RadialCluster"/>
+    <dgm:cxn modelId="{C85FA28D-431A-42E6-AA7A-DFE8211FAF68}" type="presParOf" srcId="{D4F3C94D-E8B5-479A-BA52-A838E50F0598}" destId="{B75A3C08-D6D9-4A1F-861D-6061E5161012}" srcOrd="0" destOrd="0" presId="urn:microsoft.com/office/officeart/2008/layout/RadialCluster"/>
+    <dgm:cxn modelId="{1E8F5D52-F83D-48D3-99FC-6FB5499694BC}" type="presParOf" srcId="{B75A3C08-D6D9-4A1F-861D-6061E5161012}" destId="{20C79A6C-5471-4240-99C8-67F5566DBDF3}" srcOrd="0" destOrd="0" presId="urn:microsoft.com/office/officeart/2008/layout/RadialCluster"/>
+    <dgm:cxn modelId="{C31AA15A-F1ED-41E9-BC39-5D953A48E4E1}" type="presParOf" srcId="{B75A3C08-D6D9-4A1F-861D-6061E5161012}" destId="{0DF181DC-6A37-41E8-969D-16487EFBCD28}" srcOrd="1" destOrd="0" presId="urn:microsoft.com/office/officeart/2008/layout/RadialCluster"/>
+    <dgm:cxn modelId="{79196516-8505-480A-9354-D974712C7290}" type="presParOf" srcId="{B75A3C08-D6D9-4A1F-861D-6061E5161012}" destId="{D7BF8338-80C7-46DA-902F-CEE69541CC95}" srcOrd="2" destOrd="0" presId="urn:microsoft.com/office/officeart/2008/layout/RadialCluster"/>
+    <dgm:cxn modelId="{648CA1F8-261D-4FCF-992B-AA064DCEE1DB}" type="presParOf" srcId="{B75A3C08-D6D9-4A1F-861D-6061E5161012}" destId="{E6085D85-883D-4401-81E4-AD69A7618A71}" srcOrd="3" destOrd="0" presId="urn:microsoft.com/office/officeart/2008/layout/RadialCluster"/>
+    <dgm:cxn modelId="{6A47F02E-928E-421F-A188-17C2381CBBFB}" type="presParOf" srcId="{B75A3C08-D6D9-4A1F-861D-6061E5161012}" destId="{2B8F4607-767B-4C13-AE80-E5C9EC7E6F82}" srcOrd="4" destOrd="0" presId="urn:microsoft.com/office/officeart/2008/layout/RadialCluster"/>
+    <dgm:cxn modelId="{024E8CFB-3BAC-47CF-9085-5FB54B51A760}" type="presParOf" srcId="{B75A3C08-D6D9-4A1F-861D-6061E5161012}" destId="{81314F37-A56E-4CD8-BA5C-915FBC0533DD}" srcOrd="5" destOrd="0" presId="urn:microsoft.com/office/officeart/2008/layout/RadialCluster"/>
+    <dgm:cxn modelId="{A1E1E67B-A98A-49E1-AB00-08E23FF7C41C}" type="presParOf" srcId="{B75A3C08-D6D9-4A1F-861D-6061E5161012}" destId="{AE8871E5-88E6-4A6C-9C8C-BA41C255D0DB}" srcOrd="6" destOrd="0" presId="urn:microsoft.com/office/officeart/2008/layout/RadialCluster"/>
+    <dgm:cxn modelId="{91A72C87-3DEE-4B3F-82A8-063C2A4C8C58}" type="presParOf" srcId="{B75A3C08-D6D9-4A1F-861D-6061E5161012}" destId="{35CB7170-26B4-47D8-AA63-5AA4380BAB0F}" srcOrd="7" destOrd="0" presId="urn:microsoft.com/office/officeart/2008/layout/RadialCluster"/>
+    <dgm:cxn modelId="{57B49278-29F8-4F9E-B68D-C4DDD8CE2CB9}" type="presParOf" srcId="{B75A3C08-D6D9-4A1F-861D-6061E5161012}" destId="{E45510DC-4F26-444D-9FE6-CA4BB4A3CFDE}" srcOrd="8" destOrd="0" presId="urn:microsoft.com/office/officeart/2008/layout/RadialCluster"/>
+    <dgm:cxn modelId="{E688BDCE-79F2-4535-A740-E8F5F9B6BCD6}" type="presParOf" srcId="{B75A3C08-D6D9-4A1F-861D-6061E5161012}" destId="{D085E0F5-27EE-4022-8770-DF9ABAC046EA}" srcOrd="9" destOrd="0" presId="urn:microsoft.com/office/officeart/2008/layout/RadialCluster"/>
+    <dgm:cxn modelId="{8691C5BE-D5F3-4A17-9042-B16D7EDB82C8}" type="presParOf" srcId="{B75A3C08-D6D9-4A1F-861D-6061E5161012}" destId="{36A22287-A849-43A3-9CCE-4FFD0D8AE2F9}" srcOrd="10" destOrd="0" presId="urn:microsoft.com/office/officeart/2008/layout/RadialCluster"/>
+    <dgm:cxn modelId="{0AD58150-4E4E-42AE-9898-316016F9B8B2}" type="presParOf" srcId="{B75A3C08-D6D9-4A1F-861D-6061E5161012}" destId="{938B87D1-4A17-460D-B225-E60EF2711E18}" srcOrd="11" destOrd="0" presId="urn:microsoft.com/office/officeart/2008/layout/RadialCluster"/>
+    <dgm:cxn modelId="{67FF4FC4-A818-4722-BA49-90630256BDE0}" type="presParOf" srcId="{B75A3C08-D6D9-4A1F-861D-6061E5161012}" destId="{87A63E13-7F97-441E-A80B-C2878CFCAF22}" srcOrd="12" destOrd="0" presId="urn:microsoft.com/office/officeart/2008/layout/RadialCluster"/>
+  </dgm:cxnLst>
+  <dgm:bg/>
+  <dgm:whole/>
+  <dgm:extLst>
+    <a:ext uri="http://schemas.microsoft.com/office/drawing/2008/diagram">
+      <dsp:dataModelExt xmlns:dsp="http://schemas.microsoft.com/office/drawing/2008/diagram" relId="rId8" minVer="http://schemas.openxmlformats.org/drawingml/2006/diagram"/>
+    </a:ext>
+  </dgm:extLst>
+</dgm:dataModel>
+</file>
+
+<file path=ppt/diagrams/drawing1.xml><?xml version="1.0" encoding="utf-8"?>
+<dsp:drawing xmlns:dgm="http://schemas.openxmlformats.org/drawingml/2006/diagram" xmlns:dsp="http://schemas.microsoft.com/office/drawing/2008/diagram" xmlns:a="http://schemas.openxmlformats.org/drawingml/2006/main">
+  <dsp:spTree>
+    <dsp:nvGrpSpPr>
+      <dsp:cNvPr id="0" name=""/>
+      <dsp:cNvGrpSpPr/>
+    </dsp:nvGrpSpPr>
+    <dsp:grpSpPr/>
+    <dsp:sp modelId="{20C79A6C-5471-4240-99C8-67F5566DBDF3}">
+      <dsp:nvSpPr>
+        <dsp:cNvPr id="0" name=""/>
+        <dsp:cNvSpPr/>
+      </dsp:nvSpPr>
+      <dsp:spPr>
+        <a:xfrm>
+          <a:off x="4601792" y="1411915"/>
+          <a:ext cx="1347033" cy="1347033"/>
+        </a:xfrm>
+        <a:prstGeom prst="roundRect">
+          <a:avLst/>
+        </a:prstGeom>
+        <a:solidFill>
+          <a:srgbClr val="72358B"/>
+        </a:solidFill>
+        <a:ln w="12700" cap="flat" cmpd="sng" algn="ctr">
+          <a:solidFill>
+            <a:schemeClr val="lt1">
+              <a:hueOff val="0"/>
+              <a:satOff val="0"/>
+              <a:lumOff val="0"/>
+              <a:alphaOff val="0"/>
+            </a:schemeClr>
+          </a:solidFill>
+          <a:prstDash val="solid"/>
+          <a:miter lim="800000"/>
+        </a:ln>
+        <a:effectLst/>
+      </dsp:spPr>
+      <dsp:style>
+        <a:lnRef idx="2">
+          <a:scrgbClr r="0" g="0" b="0"/>
+        </a:lnRef>
+        <a:fillRef idx="1">
+          <a:scrgbClr r="0" g="0" b="0"/>
+        </a:fillRef>
+        <a:effectRef idx="0">
+          <a:scrgbClr r="0" g="0" b="0"/>
+        </a:effectRef>
+        <a:fontRef idx="minor">
+          <a:schemeClr val="lt1"/>
+        </a:fontRef>
+      </dsp:style>
+      <dsp:txBody>
+        <a:bodyPr spcFirstLastPara="0" vert="horz" wrap="square" lIns="45720" tIns="45720" rIns="45720" bIns="45720" numCol="1" spcCol="1270" anchor="ctr" anchorCtr="0">
+          <a:noAutofit/>
+        </a:bodyPr>
+        <a:lstStyle/>
+        <a:p>
+          <a:pPr marL="0" lvl="0" indent="0" algn="ctr" defTabSz="800100">
+            <a:lnSpc>
+              <a:spcPct val="90000"/>
+            </a:lnSpc>
+            <a:spcBef>
+              <a:spcPct val="0"/>
+            </a:spcBef>
+            <a:spcAft>
+              <a:spcPct val="35000"/>
+            </a:spcAft>
+            <a:buNone/>
+          </a:pPr>
+          <a:r>
+            <a:rPr lang="de-DE" sz="1800" b="1" kern="1200" dirty="0"/>
+            <a:t>Unsere</a:t>
+          </a:r>
+        </a:p>
+        <a:p>
+          <a:pPr marL="0" lvl="0" indent="0" algn="ctr" defTabSz="800100">
+            <a:lnSpc>
+              <a:spcPct val="90000"/>
+            </a:lnSpc>
+            <a:spcBef>
+              <a:spcPct val="0"/>
+            </a:spcBef>
+            <a:spcAft>
+              <a:spcPct val="35000"/>
+            </a:spcAft>
+            <a:buNone/>
+          </a:pPr>
+          <a:r>
+            <a:rPr lang="de-DE" sz="1800" b="1" kern="1200" dirty="0"/>
+            <a:t>Neukunden</a:t>
+          </a:r>
+        </a:p>
+      </dsp:txBody>
+      <dsp:txXfrm>
+        <a:off x="4667549" y="1477672"/>
+        <a:ext cx="1215519" cy="1215519"/>
+      </dsp:txXfrm>
+    </dsp:sp>
+    <dsp:sp modelId="{0DF181DC-6A37-41E8-969D-16487EFBCD28}">
+      <dsp:nvSpPr>
+        <dsp:cNvPr id="0" name=""/>
+        <dsp:cNvSpPr/>
+      </dsp:nvSpPr>
+      <dsp:spPr>
+        <a:xfrm rot="17390356">
+          <a:off x="5189375" y="943545"/>
+          <a:ext cx="995845" cy="0"/>
+        </a:xfrm>
+        <a:custGeom>
+          <a:avLst/>
+          <a:gdLst/>
+          <a:ahLst/>
+          <a:cxnLst/>
+          <a:rect l="0" t="0" r="0" b="0"/>
+          <a:pathLst>
+            <a:path>
+              <a:moveTo>
+                <a:pt x="0" y="0"/>
+              </a:moveTo>
+              <a:lnTo>
+                <a:pt x="995845" y="0"/>
+              </a:lnTo>
+            </a:path>
+          </a:pathLst>
+        </a:custGeom>
+        <a:noFill/>
+        <a:ln w="12700" cap="flat" cmpd="sng" algn="ctr">
+          <a:solidFill>
+            <a:schemeClr val="accent1">
+              <a:shade val="60000"/>
+              <a:hueOff val="0"/>
+              <a:satOff val="0"/>
+              <a:lumOff val="0"/>
+              <a:alphaOff val="0"/>
+            </a:schemeClr>
+          </a:solidFill>
+          <a:prstDash val="solid"/>
+          <a:miter lim="800000"/>
+        </a:ln>
+        <a:effectLst/>
+      </dsp:spPr>
+      <dsp:style>
+        <a:lnRef idx="2">
+          <a:scrgbClr r="0" g="0" b="0"/>
+        </a:lnRef>
+        <a:fillRef idx="0">
+          <a:scrgbClr r="0" g="0" b="0"/>
+        </a:fillRef>
+        <a:effectRef idx="0">
+          <a:scrgbClr r="0" g="0" b="0"/>
+        </a:effectRef>
+        <a:fontRef idx="minor"/>
+      </dsp:style>
+    </dsp:sp>
+    <dsp:sp modelId="{D7BF8338-80C7-46DA-902F-CEE69541CC95}">
+      <dsp:nvSpPr>
+        <dsp:cNvPr id="0" name=""/>
+        <dsp:cNvSpPr/>
+      </dsp:nvSpPr>
+      <dsp:spPr>
+        <a:xfrm>
+          <a:off x="5184725" y="136480"/>
+          <a:ext cx="1465319" cy="338694"/>
+        </a:xfrm>
+        <a:prstGeom prst="roundRect">
+          <a:avLst/>
+        </a:prstGeom>
+        <a:solidFill>
+          <a:schemeClr val="bg2">
+            <a:lumMod val="75000"/>
+          </a:schemeClr>
+        </a:solidFill>
+        <a:ln w="12700" cap="flat" cmpd="sng" algn="ctr">
+          <a:solidFill>
+            <a:schemeClr val="lt1">
+              <a:hueOff val="0"/>
+              <a:satOff val="0"/>
+              <a:lumOff val="0"/>
+              <a:alphaOff val="0"/>
+            </a:schemeClr>
+          </a:solidFill>
+          <a:prstDash val="solid"/>
+          <a:miter lim="800000"/>
+        </a:ln>
+        <a:effectLst/>
+      </dsp:spPr>
+      <dsp:style>
+        <a:lnRef idx="2">
+          <a:scrgbClr r="0" g="0" b="0"/>
+        </a:lnRef>
+        <a:fillRef idx="1">
+          <a:scrgbClr r="0" g="0" b="0"/>
+        </a:fillRef>
+        <a:effectRef idx="0">
+          <a:scrgbClr r="0" g="0" b="0"/>
+        </a:effectRef>
+        <a:fontRef idx="minor">
+          <a:schemeClr val="lt1"/>
+        </a:fontRef>
+      </dsp:style>
+      <dsp:txBody>
+        <a:bodyPr spcFirstLastPara="0" vert="horz" wrap="square" lIns="40640" tIns="40640" rIns="40640" bIns="40640" numCol="1" spcCol="1270" anchor="ctr" anchorCtr="0">
+          <a:noAutofit/>
+        </a:bodyPr>
+        <a:lstStyle/>
+        <a:p>
+          <a:pPr marL="0" lvl="0" indent="0" algn="ctr" defTabSz="711200">
+            <a:lnSpc>
+              <a:spcPct val="90000"/>
+            </a:lnSpc>
+            <a:spcBef>
+              <a:spcPct val="0"/>
+            </a:spcBef>
+            <a:spcAft>
+              <a:spcPct val="35000"/>
+            </a:spcAft>
+            <a:buNone/>
+          </a:pPr>
+          <a:r>
+            <a:rPr lang="de-DE" sz="1600" kern="1200" dirty="0"/>
+            <a:t>Alter: 18-25</a:t>
+          </a:r>
+        </a:p>
+      </dsp:txBody>
+      <dsp:txXfrm>
+        <a:off x="5201259" y="153014"/>
+        <a:ext cx="1432251" cy="305626"/>
+      </dsp:txXfrm>
+    </dsp:sp>
+    <dsp:sp modelId="{E6085D85-883D-4401-81E4-AD69A7618A71}">
+      <dsp:nvSpPr>
+        <dsp:cNvPr id="0" name=""/>
+        <dsp:cNvSpPr/>
+      </dsp:nvSpPr>
+      <dsp:spPr>
+        <a:xfrm rot="20617765">
+          <a:off x="5905336" y="1585229"/>
+          <a:ext cx="2145488" cy="0"/>
+        </a:xfrm>
+        <a:custGeom>
+          <a:avLst/>
+          <a:gdLst/>
+          <a:ahLst/>
+          <a:cxnLst/>
+          <a:rect l="0" t="0" r="0" b="0"/>
+          <a:pathLst>
+            <a:path>
+              <a:moveTo>
+                <a:pt x="0" y="0"/>
+              </a:moveTo>
+              <a:lnTo>
+                <a:pt x="2145488" y="0"/>
+              </a:lnTo>
+            </a:path>
+          </a:pathLst>
+        </a:custGeom>
+        <a:noFill/>
+        <a:ln w="12700" cap="flat" cmpd="sng" algn="ctr">
+          <a:solidFill>
+            <a:schemeClr val="accent1">
+              <a:shade val="60000"/>
+              <a:hueOff val="0"/>
+              <a:satOff val="0"/>
+              <a:lumOff val="0"/>
+              <a:alphaOff val="0"/>
+            </a:schemeClr>
+          </a:solidFill>
+          <a:prstDash val="solid"/>
+          <a:miter lim="800000"/>
+        </a:ln>
+        <a:effectLst/>
+      </dsp:spPr>
+      <dsp:style>
+        <a:lnRef idx="2">
+          <a:scrgbClr r="0" g="0" b="0"/>
+        </a:lnRef>
+        <a:fillRef idx="0">
+          <a:scrgbClr r="0" g="0" b="0"/>
+        </a:fillRef>
+        <a:effectRef idx="0">
+          <a:scrgbClr r="0" g="0" b="0"/>
+        </a:effectRef>
+        <a:fontRef idx="minor"/>
+      </dsp:style>
+    </dsp:sp>
+    <dsp:sp modelId="{2B8F4607-767B-4C13-AE80-E5C9EC7E6F82}">
+      <dsp:nvSpPr>
+        <dsp:cNvPr id="0" name=""/>
+        <dsp:cNvSpPr/>
+      </dsp:nvSpPr>
+      <dsp:spPr>
+        <a:xfrm>
+          <a:off x="6722815" y="981275"/>
+          <a:ext cx="3595737" cy="301601"/>
+        </a:xfrm>
+        <a:prstGeom prst="roundRect">
+          <a:avLst/>
+        </a:prstGeom>
+        <a:solidFill>
+          <a:schemeClr val="bg2">
+            <a:lumMod val="75000"/>
+          </a:schemeClr>
+        </a:solidFill>
+        <a:ln w="12700" cap="flat" cmpd="sng" algn="ctr">
+          <a:solidFill>
+            <a:schemeClr val="lt1">
+              <a:hueOff val="0"/>
+              <a:satOff val="0"/>
+              <a:lumOff val="0"/>
+              <a:alphaOff val="0"/>
+            </a:schemeClr>
+          </a:solidFill>
+          <a:prstDash val="solid"/>
+          <a:miter lim="800000"/>
+        </a:ln>
+        <a:effectLst/>
+      </dsp:spPr>
+      <dsp:style>
+        <a:lnRef idx="2">
+          <a:scrgbClr r="0" g="0" b="0"/>
+        </a:lnRef>
+        <a:fillRef idx="1">
+          <a:scrgbClr r="0" g="0" b="0"/>
+        </a:fillRef>
+        <a:effectRef idx="0">
+          <a:scrgbClr r="0" g="0" b="0"/>
+        </a:effectRef>
+        <a:fontRef idx="minor">
+          <a:schemeClr val="lt1"/>
+        </a:fontRef>
+      </dsp:style>
+      <dsp:txBody>
+        <a:bodyPr spcFirstLastPara="0" vert="horz" wrap="square" lIns="35560" tIns="35560" rIns="35560" bIns="35560" numCol="1" spcCol="1270" anchor="ctr" anchorCtr="0">
+          <a:noAutofit/>
+        </a:bodyPr>
+        <a:lstStyle/>
+        <a:p>
+          <a:pPr marL="0" lvl="0" indent="0" algn="ctr" defTabSz="622300">
+            <a:lnSpc>
+              <a:spcPct val="90000"/>
+            </a:lnSpc>
+            <a:spcBef>
+              <a:spcPct val="0"/>
+            </a:spcBef>
+            <a:spcAft>
+              <a:spcPct val="35000"/>
+            </a:spcAft>
+            <a:buNone/>
+          </a:pPr>
+          <a:r>
+            <a:rPr lang="de-DE" sz="1400" kern="1200" dirty="0"/>
+            <a:t>eher unerfahren mit Finanzgeschäften</a:t>
+          </a:r>
+        </a:p>
+      </dsp:txBody>
+      <dsp:txXfrm>
+        <a:off x="6737538" y="995998"/>
+        <a:ext cx="3566291" cy="272155"/>
+      </dsp:txXfrm>
+    </dsp:sp>
+    <dsp:sp modelId="{81314F37-A56E-4CD8-BA5C-915FBC0533DD}">
+      <dsp:nvSpPr>
+        <dsp:cNvPr id="0" name=""/>
+        <dsp:cNvSpPr/>
+      </dsp:nvSpPr>
+      <dsp:spPr>
+        <a:xfrm rot="1266868">
+          <a:off x="5893385" y="2642992"/>
+          <a:ext cx="1651576" cy="0"/>
+        </a:xfrm>
+        <a:custGeom>
+          <a:avLst/>
+          <a:gdLst/>
+          <a:ahLst/>
+          <a:cxnLst/>
+          <a:rect l="0" t="0" r="0" b="0"/>
+          <a:pathLst>
+            <a:path>
+              <a:moveTo>
+                <a:pt x="0" y="0"/>
+              </a:moveTo>
+              <a:lnTo>
+                <a:pt x="1651576" y="0"/>
+              </a:lnTo>
+            </a:path>
+          </a:pathLst>
+        </a:custGeom>
+        <a:noFill/>
+        <a:ln w="12700" cap="flat" cmpd="sng" algn="ctr">
+          <a:solidFill>
+            <a:schemeClr val="accent1">
+              <a:shade val="60000"/>
+              <a:hueOff val="0"/>
+              <a:satOff val="0"/>
+              <a:lumOff val="0"/>
+              <a:alphaOff val="0"/>
+            </a:schemeClr>
+          </a:solidFill>
+          <a:prstDash val="solid"/>
+          <a:miter lim="800000"/>
+        </a:ln>
+        <a:effectLst/>
+      </dsp:spPr>
+      <dsp:style>
+        <a:lnRef idx="2">
+          <a:scrgbClr r="0" g="0" b="0"/>
+        </a:lnRef>
+        <a:fillRef idx="0">
+          <a:scrgbClr r="0" g="0" b="0"/>
+        </a:fillRef>
+        <a:effectRef idx="0">
+          <a:scrgbClr r="0" g="0" b="0"/>
+        </a:effectRef>
+        <a:fontRef idx="minor"/>
+      </dsp:style>
+    </dsp:sp>
+    <dsp:sp modelId="{AE8871E5-88E6-4A6C-9C8C-BA41C255D0DB}">
+      <dsp:nvSpPr>
+        <dsp:cNvPr id="0" name=""/>
+        <dsp:cNvSpPr/>
+      </dsp:nvSpPr>
+      <dsp:spPr>
+        <a:xfrm>
+          <a:off x="6491203" y="2940467"/>
+          <a:ext cx="3349242" cy="522320"/>
+        </a:xfrm>
+        <a:prstGeom prst="roundRect">
+          <a:avLst/>
+        </a:prstGeom>
+        <a:solidFill>
+          <a:schemeClr val="bg2">
+            <a:lumMod val="75000"/>
+          </a:schemeClr>
+        </a:solidFill>
+        <a:ln w="12700" cap="flat" cmpd="sng" algn="ctr">
+          <a:solidFill>
+            <a:schemeClr val="lt1">
+              <a:hueOff val="0"/>
+              <a:satOff val="0"/>
+              <a:lumOff val="0"/>
+              <a:alphaOff val="0"/>
+            </a:schemeClr>
+          </a:solidFill>
+          <a:prstDash val="solid"/>
+          <a:miter lim="800000"/>
+        </a:ln>
+        <a:effectLst/>
+      </dsp:spPr>
+      <dsp:style>
+        <a:lnRef idx="2">
+          <a:scrgbClr r="0" g="0" b="0"/>
+        </a:lnRef>
+        <a:fillRef idx="1">
+          <a:scrgbClr r="0" g="0" b="0"/>
+        </a:fillRef>
+        <a:effectRef idx="0">
+          <a:scrgbClr r="0" g="0" b="0"/>
+        </a:effectRef>
+        <a:fontRef idx="minor">
+          <a:schemeClr val="lt1"/>
+        </a:fontRef>
+      </dsp:style>
+      <dsp:txBody>
+        <a:bodyPr spcFirstLastPara="0" vert="horz" wrap="square" lIns="35560" tIns="35560" rIns="35560" bIns="35560" numCol="1" spcCol="1270" anchor="ctr" anchorCtr="0">
+          <a:noAutofit/>
+        </a:bodyPr>
+        <a:lstStyle/>
+        <a:p>
+          <a:pPr marL="0" lvl="0" indent="0" algn="ctr" defTabSz="622300">
+            <a:lnSpc>
+              <a:spcPct val="90000"/>
+            </a:lnSpc>
+            <a:spcBef>
+              <a:spcPct val="0"/>
+            </a:spcBef>
+            <a:spcAft>
+              <a:spcPct val="35000"/>
+            </a:spcAft>
+            <a:buNone/>
+          </a:pPr>
+          <a:r>
+            <a:rPr lang="de-DE" sz="1400" kern="1200" dirty="0"/>
+            <a:t>generelles Interesse für unterschiedliche Möglichkeiten der Geldanlagen</a:t>
+          </a:r>
+        </a:p>
+      </dsp:txBody>
+      <dsp:txXfrm>
+        <a:off x="6516701" y="2965965"/>
+        <a:ext cx="3298246" cy="471324"/>
+      </dsp:txXfrm>
+    </dsp:sp>
+    <dsp:sp modelId="{35CB7170-26B4-47D8-AA63-5AA4380BAB0F}">
+      <dsp:nvSpPr>
+        <dsp:cNvPr id="0" name=""/>
+        <dsp:cNvSpPr/>
+      </dsp:nvSpPr>
+      <dsp:spPr>
+        <a:xfrm rot="7027406">
+          <a:off x="4203285" y="3203391"/>
+          <a:ext cx="998716" cy="0"/>
+        </a:xfrm>
+        <a:custGeom>
+          <a:avLst/>
+          <a:gdLst/>
+          <a:ahLst/>
+          <a:cxnLst/>
+          <a:rect l="0" t="0" r="0" b="0"/>
+          <a:pathLst>
+            <a:path>
+              <a:moveTo>
+                <a:pt x="0" y="0"/>
+              </a:moveTo>
+              <a:lnTo>
+                <a:pt x="998716" y="0"/>
+              </a:lnTo>
+            </a:path>
+          </a:pathLst>
+        </a:custGeom>
+        <a:noFill/>
+        <a:ln w="12700" cap="flat" cmpd="sng" algn="ctr">
+          <a:solidFill>
+            <a:schemeClr val="accent1">
+              <a:shade val="60000"/>
+              <a:hueOff val="0"/>
+              <a:satOff val="0"/>
+              <a:lumOff val="0"/>
+              <a:alphaOff val="0"/>
+            </a:schemeClr>
+          </a:solidFill>
+          <a:prstDash val="solid"/>
+          <a:miter lim="800000"/>
+        </a:ln>
+        <a:effectLst/>
+      </dsp:spPr>
+      <dsp:style>
+        <a:lnRef idx="2">
+          <a:scrgbClr r="0" g="0" b="0"/>
+        </a:lnRef>
+        <a:fillRef idx="0">
+          <a:scrgbClr r="0" g="0" b="0"/>
+        </a:fillRef>
+        <a:effectRef idx="0">
+          <a:scrgbClr r="0" g="0" b="0"/>
+        </a:effectRef>
+        <a:fontRef idx="minor"/>
+      </dsp:style>
+    </dsp:sp>
+    <dsp:sp modelId="{E45510DC-4F26-444D-9FE6-CA4BB4A3CFDE}">
+      <dsp:nvSpPr>
+        <dsp:cNvPr id="0" name=""/>
+        <dsp:cNvSpPr/>
+      </dsp:nvSpPr>
+      <dsp:spPr>
+        <a:xfrm>
+          <a:off x="3206716" y="3647833"/>
+          <a:ext cx="2242707" cy="573600"/>
+        </a:xfrm>
+        <a:prstGeom prst="roundRect">
+          <a:avLst/>
+        </a:prstGeom>
+        <a:solidFill>
+          <a:schemeClr val="bg2">
+            <a:lumMod val="75000"/>
+          </a:schemeClr>
+        </a:solidFill>
+        <a:ln w="12700" cap="flat" cmpd="sng" algn="ctr">
+          <a:solidFill>
+            <a:schemeClr val="lt1">
+              <a:hueOff val="0"/>
+              <a:satOff val="0"/>
+              <a:lumOff val="0"/>
+              <a:alphaOff val="0"/>
+            </a:schemeClr>
+          </a:solidFill>
+          <a:prstDash val="solid"/>
+          <a:miter lim="800000"/>
+        </a:ln>
+        <a:effectLst/>
+      </dsp:spPr>
+      <dsp:style>
+        <a:lnRef idx="2">
+          <a:scrgbClr r="0" g="0" b="0"/>
+        </a:lnRef>
+        <a:fillRef idx="1">
+          <a:scrgbClr r="0" g="0" b="0"/>
+        </a:fillRef>
+        <a:effectRef idx="0">
+          <a:scrgbClr r="0" g="0" b="0"/>
+        </a:effectRef>
+        <a:fontRef idx="minor">
+          <a:schemeClr val="lt1"/>
+        </a:fontRef>
+      </dsp:style>
+      <dsp:txBody>
+        <a:bodyPr spcFirstLastPara="0" vert="horz" wrap="square" lIns="38100" tIns="38100" rIns="38100" bIns="38100" numCol="1" spcCol="1270" anchor="ctr" anchorCtr="0">
+          <a:noAutofit/>
+        </a:bodyPr>
+        <a:lstStyle/>
+        <a:p>
+          <a:pPr marL="0" lvl="0" indent="0" algn="ctr" defTabSz="666750">
+            <a:lnSpc>
+              <a:spcPct val="90000"/>
+            </a:lnSpc>
+            <a:spcBef>
+              <a:spcPct val="0"/>
+            </a:spcBef>
+            <a:spcAft>
+              <a:spcPct val="35000"/>
+            </a:spcAft>
+            <a:buNone/>
+          </a:pPr>
+          <a:r>
+            <a:rPr lang="de-DE" sz="1500" kern="1200" dirty="0"/>
+            <a:t>risikofreudig bis sehr sicherheitsbewusst</a:t>
+          </a:r>
+        </a:p>
+      </dsp:txBody>
+      <dsp:txXfrm>
+        <a:off x="3234717" y="3675834"/>
+        <a:ext cx="2186705" cy="517598"/>
+      </dsp:txXfrm>
+    </dsp:sp>
+    <dsp:sp modelId="{D085E0F5-27EE-4022-8770-DF9ABAC046EA}">
+      <dsp:nvSpPr>
+        <dsp:cNvPr id="0" name=""/>
+        <dsp:cNvSpPr/>
+      </dsp:nvSpPr>
+      <dsp:spPr>
+        <a:xfrm rot="10274198">
+          <a:off x="2876029" y="2321492"/>
+          <a:ext cx="1735895" cy="0"/>
+        </a:xfrm>
+        <a:custGeom>
+          <a:avLst/>
+          <a:gdLst/>
+          <a:ahLst/>
+          <a:cxnLst/>
+          <a:rect l="0" t="0" r="0" b="0"/>
+          <a:pathLst>
+            <a:path>
+              <a:moveTo>
+                <a:pt x="0" y="0"/>
+              </a:moveTo>
+              <a:lnTo>
+                <a:pt x="1735895" y="0"/>
+              </a:lnTo>
+            </a:path>
+          </a:pathLst>
+        </a:custGeom>
+        <a:noFill/>
+        <a:ln w="12700" cap="flat" cmpd="sng" algn="ctr">
+          <a:solidFill>
+            <a:schemeClr val="accent1">
+              <a:shade val="60000"/>
+              <a:hueOff val="0"/>
+              <a:satOff val="0"/>
+              <a:lumOff val="0"/>
+              <a:alphaOff val="0"/>
+            </a:schemeClr>
+          </a:solidFill>
+          <a:prstDash val="solid"/>
+          <a:miter lim="800000"/>
+        </a:ln>
+        <a:effectLst/>
+      </dsp:spPr>
+      <dsp:style>
+        <a:lnRef idx="2">
+          <a:scrgbClr r="0" g="0" b="0"/>
+        </a:lnRef>
+        <a:fillRef idx="0">
+          <a:scrgbClr r="0" g="0" b="0"/>
+        </a:fillRef>
+        <a:effectRef idx="0">
+          <a:scrgbClr r="0" g="0" b="0"/>
+        </a:effectRef>
+        <a:fontRef idx="minor"/>
+      </dsp:style>
+    </dsp:sp>
+    <dsp:sp modelId="{36A22287-A849-43A3-9CCE-4FFD0D8AE2F9}">
+      <dsp:nvSpPr>
+        <dsp:cNvPr id="0" name=""/>
+        <dsp:cNvSpPr/>
+      </dsp:nvSpPr>
+      <dsp:spPr>
+        <a:xfrm>
+          <a:off x="1000469" y="2405568"/>
+          <a:ext cx="1885692" cy="387006"/>
+        </a:xfrm>
+        <a:prstGeom prst="roundRect">
+          <a:avLst/>
+        </a:prstGeom>
+        <a:solidFill>
+          <a:schemeClr val="bg2">
+            <a:lumMod val="75000"/>
+          </a:schemeClr>
+        </a:solidFill>
+        <a:ln w="12700" cap="flat" cmpd="sng" algn="ctr">
+          <a:solidFill>
+            <a:schemeClr val="lt1">
+              <a:hueOff val="0"/>
+              <a:satOff val="0"/>
+              <a:lumOff val="0"/>
+              <a:alphaOff val="0"/>
+            </a:schemeClr>
+          </a:solidFill>
+          <a:prstDash val="solid"/>
+          <a:miter lim="800000"/>
+        </a:ln>
+        <a:effectLst/>
+      </dsp:spPr>
+      <dsp:style>
+        <a:lnRef idx="2">
+          <a:scrgbClr r="0" g="0" b="0"/>
+        </a:lnRef>
+        <a:fillRef idx="1">
+          <a:scrgbClr r="0" g="0" b="0"/>
+        </a:fillRef>
+        <a:effectRef idx="0">
+          <a:scrgbClr r="0" g="0" b="0"/>
+        </a:effectRef>
+        <a:fontRef idx="minor">
+          <a:schemeClr val="lt1"/>
+        </a:fontRef>
+      </dsp:style>
+      <dsp:txBody>
+        <a:bodyPr spcFirstLastPara="0" vert="horz" wrap="square" lIns="45720" tIns="45720" rIns="45720" bIns="45720" numCol="1" spcCol="1270" anchor="ctr" anchorCtr="0">
+          <a:noAutofit/>
+        </a:bodyPr>
+        <a:lstStyle/>
+        <a:p>
+          <a:pPr marL="0" lvl="0" indent="0" algn="ctr" defTabSz="800100">
+            <a:lnSpc>
+              <a:spcPct val="90000"/>
+            </a:lnSpc>
+            <a:spcBef>
+              <a:spcPct val="0"/>
+            </a:spcBef>
+            <a:spcAft>
+              <a:spcPct val="35000"/>
+            </a:spcAft>
+            <a:buNone/>
+          </a:pPr>
+          <a:r>
+            <a:rPr lang="de-DE" sz="1800" kern="1200" dirty="0"/>
+            <a:t>Digital Natives</a:t>
+          </a:r>
+        </a:p>
+      </dsp:txBody>
+      <dsp:txXfrm>
+        <a:off x="1019361" y="2424460"/>
+        <a:ext cx="1847908" cy="349222"/>
+      </dsp:txXfrm>
+    </dsp:sp>
+    <dsp:sp modelId="{938B87D1-4A17-460D-B225-E60EF2711E18}">
+      <dsp:nvSpPr>
+        <dsp:cNvPr id="0" name=""/>
+        <dsp:cNvSpPr/>
+      </dsp:nvSpPr>
+      <dsp:spPr>
+        <a:xfrm rot="11897849">
+          <a:off x="1927037" y="1431960"/>
+          <a:ext cx="2744128" cy="0"/>
+        </a:xfrm>
+        <a:custGeom>
+          <a:avLst/>
+          <a:gdLst/>
+          <a:ahLst/>
+          <a:cxnLst/>
+          <a:rect l="0" t="0" r="0" b="0"/>
+          <a:pathLst>
+            <a:path>
+              <a:moveTo>
+                <a:pt x="0" y="0"/>
+              </a:moveTo>
+              <a:lnTo>
+                <a:pt x="2744128" y="0"/>
+              </a:lnTo>
+            </a:path>
+          </a:pathLst>
+        </a:custGeom>
+        <a:noFill/>
+        <a:ln w="12700" cap="flat" cmpd="sng" algn="ctr">
+          <a:solidFill>
+            <a:schemeClr val="accent1">
+              <a:shade val="60000"/>
+              <a:hueOff val="0"/>
+              <a:satOff val="0"/>
+              <a:lumOff val="0"/>
+              <a:alphaOff val="0"/>
+            </a:schemeClr>
+          </a:solidFill>
+          <a:prstDash val="solid"/>
+          <a:miter lim="800000"/>
+        </a:ln>
+        <a:effectLst/>
+      </dsp:spPr>
+      <dsp:style>
+        <a:lnRef idx="2">
+          <a:scrgbClr r="0" g="0" b="0"/>
+        </a:lnRef>
+        <a:fillRef idx="0">
+          <a:scrgbClr r="0" g="0" b="0"/>
+        </a:fillRef>
+        <a:effectRef idx="0">
+          <a:scrgbClr r="0" g="0" b="0"/>
+        </a:effectRef>
+        <a:fontRef idx="minor"/>
+      </dsp:style>
+    </dsp:sp>
+    <dsp:sp modelId="{87A63E13-7F97-441E-A80B-C2878CFCAF22}">
+      <dsp:nvSpPr>
+        <dsp:cNvPr id="0" name=""/>
+        <dsp:cNvSpPr/>
+      </dsp:nvSpPr>
+      <dsp:spPr>
+        <a:xfrm>
+          <a:off x="129620" y="486226"/>
+          <a:ext cx="2176210" cy="514973"/>
+        </a:xfrm>
+        <a:prstGeom prst="roundRect">
+          <a:avLst/>
+        </a:prstGeom>
+        <a:solidFill>
+          <a:schemeClr val="bg2">
+            <a:lumMod val="75000"/>
+          </a:schemeClr>
+        </a:solidFill>
+        <a:ln w="12700" cap="flat" cmpd="sng" algn="ctr">
+          <a:solidFill>
+            <a:schemeClr val="lt1">
+              <a:hueOff val="0"/>
+              <a:satOff val="0"/>
+              <a:lumOff val="0"/>
+              <a:alphaOff val="0"/>
+            </a:schemeClr>
+          </a:solidFill>
+          <a:prstDash val="solid"/>
+          <a:miter lim="800000"/>
+        </a:ln>
+        <a:effectLst/>
+      </dsp:spPr>
+      <dsp:style>
+        <a:lnRef idx="2">
+          <a:scrgbClr r="0" g="0" b="0"/>
+        </a:lnRef>
+        <a:fillRef idx="1">
+          <a:scrgbClr r="0" g="0" b="0"/>
+        </a:fillRef>
+        <a:effectRef idx="0">
+          <a:scrgbClr r="0" g="0" b="0"/>
+        </a:effectRef>
+        <a:fontRef idx="minor">
+          <a:schemeClr val="lt1"/>
+        </a:fontRef>
+      </dsp:style>
+      <dsp:txBody>
+        <a:bodyPr spcFirstLastPara="0" vert="horz" wrap="square" lIns="30480" tIns="30480" rIns="30480" bIns="30480" numCol="1" spcCol="1270" anchor="ctr" anchorCtr="0">
+          <a:noAutofit/>
+        </a:bodyPr>
+        <a:lstStyle/>
+        <a:p>
+          <a:pPr marL="0" lvl="0" indent="0" algn="ctr" defTabSz="533400">
+            <a:lnSpc>
+              <a:spcPct val="90000"/>
+            </a:lnSpc>
+            <a:spcBef>
+              <a:spcPct val="0"/>
+            </a:spcBef>
+            <a:spcAft>
+              <a:spcPct val="35000"/>
+            </a:spcAft>
+            <a:buNone/>
+          </a:pPr>
+          <a:r>
+            <a:rPr lang="de-DE" sz="1200" kern="1200" dirty="0"/>
+            <a:t>geringes bis mittleres Budget</a:t>
+          </a:r>
+        </a:p>
+        <a:p>
+          <a:pPr marL="0" lvl="0" indent="0" algn="ctr" defTabSz="533400">
+            <a:lnSpc>
+              <a:spcPct val="90000"/>
+            </a:lnSpc>
+            <a:spcBef>
+              <a:spcPct val="0"/>
+            </a:spcBef>
+            <a:spcAft>
+              <a:spcPct val="35000"/>
+            </a:spcAft>
+            <a:buNone/>
+          </a:pPr>
+          <a:r>
+            <a:rPr lang="de-DE" sz="1200" kern="1200" dirty="0"/>
+            <a:t>(25-200€ pro Monat)</a:t>
+          </a:r>
+        </a:p>
+      </dsp:txBody>
+      <dsp:txXfrm>
+        <a:off x="154759" y="511365"/>
+        <a:ext cx="2125932" cy="464695"/>
+      </dsp:txXfrm>
+    </dsp:sp>
+  </dsp:spTree>
+</dsp:drawing>
+</file>
+
+<file path=ppt/diagrams/layout1.xml><?xml version="1.0" encoding="utf-8"?>
+<dgm:layoutDef xmlns:dgm="http://schemas.openxmlformats.org/drawingml/2006/diagram" xmlns:a="http://schemas.openxmlformats.org/drawingml/2006/main" uniqueId="urn:microsoft.com/office/officeart/2008/layout/RadialCluster">
+  <dgm:title val=""/>
+  <dgm:desc val=""/>
+  <dgm:catLst>
+    <dgm:cat type="relationship" pri="19500"/>
+    <dgm:cat type="cycle" pri="15000"/>
+  </dgm:catLst>
+  <dgm:sampData>
+    <dgm:dataModel>
+      <dgm:ptLst>
+        <dgm:pt modelId="0" type="doc"/>
+        <dgm:pt modelId="1">
+          <dgm:prSet phldr="1"/>
+        </dgm:pt>
+        <dgm:pt modelId="11">
+          <dgm:prSet phldr="1"/>
+        </dgm:pt>
+        <dgm:pt modelId="12">
+          <dgm:prSet phldr="1"/>
+        </dgm:pt>
+        <dgm:pt modelId="13">
+          <dgm:prSet phldr="1"/>
+        </dgm:pt>
+      </dgm:ptLst>
+      <dgm:cxnLst>
+        <dgm:cxn modelId="2" srcId="0" destId="1" srcOrd="0" destOrd="0"/>
+        <dgm:cxn modelId="3" srcId="1" destId="11" srcOrd="0" destOrd="0"/>
+        <dgm:cxn modelId="4" srcId="1" destId="12" srcOrd="1" destOrd="0"/>
+        <dgm:cxn modelId="5" srcId="1" destId="13" srcOrd="2" destOrd="0"/>
+      </dgm:cxnLst>
+      <dgm:bg/>
+      <dgm:whole/>
+    </dgm:dataModel>
+  </dgm:sampData>
+  <dgm:styleData useDef="1">
+    <dgm:dataModel>
+      <dgm:ptLst/>
+      <dgm:bg/>
+      <dgm:whole/>
+    </dgm:dataModel>
+  </dgm:styleData>
+  <dgm:clrData useDef="1">
+    <dgm:dataModel>
+      <dgm:ptLst/>
+      <dgm:bg/>
+      <dgm:whole/>
+    </dgm:dataModel>
+  </dgm:clrData>
+  <dgm:layoutNode name="Name0">
+    <dgm:varLst>
+      <dgm:chMax val="1"/>
+      <dgm:chPref val="1"/>
+      <dgm:dir/>
+      <dgm:animOne val="branch"/>
+      <dgm:animLvl val="lvl"/>
+    </dgm:varLst>
+    <dgm:alg type="composite">
+      <dgm:param type="ar" val="1.00"/>
+    </dgm:alg>
+    <dgm:shape xmlns:r="http://schemas.openxmlformats.org/officeDocument/2006/relationships" r:blip="">
+      <dgm:adjLst/>
+    </dgm:shape>
+    <dgm:choose name="Name1">
+      <dgm:if name="Name2" func="var" arg="dir" op="equ" val="norm">
+        <dgm:choose name="Name3">
+          <dgm:if name="Name4" axis="ch ch" ptType="node node" cnt="1 0" func="cnt" op="equ" val="1">
+            <dgm:constrLst>
+              <dgm:constr type="l" for="ch" forName="textCenter"/>
+              <dgm:constr type="ctrY" for="ch" forName="textCenter" refType="h" fact="0.5"/>
+              <dgm:constr type="w" for="ch" forName="textCenter" refType="w" fact="0.32"/>
+              <dgm:constr type="h" for="ch" forName="textCenter" refType="w" refFor="ch" refForName="textCenter"/>
+              <dgm:constr type="r" for="ch" forName="cycle_1" refType="w"/>
+              <dgm:constr type="ctrY" for="ch" forName="cycle_1" refType="h" fact="0.5"/>
+              <dgm:constr type="w" for="ch" forName="cycle_1" refType="w" fact="0.56"/>
+              <dgm:constr type="h" for="ch" forName="cycle_1" refType="h"/>
+              <dgm:constr type="primFontSz" for="ch" forName="textCenter" val="65"/>
+              <dgm:constr type="primFontSz" for="des" forName="childCenter1" val="65"/>
+              <dgm:constr type="primFontSz" for="des" forName="text1" op="equ" val="65"/>
+              <dgm:constr type="userS" for="des" ptType="node" refType="w" refFor="ch" refForName="textCenter" fact="0.67"/>
+            </dgm:constrLst>
+          </dgm:if>
+          <dgm:if name="Name5" axis="ch ch" ptType="node node" cnt="1 0" func="cnt" op="equ" val="2">
+            <dgm:constrLst>
+              <dgm:constr type="ctrX" for="ch" forName="textCenter" refType="w" fact="0.5"/>
+              <dgm:constr type="ctrY" for="ch" forName="textCenter" refType="h" fact="0.5"/>
+              <dgm:constr type="w" for="ch" forName="textCenter" refType="w" fact="0.25"/>
+              <dgm:constr type="h" for="ch" forName="textCenter" refType="w" refFor="ch" refForName="textCenter"/>
+              <dgm:constr type="ctrX" for="ch" forName="cycle_1" refType="w" fact="0.5"/>
+              <dgm:constr type="t" for="ch" forName="cycle_1"/>
+              <dgm:constr type="w" for="ch" forName="cycle_1" refType="w"/>
+              <dgm:constr type="h" for="ch" forName="cycle_1" refType="h" fact="0.34"/>
+              <dgm:constr type="ctrX" for="ch" forName="cycle_2" refType="w" fact="0.5"/>
+              <dgm:constr type="b" for="ch" forName="cycle_2" refType="h"/>
+              <dgm:constr type="w" for="ch" forName="cycle_2" refType="w"/>
+              <dgm:constr type="h" for="ch" forName="cycle_2" refType="h" fact="0.34"/>
+              <dgm:constr type="primFontSz" for="ch" forName="textCenter" val="65"/>
+              <dgm:constr type="primFontSz" for="des" forName="childCenter1" val="65"/>
+              <dgm:constr type="primFontSz" for="des" forName="text1" op="equ" val="65"/>
+              <dgm:constr type="primFontSz" for="des" forName="childCenter2" refType="primFontSz" refFor="des" refForName="childCenter1" op="equ"/>
+              <dgm:constr type="primFontSz" for="des" forName="text2" refType="primFontSz" refFor="des" refForName="text1" op="equ"/>
+              <dgm:constr type="userS" for="des" ptType="node" refType="w" refFor="ch" refForName="textCenter" fact="0.67"/>
+            </dgm:constrLst>
+          </dgm:if>
+          <dgm:if name="Name6" axis="ch ch" ptType="node node" cnt="1 0" func="cnt" op="equ" val="3">
+            <dgm:choose name="Name7">
+              <dgm:if name="Name8" axis="ch ch ch" ptType="node node node" st="1 2 0" cnt="1 1 0" func="cnt" op="equ" val="1">
+                <dgm:choose name="Name9">
+                  <dgm:if name="Name10" axis="ch ch ch" ptType="node node node" st="1 3 0" cnt="1 1 0" func="cnt" op="equ" val="1">
+                    <dgm:constrLst>
+                      <dgm:constr type="ctrX" for="ch" forName="textCenter" refType="w" fact="0.5"/>
+                      <dgm:constr type="t" for="ch" forName="textCenter" refType="h" fact="0.436"/>
+                      <dgm:constr type="w" for="ch" forName="textCenter" refType="w" fact="0.21"/>
+                      <dgm:constr type="h" for="ch" forName="textCenter" refType="w" refFor="ch" refForName="textCenter"/>
+                      <dgm:constr type="ctrX" for="ch" forName="cycle_1" refType="w" fact="0.5"/>
+                      <dgm:constr type="t" for="ch" forName="cycle_1"/>
+                      <dgm:constr type="w" for="ch" forName="cycle_1" refType="w" fact="0.61"/>
+                      <dgm:constr type="h" for="ch" forName="cycle_1" refType="h" fact="0.36"/>
+                      <dgm:constr type="diam" for="ch" forName="cycle_1" refType="w" fact="0.5"/>
+                      <dgm:constr type="r" for="ch" forName="cycle_2" refType="w"/>
+                      <dgm:constr type="b" for="ch" forName="cycle_2" refType="h" fact="0.85"/>
+                      <dgm:constr type="w" for="ch" forName="cycle_2" refType="w" fact="0.46"/>
+                      <dgm:constr type="h" for="ch" forName="cycle_2" refType="h" fact="0.54"/>
+                      <dgm:constr type="diam" for="ch" forName="cycle_2" refType="w" fact="0.5"/>
+                      <dgm:constr type="l" for="ch" forName="cycle_3"/>
+                      <dgm:constr type="b" for="ch" forName="cycle_3" refType="h" fact="0.85"/>
+                      <dgm:constr type="w" for="ch" forName="cycle_3" refType="w" fact="0.46"/>
+                      <dgm:constr type="h" for="ch" forName="cycle_3" refType="h" fact="0.54"/>
+                      <dgm:constr type="diam" for="ch" forName="cycle_3" refType="w" fact="0.5"/>
+                      <dgm:constr type="primFontSz" for="ch" forName="textCenter" val="65"/>
+                      <dgm:constr type="primFontSz" for="des" forName="childCenter1" val="65"/>
+                      <dgm:constr type="primFontSz" for="des" forName="text1" op="equ" val="65"/>
+                      <dgm:constr type="primFontSz" for="des" forName="childCenter2" refType="primFontSz" refFor="des" refForName="childCenter1" op="equ"/>
+                      <dgm:constr type="primFontSz" for="des" forName="text2" refType="primFontSz" refFor="des" refForName="text1" op="equ"/>
+                      <dgm:constr type="primFontSz" for="des" forName="childCenter3" refType="primFontSz" refFor="des" refForName="childCenter1" op="equ"/>
+                      <dgm:constr type="primFontSz" for="des" forName="text3" refType="primFontSz" refFor="des" refForName="text1" op="equ"/>
+                      <dgm:constr type="userS" for="des" ptType="node" refType="w" refFor="ch" refForName="textCenter" fact="0.67"/>
+                    </dgm:constrLst>
+                  </dgm:if>
+                  <dgm:else name="Name11">
+                    <dgm:constrLst>
+                      <dgm:constr type="ctrX" for="ch" forName="textCenter" refType="w" fact="0.5"/>
+                      <dgm:constr type="t" for="ch" forName="textCenter" refType="h" fact="0.436"/>
+                      <dgm:constr type="w" for="ch" forName="textCenter" refType="w" fact="0.21"/>
+                      <dgm:constr type="h" for="ch" forName="textCenter" refType="w" refFor="ch" refForName="textCenter"/>
+                      <dgm:constr type="ctrX" for="ch" forName="cycle_1" refType="w" fact="0.5"/>
+                      <dgm:constr type="t" for="ch" forName="cycle_1"/>
+                      <dgm:constr type="w" for="ch" forName="cycle_1" refType="w" fact="0.61"/>
+                      <dgm:constr type="h" for="ch" forName="cycle_1" refType="h" fact="0.36"/>
+                      <dgm:constr type="diam" for="ch" forName="cycle_1" refType="w" fact="0.5"/>
+                      <dgm:constr type="r" for="ch" forName="cycle_2" refType="w"/>
+                      <dgm:constr type="b" for="ch" forName="cycle_2" refType="h" fact="0.85"/>
+                      <dgm:constr type="w" for="ch" forName="cycle_2" refType="w" fact="0.46"/>
+                      <dgm:constr type="h" for="ch" forName="cycle_2" refType="h" fact="0.54"/>
+                      <dgm:constr type="diam" for="ch" forName="cycle_2" refType="w" fact="0.5"/>
+                      <dgm:constr type="l" for="ch" forName="cycle_3"/>
+                      <dgm:constr type="b" for="ch" forName="cycle_3" refType="h"/>
+                      <dgm:constr type="w" for="ch" forName="cycle_3" refType="w" fact="0.46"/>
+                      <dgm:constr type="h" for="ch" forName="cycle_3" refType="h" fact="0.54"/>
+                      <dgm:constr type="diam" for="ch" forName="cycle_3" refType="w" fact="0.5"/>
+                      <dgm:constr type="primFontSz" for="ch" forName="textCenter" val="65"/>
+                      <dgm:constr type="primFontSz" for="des" forName="childCenter1" val="65"/>
+                      <dgm:constr type="primFontSz" for="des" forName="text1" op="equ" val="65"/>
+                      <dgm:constr type="primFontSz" for="des" forName="childCenter2" refType="primFontSz" refFor="des" refForName="childCenter1" op="equ"/>
+                      <dgm:constr type="primFontSz" for="des" forName="text2" refType="primFontSz" refFor="des" refForName="text1" op="equ"/>
+                      <dgm:constr type="primFontSz" for="des" forName="childCenter3" refType="primFontSz" refFor="des" refForName="childCenter1" op="equ"/>
+                      <dgm:constr type="primFontSz" for="des" forName="text3" refType="primFontSz" refFor="des" refForName="text1" op="equ"/>
+                      <dgm:constr type="userS" for="des" ptType="node" refType="w" refFor="ch" refForName="textCenter" fact="0.67"/>
+                    </dgm:constrLst>
+                  </dgm:else>
+                </dgm:choose>
+              </dgm:if>
+              <dgm:else name="Name12">
+                <dgm:choose name="Name13">
+                  <dgm:if name="Name14" axis="ch ch ch" ptType="node node node" st="1 3 0" cnt="1 1 0" func="cnt" op="equ" val="1">
+                    <dgm:constrLst>
+                      <dgm:constr type="ctrX" for="ch" forName="textCenter" refType="w" fact="0.5"/>
+                      <dgm:constr type="t" for="ch" forName="textCenter" refType="h" fact="0.436"/>
+                      <dgm:constr type="w" for="ch" forName="textCenter" refType="w" fact="0.21"/>
+                      <dgm:constr type="h" for="ch" forName="textCenter" refType="w" refFor="ch" refForName="textCenter"/>
+                      <dgm:constr type="ctrX" for="ch" forName="cycle_1" refType="w" fact="0.5"/>
+                      <dgm:constr type="t" for="ch" forName="cycle_1"/>
+                      <dgm:constr type="w" for="ch" forName="cycle_1" refType="w" fact="0.61"/>
+                      <dgm:constr type="h" for="ch" forName="cycle_1" refType="h" fact="0.36"/>
+                      <dgm:constr type="diam" for="ch" forName="cycle_1" refType="w" fact="0.5"/>
+                      <dgm:constr type="r" for="ch" forName="cycle_2" refType="w"/>
+                      <dgm:constr type="b" for="ch" forName="cycle_2" refType="h"/>
+                      <dgm:constr type="w" for="ch" forName="cycle_2" refType="w" fact="0.46"/>
+                      <dgm:constr type="h" for="ch" forName="cycle_2" refType="h" fact="0.54"/>
+                      <dgm:constr type="diam" for="ch" forName="cycle_2" refType="w" fact="0.5"/>
+                      <dgm:constr type="l" for="ch" forName="cycle_3"/>
+                      <dgm:constr type="b" for="ch" forName="cycle_3" refType="h" fact="0.85"/>
+                      <dgm:constr type="w" for="ch" forName="cycle_3" refType="w" fact="0.46"/>
+                      <dgm:constr type="h" for="ch" forName="cycle_3" refType="h" fact="0.54"/>
+                      <dgm:constr type="diam" for="ch" forName="cycle_3" refType="w" fact="0.5"/>
+                      <dgm:constr type="primFontSz" for="ch" forName="textCenter" val="65"/>
+                      <dgm:constr type="primFontSz" for="des" forName="childCenter1" val="65"/>
+                      <dgm:constr type="primFontSz" for="des" forName="text1" op="equ" val="65"/>
+                      <dgm:constr type="primFontSz" for="des" forName="childCenter2" refType="primFontSz" refFor="des" refForName="childCenter1" op="equ"/>
+                      <dgm:constr type="primFontSz" for="des" forName="text2" refType="primFontSz" refFor="des" refForName="text1" op="equ"/>
+                      <dgm:constr type="primFontSz" for="des" forName="childCenter3" refType="primFontSz" refFor="des" refForName="childCenter1" op="equ"/>
+                      <dgm:constr type="primFontSz" for="des" forName="text3" refType="primFontSz" refFor="des" refForName="text1" op="equ"/>
+                      <dgm:constr type="userS" for="des" ptType="node" refType="w" refFor="ch" refForName="textCenter" fact="0.67"/>
+                    </dgm:constrLst>
+                  </dgm:if>
+                  <dgm:else name="Name15">
+                    <dgm:constrLst>
+                      <dgm:constr type="ctrX" for="ch" forName="textCenter" refType="w" fact="0.5"/>
+                      <dgm:constr type="t" for="ch" forName="textCenter" refType="h" fact="0.436"/>
+                      <dgm:constr type="w" for="ch" forName="textCenter" refType="w" fact="0.21"/>
+                      <dgm:constr type="h" for="ch" forName="textCenter" refType="w" refFor="ch" refForName="textCenter"/>
+                      <dgm:constr type="ctrX" for="ch" forName="cycle_1" refType="w" fact="0.5"/>
+                      <dgm:constr type="t" for="ch" forName="cycle_1"/>
+                      <dgm:constr type="w" for="ch" forName="cycle_1" refType="w" fact="0.61"/>
+                      <dgm:constr type="h" for="ch" forName="cycle_1" refType="h" fact="0.36"/>
+                      <dgm:constr type="diam" for="ch" forName="cycle_1" refType="w" fact="0.5"/>
+                      <dgm:constr type="r" for="ch" forName="cycle_2" refType="w"/>
+                      <dgm:constr type="b" for="ch" forName="cycle_2" refType="h"/>
+                      <dgm:constr type="w" for="ch" forName="cycle_2" refType="w" fact="0.46"/>
+                      <dgm:constr type="h" for="ch" forName="cycle_2" refType="h" fact="0.54"/>
+                      <dgm:constr type="diam" for="ch" forName="cycle_2" refType="w" fact="0.5"/>
+                      <dgm:constr type="l" for="ch" forName="cycle_3"/>
+                      <dgm:constr type="b" for="ch" forName="cycle_3" refType="h"/>
+                      <dgm:constr type="w" for="ch" forName="cycle_3" refType="w" fact="0.46"/>
+                      <dgm:constr type="h" for="ch" forName="cycle_3" refType="h" fact="0.54"/>
+                      <dgm:constr type="diam" for="ch" forName="cycle_3" refType="w" fact="0.5"/>
+                      <dgm:constr type="primFontSz" for="ch" forName="textCenter" val="65"/>
+                      <dgm:constr type="primFontSz" for="des" forName="childCenter1" val="65"/>
+                      <dgm:constr type="primFontSz" for="des" forName="text1" op="equ" val="65"/>
+                      <dgm:constr type="primFontSz" for="des" forName="childCenter2" refType="primFontSz" refFor="des" refForName="childCenter1" op="equ"/>
+                      <dgm:constr type="primFontSz" for="des" forName="text2" refType="primFontSz" refFor="des" refForName="text1" op="equ"/>
+                      <dgm:constr type="primFontSz" for="des" forName="childCenter3" refType="primFontSz" refFor="des" refForName="childCenter1" op="equ"/>
+                      <dgm:constr type="primFontSz" for="des" forName="text3" refType="primFontSz" refFor="des" refForName="text1" op="equ"/>
+                      <dgm:constr type="userS" for="des" ptType="node" refType="w" refFor="ch" refForName="textCenter" fact="0.67"/>
+                    </dgm:constrLst>
+                  </dgm:else>
+                </dgm:choose>
+              </dgm:else>
+            </dgm:choose>
+          </dgm:if>
+          <dgm:if name="Name16" axis="ch ch" ptType="node node" cnt="1 0" func="cnt" op="equ" val="4">
+            <dgm:constrLst>
+              <dgm:constr type="ctrX" for="ch" forName="textCenter" refType="w" fact="0.5"/>
+              <dgm:constr type="ctrY" for="ch" forName="textCenter" refType="h" fact="0.5"/>
+              <dgm:constr type="w" for="ch" forName="textCenter" refType="w" fact="0.2"/>
+              <dgm:constr type="h" for="ch" forName="textCenter" refType="w" refFor="ch" refForName="textCenter"/>
+              <dgm:constr type="ctrX" for="ch" forName="cycle_1" refType="w" fact="0.5"/>
+              <dgm:constr type="t" for="ch" forName="cycle_1"/>
+              <dgm:constr type="w" for="ch" forName="cycle_1" refType="w" fact="0.5"/>
+              <dgm:constr type="h" for="ch" forName="cycle_1" refType="h" fact="0.33"/>
+              <dgm:constr type="r" for="ch" forName="cycle_2" refType="w"/>
+              <dgm:constr type="ctrY" for="ch" forName="cycle_2" refType="h" fact="0.5"/>
+              <dgm:constr type="w" for="ch" forName="cycle_2" refType="w" fact="0.33"/>
+              <dgm:constr type="h" for="ch" forName="cycle_2" refType="h" fact="0.5"/>
+              <dgm:constr type="ctrX" for="ch" forName="cycle_3" refType="w" fact="0.5"/>
+              <dgm:constr type="b" for="ch" forName="cycle_3" refType="h"/>
+              <dgm:constr type="w" for="ch" forName="cycle_3" refType="w" fact="0.5"/>
+              <dgm:constr type="h" for="ch" forName="cycle_3" refType="h" fact="0.33"/>
+              <dgm:constr type="l" for="ch" forName="cycle_4"/>
+              <dgm:constr type="ctrY" for="ch" forName="cycle_4" refType="h" fact="0.5"/>
+              <dgm:constr type="w" for="ch" forName="cycle_4" refType="w" fact="0.33"/>
+              <dgm:constr type="h" for="ch" forName="cycle_4" refType="h" fact="0.5"/>
+              <dgm:constr type="primFontSz" for="ch" forName="textCenter" val="65"/>
+              <dgm:constr type="primFontSz" for="des" forName="childCenter1" val="65"/>
+              <dgm:constr type="primFontSz" for="des" forName="text1" op="equ" val="65"/>
+              <dgm:constr type="primFontSz" for="des" forName="childCenter2" refType="primFontSz" refFor="des" refForName="childCenter1" op="equ"/>
+              <dgm:constr type="primFontSz" for="des" forName="text2" refType="primFontSz" refFor="des" refForName="text1" op="equ"/>
+              <dgm:constr type="primFontSz" for="des" forName="childCenter3" refType="primFontSz" refFor="des" refForName="childCenter1" op="equ"/>
+              <dgm:constr type="primFontSz" for="des" forName="text3" refType="primFontSz" refFor="des" refForName="text1" op="equ"/>
+              <dgm:constr type="primFontSz" for="des" forName="childCenter4" refType="primFontSz" refFor="des" refForName="childCenter1" op="equ"/>
+              <dgm:constr type="primFontSz" for="des" forName="text4" refType="primFontSz" refFor="des" refForName="text1" op="equ"/>
+              <dgm:constr type="userS" for="des" ptType="node" refType="w" refFor="ch" refForName="textCenter" fact="0.67"/>
+            </dgm:constrLst>
+          </dgm:if>
+          <dgm:if name="Name17" axis="ch ch" ptType="node node" cnt="1 0" func="cnt" op="equ" val="5">
+            <dgm:constrLst>
+              <dgm:constr type="ctrX" for="ch" forName="textCenter" refType="w" fact="0.5"/>
+              <dgm:constr type="t" for="ch" forName="textCenter" refType="h" fact="0.42"/>
+              <dgm:constr type="w" for="ch" forName="textCenter" refType="w" fact="0.2"/>
+              <dgm:constr type="h" for="ch" forName="textCenter" refType="w" refFor="ch" refForName="textCenter"/>
+              <dgm:constr type="ctrX" for="ch" forName="cycle_1" refType="w" fact="0.5"/>
+              <dgm:constr type="t" for="ch" forName="cycle_1"/>
+              <dgm:constr type="w" for="ch" forName="cycle_1" refType="w" fact="0.33"/>
+              <dgm:constr type="h" for="ch" forName="cycle_1" refType="w" refFor="ch" refForName="cycle_1"/>
+              <dgm:constr type="r" for="ch" forName="cycle_2" refType="w"/>
+              <dgm:constr type="t" for="ch" forName="cycle_2" refType="h" fact="0.24"/>
+              <dgm:constr type="w" for="ch" forName="cycle_2" refType="w" fact="0.33"/>
+              <dgm:constr type="h" for="ch" forName="cycle_2" refType="w" refFor="ch" refForName="cycle_2"/>
+              <dgm:constr type="r" for="ch" forName="cycle_3" refType="w" fact="0.89"/>
+              <dgm:constr type="b" for="ch" forName="cycle_3" refType="h"/>
+              <dgm:constr type="w" for="ch" forName="cycle_3" refType="w" fact="0.33"/>
+              <dgm:constr type="h" for="ch" forName="cycle_3" refType="w" refFor="ch" refForName="cycle_3"/>
+              <dgm:constr type="l" for="ch" forName="cycle_4" refType="w" fact="0.11"/>
+              <dgm:constr type="b" for="ch" forName="cycle_4" refType="h"/>
+              <dgm:constr type="w" for="ch" forName="cycle_4" refType="w" fact="0.33"/>
+              <dgm:constr type="h" for="ch" forName="cycle_4" refType="w" refFor="ch" refForName="cycle_4"/>
+              <dgm:constr type="l" for="ch" forName="cycle_5"/>
+              <dgm:constr type="t" for="ch" forName="cycle_5" refType="h" fact="0.24"/>
+              <dgm:constr type="w" for="ch" forName="cycle_5" refType="w" fact="0.33"/>
+              <dgm:constr type="h" for="ch" forName="cycle_5" refType="w" refFor="ch" refForName="cycle_5"/>
+              <dgm:constr type="primFontSz" for="ch" forName="textCenter" val="65"/>
+              <dgm:constr type="primFontSz" for="des" forName="childCenter1" val="65"/>
+              <dgm:constr type="primFontSz" for="des" forName="text1" op="equ" val="65"/>
+              <dgm:constr type="primFontSz" for="des" forName="childCenter2" refType="primFontSz" refFor="des" refForName="childCenter1" op="equ"/>
+              <dgm:constr type="primFontSz" for="des" forName="text2" refType="primFontSz" refFor="des" refForName="text1" op="equ"/>
+              <dgm:constr type="primFontSz" for="des" forName="childCenter3" refType="primFontSz" refFor="des" refForName="childCenter1" op="equ"/>
+              <dgm:constr type="primFontSz" for="des" forName="text3" refType="primFontSz" refFor="des" refForName="text1" op="equ"/>
+              <dgm:constr type="primFontSz" for="des" forName="childCenter4" refType="primFontSz" refFor="des" refForName="childCenter1" op="equ"/>
+              <dgm:constr type="primFontSz" for="des" forName="text4" refType="primFontSz" refFor="des" refForName="text1" op="equ"/>
+              <dgm:constr type="primFontSz" for="des" forName="childCenter5" refType="primFontSz" refFor="des" refForName="childCenter1" op="equ"/>
+              <dgm:constr type="primFontSz" for="des" forName="text5" refType="primFontSz" refFor="des" refForName="text1" op="equ"/>
+              <dgm:constr type="userS" for="des" ptType="node" refType="w" refFor="ch" refForName="textCenter" fact="0.67"/>
+            </dgm:constrLst>
+          </dgm:if>
+          <dgm:if name="Name18" axis="ch ch" ptType="node node" cnt="1 0" func="cnt" op="equ" val="6">
+            <dgm:constrLst>
+              <dgm:constr type="ctrX" for="ch" forName="textCenter" refType="w" fact="0.5"/>
+              <dgm:constr type="ctrY" for="ch" forName="textCenter" refType="h" fact="0.5"/>
+              <dgm:constr type="w" for="ch" forName="textCenter" refType="w" fact="0.2"/>
+              <dgm:constr type="h" for="ch" forName="textCenter" refType="w" refFor="ch" refForName="textCenter"/>
+              <dgm:constr type="ctrX" for="ch" forName="cycle_1" refType="w" fact="0.5"/>
+              <dgm:constr type="t" for="ch" forName="cycle_1"/>
+              <dgm:constr type="w" for="ch" forName="cycle_1" refType="w" fact="0.33"/>
+              <dgm:constr type="h" for="ch" forName="cycle_1" refType="w" refFor="ch" refForName="cycle_1"/>
+              <dgm:constr type="r" for="ch" forName="cycle_2" refType="w"/>
+              <dgm:constr type="t" for="ch" forName="cycle_2" refType="h" fact="0.17"/>
+              <dgm:constr type="w" for="ch" forName="cycle_2" refType="w" fact="0.33"/>
+              <dgm:constr type="h" for="ch" forName="cycle_2" refType="w" refFor="ch" refForName="cycle_2"/>
+              <dgm:constr type="r" for="ch" forName="cycle_3" refType="w"/>
+              <dgm:constr type="b" for="ch" forName="cycle_3" refType="h" fact="0.83"/>
+              <dgm:constr type="w" for="ch" forName="cycle_3" refType="w" fact="0.33"/>
+              <dgm:constr type="h" for="ch" forName="cycle_3" refType="w" refFor="ch" refForName="cycle_3"/>
+              <dgm:constr type="ctrX" for="ch" forName="cycle_4" refType="w" fact="0.5"/>
+              <dgm:constr type="b" for="ch" forName="cycle_4" refType="h"/>
+              <dgm:constr type="w" for="ch" forName="cycle_4" refType="w" fact="0.33"/>
+              <dgm:constr type="h" for="ch" forName="cycle_4" refType="w" refFor="ch" refForName="cycle_4"/>
+              <dgm:constr type="l" for="ch" forName="cycle_5"/>
+              <dgm:constr type="b" for="ch" forName="cycle_5" refType="h" fact="0.83"/>
+              <dgm:constr type="w" for="ch" forName="cycle_5" refType="w" fact="0.33"/>
+              <dgm:constr type="h" for="ch" forName="cycle_5" refType="w" refFor="ch" refForName="cycle_5"/>
+              <dgm:constr type="l" for="ch" forName="cycle_6"/>
+              <dgm:constr type="t" for="ch" forName="cycle_6" refType="h" fact="0.17"/>
+              <dgm:constr type="w" for="ch" forName="cycle_6" refType="w" fact="0.33"/>
+              <dgm:constr type="h" for="ch" forName="cycle_6" refType="w" refFor="ch" refForName="cycle_6"/>
+              <dgm:constr type="primFontSz" for="ch" forName="textCenter" val="65"/>
+              <dgm:constr type="primFontSz" for="des" forName="childCenter1" val="65"/>
+              <dgm:constr type="primFontSz" for="des" forName="text1" op="equ" val="65"/>
+              <dgm:constr type="primFontSz" for="des" forName="childCenter2" refType="primFontSz" refFor="des" refForName="childCenter1" op="equ"/>
+              <dgm:constr type="primFontSz" for="des" forName="text2" refType="primFontSz" refFor="des" refForName="text1" op="equ"/>
+              <dgm:constr type="primFontSz" for="des" forName="childCenter3" refType="primFontSz" refFor="des" refForName="childCenter1" op="equ"/>
+              <dgm:constr type="primFontSz" for="des" forName="text3" refType="primFontSz" refFor="des" refForName="text1" op="equ"/>
+              <dgm:constr type="primFontSz" for="des" forName="childCenter4" refType="primFontSz" refFor="des" refForName="childCenter1" op="equ"/>
+              <dgm:constr type="primFontSz" for="des" forName="text4" refType="primFontSz" refFor="des" refForName="text1" op="equ"/>
+              <dgm:constr type="primFontSz" for="des" forName="childCenter5" refType="primFontSz" refFor="des" refForName="childCenter1" op="equ"/>
+              <dgm:constr type="primFontSz" for="des" forName="text5" refType="primFontSz" refFor="des" refForName="text1" op="equ"/>
+              <dgm:constr type="primFontSz" for="des" forName="childCenter6" refType="primFontSz" refFor="des" refForName="childCenter1" op="equ"/>
+              <dgm:constr type="primFontSz" for="des" forName="text6" refType="primFontSz" refFor="des" refForName="text1" op="equ"/>
+              <dgm:constr type="userS" for="des" ptType="node" refType="w" refFor="ch" refForName="textCenter" fact="0.67"/>
+            </dgm:constrLst>
+          </dgm:if>
+          <dgm:else name="Name19">
+            <dgm:constrLst>
+              <dgm:constr type="ctrX" for="ch" forName="textCenter" refType="w" fact="0.5"/>
+              <dgm:constr type="t" for="ch" forName="textCenter" refType="h" fact="0.444"/>
+              <dgm:constr type="w" for="ch" forName="textCenter" refType="w" fact="0.167"/>
+              <dgm:constr type="h" for="ch" forName="textCenter" refType="w" refFor="ch" refForName="textCenter"/>
+              <dgm:constr type="ctrX" for="ch" forName="cycle_1" refType="w" fact="0.5"/>
+              <dgm:constr type="t" for="ch" forName="cycle_1"/>
+              <dgm:constr type="w" for="ch" forName="cycle_1" refType="w" fact="0.263"/>
+              <dgm:constr type="h" for="ch" forName="cycle_1" refType="w" refFor="ch" refForName="cycle_1"/>
+              <dgm:constr type="r" for="ch" forName="cycle_2" refType="w" fact="0.938"/>
+              <dgm:constr type="t" for="ch" forName="cycle_2" refType="h" fact="0.141"/>
+              <dgm:constr type="w" for="ch" forName="cycle_2" refType="w" fact="0.263"/>
+              <dgm:constr type="h" for="ch" forName="cycle_2" refType="w" refFor="ch" refForName="cycle_2"/>
+              <dgm:constr type="r" for="ch" forName="cycle_3" refType="w"/>
+              <dgm:constr type="b" for="ch" forName="cycle_3" refType="h" fact="0.74"/>
+              <dgm:constr type="w" for="ch" forName="cycle_3" refType="w" fact="0.263"/>
+              <dgm:constr type="h" for="ch" forName="cycle_3" refType="w" refFor="ch" refForName="cycle_3"/>
+              <dgm:constr type="r" for="ch" forName="cycle_4" refType="w" fact="0.8"/>
+              <dgm:constr type="b" for="ch" forName="cycle_4" refType="h"/>
+              <dgm:constr type="w" for="ch" forName="cycle_4" refType="w" fact="0.263"/>
+              <dgm:constr type="h" for="ch" forName="cycle_4" refType="w" refFor="ch" refForName="cycle_4"/>
+              <dgm:constr type="l" for="ch" forName="cycle_5" refType="w" fact="0.2"/>
+              <dgm:constr type="b" for="ch" forName="cycle_5" refType="h"/>
+              <dgm:constr type="w" for="ch" forName="cycle_5" refType="w" fact="0.263"/>
+              <dgm:constr type="h" for="ch" forName="cycle_5" refType="w" refFor="ch" refForName="cycle_5"/>
+              <dgm:constr type="l" for="ch" forName="cycle_6"/>
+              <dgm:constr type="b" for="ch" forName="cycle_6" refType="h" fact="0.74"/>
+              <dgm:constr type="w" for="ch" forName="cycle_6" refType="w" fact="0.263"/>
+              <dgm:constr type="h" for="ch" forName="cycle_6" refType="w" refFor="ch" refForName="cycle_6"/>
+              <dgm:constr type="l" for="ch" forName="cycle_7" refType="w" fact="0.062"/>
+              <dgm:constr type="t" for="ch" forName="cycle_7" refType="h" fact="0.141"/>
+              <dgm:constr type="w" for="ch" forName="cycle_7" refType="w" fact="0.263"/>
+              <dgm:constr type="h" for="ch" forName="cycle_7" refType="w" refFor="ch" refForName="cycle_7"/>
+              <dgm:constr type="primFontSz" for="ch" forName="textCenter" val="65"/>
+              <dgm:constr type="primFontSz" for="des" forName="childCenter1" val="65"/>
+              <dgm:constr type="primFontSz" for="des" forName="text1" op="equ" val="65"/>
+              <dgm:constr type="primFontSz" for="des" forName="childCenter2" refType="primFontSz" refFor="des" refForName="childCenter1" op="equ"/>
+              <dgm:constr type="primFontSz" for="des" forName="text2" refType="primFontSz" refFor="des" refForName="text1" op="equ"/>
+              <dgm:constr type="primFontSz" for="des" forName="childCenter3" refType="primFontSz" refFor="des" refForName="childCenter1" op="equ"/>
+              <dgm:constr type="primFontSz" for="des" forName="text3" refType="primFontSz" refFor="des" refForName="text1" op="equ"/>
+              <dgm:constr type="primFontSz" for="des" forName="childCenter4" refType="primFontSz" refFor="des" refForName="childCenter1" op="equ"/>
+              <dgm:constr type="primFontSz" for="des" forName="text4" refType="primFontSz" refFor="des" refForName="text1" op="equ"/>
+              <dgm:constr type="primFontSz" for="des" forName="childCenter5" refType="primFontSz" refFor="des" refForName="childCenter1" op="equ"/>
+              <dgm:constr type="primFontSz" for="des" forName="text5" refType="primFontSz" refFor="des" refForName="text1" op="equ"/>
+              <dgm:constr type="primFontSz" for="des" forName="childCenter6" refType="primFontSz" refFor="des" refForName="childCenter1" op="equ"/>
+              <dgm:constr type="primFontSz" for="des" forName="text6" refType="primFontSz" refFor="des" refForName="text1" op="equ"/>
+              <dgm:constr type="primFontSz" for="des" forName="childCenter7" refType="primFontSz" refFor="des" refForName="childCenter1" op="equ"/>
+              <dgm:constr type="primFontSz" for="des" forName="text7" refType="primFontSz" refFor="des" refForName="text1" op="equ"/>
+              <dgm:constr type="userS" for="des" ptType="node" refType="w" refFor="ch" refForName="textCenter" fact="0.67"/>
+            </dgm:constrLst>
+          </dgm:else>
+        </dgm:choose>
+      </dgm:if>
+      <dgm:else name="Name20">
+        <dgm:choose name="Name21">
+          <dgm:if name="Name22" axis="ch ch" ptType="node node" func="cnt" op="equ" val="1">
+            <dgm:constrLst>
+              <dgm:constr type="r" for="ch" forName="textCenter" refType="w"/>
+              <dgm:constr type="ctrY" for="ch" forName="textCenter" refType="h" fact="0.5"/>
+              <dgm:constr type="w" for="ch" forName="textCenter" refType="w" fact="0.32"/>
+              <dgm:constr type="h" for="ch" forName="textCenter" refType="w" refFor="ch" refForName="textCenter"/>
+              <dgm:constr type="l" for="ch" forName="cycle_1"/>
+              <dgm:constr type="ctrY" for="ch" forName="cycle_1" refType="h" fact="0.5"/>
+              <dgm:constr type="w" for="ch" forName="cycle_1" refType="w" fact="0.56"/>
+              <dgm:constr type="h" for="ch" forName="cycle_1" refType="h"/>
+              <dgm:constr type="primFontSz" for="ch" forName="textCenter" val="65"/>
+              <dgm:constr type="primFontSz" for="des" forName="childCenter1" val="65"/>
+              <dgm:constr type="primFontSz" for="des" forName="text1" op="equ" val="65"/>
+              <dgm:constr type="userS" for="des" ptType="node" refType="w" refFor="ch" refForName="textCenter" fact="0.67"/>
+            </dgm:constrLst>
+          </dgm:if>
+          <dgm:if name="Name23" axis="ch ch" ptType="node node" func="cnt" op="equ" val="2">
+            <dgm:constrLst>
+              <dgm:constr type="ctrX" for="ch" forName="textCenter" refType="w" fact="0.5"/>
+              <dgm:constr type="ctrY" for="ch" forName="textCenter" refType="h" fact="0.5"/>
+              <dgm:constr type="w" for="ch" forName="textCenter" refType="w" fact="0.25"/>
+              <dgm:constr type="h" for="ch" forName="textCenter" refType="w" refFor="ch" refForName="textCenter"/>
+              <dgm:constr type="ctrX" for="ch" forName="cycle_1" refType="w" fact="0.5"/>
+              <dgm:constr type="t" for="ch" forName="cycle_1"/>
+              <dgm:constr type="w" for="ch" forName="cycle_1" refType="w"/>
+              <dgm:constr type="h" for="ch" forName="cycle_1" refType="h" fact="0.34"/>
+              <dgm:constr type="ctrX" for="ch" forName="cycle_2" refType="w" fact="0.5"/>
+              <dgm:constr type="b" for="ch" forName="cycle_2" refType="h"/>
+              <dgm:constr type="w" for="ch" forName="cycle_2" refType="w"/>
+              <dgm:constr type="h" for="ch" forName="cycle_2" refType="h" fact="0.34"/>
+              <dgm:constr type="primFontSz" for="ch" forName="textCenter" val="65"/>
+              <dgm:constr type="primFontSz" for="des" forName="childCenter1" val="65"/>
+              <dgm:constr type="primFontSz" for="des" forName="text1" op="equ" val="65"/>
+              <dgm:constr type="primFontSz" for="des" forName="childCenter2" refType="primFontSz" refFor="des" refForName="childCenter1" op="equ"/>
+              <dgm:constr type="primFontSz" for="des" forName="text2" refType="primFontSz" refFor="des" refForName="text1" op="equ"/>
+              <dgm:constr type="userS" for="des" ptType="node" refType="w" refFor="ch" refForName="textCenter" fact="0.67"/>
+            </dgm:constrLst>
+          </dgm:if>
+          <dgm:if name="Name24" axis="ch ch" ptType="node node" func="cnt" op="equ" val="3">
+            <dgm:choose name="Name25">
+              <dgm:if name="Name26" axis="ch ch ch" ptType="node node node" st="1 2 0" cnt="1 1 0" func="cnt" op="equ" val="1">
+                <dgm:choose name="Name27">
+                  <dgm:if name="Name28" axis="ch ch ch" ptType="node node node" st="1 3 0" cnt="1 1 0" func="cnt" op="equ" val="1">
+                    <dgm:constrLst>
+                      <dgm:constr type="ctrX" for="ch" forName="textCenter" refType="w" fact="0.5"/>
+                      <dgm:constr type="t" for="ch" forName="textCenter" refType="h" fact="0.436"/>
+                      <dgm:constr type="w" for="ch" forName="textCenter" refType="w" fact="0.21"/>
+                      <dgm:constr type="h" for="ch" forName="textCenter" refType="w" refFor="ch" refForName="textCenter"/>
+                      <dgm:constr type="ctrX" for="ch" forName="cycle_1" refType="w" fact="0.5"/>
+                      <dgm:constr type="t" for="ch" forName="cycle_1"/>
+                      <dgm:constr type="w" for="ch" forName="cycle_1" refType="w" fact="0.61"/>
+                      <dgm:constr type="h" for="ch" forName="cycle_1" refType="h" fact="0.36"/>
+                      <dgm:constr type="diam" for="ch" forName="cycle_1" refType="w" fact="0.5"/>
+                      <dgm:constr type="l" for="ch" forName="cycle_2"/>
+                      <dgm:constr type="b" for="ch" forName="cycle_2" refType="h" fact="0.85"/>
+                      <dgm:constr type="w" for="ch" forName="cycle_2" refType="w" fact="0.46"/>
+                      <dgm:constr type="h" for="ch" forName="cycle_2" refType="h" fact="0.54"/>
+                      <dgm:constr type="diam" for="ch" forName="cycle_2" refType="w" fact="0.5"/>
+                      <dgm:constr type="r" for="ch" forName="cycle_3" refType="w"/>
+                      <dgm:constr type="b" for="ch" forName="cycle_3" refType="h" fact="0.85"/>
+                      <dgm:constr type="w" for="ch" forName="cycle_3" refType="w" fact="0.46"/>
+                      <dgm:constr type="h" for="ch" forName="cycle_3" refType="h" fact="0.54"/>
+                      <dgm:constr type="diam" for="ch" forName="cycle_3" refType="w" fact="0.5"/>
+                      <dgm:constr type="primFontSz" for="ch" forName="textCenter" val="65"/>
+                      <dgm:constr type="primFontSz" for="des" forName="childCenter1" val="65"/>
+                      <dgm:constr type="primFontSz" for="des" forName="text1" op="equ" val="65"/>
+                      <dgm:constr type="primFontSz" for="des" forName="childCenter2" refType="primFontSz" refFor="des" refForName="childCenter1" op="equ"/>
+                      <dgm:constr type="primFontSz" for="des" forName="text2" refType="primFontSz" refFor="des" refForName="text1" op="equ"/>
+                      <dgm:constr type="primFontSz" for="des" forName="childCenter3" refType="primFontSz" refFor="des" refForName="childCenter1" op="equ"/>
+                      <dgm:constr type="primFontSz" for="des" forName="text3" refType="primFontSz" refFor="des" refForName="text1" op="equ"/>
+                      <dgm:constr type="userS" for="des" ptType="node" refType="w" refFor="ch" refForName="textCenter" fact="0.67"/>
+                    </dgm:constrLst>
+                  </dgm:if>
+                  <dgm:else name="Name29">
+                    <dgm:constrLst>
+                      <dgm:constr type="ctrX" for="ch" forName="textCenter" refType="w" fact="0.5"/>
+                      <dgm:constr type="t" for="ch" forName="textCenter" refType="h" fact="0.436"/>
+                      <dgm:constr type="w" for="ch" forName="textCenter" refType="w" fact="0.21"/>
+                      <dgm:constr type="h" for="ch" forName="textCenter" refType="w" refFor="ch" refForName="textCenter"/>
+                      <dgm:constr type="ctrX" for="ch" forName="cycle_1" refType="w" fact="0.5"/>
+                      <dgm:constr type="t" for="ch" forName="cycle_1"/>
+                      <dgm:constr type="w" for="ch" forName="cycle_1" refType="w" fact="0.61"/>
+                      <dgm:constr type="h" for="ch" forName="cycle_1" refType="h" fact="0.36"/>
+                      <dgm:constr type="diam" for="ch" forName="cycle_1" refType="w" fact="0.5"/>
+                      <dgm:constr type="l" for="ch" forName="cycle_2"/>
+                      <dgm:constr type="b" for="ch" forName="cycle_2" refType="h" fact="0.85"/>
+                      <dgm:constr type="w" for="ch" forName="cycle_2" refType="w" fact="0.46"/>
+                      <dgm:constr type="h" for="ch" forName="cycle_2" refType="h" fact="0.54"/>
+                      <dgm:constr type="diam" for="ch" forName="cycle_2" refType="w" fact="0.5"/>
+                      <dgm:constr type="r" for="ch" forName="cycle_3" refType="w"/>
+                      <dgm:constr type="b" for="ch" forName="cycle_3" refType="h"/>
+                      <dgm:constr type="w" for="ch" forName="cycle_3" refType="w" fact="0.46"/>
+                      <dgm:constr type="h" for="ch" forName="cycle_3" refType="h" fact="0.54"/>
+                      <dgm:constr type="diam" for="ch" forName="cycle_3" refType="w" fact="0.5"/>
+                      <dgm:constr type="primFontSz" for="ch" forName="textCenter" val="65"/>
+                      <dgm:constr type="primFontSz" for="des" forName="childCenter1" val="65"/>
+                      <dgm:constr type="primFontSz" for="des" forName="text1" op="equ" val="65"/>
+                      <dgm:constr type="primFontSz" for="des" forName="childCenter2" refType="primFontSz" refFor="des" refForName="childCenter1" op="equ"/>
+                      <dgm:constr type="primFontSz" for="des" forName="text2" refType="primFontSz" refFor="des" refForName="text1" op="equ"/>
+                      <dgm:constr type="primFontSz" for="des" forName="childCenter3" refType="primFontSz" refFor="des" refForName="childCenter1" op="equ"/>
+                      <dgm:constr type="primFontSz" for="des" forName="text3" refType="primFontSz" refFor="des" refForName="text1" op="equ"/>
+                      <dgm:constr type="userS" for="des" ptType="node" refType="w" refFor="ch" refForName="textCenter" fact="0.67"/>
+                    </dgm:constrLst>
+                  </dgm:else>
+                </dgm:choose>
+              </dgm:if>
+              <dgm:else name="Name30">
+                <dgm:choose name="Name31">
+                  <dgm:if name="Name32" axis="ch ch ch" ptType="node node node" st="1 3 0" cnt="1 1 0" func="cnt" op="equ" val="1">
+                    <dgm:constrLst>
+                      <dgm:constr type="ctrX" for="ch" forName="textCenter" refType="w" fact="0.5"/>
+                      <dgm:constr type="t" for="ch" forName="textCenter" refType="h" fact="0.436"/>
+                      <dgm:constr type="w" for="ch" forName="textCenter" refType="w" fact="0.21"/>
+                      <dgm:constr type="h" for="ch" forName="textCenter" refType="w" refFor="ch" refForName="textCenter"/>
+                      <dgm:constr type="ctrX" for="ch" forName="cycle_1" refType="w" fact="0.5"/>
+                      <dgm:constr type="t" for="ch" forName="cycle_1"/>
+                      <dgm:constr type="w" for="ch" forName="cycle_1" refType="w" fact="0.61"/>
+                      <dgm:constr type="h" for="ch" forName="cycle_1" refType="h" fact="0.36"/>
+                      <dgm:constr type="diam" for="ch" forName="cycle_1" refType="w" fact="0.5"/>
+                      <dgm:constr type="l" for="ch" forName="cycle_2"/>
+                      <dgm:constr type="b" for="ch" forName="cycle_2" refType="h"/>
+                      <dgm:constr type="w" for="ch" forName="cycle_2" refType="w" fact="0.46"/>
+                      <dgm:constr type="h" for="ch" forName="cycle_2" refType="h" fact="0.54"/>
+                      <dgm:constr type="diam" for="ch" forName="cycle_2" refType="w" fact="0.5"/>
+                      <dgm:constr type="r" for="ch" forName="cycle_3" refType="w"/>
+                      <dgm:constr type="b" for="ch" forName="cycle_3" refType="h" fact="0.85"/>
+                      <dgm:constr type="w" for="ch" forName="cycle_3" refType="w" fact="0.46"/>
+                      <dgm:constr type="h" for="ch" forName="cycle_3" refType="h" fact="0.54"/>
+                      <dgm:constr type="diam" for="ch" forName="cycle_3" refType="w" fact="0.5"/>
+                      <dgm:constr type="primFontSz" for="ch" forName="textCenter" val="65"/>
+                      <dgm:constr type="primFontSz" for="des" forName="childCenter1" val="65"/>
+                      <dgm:constr type="primFontSz" for="des" forName="text1" op="equ" val="65"/>
+                      <dgm:constr type="primFontSz" for="des" forName="childCenter2" refType="primFontSz" refFor="des" refForName="childCenter1" op="equ"/>
+                      <dgm:constr type="primFontSz" for="des" forName="text2" refType="primFontSz" refFor="des" refForName="text1" op="equ"/>
+                      <dgm:constr type="primFontSz" for="des" forName="childCenter3" refType="primFontSz" refFor="des" refForName="childCenter1" op="equ"/>
+                      <dgm:constr type="primFontSz" for="des" forName="text3" refType="primFontSz" refFor="des" refForName="text1" op="equ"/>
+                      <dgm:constr type="userS" for="des" ptType="node" refType="w" refFor="ch" refForName="textCenter" fact="0.67"/>
+                    </dgm:constrLst>
+                  </dgm:if>
+                  <dgm:else name="Name33">
+                    <dgm:constrLst>
+                      <dgm:constr type="ctrX" for="ch" forName="textCenter" refType="w" fact="0.5"/>
+                      <dgm:constr type="t" for="ch" forName="textCenter" refType="h" fact="0.436"/>
+                      <dgm:constr type="w" for="ch" forName="textCenter" refType="w" fact="0.21"/>
+                      <dgm:constr type="h" for="ch" forName="textCenter" refType="w" refFor="ch" refForName="textCenter"/>
+                      <dgm:constr type="ctrX" for="ch" forName="cycle_1" refType="w" fact="0.5"/>
+                      <dgm:constr type="t" for="ch" forName="cycle_1"/>
+                      <dgm:constr type="w" for="ch" forName="cycle_1" refType="w" fact="0.61"/>
+                      <dgm:constr type="h" for="ch" forName="cycle_1" refType="h" fact="0.36"/>
+                      <dgm:constr type="diam" for="ch" forName="cycle_1" refType="w" fact="0.5"/>
+                      <dgm:constr type="l" for="ch" forName="cycle_2"/>
+                      <dgm:constr type="b" for="ch" forName="cycle_2" refType="h"/>
+                      <dgm:constr type="w" for="ch" forName="cycle_2" refType="w" fact="0.46"/>
+                      <dgm:constr type="h" for="ch" forName="cycle_2" refType="h" fact="0.54"/>
+                      <dgm:constr type="diam" for="ch" forName="cycle_2" refType="w" fact="0.5"/>
+                      <dgm:constr type="r" for="ch" forName="cycle_3" refType="w"/>
+                      <dgm:constr type="b" for="ch" forName="cycle_3" refType="h"/>
+                      <dgm:constr type="w" for="ch" forName="cycle_3" refType="w" fact="0.46"/>
+                      <dgm:constr type="h" for="ch" forName="cycle_3" refType="h" fact="0.54"/>
+                      <dgm:constr type="diam" for="ch" forName="cycle_3" refType="w" fact="0.5"/>
+                      <dgm:constr type="primFontSz" for="ch" forName="textCenter" val="65"/>
+                      <dgm:constr type="primFontSz" for="des" forName="childCenter1" val="65"/>
+                      <dgm:constr type="primFontSz" for="des" forName="text1" op="equ" val="65"/>
+                      <dgm:constr type="primFontSz" for="des" forName="childCenter2" refType="primFontSz" refFor="des" refForName="childCenter1" op="equ"/>
+                      <dgm:constr type="primFontSz" for="des" forName="text2" refType="primFontSz" refFor="des" refForName="text1" op="equ"/>
+                      <dgm:constr type="primFontSz" for="des" forName="childCenter3" refType="primFontSz" refFor="des" refForName="childCenter1" op="equ"/>
+                      <dgm:constr type="primFontSz" for="des" forName="text3" refType="primFontSz" refFor="des" refForName="text1" op="equ"/>
+                      <dgm:constr type="userS" for="des" ptType="node" refType="w" refFor="ch" refForName="textCenter" fact="0.67"/>
+                    </dgm:constrLst>
+                  </dgm:else>
+                </dgm:choose>
+              </dgm:else>
+            </dgm:choose>
+          </dgm:if>
+          <dgm:if name="Name34" axis="ch ch" ptType="node node" func="cnt" op="equ" val="4">
+            <dgm:constrLst>
+              <dgm:constr type="ctrX" for="ch" forName="textCenter" refType="w" fact="0.5"/>
+              <dgm:constr type="ctrY" for="ch" forName="textCenter" refType="h" fact="0.5"/>
+              <dgm:constr type="w" for="ch" forName="textCenter" refType="w" fact="0.2"/>
+              <dgm:constr type="h" for="ch" forName="textCenter" refType="w" refFor="ch" refForName="textCenter"/>
+              <dgm:constr type="ctrX" for="ch" forName="cycle_1" refType="w" fact="0.5"/>
+              <dgm:constr type="t" for="ch" forName="cycle_1"/>
+              <dgm:constr type="w" for="ch" forName="cycle_1" refType="w" fact="0.5"/>
+              <dgm:constr type="h" for="ch" forName="cycle_1" refType="h" fact="0.33"/>
+              <dgm:constr type="l" for="ch" forName="cycle_2"/>
+              <dgm:constr type="ctrY" for="ch" forName="cycle_2" refType="h" fact="0.5"/>
+              <dgm:constr type="w" for="ch" forName="cycle_2" refType="w" fact="0.33"/>
+              <dgm:constr type="h" for="ch" forName="cycle_2" refType="h" fact="0.5"/>
+              <dgm:constr type="ctrX" for="ch" forName="cycle_3" refType="w" fact="0.5"/>
+              <dgm:constr type="b" for="ch" forName="cycle_3" refType="h"/>
+              <dgm:constr type="w" for="ch" forName="cycle_3" refType="w" fact="0.5"/>
+              <dgm:constr type="h" for="ch" forName="cycle_3" refType="h" fact="0.33"/>
+              <dgm:constr type="r" for="ch" forName="cycle_4" refType="w"/>
+              <dgm:constr type="ctrY" for="ch" forName="cycle_4" refType="h" fact="0.5"/>
+              <dgm:constr type="w" for="ch" forName="cycle_4" refType="w" fact="0.33"/>
+              <dgm:constr type="h" for="ch" forName="cycle_4" refType="h" fact="0.5"/>
+              <dgm:constr type="primFontSz" for="ch" forName="textCenter" val="65"/>
+              <dgm:constr type="primFontSz" for="des" forName="childCenter1" val="65"/>
+              <dgm:constr type="primFontSz" for="des" forName="text1" op="equ" val="65"/>
+              <dgm:constr type="primFontSz" for="des" forName="childCenter2" refType="primFontSz" refFor="des" refForName="childCenter1" op="equ"/>
+              <dgm:constr type="primFontSz" for="des" forName="text2" refType="primFontSz" refFor="des" refForName="text1" op="equ"/>
+              <dgm:constr type="primFontSz" for="des" forName="childCenter3" refType="primFontSz" refFor="des" refForName="childCenter1" op="equ"/>
+              <dgm:constr type="primFontSz" for="des" forName="text3" refType="primFontSz" refFor="des" refForName="text1" op="equ"/>
+              <dgm:constr type="primFontSz" for="des" forName="childCenter4" refType="primFontSz" refFor="des" refForName="childCenter1" op="equ"/>
+              <dgm:constr type="primFontSz" for="des" forName="text4" refType="primFontSz" refFor="des" refForName="text1" op="equ"/>
+              <dgm:constr type="userS" for="des" ptType="node" refType="w" refFor="ch" refForName="textCenter" fact="0.67"/>
+            </dgm:constrLst>
+          </dgm:if>
+          <dgm:if name="Name35" axis="ch ch" ptType="node node" func="cnt" op="equ" val="5">
+            <dgm:constrLst>
+              <dgm:constr type="ctrX" for="ch" forName="textCenter" refType="w" fact="0.5"/>
+              <dgm:constr type="t" for="ch" forName="textCenter" refType="h" fact="0.42"/>
+              <dgm:constr type="w" for="ch" forName="textCenter" refType="w" fact="0.2"/>
+              <dgm:constr type="h" for="ch" forName="textCenter" refType="w" refFor="ch" refForName="textCenter"/>
+              <dgm:constr type="ctrX" for="ch" forName="cycle_1" refType="w" fact="0.5"/>
+              <dgm:constr type="t" for="ch" forName="cycle_1"/>
+              <dgm:constr type="w" for="ch" forName="cycle_1" refType="w" fact="0.33"/>
+              <dgm:constr type="h" for="ch" forName="cycle_1" refType="w" refFor="ch" refForName="cycle_1"/>
+              <dgm:constr type="l" for="ch" forName="cycle_2"/>
+              <dgm:constr type="t" for="ch" forName="cycle_2" refType="h" fact="0.24"/>
+              <dgm:constr type="w" for="ch" forName="cycle_2" refType="w" fact="0.33"/>
+              <dgm:constr type="h" for="ch" forName="cycle_2" refType="w" refFor="ch" refForName="cycle_2"/>
+              <dgm:constr type="l" for="ch" forName="cycle_3" refType="w" fact="0.11"/>
+              <dgm:constr type="b" for="ch" forName="cycle_3" refType="h"/>
+              <dgm:constr type="w" for="ch" forName="cycle_3" refType="w" fact="0.33"/>
+              <dgm:constr type="h" for="ch" forName="cycle_3" refType="w" refFor="ch" refForName="cycle_3"/>
+              <dgm:constr type="r" for="ch" forName="cycle_4" refType="w" fact="0.89"/>
+              <dgm:constr type="b" for="ch" forName="cycle_4" refType="h"/>
+              <dgm:constr type="w" for="ch" forName="cycle_4" refType="w" fact="0.33"/>
+              <dgm:constr type="h" for="ch" forName="cycle_4" refType="w" refFor="ch" refForName="cycle_4"/>
+              <dgm:constr type="r" for="ch" forName="cycle_5" refType="w"/>
+              <dgm:constr type="t" for="ch" forName="cycle_5" refType="h" fact="0.24"/>
+              <dgm:constr type="w" for="ch" forName="cycle_5" refType="w" fact="0.33"/>
+              <dgm:constr type="h" for="ch" forName="cycle_5" refType="w" refFor="ch" refForName="cycle_5"/>
+              <dgm:constr type="primFontSz" for="ch" forName="textCenter" val="65"/>
+              <dgm:constr type="primFontSz" for="des" forName="childCenter1" val="65"/>
+              <dgm:constr type="primFontSz" for="des" forName="text1" op="equ" val="65"/>
+              <dgm:constr type="primFontSz" for="des" forName="childCenter2" refType="primFontSz" refFor="des" refForName="childCenter1" op="equ"/>
+              <dgm:constr type="primFontSz" for="des" forName="text2" refType="primFontSz" refFor="des" refForName="text1" op="equ"/>
+              <dgm:constr type="primFontSz" for="des" forName="childCenter3" refType="primFontSz" refFor="des" refForName="childCenter1" op="equ"/>
+              <dgm:constr type="primFontSz" for="des" forName="text3" refType="primFontSz" refFor="des" refForName="text1" op="equ"/>
+              <dgm:constr type="primFontSz" for="des" forName="childCenter4" refType="primFontSz" refFor="des" refForName="childCenter1" op="equ"/>
+              <dgm:constr type="primFontSz" for="des" forName="text4" refType="primFontSz" refFor="des" refForName="text1" op="equ"/>
+              <dgm:constr type="primFontSz" for="des" forName="childCenter5" refType="primFontSz" refFor="des" refForName="childCenter1" op="equ"/>
+              <dgm:constr type="primFontSz" for="des" forName="text5" refType="primFontSz" refFor="des" refForName="text1" op="equ"/>
+              <dgm:constr type="userS" for="des" ptType="node" refType="w" refFor="ch" refForName="textCenter" fact="0.67"/>
+            </dgm:constrLst>
+          </dgm:if>
+          <dgm:if name="Name36" axis="ch ch" ptType="node node" func="cnt" op="equ" val="6">
+            <dgm:constrLst>
+              <dgm:constr type="ctrX" for="ch" forName="textCenter" refType="w" fact="0.5"/>
+              <dgm:constr type="ctrY" for="ch" forName="textCenter" refType="h" fact="0.5"/>
+              <dgm:constr type="w" for="ch" forName="textCenter" refType="w" fact="0.2"/>
+              <dgm:constr type="h" for="ch" forName="textCenter" refType="w" refFor="ch" refForName="textCenter"/>
+              <dgm:constr type="ctrX" for="ch" forName="cycle_1" refType="w" fact="0.5"/>
+              <dgm:constr type="t" for="ch" forName="cycle_1"/>
+              <dgm:constr type="w" for="ch" forName="cycle_1" refType="w" fact="0.33"/>
+              <dgm:constr type="h" for="ch" forName="cycle_1" refType="w" refFor="ch" refForName="cycle_1"/>
+              <dgm:constr type="l" for="ch" forName="cycle_2"/>
+              <dgm:constr type="t" for="ch" forName="cycle_2" refType="h" fact="0.17"/>
+              <dgm:constr type="w" for="ch" forName="cycle_2" refType="w" fact="0.33"/>
+              <dgm:constr type="h" for="ch" forName="cycle_2" refType="w" refFor="ch" refForName="cycle_2"/>
+              <dgm:constr type="l" for="ch" forName="cycle_3"/>
+              <dgm:constr type="b" for="ch" forName="cycle_3" refType="h" fact="0.83"/>
+              <dgm:constr type="w" for="ch" forName="cycle_3" refType="w" fact="0.33"/>
+              <dgm:constr type="h" for="ch" forName="cycle_3" refType="w" refFor="ch" refForName="cycle_3"/>
+              <dgm:constr type="ctrX" for="ch" forName="cycle_4" refType="w" fact="0.5"/>
+              <dgm:constr type="b" for="ch" forName="cycle_4" refType="h"/>
+              <dgm:constr type="w" for="ch" forName="cycle_4" refType="w" fact="0.33"/>
+              <dgm:constr type="h" for="ch" forName="cycle_4" refType="w" refFor="ch" refForName="cycle_4"/>
+              <dgm:constr type="r" for="ch" forName="cycle_5" refType="w"/>
+              <dgm:constr type="b" for="ch" forName="cycle_5" refType="h" fact="0.83"/>
+              <dgm:constr type="w" for="ch" forName="cycle_5" refType="w" fact="0.33"/>
+              <dgm:constr type="h" for="ch" forName="cycle_5" refType="w" refFor="ch" refForName="cycle_5"/>
+              <dgm:constr type="r" for="ch" forName="cycle_6" refType="w"/>
+              <dgm:constr type="t" for="ch" forName="cycle_6" refType="h" fact="0.17"/>
+              <dgm:constr type="w" for="ch" forName="cycle_6" refType="w" fact="0.33"/>
+              <dgm:constr type="h" for="ch" forName="cycle_6" refType="w" refFor="ch" refForName="cycle_6"/>
+              <dgm:constr type="primFontSz" for="ch" forName="textCenter" val="65"/>
+              <dgm:constr type="primFontSz" for="des" forName="childCenter1" val="65"/>
+              <dgm:constr type="primFontSz" for="des" forName="text1" op="equ" val="65"/>
+              <dgm:constr type="primFontSz" for="des" forName="childCenter2" refType="primFontSz" refFor="des" refForName="childCenter1" op="equ"/>
+              <dgm:constr type="primFontSz" for="des" forName="text2" refType="primFontSz" refFor="des" refForName="text1" op="equ"/>
+              <dgm:constr type="primFontSz" for="des" forName="childCenter3" refType="primFontSz" refFor="des" refForName="childCenter1" op="equ"/>
+              <dgm:constr type="primFontSz" for="des" forName="text3" refType="primFontSz" refFor="des" refForName="text1" op="equ"/>
+              <dgm:constr type="primFontSz" for="des" forName="childCenter4" refType="primFontSz" refFor="des" refForName="childCenter1" op="equ"/>
+              <dgm:constr type="primFontSz" for="des" forName="text4" refType="primFontSz" refFor="des" refForName="text1" op="equ"/>
+              <dgm:constr type="primFontSz" for="des" forName="childCenter5" refType="primFontSz" refFor="des" refForName="childCenter1" op="equ"/>
+              <dgm:constr type="primFontSz" for="des" forName="text5" refType="primFontSz" refFor="des" refForName="text1" op="equ"/>
+              <dgm:constr type="primFontSz" for="des" forName="childCenter6" refType="primFontSz" refFor="des" refForName="childCenter1" op="equ"/>
+              <dgm:constr type="primFontSz" for="des" forName="text6" refType="primFontSz" refFor="des" refForName="text1" op="equ"/>
+              <dgm:constr type="userS" for="des" ptType="node" refType="w" refFor="ch" refForName="textCenter" fact="0.67"/>
+            </dgm:constrLst>
+          </dgm:if>
+          <dgm:else name="Name37">
+            <dgm:constrLst>
+              <dgm:constr type="ctrX" for="ch" forName="textCenter" refType="w" fact="0.5"/>
+              <dgm:constr type="t" for="ch" forName="textCenter" refType="h" fact="0.444"/>
+              <dgm:constr type="w" for="ch" forName="textCenter" refType="w" fact="0.167"/>
+              <dgm:constr type="h" for="ch" forName="textCenter" refType="w" refFor="ch" refForName="textCenter"/>
+              <dgm:constr type="ctrX" for="ch" forName="cycle_1" refType="w" fact="0.5"/>
+              <dgm:constr type="t" for="ch" forName="cycle_1"/>
+              <dgm:constr type="w" for="ch" forName="cycle_1" refType="w" fact="0.263"/>
+              <dgm:constr type="h" for="ch" forName="cycle_1" refType="w" refFor="ch" refForName="cycle_1"/>
+              <dgm:constr type="l" for="ch" forName="cycle_2" refType="w" fact="0.062"/>
+              <dgm:constr type="t" for="ch" forName="cycle_2" refType="h" fact="0.141"/>
+              <dgm:constr type="w" for="ch" forName="cycle_2" refType="w" fact="0.263"/>
+              <dgm:constr type="h" for="ch" forName="cycle_2" refType="w" refFor="ch" refForName="cycle_2"/>
+              <dgm:constr type="l" for="ch" forName="cycle_3"/>
+              <dgm:constr type="b" for="ch" forName="cycle_3" refType="h" fact="0.74"/>
+              <dgm:constr type="w" for="ch" forName="cycle_3" refType="w" fact="0.263"/>
+              <dgm:constr type="h" for="ch" forName="cycle_3" refType="w" refFor="ch" refForName="cycle_3"/>
+              <dgm:constr type="l" for="ch" forName="cycle_4" refType="w" fact="0.2"/>
+              <dgm:constr type="b" for="ch" forName="cycle_4" refType="h"/>
+              <dgm:constr type="w" for="ch" forName="cycle_4" refType="w" fact="0.263"/>
+              <dgm:constr type="h" for="ch" forName="cycle_4" refType="w" refFor="ch" refForName="cycle_4"/>
+              <dgm:constr type="r" for="ch" forName="cycle_5" refType="w" fact="0.8"/>
+              <dgm:constr type="b" for="ch" forName="cycle_5" refType="h"/>
+              <dgm:constr type="w" for="ch" forName="cycle_5" refType="w" fact="0.263"/>
+              <dgm:constr type="h" for="ch" forName="cycle_5" refType="w" refFor="ch" refForName="cycle_5"/>
+              <dgm:constr type="r" for="ch" forName="cycle_6" refType="w"/>
+              <dgm:constr type="b" for="ch" forName="cycle_6" refType="h" fact="0.74"/>
+              <dgm:constr type="w" for="ch" forName="cycle_6" refType="w" fact="0.263"/>
+              <dgm:constr type="h" for="ch" forName="cycle_6" refType="w" refFor="ch" refForName="cycle_6"/>
+              <dgm:constr type="r" for="ch" forName="cycle_7" refType="w" fact="0.938"/>
+              <dgm:constr type="t" for="ch" forName="cycle_7" refType="h" fact="0.141"/>
+              <dgm:constr type="w" for="ch" forName="cycle_7" refType="w" fact="0.263"/>
+              <dgm:constr type="h" for="ch" forName="cycle_7" refType="w" refFor="ch" refForName="cycle_7"/>
+              <dgm:constr type="primFontSz" for="ch" forName="textCenter" val="65"/>
+              <dgm:constr type="primFontSz" for="des" forName="childCenter1" val="65"/>
+              <dgm:constr type="primFontSz" for="des" forName="text1" op="equ" val="65"/>
+              <dgm:constr type="primFontSz" for="des" forName="childCenter2" refType="primFontSz" refFor="des" refForName="childCenter1" op="equ"/>
+              <dgm:constr type="primFontSz" for="des" forName="text2" refType="primFontSz" refFor="des" refForName="text1" op="equ"/>
+              <dgm:constr type="primFontSz" for="des" forName="childCenter3" refType="primFontSz" refFor="des" refForName="childCenter1" op="equ"/>
+              <dgm:constr type="primFontSz" for="des" forName="text3" refType="primFontSz" refFor="des" refForName="text1" op="equ"/>
+              <dgm:constr type="primFontSz" for="des" forName="childCenter4" refType="primFontSz" refFor="des" refForName="childCenter1" op="equ"/>
+              <dgm:constr type="primFontSz" for="des" forName="text4" refType="primFontSz" refFor="des" refForName="text1" op="equ"/>
+              <dgm:constr type="primFontSz" for="des" forName="childCenter5" refType="primFontSz" refFor="des" refForName="childCenter1" op="equ"/>
+              <dgm:constr type="primFontSz" for="des" forName="text5" refType="primFontSz" refFor="des" refForName="text1" op="equ"/>
+              <dgm:constr type="primFontSz" for="des" forName="childCenter6" refType="primFontSz" refFor="des" refForName="childCenter1" op="equ"/>
+              <dgm:constr type="primFontSz" for="des" forName="text6" refType="primFontSz" refFor="des" refForName="text1" op="equ"/>
+              <dgm:constr type="primFontSz" for="des" forName="childCenter7" refType="primFontSz" refFor="des" refForName="childCenter1" op="equ"/>
+              <dgm:constr type="primFontSz" for="des" forName="text7" refType="primFontSz" refFor="des" refForName="text1" op="equ"/>
+              <dgm:constr type="userS" for="des" ptType="node" refType="w" refFor="ch" refForName="textCenter" fact="0.67"/>
+            </dgm:constrLst>
+          </dgm:else>
+        </dgm:choose>
+      </dgm:else>
+    </dgm:choose>
+    <dgm:forEach name="Name38" axis="ch" ptType="node" cnt="1">
+      <dgm:choose name="Name39">
+        <dgm:if name="Name40" axis="des" func="maxDepth" op="lte" val="1">
+          <dgm:layoutNode name="singleCycle">
+            <dgm:choose name="Name41">
+              <dgm:if name="Name42" axis="ch" ptType="node" func="cnt" op="equ" val="1">
+                <dgm:choose name="Name43">
+                  <dgm:if name="Name44" func="var" arg="dir" op="equ" val="norm">
+                    <dgm:alg type="cycle">
+                      <dgm:param type="stAng" val="90"/>
+                      <dgm:param type="ctrShpMap" val="fNode"/>
+                    </dgm:alg>
+                  </dgm:if>
+                  <dgm:else name="Name45">
+                    <dgm:alg type="cycle">
+                      <dgm:param type="stAng" val="-90"/>
+                      <dgm:param type="spanAng" val="-360"/>
+                      <dgm:param type="ctrShpMap" val="fNode"/>
+                    </dgm:alg>
+                  </dgm:else>
+                </dgm:choose>
+              </dgm:if>
+              <dgm:else name="Name46">
+                <dgm:choose name="Name47">
+                  <dgm:if name="Name48" func="var" arg="dir" op="equ" val="norm">
+                    <dgm:alg type="cycle">
+                      <dgm:param type="ctrShpMap" val="fNode"/>
+                    </dgm:alg>
+                  </dgm:if>
+                  <dgm:else name="Name49">
+                    <dgm:alg type="cycle">
+                      <dgm:param type="spanAng" val="-360"/>
+                      <dgm:param type="ctrShpMap" val="fNode"/>
+                    </dgm:alg>
+                  </dgm:else>
+                </dgm:choose>
+              </dgm:else>
+            </dgm:choose>
+            <dgm:shape xmlns:r="http://schemas.openxmlformats.org/officeDocument/2006/relationships" r:blip="">
+              <dgm:adjLst/>
+            </dgm:shape>
+            <dgm:presOf/>
+            <dgm:choose name="Name50">
+              <dgm:if name="Name51" axis="ch" ptType="node" func="cnt" op="equ" val="0">
+                <dgm:constrLst>
+                  <dgm:constr type="w" for="ch" forName="singleCenter" refType="w"/>
+                  <dgm:constr type="h" for="ch" forName="singleCenter" refType="w" refFor="ch" refForName="singleCenter"/>
+                </dgm:constrLst>
+              </dgm:if>
+              <dgm:if name="Name52" axis="ch" ptType="node" func="cnt" op="equ" val="1">
+                <dgm:constrLst>
+                  <dgm:constr type="w" for="ch" forName="singleCenter" refType="w" fact="0.5"/>
+                  <dgm:constr type="h" for="ch" forName="singleCenter" refType="w" refFor="ch" refForName="singleCenter"/>
+                  <dgm:constr type="userS" for="ch" ptType="node" refType="w" refFor="ch" refForName="singleCenter" fact="0.67"/>
+                </dgm:constrLst>
+              </dgm:if>
+              <dgm:else name="Name53">
+                <dgm:constrLst>
+                  <dgm:constr type="w" for="ch" forName="singleCenter" refType="w" fact="0.3"/>
+                  <dgm:constr type="h" for="ch" forName="singleCenter" refType="w" refFor="ch" refForName="singleCenter"/>
+                  <dgm:constr type="userS" for="ch" ptType="node" refType="w" refFor="ch" refForName="singleCenter" fact="0.67"/>
+                </dgm:constrLst>
+              </dgm:else>
+            </dgm:choose>
+            <dgm:layoutNode name="singleCenter" styleLbl="node1">
+              <dgm:varLst>
+                <dgm:chMax val="7"/>
+                <dgm:chPref val="7"/>
+              </dgm:varLst>
+              <dgm:alg type="tx"/>
+              <dgm:shape xmlns:r="http://schemas.openxmlformats.org/officeDocument/2006/relationships" type="roundRect" r:blip="">
+                <dgm:adjLst/>
+              </dgm:shape>
+              <dgm:presOf axis="self" ptType="node"/>
+              <dgm:constrLst>
+                <dgm:constr type="tMarg" refType="primFontSz" fact="0.2"/>
+                <dgm:constr type="bMarg" refType="primFontSz" fact="0.2"/>
+                <dgm:constr type="lMarg" refType="primFontSz" fact="0.2"/>
+                <dgm:constr type="rMarg" refType="primFontSz" fact="0.2"/>
+              </dgm:constrLst>
+              <dgm:ruleLst>
+                <dgm:rule type="primFontSz" val="5" fact="NaN" max="NaN"/>
+              </dgm:ruleLst>
+            </dgm:layoutNode>
+            <dgm:forEach name="Name54" axis="ch" cnt="21">
+              <dgm:forEach name="Name55" axis="self" ptType="parTrans">
+                <dgm:layoutNode name="Name56">
+                  <dgm:alg type="conn">
+                    <dgm:param type="dim" val="1D"/>
+                    <dgm:param type="begPts" val="auto"/>
+                    <dgm:param type="endPts" val="auto"/>
+                    <dgm:param type="begSty" val="noArr"/>
+                    <dgm:param type="endSty" val="noArr"/>
+                  </dgm:alg>
+                  <dgm:shape xmlns:r="http://schemas.openxmlformats.org/officeDocument/2006/relationships" type="conn" r:blip="">
+                    <dgm:adjLst/>
+                  </dgm:shape>
+                  <dgm:presOf axis="self"/>
+                  <dgm:constrLst>
+                    <dgm:constr type="begPad"/>
+                    <dgm:constr type="endPad"/>
+                  </dgm:constrLst>
+                </dgm:layoutNode>
+              </dgm:forEach>
+              <dgm:forEach name="Name57" axis="self" ptType="node">
+                <dgm:layoutNode name="text0" styleLbl="node1">
+                  <dgm:varLst>
+                    <dgm:bulletEnabled val="1"/>
+                  </dgm:varLst>
+                  <dgm:alg type="tx"/>
+                  <dgm:shape xmlns:r="http://schemas.openxmlformats.org/officeDocument/2006/relationships" type="roundRect" r:blip="">
+                    <dgm:adjLst/>
+                  </dgm:shape>
+                  <dgm:presOf axis="desOrSelf" ptType="node"/>
+                  <dgm:constrLst>
+                    <dgm:constr type="userS"/>
+                    <dgm:constr type="w" refType="userS"/>
+                    <dgm:constr type="h" refType="w"/>
+                    <dgm:constr type="tMarg" refType="primFontSz" fact="0.2"/>
+                    <dgm:constr type="bMarg" refType="primFontSz" fact="0.2"/>
+                    <dgm:constr type="lMarg" refType="primFontSz" fact="0.2"/>
+                    <dgm:constr type="rMarg" refType="primFontSz" fact="0.2"/>
+                  </dgm:constrLst>
+                  <dgm:ruleLst>
+                    <dgm:rule type="primFontSz" val="5" fact="NaN" max="NaN"/>
+                  </dgm:ruleLst>
+                </dgm:layoutNode>
+              </dgm:forEach>
+            </dgm:forEach>
+          </dgm:layoutNode>
+        </dgm:if>
+        <dgm:else name="Name58">
+          <dgm:layoutNode name="textCenter" styleLbl="node1">
+            <dgm:alg type="tx"/>
+            <dgm:shape xmlns:r="http://schemas.openxmlformats.org/officeDocument/2006/relationships" type="roundRect" r:blip="">
+              <dgm:adjLst/>
+            </dgm:shape>
+            <dgm:presOf axis="self" ptType="node"/>
+            <dgm:constrLst>
+              <dgm:constr type="tMarg" refType="primFontSz" fact="0.2"/>
+              <dgm:constr type="bMarg" refType="primFontSz" fact="0.2"/>
+              <dgm:constr type="lMarg" refType="primFontSz" fact="0.2"/>
+              <dgm:constr type="rMarg" refType="primFontSz" fact="0.2"/>
+            </dgm:constrLst>
+            <dgm:ruleLst>
+              <dgm:rule type="primFontSz" val="5" fact="NaN" max="NaN"/>
+            </dgm:ruleLst>
+          </dgm:layoutNode>
+          <dgm:choose name="Name59">
+            <dgm:if name="Name60" axis="ch" ptType="node" func="cnt" op="gte" val="1">
+              <dgm:layoutNode name="cycle_1">
+                <dgm:choose name="Name61">
+                  <dgm:if name="Name62" func="var" arg="dir" op="equ" val="norm">
+                    <dgm:choose name="Name63">
+                      <dgm:if name="Name64" axis="ch" ptType="node" func="cnt" op="equ" val="1">
+                        <dgm:choose name="Name65">
+                          <dgm:if name="Name66" axis="ch ch" ptType="node node" st="1 1" cnt="1 0" func="cnt" op="equ" val="1">
+                            <dgm:alg type="cycle">
+                              <dgm:param type="ctrShpMap" val="fNode"/>
+                              <dgm:param type="stAng" val="90"/>
+                            </dgm:alg>
+                          </dgm:if>
+                          <dgm:if name="Name67" axis="ch ch" ptType="node node" st="1 1" cnt="1 0" func="cnt" op="equ" val="2">
+                            <dgm:alg type="cycle">
+                              <dgm:param type="ctrShpMap" val="fNode"/>
+                              <dgm:param type="stAng" val="45"/>
+                              <dgm:param type="spanAng" val="90"/>
+                            </dgm:alg>
+                          </dgm:if>
+                          <dgm:else name="Name68">
+                            <dgm:alg type="cycle">
+                              <dgm:param type="ctrShpMap" val="fNode"/>
+                              <dgm:param type="stAng" val="0"/>
+                              <dgm:param type="spanAng" val="180"/>
+                            </dgm:alg>
+                          </dgm:else>
+                        </dgm:choose>
+                      </dgm:if>
+                      <dgm:if name="Name69" axis="ch" ptType="node" func="cnt" op="equ" val="2">
+                        <dgm:choose name="Name70">
+                          <dgm:if name="Name71" axis="ch ch" ptType="node node" st="1 1" cnt="1 0" func="cnt" op="equ" val="1">
+                            <dgm:alg type="cycle">
+                              <dgm:param type="ctrShpMap" val="fNode"/>
+                              <dgm:param type="stAng" val="0"/>
+                            </dgm:alg>
+                          </dgm:if>
+                          <dgm:if name="Name72" axis="ch ch" ptType="node node" st="1 1" cnt="1 0" func="cnt" op="equ" val="2">
+                            <dgm:alg type="cycle">
+                              <dgm:param type="ctrShpMap" val="fNode"/>
+                              <dgm:param type="stAng" val="315"/>
+                              <dgm:param type="spanAng" val="90"/>
+                            </dgm:alg>
+                          </dgm:if>
+                          <dgm:else name="Name73">
+                            <dgm:alg type="cycle">
+                              <dgm:param type="ctrShpMap" val="fNode"/>
+                              <dgm:param type="stAng" val="270"/>
+                              <dgm:param type="spanAng" val="180"/>
+                            </dgm:alg>
+                          </dgm:else>
+                        </dgm:choose>
+                      </dgm:if>
+                      <dgm:if name="Name74" axis="ch" ptType="node" func="cnt" op="equ" val="3">
+                        <dgm:choose name="Name75">
+                          <dgm:if name="Name76" axis="ch ch" ptType="node node" st="1 1" cnt="1 0" func="cnt" op="equ" val="1">
+                            <dgm:alg type="cycle">
+                              <dgm:param type="ctrShpMap" val="fNode"/>
+                              <dgm:param type="stAng" val="0"/>
+                            </dgm:alg>
+                          </dgm:if>
+                          <dgm:if name="Name77" axis="ch ch" ptType="node node" st="1 1" cnt="1 0" func="cnt" op="equ" val="2">
+                            <dgm:alg type="cycle">
+                              <dgm:param type="ctrShpMap" val="fNode"/>
+                              <dgm:param type="stAng" val="315"/>
+                              <dgm:param type="spanAng" val="90"/>
+                            </dgm:alg>
+                          </dgm:if>
+                          <dgm:else name="Name78">
+                            <dgm:alg type="cycle">
+                              <dgm:param type="ctrShpMap" val="fNode"/>
+                              <dgm:param type="stAng" val="270"/>
+                              <dgm:param type="spanAng" val="180"/>
+                            </dgm:alg>
+                          </dgm:else>
+                        </dgm:choose>
+                      </dgm:if>
+                      <dgm:if name="Name79" axis="ch" ptType="node" func="cnt" op="equ" val="4">
+                        <dgm:choose name="Name80">
+                          <dgm:if name="Name81" axis="ch ch" ptType="node node" st="1 1" cnt="1 0" func="cnt" op="equ" val="1">
+                            <dgm:alg type="cycle">
+                              <dgm:param type="ctrShpMap" val="fNode"/>
+                              <dgm:param type="stAng" val="0"/>
+                            </dgm:alg>
+                          </dgm:if>
+                          <dgm:if name="Name82" axis="ch ch" ptType="node node" st="1 1" cnt="1 0" func="cnt" op="equ" val="2">
+                            <dgm:alg type="cycle">
+                              <dgm:param type="ctrShpMap" val="fNode"/>
+                              <dgm:param type="stAng" val="315"/>
+                              <dgm:param type="spanAng" val="90"/>
+                            </dgm:alg>
+                          </dgm:if>
+                          <dgm:else name="Name83">
+                            <dgm:alg type="cycle">
+                              <dgm:param type="ctrShpMap" val="fNode"/>
+                              <dgm:param type="stAng" val="292.5"/>
+                              <dgm:param type="spanAng" val="135"/>
+                            </dgm:alg>
+                          </dgm:else>
+                        </dgm:choose>
+                      </dgm:if>
+                      <dgm:if name="Name84" axis="ch" ptType="node" func="cnt" op="equ" val="5">
+                        <dgm:choose name="Name85">
+                          <dgm:if name="Name86" axis="ch ch" ptType="node node" st="1 1" cnt="1 0" func="cnt" op="equ" val="1">
+                            <dgm:alg type="cycle">
+                              <dgm:param type="ctrShpMap" val="fNode"/>
+                              <dgm:param type="stAng" val="0"/>
+                            </dgm:alg>
+                          </dgm:if>
+                          <dgm:if name="Name87" axis="ch ch" ptType="node node" st="1 1" cnt="1 0" func="cnt" op="equ" val="2">
+                            <dgm:alg type="cycle">
+                              <dgm:param type="ctrShpMap" val="fNode"/>
+                              <dgm:param type="stAng" val="315"/>
+                              <dgm:param type="spanAng" val="90"/>
+                            </dgm:alg>
+                          </dgm:if>
+                          <dgm:else name="Name88">
+                            <dgm:alg type="cycle">
+                              <dgm:param type="ctrShpMap" val="fNode"/>
+                              <dgm:param type="stAng" val="0"/>
+                              <dgm:param type="spanAng" val="360"/>
+                            </dgm:alg>
+                          </dgm:else>
+                        </dgm:choose>
+                      </dgm:if>
+                      <dgm:if name="Name89" axis="ch" ptType="node" func="cnt" op="equ" val="6">
+                        <dgm:choose name="Name90">
+                          <dgm:if name="Name91" axis="ch ch" ptType="node node" st="1 1" cnt="1 0" func="cnt" op="equ" val="1">
+                            <dgm:alg type="cycle">
+                              <dgm:param type="ctrShpMap" val="fNode"/>
+                              <dgm:param type="stAng" val="0"/>
+                            </dgm:alg>
+                          </dgm:if>
+                          <dgm:if name="Name92" axis="ch ch" ptType="node node" st="1 1" cnt="1 0" func="cnt" op="equ" val="2">
+                            <dgm:alg type="cycle">
+                              <dgm:param type="ctrShpMap" val="fNode"/>
+                              <dgm:param type="stAng" val="315"/>
+                              <dgm:param type="spanAng" val="90"/>
+                            </dgm:alg>
+                          </dgm:if>
+                          <dgm:else name="Name93">
+                            <dgm:alg type="cycle">
+                              <dgm:param type="ctrShpMap" val="fNode"/>
+                              <dgm:param type="stAng" val="0"/>
+                              <dgm:param type="spanAng" val="360"/>
+                            </dgm:alg>
+                          </dgm:else>
+                        </dgm:choose>
+                      </dgm:if>
+                      <dgm:if name="Name94" axis="ch" ptType="node" func="cnt" op="gte" val="7">
+                        <dgm:choose name="Name95">
+                          <dgm:if name="Name96" axis="ch ch" ptType="node node" st="1 1" cnt="1 0" func="cnt" op="equ" val="1">
+                            <dgm:alg type="cycle">
+                              <dgm:param type="ctrShpMap" val="fNode"/>
+                              <dgm:param type="stAng" val="0"/>
+                            </dgm:alg>
+                          </dgm:if>
+                          <dgm:if name="Name97" axis="ch ch" ptType="node node" st="1 1" cnt="1 0" func="cnt" op="equ" val="2">
+                            <dgm:alg type="cycle">
+                              <dgm:param type="ctrShpMap" val="fNode"/>
+                              <dgm:param type="stAng" val="315"/>
+                              <dgm:param type="spanAng" val="90"/>
+                            </dgm:alg>
+                          </dgm:if>
+                          <dgm:else name="Name98">
+                            <dgm:alg type="cycle">
+                              <dgm:param type="ctrShpMap" val="fNode"/>
+                              <dgm:param type="stAng" val="0"/>
+                              <dgm:param type="spanAng" val="360"/>
+                            </dgm:alg>
+                          </dgm:else>
+                        </dgm:choose>
+                      </dgm:if>
+                      <dgm:else name="Name99"/>
+                    </dgm:choose>
+                  </dgm:if>
+                  <dgm:else name="Name100">
+                    <dgm:choose name="Name101">
+                      <dgm:if name="Name102" axis="ch" ptType="node" func="cnt" op="equ" val="1">
+                        <dgm:choose name="Name103">
+                          <dgm:if name="Name104" axis="ch ch" ptType="node node" st="1 1" cnt="1 0" func="cnt" op="equ" val="1">
+                            <dgm:alg type="cycle">
+                              <dgm:param type="ctrShpMap" val="fNode"/>
+                              <dgm:param type="stAng" val="270"/>
+                            </dgm:alg>
+                          </dgm:if>
+                          <dgm:if name="Name105" axis="ch ch" ptType="node node" st="1 1" cnt="1 0" func="cnt" op="equ" val="2">
+                            <dgm:alg type="cycle">
+                              <dgm:param type="ctrShpMap" val="fNode"/>
+                              <dgm:param type="stAng" val="315"/>
+                              <dgm:param type="spanAng" val="-90"/>
+                            </dgm:alg>
+                          </dgm:if>
+                          <dgm:else name="Name106">
+                            <dgm:alg type="cycle">
+                              <dgm:param type="ctrShpMap" val="fNode"/>
+                              <dgm:param type="stAng" val="0"/>
+                              <dgm:param type="spanAng" val="-180"/>
+                            </dgm:alg>
+                          </dgm:else>
+                        </dgm:choose>
+                      </dgm:if>
+                      <dgm:if name="Name107" axis="ch" ptType="node" func="cnt" op="equ" val="2">
+                        <dgm:choose name="Name108">
+                          <dgm:if name="Name109" axis="ch ch" ptType="node node" st="1 1" cnt="1 0" func="cnt" op="equ" val="1">
+                            <dgm:alg type="cycle">
+                              <dgm:param type="ctrShpMap" val="fNode"/>
+                              <dgm:param type="stAng" val="0"/>
+                            </dgm:alg>
+                          </dgm:if>
+                          <dgm:if name="Name110" axis="ch ch" ptType="node node" st="1 1" cnt="1 0" func="cnt" op="equ" val="2">
+                            <dgm:alg type="cycle">
+                              <dgm:param type="ctrShpMap" val="fNode"/>
+                              <dgm:param type="stAng" val="45"/>
+                              <dgm:param type="spanAng" val="-90"/>
+                            </dgm:alg>
+                          </dgm:if>
+                          <dgm:else name="Name111">
+                            <dgm:alg type="cycle">
+                              <dgm:param type="ctrShpMap" val="fNode"/>
+                              <dgm:param type="stAng" val="90"/>
+                              <dgm:param type="spanAng" val="-180"/>
+                            </dgm:alg>
+                          </dgm:else>
+                        </dgm:choose>
+                      </dgm:if>
+                      <dgm:if name="Name112" axis="ch" ptType="node" func="cnt" op="equ" val="3">
+                        <dgm:choose name="Name113">
+                          <dgm:if name="Name114" axis="ch ch" ptType="node node" st="1 1" cnt="1 0" func="cnt" op="equ" val="1">
+                            <dgm:alg type="cycle">
+                              <dgm:param type="ctrShpMap" val="fNode"/>
+                              <dgm:param type="stAng" val="0"/>
+                            </dgm:alg>
+                          </dgm:if>
+                          <dgm:if name="Name115" axis="ch ch" ptType="node node" st="1 1" cnt="1 0" func="cnt" op="equ" val="2">
+                            <dgm:alg type="cycle">
+                              <dgm:param type="ctrShpMap" val="fNode"/>
+                              <dgm:param type="stAng" val="45"/>
+                              <dgm:param type="spanAng" val="-90"/>
+                            </dgm:alg>
+                          </dgm:if>
+                          <dgm:else name="Name116">
+                            <dgm:alg type="cycle">
+                              <dgm:param type="ctrShpMap" val="fNode"/>
+                              <dgm:param type="stAng" val="90"/>
+                              <dgm:param type="spanAng" val="-180"/>
+                            </dgm:alg>
+                          </dgm:else>
+                        </dgm:choose>
+                      </dgm:if>
+                      <dgm:if name="Name117" axis="ch" ptType="node" func="cnt" op="equ" val="4">
+                        <dgm:choose name="Name118">
+                          <dgm:if name="Name119" axis="ch ch" ptType="node node" st="1 1" cnt="1 0" func="cnt" op="equ" val="1">
+                            <dgm:alg type="cycle">
+                              <dgm:param type="ctrShpMap" val="fNode"/>
+                              <dgm:param type="stAng" val="0"/>
+                            </dgm:alg>
+                          </dgm:if>
+                          <dgm:if name="Name120" axis="ch ch" ptType="node node" st="1 1" cnt="1 0" func="cnt" op="equ" val="2">
+                            <dgm:alg type="cycle">
+                              <dgm:param type="ctrShpMap" val="fNode"/>
+                              <dgm:param type="stAng" val="45"/>
+                              <dgm:param type="spanAng" val="-90"/>
+                            </dgm:alg>
+                          </dgm:if>
+                          <dgm:else name="Name121">
+                            <dgm:alg type="cycle">
+                              <dgm:param type="ctrShpMap" val="fNode"/>
+                              <dgm:param type="stAng" val="67.5"/>
+                              <dgm:param type="spanAng" val="-135"/>
+                            </dgm:alg>
+                          </dgm:else>
+                        </dgm:choose>
+                      </dgm:if>
+                      <dgm:if name="Name122" axis="ch" ptType="node" func="cnt" op="equ" val="5">
+                        <dgm:choose name="Name123">
+                          <dgm:if name="Name124" axis="ch ch" ptType="node node" st="1 1" cnt="1 0" func="cnt" op="equ" val="1">
+                            <dgm:alg type="cycle">
+                              <dgm:param type="ctrShpMap" val="fNode"/>
+                              <dgm:param type="stAng" val="0"/>
+                            </dgm:alg>
+                          </dgm:if>
+                          <dgm:if name="Name125" axis="ch ch" ptType="node node" st="1 1" cnt="1 0" func="cnt" op="equ" val="2">
+                            <dgm:alg type="cycle">
+                              <dgm:param type="ctrShpMap" val="fNode"/>
+                              <dgm:param type="stAng" val="45"/>
+                              <dgm:param type="spanAng" val="-90"/>
+                            </dgm:alg>
+                          </dgm:if>
+                          <dgm:else name="Name126">
+                            <dgm:alg type="cycle">
+                              <dgm:param type="ctrShpMap" val="fNode"/>
+                              <dgm:param type="stAng" val="0"/>
+                              <dgm:param type="spanAng" val="-360"/>
+                            </dgm:alg>
+                          </dgm:else>
+                        </dgm:choose>
+                      </dgm:if>
+                      <dgm:if name="Name127" axis="ch" ptType="node" func="cnt" op="equ" val="6">
+                        <dgm:choose name="Name128">
+                          <dgm:if name="Name129" axis="ch ch" ptType="node node" st="1 1" cnt="1 0" func="cnt" op="equ" val="1">
+                            <dgm:alg type="cycle">
+                              <dgm:param type="ctrShpMap" val="fNode"/>
+                              <dgm:param type="stAng" val="0"/>
+                            </dgm:alg>
+                          </dgm:if>
+                          <dgm:if name="Name130" axis="ch ch" ptType="node node" st="1 1" cnt="1 0" func="cnt" op="equ" val="2">
+                            <dgm:alg type="cycle">
+                              <dgm:param type="ctrShpMap" val="fNode"/>
+                              <dgm:param type="stAng" val="45"/>
+                              <dgm:param type="spanAng" val="-90"/>
+                            </dgm:alg>
+                          </dgm:if>
+                          <dgm:else name="Name131">
+                            <dgm:alg type="cycle">
+                              <dgm:param type="ctrShpMap" val="fNode"/>
+                              <dgm:param type="stAng" val="0"/>
+                              <dgm:param type="spanAng" val="-360"/>
+                            </dgm:alg>
+                          </dgm:else>
+                        </dgm:choose>
+                      </dgm:if>
+                      <dgm:if name="Name132" axis="ch" ptType="node" func="cnt" op="gte" val="7">
+                        <dgm:choose name="Name133">
+                          <dgm:if name="Name134" axis="ch ch" ptType="node node" st="1 1" cnt="1 0" func="cnt" op="equ" val="1">
+                            <dgm:alg type="cycle">
+                              <dgm:param type="ctrShpMap" val="fNode"/>
+                              <dgm:param type="stAng" val="0"/>
+                            </dgm:alg>
+                          </dgm:if>
+                          <dgm:if name="Name135" axis="ch ch" ptType="node node" st="1 1" cnt="1 0" func="cnt" op="equ" val="2">
+                            <dgm:alg type="cycle">
+                              <dgm:param type="ctrShpMap" val="fNode"/>
+                              <dgm:param type="stAng" val="45"/>
+                              <dgm:param type="spanAng" val="-90"/>
+                            </dgm:alg>
+                          </dgm:if>
+                          <dgm:else name="Name136">
+                            <dgm:alg type="cycle">
+                              <dgm:param type="ctrShpMap" val="fNode"/>
+                              <dgm:param type="stAng" val="0"/>
+                              <dgm:param type="spanAng" val="-360"/>
+                            </dgm:alg>
+                          </dgm:else>
+                        </dgm:choose>
+                      </dgm:if>
+                      <dgm:else name="Name137"/>
+                    </dgm:choose>
+                  </dgm:else>
+                </dgm:choose>
+                <dgm:shape xmlns:r="http://schemas.openxmlformats.org/officeDocument/2006/relationships" r:blip="">
+                  <dgm:adjLst/>
+                </dgm:shape>
+                <dgm:presOf/>
+                <dgm:constrLst>
+                  <dgm:constr type="sp" refType="w" fact="0.1"/>
+                  <dgm:constr type="sibSp" refType="w" fact="0.1"/>
+                </dgm:constrLst>
+                <dgm:forEach name="Name138" axis="ch" ptType="node" cnt="1">
+                  <dgm:layoutNode name="childCenter1" styleLbl="node1">
+                    <dgm:alg type="tx"/>
+                    <dgm:shape xmlns:r="http://schemas.openxmlformats.org/officeDocument/2006/relationships" type="roundRect" r:blip="">
+                      <dgm:adjLst/>
+                    </dgm:shape>
+                    <dgm:presOf axis="self" ptType="node"/>
+                    <dgm:constrLst>
+                      <dgm:constr type="userS"/>
+                      <dgm:constr type="w" refType="userS"/>
+                      <dgm:constr type="h" refType="w"/>
+                      <dgm:constr type="tMarg" refType="primFontSz" fact="0.2"/>
+                      <dgm:constr type="bMarg" refType="primFontSz" fact="0.2"/>
+                      <dgm:constr type="lMarg" refType="primFontSz" fact="0.2"/>
+                      <dgm:constr type="rMarg" refType="primFontSz" fact="0.2"/>
+                    </dgm:constrLst>
+                    <dgm:ruleLst>
+                      <dgm:rule type="primFontSz" val="5" fact="NaN" max="NaN"/>
+                    </dgm:ruleLst>
+                  </dgm:layoutNode>
+                  <dgm:forEach name="Name139" axis="ch">
+                    <dgm:forEach name="Name140" axis="self" ptType="parTrans">
+                      <dgm:layoutNode name="Name141">
+                        <dgm:alg type="conn">
+                          <dgm:param type="dim" val="1D"/>
+                          <dgm:param type="begPts" val="auto"/>
+                          <dgm:param type="endPts" val="auto"/>
+                          <dgm:param type="begSty" val="noArr"/>
+                          <dgm:param type="endSty" val="noArr"/>
+                        </dgm:alg>
+                        <dgm:shape xmlns:r="http://schemas.openxmlformats.org/officeDocument/2006/relationships" type="conn" r:blip="">
+                          <dgm:adjLst/>
+                        </dgm:shape>
+                        <dgm:presOf axis="self"/>
+                        <dgm:constrLst>
+                          <dgm:constr type="begPad"/>
+                          <dgm:constr type="endPad"/>
+                        </dgm:constrLst>
+                      </dgm:layoutNode>
+                    </dgm:forEach>
+                    <dgm:forEach name="Name142" axis="self" ptType="node">
+                      <dgm:layoutNode name="text1" styleLbl="node1">
+                        <dgm:varLst>
+                          <dgm:bulletEnabled val="1"/>
+                        </dgm:varLst>
+                        <dgm:alg type="tx"/>
+                        <dgm:shape xmlns:r="http://schemas.openxmlformats.org/officeDocument/2006/relationships" type="roundRect" r:blip="">
+                          <dgm:adjLst/>
+                        </dgm:shape>
+                        <dgm:presOf axis="desOrSelf" ptType="node"/>
+                        <dgm:constrLst>
+                          <dgm:constr type="userS"/>
+                          <dgm:constr type="w" refType="userS"/>
+                          <dgm:constr type="h" refType="w"/>
+                          <dgm:constr type="tMarg" refType="primFontSz" fact="0.2"/>
+                          <dgm:constr type="bMarg" refType="primFontSz" fact="0.2"/>
+                          <dgm:constr type="lMarg" refType="primFontSz" fact="0.2"/>
+                          <dgm:constr type="rMarg" refType="primFontSz" fact="0.2"/>
+                        </dgm:constrLst>
+                        <dgm:ruleLst>
+                          <dgm:rule type="primFontSz" val="5" fact="NaN" max="NaN"/>
+                        </dgm:ruleLst>
+                      </dgm:layoutNode>
+                    </dgm:forEach>
+                  </dgm:forEach>
+                </dgm:forEach>
+              </dgm:layoutNode>
+              <dgm:forEach name="Name143" axis="ch" ptType="parTrans" cnt="1">
+                <dgm:layoutNode name="Name144">
+                  <dgm:alg type="conn">
+                    <dgm:param type="dim" val="1D"/>
+                    <dgm:param type="begPts" val="auto"/>
+                    <dgm:param type="endPts" val="auto"/>
+                    <dgm:param type="endSty" val="noArr"/>
+                    <dgm:param type="srcNode" val="textCenter"/>
+                    <dgm:param type="dstNode" val="childCenter1"/>
+                  </dgm:alg>
+                  <dgm:shape xmlns:r="http://schemas.openxmlformats.org/officeDocument/2006/relationships" type="conn" r:blip="" zOrderOff="-999">
+                    <dgm:adjLst/>
+                  </dgm:shape>
+                  <dgm:presOf axis="self"/>
+                  <dgm:constrLst>
+                    <dgm:constr type="h"/>
+                    <dgm:constr type="begPad"/>
+                    <dgm:constr type="endPad"/>
+                  </dgm:constrLst>
+                </dgm:layoutNode>
+              </dgm:forEach>
+            </dgm:if>
+            <dgm:else name="Name145"/>
+          </dgm:choose>
+          <dgm:choose name="Name146">
+            <dgm:if name="Name147" axis="ch" ptType="node" func="cnt" op="gte" val="2">
+              <dgm:layoutNode name="cycle_2">
+                <dgm:choose name="Name148">
+                  <dgm:if name="Name149" func="var" arg="dir" op="equ" val="norm">
+                    <dgm:choose name="Name150">
+                      <dgm:if name="Name151" axis="ch" ptType="node" func="cnt" op="equ" val="2">
+                        <dgm:choose name="Name152">
+                          <dgm:if name="Name153" axis="ch ch" ptType="node node" st="2 1" cnt="1 0" func="cnt" op="equ" val="1">
+                            <dgm:alg type="cycle">
+                              <dgm:param type="ctrShpMap" val="fNode"/>
+                              <dgm:param type="stAng" val="180"/>
+                            </dgm:alg>
+                          </dgm:if>
+                          <dgm:if name="Name154" axis="ch ch" ptType="node node" st="2 1" cnt="1 0" func="cnt" op="equ" val="2">
+                            <dgm:alg type="cycle">
+                              <dgm:param type="ctrShpMap" val="fNode"/>
+                              <dgm:param type="stAng" val="135"/>
+                              <dgm:param type="spanAng" val="90"/>
+                            </dgm:alg>
+                          </dgm:if>
+                          <dgm:else name="Name155">
+                            <dgm:alg type="cycle">
+                              <dgm:param type="ctrShpMap" val="fNode"/>
+                              <dgm:param type="stAng" val="90"/>
+                              <dgm:param type="spanAng" val="180"/>
+                            </dgm:alg>
+                          </dgm:else>
+                        </dgm:choose>
+                      </dgm:if>
+                      <dgm:if name="Name156" axis="ch" ptType="node" func="cnt" op="equ" val="3">
+                        <dgm:choose name="Name157">
+                          <dgm:if name="Name158" axis="ch ch" ptType="node node" st="2 1" cnt="1 0" func="cnt" op="equ" val="1">
+                            <dgm:alg type="cycle">
+                              <dgm:param type="ctrShpMap" val="fNode"/>
+                              <dgm:param type="stAng" val="120"/>
+                              <dgm:param type="horzAlign" val="r"/>
+                              <dgm:param type="vertAlign" val="b"/>
+                            </dgm:alg>
+                          </dgm:if>
+                          <dgm:if name="Name159" axis="ch ch" ptType="node node" st="2 1" cnt="1 0" func="cnt" op="equ" val="2">
+                            <dgm:alg type="cycle">
+                              <dgm:param type="ctrShpMap" val="fNode"/>
+                              <dgm:param type="stAng" val="75"/>
+                              <dgm:param type="spanAng" val="90"/>
+                              <dgm:param type="horzAlign" val="r"/>
+                              <dgm:param type="vertAlign" val="b"/>
+                            </dgm:alg>
+                          </dgm:if>
+                          <dgm:else name="Name160">
+                            <dgm:alg type="cycle">
+                              <dgm:param type="ctrShpMap" val="fNode"/>
+                              <dgm:param type="stAng" val="30"/>
+                              <dgm:param type="spanAng" val="180"/>
+                            </dgm:alg>
+                          </dgm:else>
+                        </dgm:choose>
+                      </dgm:if>
+                      <dgm:if name="Name161" axis="ch" ptType="node" func="cnt" op="equ" val="4">
+                        <dgm:choose name="Name162">
+                          <dgm:if name="Name163" axis="ch ch" ptType="node node" st="2 1" cnt="1 0" func="cnt" op="equ" val="1">
+                            <dgm:alg type="cycle">
+                              <dgm:param type="ctrShpMap" val="fNode"/>
+                              <dgm:param type="stAng" val="90"/>
+                            </dgm:alg>
+                          </dgm:if>
+                          <dgm:if name="Name164" axis="ch ch" ptType="node node" st="2 1" cnt="1 0" func="cnt" op="equ" val="2">
+                            <dgm:alg type="cycle">
+                              <dgm:param type="ctrShpMap" val="fNode"/>
+                              <dgm:param type="stAng" val="45"/>
+                              <dgm:param type="spanAng" val="90"/>
+                            </dgm:alg>
+                          </dgm:if>
+                          <dgm:else name="Name165">
+                            <dgm:alg type="cycle">
+                              <dgm:param type="ctrShpMap" val="fNode"/>
+                              <dgm:param type="stAng" val="22.5"/>
+                              <dgm:param type="spanAng" val="135"/>
+                            </dgm:alg>
+                          </dgm:else>
+                        </dgm:choose>
+                      </dgm:if>
+                      <dgm:if name="Name166" axis="ch" ptType="node" func="cnt" op="equ" val="5">
+                        <dgm:choose name="Name167">
+                          <dgm:if name="Name168" axis="ch ch" ptType="node node" st="2 1" cnt="1 0" func="cnt" op="equ" val="1">
+                            <dgm:alg type="cycle">
+                              <dgm:param type="ctrShpMap" val="fNode"/>
+                              <dgm:param type="stAng" val="72"/>
+                            </dgm:alg>
+                          </dgm:if>
+                          <dgm:if name="Name169" axis="ch ch" ptType="node node" st="2 1" cnt="1 0" func="cnt" op="equ" val="2">
+                            <dgm:alg type="cycle">
+                              <dgm:param type="ctrShpMap" val="fNode"/>
+                              <dgm:param type="stAng" val="27"/>
+                              <dgm:param type="spanAng" val="90"/>
+                            </dgm:alg>
+                          </dgm:if>
+                          <dgm:else name="Name170">
+                            <dgm:alg type="cycle">
+                              <dgm:param type="ctrShpMap" val="fNode"/>
+                              <dgm:param type="stAng" val="0"/>
+                              <dgm:param type="spanAng" val="360"/>
+                            </dgm:alg>
+                          </dgm:else>
+                        </dgm:choose>
+                      </dgm:if>
+                      <dgm:if name="Name171" axis="ch" ptType="node" func="cnt" op="equ" val="6">
+                        <dgm:choose name="Name172">
+                          <dgm:if name="Name173" axis="ch ch" ptType="node node" st="2 1" cnt="1 0" func="cnt" op="equ" val="1">
+                            <dgm:alg type="cycle">
+                              <dgm:param type="ctrShpMap" val="fNode"/>
+                              <dgm:param type="stAng" val="60"/>
+                            </dgm:alg>
+                          </dgm:if>
+                          <dgm:if name="Name174" axis="ch ch" ptType="node node" st="2 1" cnt="1 0" func="cnt" op="equ" val="2">
+                            <dgm:alg type="cycle">
+                              <dgm:param type="ctrShpMap" val="fNode"/>
+                              <dgm:param type="stAng" val="15"/>
+                              <dgm:param type="spanAng" val="90"/>
+                            </dgm:alg>
+                          </dgm:if>
+                          <dgm:else name="Name175">
+                            <dgm:alg type="cycle">
+                              <dgm:param type="ctrShpMap" val="fNode"/>
+                              <dgm:param type="stAng" val="0"/>
+                              <dgm:param type="spanAng" val="360"/>
+                            </dgm:alg>
+                          </dgm:else>
+                        </dgm:choose>
+                      </dgm:if>
+                      <dgm:if name="Name176" axis="ch" ptType="node" func="cnt" op="gte" val="7">
+                        <dgm:choose name="Name177">
+                          <dgm:if name="Name178" axis="ch ch" ptType="node node" st="2 1" cnt="1 0" func="cnt" op="equ" val="1">
+                            <dgm:alg type="cycle">
+                              <dgm:param type="ctrShpMap" val="fNode"/>
+                              <dgm:param type="stAng" val="51"/>
+                            </dgm:alg>
+                          </dgm:if>
+                          <dgm:if name="Name179" axis="ch ch" ptType="node node" st="2 1" cnt="1 0" func="cnt" op="equ" val="2">
+                            <dgm:alg type="cycle">
+                              <dgm:param type="ctrShpMap" val="fNode"/>
+                              <dgm:param type="stAng" val="6"/>
+                              <dgm:param type="spanAng" val="90"/>
+                            </dgm:alg>
+                          </dgm:if>
+                          <dgm:else name="Name180">
+                            <dgm:alg type="cycle">
+                              <dgm:param type="ctrShpMap" val="fNode"/>
+                              <dgm:param type="stAng" val="0"/>
+                              <dgm:param type="spanAng" val="360"/>
+                            </dgm:alg>
+                          </dgm:else>
+                        </dgm:choose>
+                      </dgm:if>
+                      <dgm:else name="Name181"/>
+                    </dgm:choose>
+                  </dgm:if>
+                  <dgm:else name="Name182">
+                    <dgm:choose name="Name183">
+                      <dgm:if name="Name184" axis="ch" ptType="node" func="cnt" op="equ" val="2">
+                        <dgm:choose name="Name185">
+                          <dgm:if name="Name186" axis="ch ch" ptType="node node" st="2 1" cnt="1 0" func="cnt" op="equ" val="1">
+                            <dgm:alg type="cycle">
+                              <dgm:param type="ctrShpMap" val="fNode"/>
+                              <dgm:param type="stAng" val="180"/>
+                            </dgm:alg>
+                          </dgm:if>
+                          <dgm:if name="Name187" axis="ch ch" ptType="node node" st="2 1" cnt="1 0" func="cnt" op="equ" val="2">
+                            <dgm:alg type="cycle">
+                              <dgm:param type="ctrShpMap" val="fNode"/>
+                              <dgm:param type="stAng" val="225"/>
+                              <dgm:param type="spanAng" val="-90"/>
+                            </dgm:alg>
+                          </dgm:if>
+                          <dgm:else name="Name188">
+                            <dgm:alg type="cycle">
+                              <dgm:param type="ctrShpMap" val="fNode"/>
+                              <dgm:param type="stAng" val="270"/>
+                              <dgm:param type="spanAng" val="-180"/>
+                            </dgm:alg>
+                          </dgm:else>
+                        </dgm:choose>
+                      </dgm:if>
+                      <dgm:if name="Name189" axis="ch" ptType="node" func="cnt" op="equ" val="3">
+                        <dgm:choose name="Name190">
+                          <dgm:if name="Name191" axis="ch ch" ptType="node node" st="2 1" cnt="1 0" func="cnt" op="equ" val="1">
+                            <dgm:alg type="cycle">
+                              <dgm:param type="ctrShpMap" val="fNode"/>
+                              <dgm:param type="stAng" val="240"/>
+                              <dgm:param type="horzAlign" val="l"/>
+                              <dgm:param type="vertAlign" val="b"/>
+                            </dgm:alg>
+                          </dgm:if>
+                          <dgm:if name="Name192" axis="ch ch" ptType="node node" st="2 1" cnt="1 0" func="cnt" op="equ" val="2">
+                            <dgm:alg type="cycle">
+                              <dgm:param type="ctrShpMap" val="fNode"/>
+                              <dgm:param type="stAng" val="285"/>
+                              <dgm:param type="spanAng" val="-90"/>
+                              <dgm:param type="horzAlign" val="l"/>
+                              <dgm:param type="vertAlign" val="b"/>
+                            </dgm:alg>
+                          </dgm:if>
+                          <dgm:else name="Name193">
+                            <dgm:alg type="cycle">
+                              <dgm:param type="ctrShpMap" val="fNode"/>
+                              <dgm:param type="stAng" val="330"/>
+                              <dgm:param type="spanAng" val="-180"/>
+                            </dgm:alg>
+                          </dgm:else>
+                        </dgm:choose>
+                      </dgm:if>
+                      <dgm:if name="Name194" axis="ch" ptType="node" func="cnt" op="equ" val="4">
+                        <dgm:choose name="Name195">
+                          <dgm:if name="Name196" axis="ch ch" ptType="node node" st="2 1" cnt="1 0" func="cnt" op="equ" val="1">
+                            <dgm:alg type="cycle">
+                              <dgm:param type="ctrShpMap" val="fNode"/>
+                              <dgm:param type="stAng" val="270"/>
+                            </dgm:alg>
+                          </dgm:if>
+                          <dgm:if name="Name197" axis="ch ch" ptType="node node" st="2 1" cnt="1 0" func="cnt" op="equ" val="2">
+                            <dgm:alg type="cycle">
+                              <dgm:param type="ctrShpMap" val="fNode"/>
+                              <dgm:param type="stAng" val="315"/>
+                              <dgm:param type="spanAng" val="-90"/>
+                            </dgm:alg>
+                          </dgm:if>
+                          <dgm:else name="Name198">
+                            <dgm:alg type="cycle">
+                              <dgm:param type="ctrShpMap" val="fNode"/>
+                              <dgm:param type="stAng" val="337.5"/>
+                              <dgm:param type="spanAng" val="-135"/>
+                            </dgm:alg>
+                          </dgm:else>
+                        </dgm:choose>
+                      </dgm:if>
+                      <dgm:if name="Name199" axis="ch" ptType="node" func="cnt" op="equ" val="5">
+                        <dgm:choose name="Name200">
+                          <dgm:if name="Name201" axis="ch ch" ptType="node node" st="2 1" cnt="1 0" func="cnt" op="equ" val="1">
+                            <dgm:alg type="cycle">
+                              <dgm:param type="ctrShpMap" val="fNode"/>
+                              <dgm:param type="stAng" val="288"/>
+                            </dgm:alg>
+                          </dgm:if>
+                          <dgm:if name="Name202" axis="ch ch" ptType="node node" st="2 1" cnt="1 0" func="cnt" op="equ" val="2">
+                            <dgm:alg type="cycle">
+                              <dgm:param type="ctrShpMap" val="fNode"/>
+                              <dgm:param type="stAng" val="333"/>
+                              <dgm:param type="spanAng" val="-90"/>
+                            </dgm:alg>
+                          </dgm:if>
+                          <dgm:else name="Name203">
+                            <dgm:alg type="cycle">
+                              <dgm:param type="ctrShpMap" val="fNode"/>
+                              <dgm:param type="stAng" val="0"/>
+                              <dgm:param type="spanAng" val="-360"/>
+                            </dgm:alg>
+                          </dgm:else>
+                        </dgm:choose>
+                      </dgm:if>
+                      <dgm:if name="Name204" axis="ch" ptType="node" func="cnt" op="equ" val="6">
+                        <dgm:choose name="Name205">
+                          <dgm:if name="Name206" axis="ch ch" ptType="node node" st="2 1" cnt="1 0" func="cnt" op="equ" val="1">
+                            <dgm:alg type="cycle">
+                              <dgm:param type="ctrShpMap" val="fNode"/>
+                              <dgm:param type="stAng" val="300"/>
+                            </dgm:alg>
+                          </dgm:if>
+                          <dgm:if name="Name207" axis="ch ch" ptType="node node" st="2 1" cnt="1 0" func="cnt" op="equ" val="2">
+                            <dgm:alg type="cycle">
+                              <dgm:param type="ctrShpMap" val="fNode"/>
+                              <dgm:param type="stAng" val="345"/>
+                              <dgm:param type="spanAng" val="-90"/>
+                            </dgm:alg>
+                          </dgm:if>
+                          <dgm:else name="Name208">
+                            <dgm:alg type="cycle">
+                              <dgm:param type="ctrShpMap" val="fNode"/>
+                              <dgm:param type="stAng" val="0"/>
+                              <dgm:param type="spanAng" val="-360"/>
+                            </dgm:alg>
+                          </dgm:else>
+                        </dgm:choose>
+                      </dgm:if>
+                      <dgm:if name="Name209" axis="ch" ptType="node" func="cnt" op="gte" val="7">
+                        <dgm:choose name="Name210">
+                          <dgm:if name="Name211" axis="ch ch" ptType="node node" st="2 1" cnt="1 0" func="cnt" op="equ" val="1">
+                            <dgm:alg type="cycle">
+                              <dgm:param type="ctrShpMap" val="fNode"/>
+                              <dgm:param type="stAng" val="308"/>
+                            </dgm:alg>
+                          </dgm:if>
+                          <dgm:if name="Name212" axis="ch ch" ptType="node node" st="2 1" cnt="1 0" func="cnt" op="equ" val="2">
+                            <dgm:alg type="cycle">
+                              <dgm:param type="ctrShpMap" val="fNode"/>
+                              <dgm:param type="stAng" val="353"/>
+                              <dgm:param type="spanAng" val="-90"/>
+                            </dgm:alg>
+                          </dgm:if>
+                          <dgm:else name="Name213">
+                            <dgm:alg type="cycle">
+                              <dgm:param type="ctrShpMap" val="fNode"/>
+                              <dgm:param type="stAng" val="0"/>
+                              <dgm:param type="spanAng" val="-360"/>
+                            </dgm:alg>
+                          </dgm:else>
+                        </dgm:choose>
+                      </dgm:if>
+                      <dgm:else name="Name214"/>
+                    </dgm:choose>
+                  </dgm:else>
+                </dgm:choose>
+                <dgm:shape xmlns:r="http://schemas.openxmlformats.org/officeDocument/2006/relationships" r:blip="">
+                  <dgm:adjLst/>
+                </dgm:shape>
+                <dgm:presOf/>
+                <dgm:constrLst>
+                  <dgm:constr type="sp" refType="w" fact="0.1"/>
+                  <dgm:constr type="sibSp" refType="w" fact="0.1"/>
+                </dgm:constrLst>
+                <dgm:forEach name="Name215" axis="ch" ptType="node" st="2" cnt="1">
+                  <dgm:layoutNode name="childCenter2" styleLbl="node1">
+                    <dgm:alg type="tx"/>
+                    <dgm:shape xmlns:r="http://schemas.openxmlformats.org/officeDocument/2006/relationships" type="roundRect" r:blip="">
+                      <dgm:adjLst/>
+                    </dgm:shape>
+                    <dgm:presOf axis="self" ptType="node"/>
+                    <dgm:constrLst>
+                      <dgm:constr type="userS"/>
+                      <dgm:constr type="w" refType="userS"/>
+                      <dgm:constr type="h" refType="w"/>
+                      <dgm:constr type="tMarg" refType="primFontSz" fact="0.2"/>
+                      <dgm:constr type="bMarg" refType="primFontSz" fact="0.2"/>
+                      <dgm:constr type="lMarg" refType="primFontSz" fact="0.2"/>
+                      <dgm:constr type="rMarg" refType="primFontSz" fact="0.2"/>
+                    </dgm:constrLst>
+                    <dgm:ruleLst>
+                      <dgm:rule type="primFontSz" val="5" fact="NaN" max="NaN"/>
+                    </dgm:ruleLst>
+                  </dgm:layoutNode>
+                  <dgm:forEach name="Name216" axis="ch">
+                    <dgm:forEach name="Name217" axis="self" ptType="parTrans">
+                      <dgm:layoutNode name="Name218">
+                        <dgm:alg type="conn">
+                          <dgm:param type="dim" val="1D"/>
+                          <dgm:param type="begPts" val="auto"/>
+                          <dgm:param type="endPts" val="auto"/>
+                          <dgm:param type="begSty" val="noArr"/>
+                          <dgm:param type="endSty" val="noArr"/>
+                        </dgm:alg>
+                        <dgm:shape xmlns:r="http://schemas.openxmlformats.org/officeDocument/2006/relationships" type="conn" r:blip="">
+                          <dgm:adjLst/>
+                        </dgm:shape>
+                        <dgm:presOf axis="self"/>
+                        <dgm:constrLst>
+                          <dgm:constr type="begPad"/>
+                          <dgm:constr type="endPad"/>
+                        </dgm:constrLst>
+                      </dgm:layoutNode>
+                    </dgm:forEach>
+                    <dgm:forEach name="Name219" axis="self" ptType="node">
+                      <dgm:layoutNode name="text2" styleLbl="node1">
+                        <dgm:varLst>
+                          <dgm:bulletEnabled val="1"/>
+                        </dgm:varLst>
+                        <dgm:alg type="tx"/>
+                        <dgm:shape xmlns:r="http://schemas.openxmlformats.org/officeDocument/2006/relationships" type="roundRect" r:blip="">
+                          <dgm:adjLst/>
+                        </dgm:shape>
+                        <dgm:presOf axis="desOrSelf" ptType="node"/>
+                        <dgm:constrLst>
+                          <dgm:constr type="userS"/>
+                          <dgm:constr type="w" refType="userS"/>
+                          <dgm:constr type="h" refType="w"/>
+                          <dgm:constr type="tMarg" refType="primFontSz" fact="0.2"/>
+                          <dgm:constr type="bMarg" refType="primFontSz" fact="0.2"/>
+                          <dgm:constr type="lMarg" refType="primFontSz" fact="0.2"/>
+                          <dgm:constr type="rMarg" refType="primFontSz" fact="0.2"/>
+                        </dgm:constrLst>
+                        <dgm:ruleLst>
+                          <dgm:rule type="primFontSz" val="5" fact="NaN" max="NaN"/>
+                        </dgm:ruleLst>
+                      </dgm:layoutNode>
+                    </dgm:forEach>
+                  </dgm:forEach>
+                </dgm:forEach>
+              </dgm:layoutNode>
+              <dgm:forEach name="Name220" axis="ch" ptType="parTrans" st="2" cnt="1">
+                <dgm:layoutNode name="Name221">
+                  <dgm:alg type="conn">
+                    <dgm:param type="dim" val="1D"/>
+                    <dgm:param type="begPts" val="auto"/>
+                    <dgm:param type="endPts" val="auto"/>
+                    <dgm:param type="endSty" val="noArr"/>
+                    <dgm:param type="srcNode" val="textCenter"/>
+                    <dgm:param type="dstNode" val="childCenter2"/>
+                  </dgm:alg>
+                  <dgm:shape xmlns:r="http://schemas.openxmlformats.org/officeDocument/2006/relationships" type="conn" r:blip="" zOrderOff="-999">
+                    <dgm:adjLst/>
+                  </dgm:shape>
+                  <dgm:presOf axis="self"/>
+                  <dgm:constrLst>
+                    <dgm:constr type="h"/>
+                    <dgm:constr type="begPad"/>
+                    <dgm:constr type="endPad"/>
+                  </dgm:constrLst>
+                </dgm:layoutNode>
+              </dgm:forEach>
+            </dgm:if>
+            <dgm:else name="Name222"/>
+          </dgm:choose>
+          <dgm:choose name="Name223">
+            <dgm:if name="Name224" axis="ch" ptType="node" func="cnt" op="gte" val="3">
+              <dgm:layoutNode name="cycle_3">
+                <dgm:choose name="Name225">
+                  <dgm:if name="Name226" func="var" arg="dir" op="equ" val="norm">
+                    <dgm:choose name="Name227">
+                      <dgm:if name="Name228" axis="ch" ptType="node" func="cnt" op="equ" val="3">
+                        <dgm:choose name="Name229">
+                          <dgm:if name="Name230" axis="ch ch" ptType="node node" st="3 1" cnt="1 0" func="cnt" op="equ" val="1">
+                            <dgm:alg type="cycle">
+                              <dgm:param type="ctrShpMap" val="fNode"/>
+                              <dgm:param type="stAng" val="240"/>
+                              <dgm:param type="horzAlign" val="l"/>
+                              <dgm:param type="vertAlign" val="b"/>
+                            </dgm:alg>
+                          </dgm:if>
+                          <dgm:if name="Name231" axis="ch ch" ptType="node node" st="3 1" cnt="1 0" func="cnt" op="equ" val="2">
+                            <dgm:alg type="cycle">
+                              <dgm:param type="ctrShpMap" val="fNode"/>
+                              <dgm:param type="stAng" val="195"/>
+                              <dgm:param type="spanAng" val="90"/>
+                              <dgm:param type="horzAlign" val="l"/>
+                              <dgm:param type="vertAlign" val="b"/>
+                            </dgm:alg>
+                          </dgm:if>
+                          <dgm:else name="Name232">
+                            <dgm:alg type="cycle">
+                              <dgm:param type="ctrShpMap" val="fNode"/>
+                              <dgm:param type="stAng" val="150"/>
+                              <dgm:param type="spanAng" val="180"/>
+                            </dgm:alg>
+                          </dgm:else>
+                        </dgm:choose>
+                      </dgm:if>
+                      <dgm:if name="Name233" axis="ch" ptType="node" func="cnt" op="equ" val="4">
+                        <dgm:choose name="Name234">
+                          <dgm:if name="Name235" axis="ch ch" ptType="node node" st="3 1" cnt="1 0" func="cnt" op="equ" val="1">
+                            <dgm:alg type="cycle">
+                              <dgm:param type="ctrShpMap" val="fNode"/>
+                              <dgm:param type="stAng" val="180"/>
+                            </dgm:alg>
+                          </dgm:if>
+                          <dgm:if name="Name236" axis="ch ch" ptType="node node" st="3 1" cnt="1 0" func="cnt" op="equ" val="2">
+                            <dgm:alg type="cycle">
+                              <dgm:param type="ctrShpMap" val="fNode"/>
+                              <dgm:param type="stAng" val="135"/>
+                              <dgm:param type="spanAng" val="90"/>
+                            </dgm:alg>
+                          </dgm:if>
+                          <dgm:else name="Name237">
+                            <dgm:alg type="cycle">
+                              <dgm:param type="ctrShpMap" val="fNode"/>
+                              <dgm:param type="stAng" val="112.5"/>
+                              <dgm:param type="spanAng" val="135"/>
+                            </dgm:alg>
+                          </dgm:else>
+                        </dgm:choose>
+                      </dgm:if>
+                      <dgm:if name="Name238" axis="ch" ptType="node" func="cnt" op="equ" val="5">
+                        <dgm:choose name="Name239">
+                          <dgm:if name="Name240" axis="ch ch" ptType="node node" st="3 1" cnt="1 0" func="cnt" op="equ" val="1">
+                            <dgm:alg type="cycle">
+                              <dgm:param type="ctrShpMap" val="fNode"/>
+                              <dgm:param type="stAng" val="144"/>
+                            </dgm:alg>
+                          </dgm:if>
+                          <dgm:if name="Name241" axis="ch ch" ptType="node node" st="3 1" cnt="1 0" func="cnt" op="equ" val="2">
+                            <dgm:alg type="cycle">
+                              <dgm:param type="ctrShpMap" val="fNode"/>
+                              <dgm:param type="stAng" val="99"/>
+                              <dgm:param type="spanAng" val="90"/>
+                            </dgm:alg>
+                          </dgm:if>
+                          <dgm:else name="Name242">
+                            <dgm:alg type="cycle">
+                              <dgm:param type="ctrShpMap" val="fNode"/>
+                              <dgm:param type="stAng" val="0"/>
+                              <dgm:param type="spanAng" val="360"/>
+                            </dgm:alg>
+                          </dgm:else>
+                        </dgm:choose>
+                      </dgm:if>
+                      <dgm:if name="Name243" axis="ch" ptType="node" func="cnt" op="equ" val="6">
+                        <dgm:choose name="Name244">
+                          <dgm:if name="Name245" axis="ch ch" ptType="node node" st="3 1" cnt="1 0" func="cnt" op="equ" val="1">
+                            <dgm:alg type="cycle">
+                              <dgm:param type="ctrShpMap" val="fNode"/>
+                              <dgm:param type="stAng" val="120"/>
+                            </dgm:alg>
+                          </dgm:if>
+                          <dgm:if name="Name246" axis="ch ch" ptType="node node" st="3 1" cnt="1 0" func="cnt" op="equ" val="2">
+                            <dgm:alg type="cycle">
+                              <dgm:param type="ctrShpMap" val="fNode"/>
+                              <dgm:param type="stAng" val="75"/>
+                              <dgm:param type="spanAng" val="90"/>
+                            </dgm:alg>
+                          </dgm:if>
+                          <dgm:else name="Name247">
+                            <dgm:alg type="cycle">
+                              <dgm:param type="ctrShpMap" val="fNode"/>
+                              <dgm:param type="stAng" val="0"/>
+                              <dgm:param type="spanAng" val="360"/>
+                            </dgm:alg>
+                          </dgm:else>
+                        </dgm:choose>
+                      </dgm:if>
+                      <dgm:if name="Name248" axis="ch" ptType="node" func="cnt" op="gte" val="7">
+                        <dgm:choose name="Name249">
+                          <dgm:if name="Name250" axis="ch ch" ptType="node node" st="3 1" cnt="1 0" func="cnt" op="equ" val="1">
+                            <dgm:alg type="cycle">
+                              <dgm:param type="ctrShpMap" val="fNode"/>
+                              <dgm:param type="stAng" val="102"/>
+                            </dgm:alg>
+                          </dgm:if>
+                          <dgm:if name="Name251" axis="ch ch" ptType="node node" st="3 1" cnt="1 0" func="cnt" op="equ" val="2">
+                            <dgm:alg type="cycle">
+                              <dgm:param type="ctrShpMap" val="fNode"/>
+                              <dgm:param type="stAng" val="57"/>
+                              <dgm:param type="spanAng" val="90"/>
+                            </dgm:alg>
+                          </dgm:if>
+                          <dgm:else name="Name252">
+                            <dgm:alg type="cycle">
+                              <dgm:param type="ctrShpMap" val="fNode"/>
+                              <dgm:param type="stAng" val="0"/>
+                              <dgm:param type="spanAng" val="360"/>
+                            </dgm:alg>
+                          </dgm:else>
+                        </dgm:choose>
+                      </dgm:if>
+                      <dgm:else name="Name253"/>
+                    </dgm:choose>
+                  </dgm:if>
+                  <dgm:else name="Name254">
+                    <dgm:choose name="Name255">
+                      <dgm:if name="Name256" axis="ch" ptType="node" func="cnt" op="equ" val="3">
+                        <dgm:choose name="Name257">
+                          <dgm:if name="Name258" axis="ch ch" ptType="node node" st="3 1" cnt="1 0" func="cnt" op="equ" val="1">
+                            <dgm:alg type="cycle">
+                              <dgm:param type="ctrShpMap" val="fNode"/>
+                              <dgm:param type="stAng" val="120"/>
+                              <dgm:param type="horzAlign" val="r"/>
+                              <dgm:param type="vertAlign" val="b"/>
+                            </dgm:alg>
+                          </dgm:if>
+                          <dgm:if name="Name259" axis="ch ch" ptType="node node" st="3 1" cnt="1 0" func="cnt" op="equ" val="2">
+                            <dgm:alg type="cycle">
+                              <dgm:param type="ctrShpMap" val="fNode"/>
+                              <dgm:param type="stAng" val="165"/>
+                              <dgm:param type="spanAng" val="-90"/>
+                              <dgm:param type="horzAlign" val="r"/>
+                              <dgm:param type="vertAlign" val="b"/>
+                            </dgm:alg>
+                          </dgm:if>
+                          <dgm:else name="Name260">
+                            <dgm:alg type="cycle">
+                              <dgm:param type="ctrShpMap" val="fNode"/>
+                              <dgm:param type="stAng" val="210"/>
+                              <dgm:param type="spanAng" val="-180"/>
+                            </dgm:alg>
+                          </dgm:else>
+                        </dgm:choose>
+                      </dgm:if>
+                      <dgm:if name="Name261" axis="ch" ptType="node" func="cnt" op="equ" val="4">
+                        <dgm:choose name="Name262">
+                          <dgm:if name="Name263" axis="ch ch" ptType="node node" st="3 1" cnt="1 0" func="cnt" op="equ" val="1">
+                            <dgm:alg type="cycle">
+                              <dgm:param type="ctrShpMap" val="fNode"/>
+                              <dgm:param type="stAng" val="180"/>
+                            </dgm:alg>
+                          </dgm:if>
+                          <dgm:if name="Name264" axis="ch ch" ptType="node node" st="3 1" cnt="1 0" func="cnt" op="equ" val="2">
+                            <dgm:alg type="cycle">
+                              <dgm:param type="ctrShpMap" val="fNode"/>
+                              <dgm:param type="stAng" val="225"/>
+                              <dgm:param type="spanAng" val="-90"/>
+                            </dgm:alg>
+                          </dgm:if>
+                          <dgm:else name="Name265">
+                            <dgm:alg type="cycle">
+                              <dgm:param type="ctrShpMap" val="fNode"/>
+                              <dgm:param type="stAng" val="247.5"/>
+                              <dgm:param type="spanAng" val="-135"/>
+                            </dgm:alg>
+                          </dgm:else>
+                        </dgm:choose>
+                      </dgm:if>
+                      <dgm:if name="Name266" axis="ch" ptType="node" func="cnt" op="equ" val="5">
+                        <dgm:choose name="Name267">
+                          <dgm:if name="Name268" axis="ch ch" ptType="node node" st="3 1" cnt="1 0" func="cnt" op="equ" val="1">
+                            <dgm:alg type="cycle">
+                              <dgm:param type="ctrShpMap" val="fNode"/>
+                              <dgm:param type="stAng" val="216"/>
+                            </dgm:alg>
+                          </dgm:if>
+                          <dgm:if name="Name269" axis="ch ch" ptType="node node" st="3 1" cnt="1 0" func="cnt" op="equ" val="2">
+                            <dgm:alg type="cycle">
+                              <dgm:param type="ctrShpMap" val="fNode"/>
+                              <dgm:param type="stAng" val="261"/>
+                              <dgm:param type="spanAng" val="-90"/>
+                            </dgm:alg>
+                          </dgm:if>
+                          <dgm:else name="Name270">
+                            <dgm:alg type="cycle">
+                              <dgm:param type="ctrShpMap" val="fNode"/>
+                              <dgm:param type="stAng" val="0"/>
+                              <dgm:param type="spanAng" val="-360"/>
+                            </dgm:alg>
+                          </dgm:else>
+                        </dgm:choose>
+                      </dgm:if>
+                      <dgm:if name="Name271" axis="ch" ptType="node" func="cnt" op="equ" val="6">
+                        <dgm:choose name="Name272">
+                          <dgm:if name="Name273" axis="ch ch" ptType="node node" st="3 1" cnt="1 0" func="cnt" op="equ" val="1">
+                            <dgm:alg type="cycle">
+                              <dgm:param type="ctrShpMap" val="fNode"/>
+                              <dgm:param type="stAng" val="240"/>
+                            </dgm:alg>
+                          </dgm:if>
+                          <dgm:if name="Name274" axis="ch ch" ptType="node node" st="3 1" cnt="1 0" func="cnt" op="equ" val="2">
+                            <dgm:alg type="cycle">
+                              <dgm:param type="ctrShpMap" val="fNode"/>
+                              <dgm:param type="stAng" val="285"/>
+                              <dgm:param type="spanAng" val="-90"/>
+                            </dgm:alg>
+                          </dgm:if>
+                          <dgm:else name="Name275">
+                            <dgm:alg type="cycle">
+                              <dgm:param type="ctrShpMap" val="fNode"/>
+                              <dgm:param type="stAng" val="0"/>
+                              <dgm:param type="spanAng" val="-360"/>
+                            </dgm:alg>
+                          </dgm:else>
+                        </dgm:choose>
+                      </dgm:if>
+                      <dgm:if name="Name276" axis="ch" ptType="node" func="cnt" op="gte" val="7">
+                        <dgm:choose name="Name277">
+                          <dgm:if name="Name278" axis="ch ch" ptType="node node" st="3 1" cnt="1 0" func="cnt" op="equ" val="1">
+                            <dgm:alg type="cycle">
+                              <dgm:param type="ctrShpMap" val="fNode"/>
+                              <dgm:param type="stAng" val="257"/>
+                            </dgm:alg>
+                          </dgm:if>
+                          <dgm:if name="Name279" axis="ch ch" ptType="node node" st="3 1" cnt="1 0" func="cnt" op="equ" val="2">
+                            <dgm:alg type="cycle">
+                              <dgm:param type="ctrShpMap" val="fNode"/>
+                              <dgm:param type="stAng" val="302"/>
+                              <dgm:param type="spanAng" val="-90"/>
+                            </dgm:alg>
+                          </dgm:if>
+                          <dgm:else name="Name280">
+                            <dgm:alg type="cycle">
+                              <dgm:param type="ctrShpMap" val="fNode"/>
+                              <dgm:param type="stAng" val="0"/>
+                              <dgm:param type="spanAng" val="-360"/>
+                            </dgm:alg>
+                          </dgm:else>
+                        </dgm:choose>
+                      </dgm:if>
+                      <dgm:else name="Name281"/>
+                    </dgm:choose>
+                  </dgm:else>
+                </dgm:choose>
+                <dgm:shape xmlns:r="http://schemas.openxmlformats.org/officeDocument/2006/relationships" r:blip="">
+                  <dgm:adjLst/>
+                </dgm:shape>
+                <dgm:presOf/>
+                <dgm:constrLst>
+                  <dgm:constr type="sp" refType="w" fact="0.1"/>
+                  <dgm:constr type="sibSp" refType="w" fact="0.1"/>
+                </dgm:constrLst>
+                <dgm:forEach name="Name282" axis="ch" ptType="node" st="3" cnt="1">
+                  <dgm:layoutNode name="childCenter3" styleLbl="node1">
+                    <dgm:alg type="tx"/>
+                    <dgm:shape xmlns:r="http://schemas.openxmlformats.org/officeDocument/2006/relationships" type="roundRect" r:blip="">
+                      <dgm:adjLst/>
+                    </dgm:shape>
+                    <dgm:presOf axis="self" ptType="node"/>
+                    <dgm:constrLst>
+                      <dgm:constr type="userS"/>
+                      <dgm:constr type="w" refType="userS"/>
+                      <dgm:constr type="h" refType="w"/>
+                      <dgm:constr type="tMarg" refType="primFontSz" fact="0.2"/>
+                      <dgm:constr type="bMarg" refType="primFontSz" fact="0.2"/>
+                      <dgm:constr type="lMarg" refType="primFontSz" fact="0.2"/>
+                      <dgm:constr type="rMarg" refType="primFontSz" fact="0.2"/>
+                    </dgm:constrLst>
+                    <dgm:ruleLst>
+                      <dgm:rule type="primFontSz" val="5" fact="NaN" max="NaN"/>
+                    </dgm:ruleLst>
+                  </dgm:layoutNode>
+                  <dgm:forEach name="Name283" axis="ch">
+                    <dgm:forEach name="Name284" axis="self" ptType="parTrans">
+                      <dgm:layoutNode name="Name285">
+                        <dgm:alg type="conn">
+                          <dgm:param type="dim" val="1D"/>
+                          <dgm:param type="begPts" val="auto"/>
+                          <dgm:param type="endPts" val="auto"/>
+                          <dgm:param type="begSty" val="noArr"/>
+                          <dgm:param type="endSty" val="noArr"/>
+                        </dgm:alg>
+                        <dgm:shape xmlns:r="http://schemas.openxmlformats.org/officeDocument/2006/relationships" type="conn" r:blip="">
+                          <dgm:adjLst/>
+                        </dgm:shape>
+                        <dgm:presOf axis="self"/>
+                        <dgm:constrLst>
+                          <dgm:constr type="begPad"/>
+                          <dgm:constr type="endPad"/>
+                        </dgm:constrLst>
+                      </dgm:layoutNode>
+                    </dgm:forEach>
+                    <dgm:forEach name="Name286" axis="self" ptType="node">
+                      <dgm:layoutNode name="text3" styleLbl="node1">
+                        <dgm:varLst>
+                          <dgm:bulletEnabled val="1"/>
+                        </dgm:varLst>
+                        <dgm:alg type="tx"/>
+                        <dgm:shape xmlns:r="http://schemas.openxmlformats.org/officeDocument/2006/relationships" type="roundRect" r:blip="">
+                          <dgm:adjLst/>
+                        </dgm:shape>
+                        <dgm:presOf axis="desOrSelf" ptType="node"/>
+                        <dgm:constrLst>
+                          <dgm:constr type="userS"/>
+                          <dgm:constr type="w" refType="userS"/>
+                          <dgm:constr type="h" refType="w"/>
+                          <dgm:constr type="tMarg" refType="primFontSz" fact="0.2"/>
+                          <dgm:constr type="bMarg" refType="primFontSz" fact="0.2"/>
+                          <dgm:constr type="lMarg" refType="primFontSz" fact="0.2"/>
+                          <dgm:constr type="rMarg" refType="primFontSz" fact="0.2"/>
+                        </dgm:constrLst>
+                        <dgm:ruleLst>
+                          <dgm:rule type="primFontSz" val="5" fact="NaN" max="NaN"/>
+                        </dgm:ruleLst>
+                      </dgm:layoutNode>
+                    </dgm:forEach>
+                  </dgm:forEach>
+                </dgm:forEach>
+              </dgm:layoutNode>
+              <dgm:forEach name="Name287" axis="ch" ptType="parTrans" st="3" cnt="1">
+                <dgm:layoutNode name="Name288">
+                  <dgm:alg type="conn">
+                    <dgm:param type="dim" val="1D"/>
+                    <dgm:param type="begPts" val="auto"/>
+                    <dgm:param type="endPts" val="auto"/>
+                    <dgm:param type="endSty" val="noArr"/>
+                    <dgm:param type="srcNode" val="textCenter"/>
+                    <dgm:param type="dstNode" val="childCenter3"/>
+                  </dgm:alg>
+                  <dgm:shape xmlns:r="http://schemas.openxmlformats.org/officeDocument/2006/relationships" type="conn" r:blip="" zOrderOff="-999">
+                    <dgm:adjLst/>
+                  </dgm:shape>
+                  <dgm:presOf axis="self"/>
+                  <dgm:constrLst>
+                    <dgm:constr type="h"/>
+                    <dgm:constr type="begPad"/>
+                    <dgm:constr type="endPad"/>
+                  </dgm:constrLst>
+                </dgm:layoutNode>
+              </dgm:forEach>
+            </dgm:if>
+            <dgm:else name="Name289"/>
+          </dgm:choose>
+          <dgm:choose name="Name290">
+            <dgm:if name="Name291" axis="ch" ptType="node" func="cnt" op="gte" val="4">
+              <dgm:layoutNode name="cycle_4">
+                <dgm:choose name="Name292">
+                  <dgm:if name="Name293" func="var" arg="dir" op="equ" val="norm">
+                    <dgm:choose name="Name294">
+                      <dgm:if name="Name295" axis="ch" ptType="node" func="cnt" op="equ" val="4">
+                        <dgm:choose name="Name296">
+                          <dgm:if name="Name297" axis="ch ch" ptType="node node" st="4 1" cnt="1 0" func="cnt" op="equ" val="1">
+                            <dgm:alg type="cycle">
+                              <dgm:param type="ctrShpMap" val="fNode"/>
+                              <dgm:param type="stAng" val="270"/>
+                            </dgm:alg>
+                          </dgm:if>
+                          <dgm:if name="Name298" axis="ch ch" ptType="node node" st="4 1" cnt="1 0" func="cnt" op="equ" val="2">
+                            <dgm:alg type="cycle">
+                              <dgm:param type="ctrShpMap" val="fNode"/>
+                              <dgm:param type="stAng" val="225"/>
+                              <dgm:param type="spanAng" val="90"/>
+                            </dgm:alg>
+                          </dgm:if>
+                          <dgm:else name="Name299">
+                            <dgm:alg type="cycle">
+                              <dgm:param type="ctrShpMap" val="fNode"/>
+                              <dgm:param type="stAng" val="202.5"/>
+                              <dgm:param type="spanAng" val="135"/>
+                            </dgm:alg>
+                          </dgm:else>
+                        </dgm:choose>
+                      </dgm:if>
+                      <dgm:if name="Name300" axis="ch" ptType="node" func="cnt" op="equ" val="5">
+                        <dgm:choose name="Name301">
+                          <dgm:if name="Name302" axis="ch ch" ptType="node node" st="4 1" cnt="1 0" func="cnt" op="equ" val="1">
+                            <dgm:alg type="cycle">
+                              <dgm:param type="ctrShpMap" val="fNode"/>
+                              <dgm:param type="stAng" val="216"/>
+                            </dgm:alg>
+                          </dgm:if>
+                          <dgm:if name="Name303" axis="ch ch" ptType="node node" st="4 1" cnt="1 0" func="cnt" op="equ" val="2">
+                            <dgm:alg type="cycle">
+                              <dgm:param type="ctrShpMap" val="fNode"/>
+                              <dgm:param type="stAng" val="171"/>
+                              <dgm:param type="spanAng" val="90"/>
+                            </dgm:alg>
+                          </dgm:if>
+                          <dgm:else name="Name304">
+                            <dgm:alg type="cycle">
+                              <dgm:param type="ctrShpMap" val="fNode"/>
+                              <dgm:param type="stAng" val="0"/>
+                              <dgm:param type="spanAng" val="360"/>
+                            </dgm:alg>
+                          </dgm:else>
+                        </dgm:choose>
+                      </dgm:if>
+                      <dgm:if name="Name305" axis="ch" ptType="node" func="cnt" op="equ" val="6">
+                        <dgm:choose name="Name306">
+                          <dgm:if name="Name307" axis="ch ch" ptType="node node" st="4 1" cnt="1 0" func="cnt" op="equ" val="1">
+                            <dgm:alg type="cycle">
+                              <dgm:param type="ctrShpMap" val="fNode"/>
+                              <dgm:param type="stAng" val="180"/>
+                            </dgm:alg>
+                          </dgm:if>
+                          <dgm:if name="Name308" axis="ch ch" ptType="node node" st="4 1" cnt="1 0" func="cnt" op="equ" val="2">
+                            <dgm:alg type="cycle">
+                              <dgm:param type="ctrShpMap" val="fNode"/>
+                              <dgm:param type="stAng" val="135"/>
+                              <dgm:param type="spanAng" val="90"/>
+                            </dgm:alg>
+                          </dgm:if>
+                          <dgm:else name="Name309">
+                            <dgm:alg type="cycle">
+                              <dgm:param type="ctrShpMap" val="fNode"/>
+                              <dgm:param type="stAng" val="0"/>
+                              <dgm:param type="spanAng" val="360"/>
+                            </dgm:alg>
+                          </dgm:else>
+                        </dgm:choose>
+                      </dgm:if>
+                      <dgm:if name="Name310" axis="ch" ptType="node" func="cnt" op="gte" val="7">
+                        <dgm:choose name="Name311">
+                          <dgm:if name="Name312" axis="ch ch" ptType="node node" st="4 1" cnt="1 0" func="cnt" op="equ" val="1">
+                            <dgm:alg type="cycle">
+                              <dgm:param type="ctrShpMap" val="fNode"/>
+                              <dgm:param type="stAng" val="154"/>
+                            </dgm:alg>
+                          </dgm:if>
+                          <dgm:if name="Name313" axis="ch ch" ptType="node node" st="4 1" cnt="1 0" func="cnt" op="equ" val="2">
+                            <dgm:alg type="cycle">
+                              <dgm:param type="ctrShpMap" val="fNode"/>
+                              <dgm:param type="stAng" val="109"/>
+                              <dgm:param type="spanAng" val="90"/>
+                            </dgm:alg>
+                          </dgm:if>
+                          <dgm:else name="Name314">
+                            <dgm:alg type="cycle">
+                              <dgm:param type="ctrShpMap" val="fNode"/>
+                              <dgm:param type="stAng" val="0"/>
+                              <dgm:param type="spanAng" val="360"/>
+                            </dgm:alg>
+                          </dgm:else>
+                        </dgm:choose>
+                      </dgm:if>
+                      <dgm:else name="Name315"/>
+                    </dgm:choose>
+                  </dgm:if>
+                  <dgm:else name="Name316">
+                    <dgm:choose name="Name317">
+                      <dgm:if name="Name318" axis="ch" ptType="node" func="cnt" op="equ" val="4">
+                        <dgm:choose name="Name319">
+                          <dgm:if name="Name320" axis="ch ch" ptType="node node" st="4 1" cnt="1 0" func="cnt" op="equ" val="1">
+                            <dgm:alg type="cycle">
+                              <dgm:param type="ctrShpMap" val="fNode"/>
+                              <dgm:param type="stAng" val="90"/>
+                            </dgm:alg>
+                          </dgm:if>
+                          <dgm:if name="Name321" axis="ch ch" ptType="node node" st="4 1" cnt="1 0" func="cnt" op="equ" val="2">
+                            <dgm:alg type="cycle">
+                              <dgm:param type="ctrShpMap" val="fNode"/>
+                              <dgm:param type="stAng" val="135"/>
+                              <dgm:param type="spanAng" val="-90"/>
+                            </dgm:alg>
+                          </dgm:if>
+                          <dgm:else name="Name322">
+                            <dgm:alg type="cycle">
+                              <dgm:param type="ctrShpMap" val="fNode"/>
+                              <dgm:param type="stAng" val="157.5"/>
+                              <dgm:param type="spanAng" val="-135"/>
+                            </dgm:alg>
+                          </dgm:else>
+                        </dgm:choose>
+                      </dgm:if>
+                      <dgm:if name="Name323" axis="ch" ptType="node" func="cnt" op="equ" val="5">
+                        <dgm:choose name="Name324">
+                          <dgm:if name="Name325" axis="ch ch" ptType="node node" st="4 1" cnt="1 0" func="cnt" op="equ" val="1">
+                            <dgm:alg type="cycle">
+                              <dgm:param type="ctrShpMap" val="fNode"/>
+                              <dgm:param type="stAng" val="144"/>
+                            </dgm:alg>
+                          </dgm:if>
+                          <dgm:if name="Name326" axis="ch ch" ptType="node node" st="4 1" cnt="1 0" func="cnt" op="equ" val="2">
+                            <dgm:alg type="cycle">
+                              <dgm:param type="ctrShpMap" val="fNode"/>
+                              <dgm:param type="stAng" val="189"/>
+                              <dgm:param type="spanAng" val="-90"/>
+                            </dgm:alg>
+                          </dgm:if>
+                          <dgm:else name="Name327">
+                            <dgm:alg type="cycle">
+                              <dgm:param type="ctrShpMap" val="fNode"/>
+                              <dgm:param type="stAng" val="0"/>
+                              <dgm:param type="spanAng" val="-360"/>
+                            </dgm:alg>
+                          </dgm:else>
+                        </dgm:choose>
+                      </dgm:if>
+                      <dgm:if name="Name328" axis="ch" ptType="node" func="cnt" op="equ" val="6">
+                        <dgm:choose name="Name329">
+                          <dgm:if name="Name330" axis="ch ch" ptType="node node" st="4 1" cnt="1 0" func="cnt" op="equ" val="1">
+                            <dgm:alg type="cycle">
+                              <dgm:param type="ctrShpMap" val="fNode"/>
+                              <dgm:param type="stAng" val="180"/>
+                            </dgm:alg>
+                          </dgm:if>
+                          <dgm:if name="Name331" axis="ch ch" ptType="node node" st="4 1" cnt="1 0" func="cnt" op="equ" val="2">
+                            <dgm:alg type="cycle">
+                              <dgm:param type="ctrShpMap" val="fNode"/>
+                              <dgm:param type="stAng" val="225"/>
+                              <dgm:param type="spanAng" val="-90"/>
+                            </dgm:alg>
+                          </dgm:if>
+                          <dgm:else name="Name332">
+                            <dgm:alg type="cycle">
+                              <dgm:param type="ctrShpMap" val="fNode"/>
+                              <dgm:param type="stAng" val="0"/>
+                              <dgm:param type="spanAng" val="-360"/>
+                            </dgm:alg>
+                          </dgm:else>
+                        </dgm:choose>
+                      </dgm:if>
+                      <dgm:if name="Name333" axis="ch" ptType="node" func="cnt" op="gte" val="7">
+                        <dgm:choose name="Name334">
+                          <dgm:if name="Name335" axis="ch ch" ptType="node node" st="4 1" cnt="1 0" func="cnt" op="equ" val="1">
+                            <dgm:alg type="cycle">
+                              <dgm:param type="ctrShpMap" val="fNode"/>
+                              <dgm:param type="stAng" val="205"/>
+                            </dgm:alg>
+                          </dgm:if>
+                          <dgm:if name="Name336" axis="ch ch" ptType="node node" st="4 1" cnt="1 0" func="cnt" op="equ" val="2">
+                            <dgm:alg type="cycle">
+                              <dgm:param type="ctrShpMap" val="fNode"/>
+                              <dgm:param type="stAng" val="250"/>
+                              <dgm:param type="spanAng" val="-90"/>
+                            </dgm:alg>
+                          </dgm:if>
+                          <dgm:else name="Name337">
+                            <dgm:alg type="cycle">
+                              <dgm:param type="ctrShpMap" val="fNode"/>
+                              <dgm:param type="stAng" val="0"/>
+                              <dgm:param type="spanAng" val="-360"/>
+                            </dgm:alg>
+                          </dgm:else>
+                        </dgm:choose>
+                      </dgm:if>
+                      <dgm:else name="Name338"/>
+                    </dgm:choose>
+                  </dgm:else>
+                </dgm:choose>
+                <dgm:shape xmlns:r="http://schemas.openxmlformats.org/officeDocument/2006/relationships" r:blip="">
+                  <dgm:adjLst/>
+                </dgm:shape>
+                <dgm:presOf/>
+                <dgm:constrLst>
+                  <dgm:constr type="sp" refType="w" fact="0.1"/>
+                  <dgm:constr type="sibSp" refType="w" fact="0.1"/>
+                </dgm:constrLst>
+                <dgm:forEach name="Name339" axis="ch" ptType="node" st="4" cnt="1">
+                  <dgm:layoutNode name="childCenter4" styleLbl="node1">
+                    <dgm:alg type="tx"/>
+                    <dgm:shape xmlns:r="http://schemas.openxmlformats.org/officeDocument/2006/relationships" type="roundRect" r:blip="">
+                      <dgm:adjLst/>
+                    </dgm:shape>
+                    <dgm:presOf axis="self" ptType="node"/>
+                    <dgm:constrLst>
+                      <dgm:constr type="userS"/>
+                      <dgm:constr type="w" refType="userS"/>
+                      <dgm:constr type="h" refType="w"/>
+                      <dgm:constr type="tMarg" refType="primFontSz" fact="0.2"/>
+                      <dgm:constr type="bMarg" refType="primFontSz" fact="0.2"/>
+                      <dgm:constr type="lMarg" refType="primFontSz" fact="0.2"/>
+                      <dgm:constr type="rMarg" refType="primFontSz" fact="0.2"/>
+                    </dgm:constrLst>
+                    <dgm:ruleLst>
+                      <dgm:rule type="primFontSz" val="5" fact="NaN" max="NaN"/>
+                    </dgm:ruleLst>
+                  </dgm:layoutNode>
+                  <dgm:forEach name="Name340" axis="ch">
+                    <dgm:forEach name="Name341" axis="self" ptType="parTrans">
+                      <dgm:layoutNode name="Name342">
+                        <dgm:alg type="conn">
+                          <dgm:param type="dim" val="1D"/>
+                          <dgm:param type="begPts" val="auto"/>
+                          <dgm:param type="endPts" val="auto"/>
+                          <dgm:param type="begSty" val="noArr"/>
+                          <dgm:param type="endSty" val="noArr"/>
+                        </dgm:alg>
+                        <dgm:shape xmlns:r="http://schemas.openxmlformats.org/officeDocument/2006/relationships" type="conn" r:blip="">
+                          <dgm:adjLst/>
+                        </dgm:shape>
+                        <dgm:presOf axis="self"/>
+                        <dgm:constrLst>
+                          <dgm:constr type="begPad"/>
+                          <dgm:constr type="endPad"/>
+                        </dgm:constrLst>
+                      </dgm:layoutNode>
+                    </dgm:forEach>
+                    <dgm:forEach name="Name343" axis="self" ptType="node">
+                      <dgm:layoutNode name="text4" styleLbl="node1">
+                        <dgm:varLst>
+                          <dgm:bulletEnabled val="1"/>
+                        </dgm:varLst>
+                        <dgm:alg type="tx"/>
+                        <dgm:shape xmlns:r="http://schemas.openxmlformats.org/officeDocument/2006/relationships" type="roundRect" r:blip="">
+                          <dgm:adjLst/>
+                        </dgm:shape>
+                        <dgm:presOf axis="desOrSelf" ptType="node"/>
+                        <dgm:constrLst>
+                          <dgm:constr type="userS"/>
+                          <dgm:constr type="w" refType="userS"/>
+                          <dgm:constr type="h" refType="w"/>
+                          <dgm:constr type="tMarg" refType="primFontSz" fact="0.2"/>
+                          <dgm:constr type="bMarg" refType="primFontSz" fact="0.2"/>
+                          <dgm:constr type="lMarg" refType="primFontSz" fact="0.2"/>
+                          <dgm:constr type="rMarg" refType="primFontSz" fact="0.2"/>
+                        </dgm:constrLst>
+                        <dgm:ruleLst>
+                          <dgm:rule type="primFontSz" val="5" fact="NaN" max="NaN"/>
+                        </dgm:ruleLst>
+                      </dgm:layoutNode>
+                    </dgm:forEach>
+                  </dgm:forEach>
+                </dgm:forEach>
+              </dgm:layoutNode>
+              <dgm:forEach name="Name344" axis="ch" ptType="parTrans" st="4" cnt="1">
+                <dgm:layoutNode name="Name345">
+                  <dgm:alg type="conn">
+                    <dgm:param type="dim" val="1D"/>
+                    <dgm:param type="begPts" val="auto"/>
+                    <dgm:param type="endPts" val="auto"/>
+                    <dgm:param type="endSty" val="noArr"/>
+                    <dgm:param type="srcNode" val="textCenter"/>
+                    <dgm:param type="dstNode" val="childCenter4"/>
+                  </dgm:alg>
+                  <dgm:shape xmlns:r="http://schemas.openxmlformats.org/officeDocument/2006/relationships" type="conn" r:blip="" zOrderOff="-999">
+                    <dgm:adjLst/>
+                  </dgm:shape>
+                  <dgm:presOf axis="self"/>
+                  <dgm:constrLst>
+                    <dgm:constr type="h"/>
+                    <dgm:constr type="begPad"/>
+                    <dgm:constr type="endPad"/>
+                  </dgm:constrLst>
+                </dgm:layoutNode>
+              </dgm:forEach>
+            </dgm:if>
+            <dgm:else name="Name346"/>
+          </dgm:choose>
+          <dgm:choose name="Name347">
+            <dgm:if name="Name348" axis="ch" ptType="node" func="cnt" op="gte" val="5">
+              <dgm:layoutNode name="cycle_5">
+                <dgm:choose name="Name349">
+                  <dgm:if name="Name350" func="var" arg="dir" op="equ" val="norm">
+                    <dgm:choose name="Name351">
+                      <dgm:if name="Name352" axis="ch" ptType="node" func="cnt" op="equ" val="5">
+                        <dgm:choose name="Name353">
+                          <dgm:if name="Name354" axis="ch ch" ptType="node node" st="5 1" cnt="1 0" func="cnt" op="equ" val="1">
+                            <dgm:alg type="cycle">
+                              <dgm:param type="ctrShpMap" val="fNode"/>
+                              <dgm:param type="stAng" val="288"/>
+                            </dgm:alg>
+                          </dgm:if>
+                          <dgm:if name="Name355" axis="ch ch" ptType="node node" st="5 1" cnt="1 0" func="cnt" op="equ" val="2">
+                            <dgm:alg type="cycle">
+                              <dgm:param type="ctrShpMap" val="fNode"/>
+                              <dgm:param type="stAng" val="243"/>
+                              <dgm:param type="spanAng" val="90"/>
+                            </dgm:alg>
+                          </dgm:if>
+                          <dgm:else name="Name356">
+                            <dgm:alg type="cycle">
+                              <dgm:param type="ctrShpMap" val="fNode"/>
+                              <dgm:param type="stAng" val="0"/>
+                              <dgm:param type="spanAng" val="360"/>
+                            </dgm:alg>
+                          </dgm:else>
+                        </dgm:choose>
+                      </dgm:if>
+                      <dgm:if name="Name357" axis="ch" ptType="node" func="cnt" op="equ" val="6">
+                        <dgm:choose name="Name358">
+                          <dgm:if name="Name359" axis="ch ch" ptType="node node" st="5 1" cnt="1 0" func="cnt" op="equ" val="1">
+                            <dgm:alg type="cycle">
+                              <dgm:param type="ctrShpMap" val="fNode"/>
+                              <dgm:param type="stAng" val="240"/>
+                            </dgm:alg>
+                          </dgm:if>
+                          <dgm:if name="Name360" axis="ch ch" ptType="node node" st="5 1" cnt="1 0" func="cnt" op="equ" val="2">
+                            <dgm:alg type="cycle">
+                              <dgm:param type="ctrShpMap" val="fNode"/>
+                              <dgm:param type="stAng" val="195"/>
+                              <dgm:param type="spanAng" val="90"/>
+                            </dgm:alg>
+                          </dgm:if>
+                          <dgm:else name="Name361">
+                            <dgm:alg type="cycle">
+                              <dgm:param type="ctrShpMap" val="fNode"/>
+                              <dgm:param type="stAng" val="0"/>
+                              <dgm:param type="spanAng" val="360"/>
+                            </dgm:alg>
+                          </dgm:else>
+                        </dgm:choose>
+                      </dgm:if>
+                      <dgm:if name="Name362" axis="ch" ptType="node" func="cnt" op="gte" val="7">
+                        <dgm:choose name="Name363">
+                          <dgm:if name="Name364" axis="ch ch" ptType="node node" st="5 1" cnt="1 0" func="cnt" op="equ" val="1">
+                            <dgm:alg type="cycle">
+                              <dgm:param type="ctrShpMap" val="fNode"/>
+                              <dgm:param type="stAng" val="205"/>
+                            </dgm:alg>
+                          </dgm:if>
+                          <dgm:if name="Name365" axis="ch ch" ptType="node node" st="5 1" cnt="1 0" func="cnt" op="equ" val="2">
+                            <dgm:alg type="cycle">
+                              <dgm:param type="ctrShpMap" val="fNode"/>
+                              <dgm:param type="stAng" val="160"/>
+                              <dgm:param type="spanAng" val="90"/>
+                            </dgm:alg>
+                          </dgm:if>
+                          <dgm:else name="Name366">
+                            <dgm:alg type="cycle">
+                              <dgm:param type="ctrShpMap" val="fNode"/>
+                              <dgm:param type="stAng" val="0"/>
+                              <dgm:param type="spanAng" val="360"/>
+                            </dgm:alg>
+                          </dgm:else>
+                        </dgm:choose>
+                      </dgm:if>
+                      <dgm:else name="Name367"/>
+                    </dgm:choose>
+                  </dgm:if>
+                  <dgm:else name="Name368">
+                    <dgm:choose name="Name369">
+                      <dgm:if name="Name370" axis="ch" ptType="node" func="cnt" op="equ" val="5">
+                        <dgm:choose name="Name371">
+                          <dgm:if name="Name372" axis="ch ch" ptType="node node" st="5 1" cnt="1 0" func="cnt" op="equ" val="1">
+                            <dgm:alg type="cycle">
+                              <dgm:param type="ctrShpMap" val="fNode"/>
+                              <dgm:param type="stAng" val="72"/>
+                            </dgm:alg>
+                          </dgm:if>
+                          <dgm:if name="Name373" axis="ch ch" ptType="node node" st="5 1" cnt="1 0" func="cnt" op="equ" val="2">
+                            <dgm:alg type="cycle">
+                              <dgm:param type="ctrShpMap" val="fNode"/>
+                              <dgm:param type="stAng" val="117"/>
+                              <dgm:param type="spanAng" val="-90"/>
+                            </dgm:alg>
+                          </dgm:if>
+                          <dgm:else name="Name374">
+                            <dgm:alg type="cycle">
+                              <dgm:param type="ctrShpMap" val="fNode"/>
+                              <dgm:param type="stAng" val="0"/>
+                              <dgm:param type="spanAng" val="-360"/>
+                            </dgm:alg>
+                          </dgm:else>
+                        </dgm:choose>
+                      </dgm:if>
+                      <dgm:if name="Name375" axis="ch" ptType="node" func="cnt" op="equ" val="6">
+                        <dgm:choose name="Name376">
+                          <dgm:if name="Name377" axis="ch ch" ptType="node node" st="5 1" cnt="1 0" func="cnt" op="equ" val="1">
+                            <dgm:alg type="cycle">
+                              <dgm:param type="ctrShpMap" val="fNode"/>
+                              <dgm:param type="stAng" val="120"/>
+                            </dgm:alg>
+                          </dgm:if>
+                          <dgm:if name="Name378" axis="ch ch" ptType="node node" st="5 1" cnt="1 0" func="cnt" op="equ" val="2">
+                            <dgm:alg type="cycle">
+                              <dgm:param type="ctrShpMap" val="fNode"/>
+                              <dgm:param type="stAng" val="165"/>
+                              <dgm:param type="spanAng" val="-90"/>
+                            </dgm:alg>
+                          </dgm:if>
+                          <dgm:else name="Name379">
+                            <dgm:alg type="cycle">
+                              <dgm:param type="ctrShpMap" val="fNode"/>
+                              <dgm:param type="stAng" val="0"/>
+                              <dgm:param type="spanAng" val="-360"/>
+                            </dgm:alg>
+                          </dgm:else>
+                        </dgm:choose>
+                      </dgm:if>
+                      <dgm:if name="Name380" axis="ch" ptType="node" func="cnt" op="gte" val="7">
+                        <dgm:choose name="Name381">
+                          <dgm:if name="Name382" axis="ch ch" ptType="node node" st="5 1" cnt="1 0" func="cnt" op="equ" val="1">
+                            <dgm:alg type="cycle">
+                              <dgm:param type="ctrShpMap" val="fNode"/>
+                              <dgm:param type="stAng" val="154"/>
+                            </dgm:alg>
+                          </dgm:if>
+                          <dgm:if name="Name383" axis="ch ch" ptType="node node" st="5 1" cnt="1 0" func="cnt" op="equ" val="2">
+                            <dgm:alg type="cycle">
+                              <dgm:param type="ctrShpMap" val="fNode"/>
+                              <dgm:param type="stAng" val="199"/>
+                              <dgm:param type="spanAng" val="-90"/>
+                            </dgm:alg>
+                          </dgm:if>
+                          <dgm:else name="Name384">
+                            <dgm:alg type="cycle">
+                              <dgm:param type="ctrShpMap" val="fNode"/>
+                              <dgm:param type="stAng" val="0"/>
+                              <dgm:param type="spanAng" val="-360"/>
+                            </dgm:alg>
+                          </dgm:else>
+                        </dgm:choose>
+                      </dgm:if>
+                      <dgm:else name="Name385"/>
+                    </dgm:choose>
+                  </dgm:else>
+                </dgm:choose>
+                <dgm:shape xmlns:r="http://schemas.openxmlformats.org/officeDocument/2006/relationships" r:blip="">
+                  <dgm:adjLst/>
+                </dgm:shape>
+                <dgm:presOf/>
+                <dgm:constrLst>
+                  <dgm:constr type="sp" refType="w" fact="0.1"/>
+                  <dgm:constr type="sibSp" refType="w" fact="0.1"/>
+                </dgm:constrLst>
+                <dgm:forEach name="Name386" axis="ch" ptType="node" st="5" cnt="1">
+                  <dgm:layoutNode name="childCenter5" styleLbl="node1">
+                    <dgm:alg type="tx"/>
+                    <dgm:shape xmlns:r="http://schemas.openxmlformats.org/officeDocument/2006/relationships" type="roundRect" r:blip="">
+                      <dgm:adjLst/>
+                    </dgm:shape>
+                    <dgm:presOf axis="self" ptType="node"/>
+                    <dgm:constrLst>
+                      <dgm:constr type="userS"/>
+                      <dgm:constr type="w" refType="userS"/>
+                      <dgm:constr type="h" refType="w"/>
+                      <dgm:constr type="tMarg" refType="primFontSz" fact="0.2"/>
+                      <dgm:constr type="bMarg" refType="primFontSz" fact="0.2"/>
+                      <dgm:constr type="lMarg" refType="primFontSz" fact="0.2"/>
+                      <dgm:constr type="rMarg" refType="primFontSz" fact="0.2"/>
+                    </dgm:constrLst>
+                    <dgm:ruleLst>
+                      <dgm:rule type="primFontSz" val="5" fact="NaN" max="NaN"/>
+                    </dgm:ruleLst>
+                  </dgm:layoutNode>
+                  <dgm:forEach name="Name387" axis="ch">
+                    <dgm:forEach name="Name388" axis="self" ptType="parTrans">
+                      <dgm:layoutNode name="Name389">
+                        <dgm:alg type="conn">
+                          <dgm:param type="dim" val="1D"/>
+                          <dgm:param type="begPts" val="auto"/>
+                          <dgm:param type="endPts" val="auto"/>
+                          <dgm:param type="begSty" val="noArr"/>
+                          <dgm:param type="endSty" val="noArr"/>
+                        </dgm:alg>
+                        <dgm:shape xmlns:r="http://schemas.openxmlformats.org/officeDocument/2006/relationships" type="conn" r:blip="">
+                          <dgm:adjLst/>
+                        </dgm:shape>
+                        <dgm:presOf axis="self"/>
+                        <dgm:constrLst>
+                          <dgm:constr type="begPad"/>
+                          <dgm:constr type="endPad"/>
+                        </dgm:constrLst>
+                      </dgm:layoutNode>
+                    </dgm:forEach>
+                    <dgm:forEach name="Name390" axis="self" ptType="node">
+                      <dgm:layoutNode name="text5" styleLbl="node1">
+                        <dgm:varLst>
+                          <dgm:bulletEnabled val="1"/>
+                        </dgm:varLst>
+                        <dgm:alg type="tx"/>
+                        <dgm:shape xmlns:r="http://schemas.openxmlformats.org/officeDocument/2006/relationships" type="roundRect" r:blip="">
+                          <dgm:adjLst/>
+                        </dgm:shape>
+                        <dgm:presOf axis="desOrSelf" ptType="node"/>
+                        <dgm:constrLst>
+                          <dgm:constr type="userS"/>
+                          <dgm:constr type="w" refType="userS"/>
+                          <dgm:constr type="h" refType="w"/>
+                          <dgm:constr type="tMarg" refType="primFontSz" fact="0.2"/>
+                          <dgm:constr type="bMarg" refType="primFontSz" fact="0.2"/>
+                          <dgm:constr type="lMarg" refType="primFontSz" fact="0.2"/>
+                          <dgm:constr type="rMarg" refType="primFontSz" fact="0.2"/>
+                        </dgm:constrLst>
+                        <dgm:ruleLst>
+                          <dgm:rule type="primFontSz" val="5" fact="NaN" max="NaN"/>
+                        </dgm:ruleLst>
+                      </dgm:layoutNode>
+                    </dgm:forEach>
+                  </dgm:forEach>
+                </dgm:forEach>
+              </dgm:layoutNode>
+              <dgm:forEach name="Name391" axis="ch" ptType="parTrans" st="5" cnt="1">
+                <dgm:layoutNode name="Name392">
+                  <dgm:alg type="conn">
+                    <dgm:param type="dim" val="1D"/>
+                    <dgm:param type="begPts" val="auto"/>
+                    <dgm:param type="endPts" val="auto"/>
+                    <dgm:param type="endSty" val="noArr"/>
+                    <dgm:param type="srcNode" val="textCenter"/>
+                    <dgm:param type="dstNode" val="childCenter5"/>
+                  </dgm:alg>
+                  <dgm:shape xmlns:r="http://schemas.openxmlformats.org/officeDocument/2006/relationships" type="conn" r:blip="" zOrderOff="-999">
+                    <dgm:adjLst/>
+                  </dgm:shape>
+                  <dgm:presOf axis="self"/>
+                  <dgm:constrLst>
+                    <dgm:constr type="h"/>
+                    <dgm:constr type="begPad"/>
+                    <dgm:constr type="endPad"/>
+                  </dgm:constrLst>
+                </dgm:layoutNode>
+              </dgm:forEach>
+            </dgm:if>
+            <dgm:else name="Name393"/>
+          </dgm:choose>
+          <dgm:choose name="Name394">
+            <dgm:if name="Name395" axis="ch" ptType="node" func="cnt" op="gte" val="6">
+              <dgm:layoutNode name="cycle_6">
+                <dgm:choose name="Name396">
+                  <dgm:if name="Name397" func="var" arg="dir" op="equ" val="norm">
+                    <dgm:choose name="Name398">
+                      <dgm:if name="Name399" axis="ch" ptType="node" func="cnt" op="equ" val="6">
+                        <dgm:choose name="Name400">
+                          <dgm:if name="Name401" axis="ch ch" ptType="node node" st="6 1" cnt="1 0" func="cnt" op="equ" val="1">
+                            <dgm:alg type="cycle">
+                              <dgm:param type="ctrShpMap" val="fNode"/>
+                              <dgm:param type="stAng" val="300"/>
+                            </dgm:alg>
+                          </dgm:if>
+                          <dgm:if name="Name402" axis="ch ch" ptType="node node" st="6 1" cnt="1 0" func="cnt" op="equ" val="2">
+                            <dgm:alg type="cycle">
+                              <dgm:param type="ctrShpMap" val="fNode"/>
+                              <dgm:param type="stAng" val="255"/>
+                              <dgm:param type="spanAng" val="90"/>
+                            </dgm:alg>
+                          </dgm:if>
+                          <dgm:else name="Name403">
+                            <dgm:alg type="cycle">
+                              <dgm:param type="ctrShpMap" val="fNode"/>
+                              <dgm:param type="stAng" val="0"/>
+                              <dgm:param type="spanAng" val="360"/>
+                            </dgm:alg>
+                          </dgm:else>
+                        </dgm:choose>
+                      </dgm:if>
+                      <dgm:if name="Name404" axis="ch" ptType="node" func="cnt" op="gte" val="7">
+                        <dgm:choose name="Name405">
+                          <dgm:if name="Name406" axis="ch ch" ptType="node node" st="6 1" cnt="1 0" func="cnt" op="equ" val="1">
+                            <dgm:alg type="cycle">
+                              <dgm:param type="ctrShpMap" val="fNode"/>
+                              <dgm:param type="stAng" val="257"/>
+                            </dgm:alg>
+                          </dgm:if>
+                          <dgm:if name="Name407" axis="ch ch" ptType="node node" st="6 1" cnt="1 0" func="cnt" op="equ" val="2">
+                            <dgm:alg type="cycle">
+                              <dgm:param type="ctrShpMap" val="fNode"/>
+                              <dgm:param type="stAng" val="212"/>
+                              <dgm:param type="spanAng" val="90"/>
+                            </dgm:alg>
+                          </dgm:if>
+                          <dgm:else name="Name408">
+                            <dgm:alg type="cycle">
+                              <dgm:param type="ctrShpMap" val="fNode"/>
+                              <dgm:param type="stAng" val="0"/>
+                              <dgm:param type="spanAng" val="360"/>
+                            </dgm:alg>
+                          </dgm:else>
+                        </dgm:choose>
+                      </dgm:if>
+                      <dgm:else name="Name409"/>
+                    </dgm:choose>
+                  </dgm:if>
+                  <dgm:else name="Name410">
+                    <dgm:choose name="Name411">
+                      <dgm:if name="Name412" axis="ch" ptType="node" func="cnt" op="equ" val="6">
+                        <dgm:choose name="Name413">
+                          <dgm:if name="Name414" axis="ch ch" ptType="node node" st="6 1" cnt="1 0" func="cnt" op="equ" val="1">
+                            <dgm:alg type="cycle">
+                              <dgm:param type="ctrShpMap" val="fNode"/>
+                              <dgm:param type="stAng" val="60"/>
+                            </dgm:alg>
+                          </dgm:if>
+                          <dgm:if name="Name415" axis="ch ch" ptType="node node" st="6 1" cnt="1 0" func="cnt" op="equ" val="2">
+                            <dgm:alg type="cycle">
+                              <dgm:param type="ctrShpMap" val="fNode"/>
+                              <dgm:param type="stAng" val="105"/>
+                              <dgm:param type="spanAng" val="-90"/>
+                            </dgm:alg>
+                          </dgm:if>
+                          <dgm:else name="Name416">
+                            <dgm:alg type="cycle">
+                              <dgm:param type="ctrShpMap" val="fNode"/>
+                              <dgm:param type="stAng" val="0"/>
+                              <dgm:param type="spanAng" val="-360"/>
+                            </dgm:alg>
+                          </dgm:else>
+                        </dgm:choose>
+                      </dgm:if>
+                      <dgm:if name="Name417" axis="ch" ptType="node" func="cnt" op="gte" val="7">
+                        <dgm:choose name="Name418">
+                          <dgm:if name="Name419" axis="ch ch" ptType="node node" st="6 1" cnt="1 0" func="cnt" op="equ" val="1">
+                            <dgm:alg type="cycle">
+                              <dgm:param type="ctrShpMap" val="fNode"/>
+                              <dgm:param type="stAng" val="102"/>
+                            </dgm:alg>
+                          </dgm:if>
+                          <dgm:if name="Name420" axis="ch ch" ptType="node node" st="6 1" cnt="1 0" func="cnt" op="equ" val="2">
+                            <dgm:alg type="cycle">
+                              <dgm:param type="ctrShpMap" val="fNode"/>
+                              <dgm:param type="stAng" val="147"/>
+                              <dgm:param type="spanAng" val="-90"/>
+                            </dgm:alg>
+                          </dgm:if>
+                          <dgm:else name="Name421">
+                            <dgm:alg type="cycle">
+                              <dgm:param type="ctrShpMap" val="fNode"/>
+                              <dgm:param type="stAng" val="0"/>
+                              <dgm:param type="spanAng" val="-360"/>
+                            </dgm:alg>
+                          </dgm:else>
+                        </dgm:choose>
+                      </dgm:if>
+                      <dgm:else name="Name422"/>
+                    </dgm:choose>
+                  </dgm:else>
+                </dgm:choose>
+                <dgm:shape xmlns:r="http://schemas.openxmlformats.org/officeDocument/2006/relationships" r:blip="">
+                  <dgm:adjLst/>
+                </dgm:shape>
+                <dgm:presOf/>
+                <dgm:constrLst>
+                  <dgm:constr type="sp" refType="w" fact="0.1"/>
+                  <dgm:constr type="sibSp" refType="w" fact="0.1"/>
+                </dgm:constrLst>
+                <dgm:forEach name="Name423" axis="ch" ptType="node" st="6" cnt="1">
+                  <dgm:layoutNode name="childCenter6" styleLbl="node1">
+                    <dgm:alg type="tx"/>
+                    <dgm:shape xmlns:r="http://schemas.openxmlformats.org/officeDocument/2006/relationships" type="roundRect" r:blip="">
+                      <dgm:adjLst/>
+                    </dgm:shape>
+                    <dgm:presOf axis="self" ptType="node"/>
+                    <dgm:constrLst>
+                      <dgm:constr type="userS"/>
+                      <dgm:constr type="w" refType="userS"/>
+                      <dgm:constr type="h" refType="w"/>
+                      <dgm:constr type="tMarg" refType="primFontSz" fact="0.2"/>
+                      <dgm:constr type="bMarg" refType="primFontSz" fact="0.2"/>
+                      <dgm:constr type="lMarg" refType="primFontSz" fact="0.2"/>
+                      <dgm:constr type="rMarg" refType="primFontSz" fact="0.2"/>
+                    </dgm:constrLst>
+                    <dgm:ruleLst>
+                      <dgm:rule type="primFontSz" val="5" fact="NaN" max="NaN"/>
+                    </dgm:ruleLst>
+                  </dgm:layoutNode>
+                  <dgm:forEach name="Name424" axis="ch">
+                    <dgm:forEach name="Name425" axis="self" ptType="parTrans">
+                      <dgm:layoutNode name="Name426">
+                        <dgm:alg type="conn">
+                          <dgm:param type="dim" val="1D"/>
+                          <dgm:param type="begPts" val="auto"/>
+                          <dgm:param type="endPts" val="auto"/>
+                          <dgm:param type="begSty" val="noArr"/>
+                          <dgm:param type="endSty" val="noArr"/>
+                        </dgm:alg>
+                        <dgm:shape xmlns:r="http://schemas.openxmlformats.org/officeDocument/2006/relationships" type="conn" r:blip="">
+                          <dgm:adjLst/>
+                        </dgm:shape>
+                        <dgm:presOf axis="self"/>
+                        <dgm:constrLst>
+                          <dgm:constr type="begPad"/>
+                          <dgm:constr type="endPad"/>
+                        </dgm:constrLst>
+                      </dgm:layoutNode>
+                    </dgm:forEach>
+                    <dgm:forEach name="Name427" axis="self" ptType="node">
+                      <dgm:layoutNode name="text6" styleLbl="node1">
+                        <dgm:varLst>
+                          <dgm:bulletEnabled val="1"/>
+                        </dgm:varLst>
+                        <dgm:alg type="tx"/>
+                        <dgm:shape xmlns:r="http://schemas.openxmlformats.org/officeDocument/2006/relationships" type="roundRect" r:blip="">
+                          <dgm:adjLst/>
+                        </dgm:shape>
+                        <dgm:presOf axis="desOrSelf" ptType="node"/>
+                        <dgm:constrLst>
+                          <dgm:constr type="userS"/>
+                          <dgm:constr type="w" refType="userS"/>
+                          <dgm:constr type="h" refType="w"/>
+                          <dgm:constr type="tMarg" refType="primFontSz" fact="0.2"/>
+                          <dgm:constr type="bMarg" refType="primFontSz" fact="0.2"/>
+                          <dgm:constr type="lMarg" refType="primFontSz" fact="0.2"/>
+                          <dgm:constr type="rMarg" refType="primFontSz" fact="0.2"/>
+                        </dgm:constrLst>
+                        <dgm:ruleLst>
+                          <dgm:rule type="primFontSz" val="5" fact="NaN" max="NaN"/>
+                        </dgm:ruleLst>
+                      </dgm:layoutNode>
+                    </dgm:forEach>
+                  </dgm:forEach>
+                </dgm:forEach>
+              </dgm:layoutNode>
+              <dgm:forEach name="Name428" axis="ch" ptType="parTrans" st="6" cnt="1">
+                <dgm:layoutNode name="Name429">
+                  <dgm:alg type="conn">
+                    <dgm:param type="dim" val="1D"/>
+                    <dgm:param type="begPts" val="auto"/>
+                    <dgm:param type="endPts" val="auto"/>
+                    <dgm:param type="endSty" val="noArr"/>
+                    <dgm:param type="srcNode" val="textCenter"/>
+                    <dgm:param type="dstNode" val="childCenter6"/>
+                  </dgm:alg>
+                  <dgm:shape xmlns:r="http://schemas.openxmlformats.org/officeDocument/2006/relationships" type="conn" r:blip="" zOrderOff="-999">
+                    <dgm:adjLst/>
+                  </dgm:shape>
+                  <dgm:presOf axis="self"/>
+                  <dgm:constrLst>
+                    <dgm:constr type="h"/>
+                    <dgm:constr type="begPad"/>
+                    <dgm:constr type="endPad"/>
+                  </dgm:constrLst>
+                </dgm:layoutNode>
+              </dgm:forEach>
+            </dgm:if>
+            <dgm:else name="Name430"/>
+          </dgm:choose>
+          <dgm:choose name="Name431">
+            <dgm:if name="Name432" axis="ch" ptType="node" func="cnt" op="gte" val="7">
+              <dgm:layoutNode name="cycle_7">
+                <dgm:choose name="Name433">
+                  <dgm:if name="Name434" func="var" arg="dir" op="equ" val="norm">
+                    <dgm:choose name="Name435">
+                      <dgm:if name="Name436" axis="ch" ptType="node" func="cnt" op="gte" val="7">
+                        <dgm:choose name="Name437">
+                          <dgm:if name="Name438" axis="ch ch" ptType="node node" st="7 1" cnt="1 0" func="cnt" op="equ" val="1">
+                            <dgm:alg type="cycle">
+                              <dgm:param type="ctrShpMap" val="fNode"/>
+                              <dgm:param type="stAng" val="308"/>
+                            </dgm:alg>
+                          </dgm:if>
+                          <dgm:if name="Name439" axis="ch ch" ptType="node node" st="7 1" cnt="1 0" func="cnt" op="equ" val="2">
+                            <dgm:alg type="cycle">
+                              <dgm:param type="ctrShpMap" val="fNode"/>
+                              <dgm:param type="stAng" val="263"/>
+                              <dgm:param type="spanAng" val="90"/>
+                            </dgm:alg>
+                          </dgm:if>
+                          <dgm:else name="Name440">
+                            <dgm:alg type="cycle">
+                              <dgm:param type="ctrShpMap" val="fNode"/>
+                              <dgm:param type="stAng" val="0"/>
+                              <dgm:param type="spanAng" val="360"/>
+                            </dgm:alg>
+                          </dgm:else>
+                        </dgm:choose>
+                      </dgm:if>
+                      <dgm:else name="Name441"/>
+                    </dgm:choose>
+                  </dgm:if>
+                  <dgm:else name="Name442">
+                    <dgm:choose name="Name443">
+                      <dgm:if name="Name444" axis="ch" ptType="node" func="cnt" op="gte" val="7">
+                        <dgm:choose name="Name445">
+                          <dgm:if name="Name446" axis="ch ch" ptType="node node" st="7 1" cnt="1 0" func="cnt" op="equ" val="1">
+                            <dgm:alg type="cycle">
+                              <dgm:param type="ctrShpMap" val="fNode"/>
+                              <dgm:param type="stAng" val="51"/>
+                            </dgm:alg>
+                          </dgm:if>
+                          <dgm:if name="Name447" axis="ch ch" ptType="node node" st="7 1" cnt="1 0" func="cnt" op="equ" val="2">
+                            <dgm:alg type="cycle">
+                              <dgm:param type="ctrShpMap" val="fNode"/>
+                              <dgm:param type="stAng" val="96"/>
+                              <dgm:param type="spanAng" val="-90"/>
+                            </dgm:alg>
+                          </dgm:if>
+                          <dgm:else name="Name448">
+                            <dgm:alg type="cycle">
+                              <dgm:param type="ctrShpMap" val="fNode"/>
+                              <dgm:param type="stAng" val="0"/>
+                              <dgm:param type="spanAng" val="-360"/>
+                            </dgm:alg>
+                          </dgm:else>
+                        </dgm:choose>
+                      </dgm:if>
+                      <dgm:else name="Name449"/>
+                    </dgm:choose>
+                  </dgm:else>
+                </dgm:choose>
+                <dgm:shape xmlns:r="http://schemas.openxmlformats.org/officeDocument/2006/relationships" r:blip="">
+                  <dgm:adjLst/>
+                </dgm:shape>
+                <dgm:presOf/>
+                <dgm:constrLst>
+                  <dgm:constr type="sp" refType="w" fact="0.1"/>
+                  <dgm:constr type="sibSp" refType="w" fact="0.1"/>
+                </dgm:constrLst>
+                <dgm:forEach name="Name450" axis="ch" ptType="node" st="7" cnt="1">
+                  <dgm:layoutNode name="childCenter7" styleLbl="node1">
+                    <dgm:alg type="tx"/>
+                    <dgm:shape xmlns:r="http://schemas.openxmlformats.org/officeDocument/2006/relationships" type="roundRect" r:blip="">
+                      <dgm:adjLst/>
+                    </dgm:shape>
+                    <dgm:presOf axis="self" ptType="node"/>
+                    <dgm:constrLst>
+                      <dgm:constr type="userS"/>
+                      <dgm:constr type="w" refType="userS"/>
+                      <dgm:constr type="h" refType="w"/>
+                      <dgm:constr type="tMarg" refType="primFontSz" fact="0.2"/>
+                      <dgm:constr type="bMarg" refType="primFontSz" fact="0.2"/>
+                      <dgm:constr type="lMarg" refType="primFontSz" fact="0.2"/>
+                      <dgm:constr type="rMarg" refType="primFontSz" fact="0.2"/>
+                    </dgm:constrLst>
+                    <dgm:ruleLst>
+                      <dgm:rule type="primFontSz" val="5" fact="NaN" max="NaN"/>
+                    </dgm:ruleLst>
+                  </dgm:layoutNode>
+                  <dgm:forEach name="Name451" axis="ch">
+                    <dgm:forEach name="Name452" axis="self" ptType="parTrans">
+                      <dgm:layoutNode name="Name453">
+                        <dgm:alg type="conn">
+                          <dgm:param type="dim" val="1D"/>
+                          <dgm:param type="begPts" val="auto"/>
+                          <dgm:param type="endPts" val="auto"/>
+                          <dgm:param type="begSty" val="noArr"/>
+                          <dgm:param type="endSty" val="noArr"/>
+                        </dgm:alg>
+                        <dgm:shape xmlns:r="http://schemas.openxmlformats.org/officeDocument/2006/relationships" type="conn" r:blip="">
+                          <dgm:adjLst/>
+                        </dgm:shape>
+                        <dgm:presOf axis="self"/>
+                        <dgm:constrLst>
+                          <dgm:constr type="begPad"/>
+                          <dgm:constr type="endPad"/>
+                        </dgm:constrLst>
+                      </dgm:layoutNode>
+                    </dgm:forEach>
+                    <dgm:forEach name="Name454" axis="self" ptType="node">
+                      <dgm:layoutNode name="text7" styleLbl="node1">
+                        <dgm:varLst>
+                          <dgm:bulletEnabled val="1"/>
+                        </dgm:varLst>
+                        <dgm:alg type="tx"/>
+                        <dgm:shape xmlns:r="http://schemas.openxmlformats.org/officeDocument/2006/relationships" type="roundRect" r:blip="">
+                          <dgm:adjLst/>
+                        </dgm:shape>
+                        <dgm:presOf axis="desOrSelf" ptType="node"/>
+                        <dgm:constrLst>
+                          <dgm:constr type="userS"/>
+                          <dgm:constr type="w" refType="userS"/>
+                          <dgm:constr type="h" refType="w"/>
+                          <dgm:constr type="tMarg" refType="primFontSz" fact="0.2"/>
+                          <dgm:constr type="bMarg" refType="primFontSz" fact="0.2"/>
+                          <dgm:constr type="lMarg" refType="primFontSz" fact="0.2"/>
+                          <dgm:constr type="rMarg" refType="primFontSz" fact="0.2"/>
+                        </dgm:constrLst>
+                        <dgm:ruleLst>
+                          <dgm:rule type="primFontSz" val="5" fact="NaN" max="NaN"/>
+                        </dgm:ruleLst>
+                      </dgm:layoutNode>
+                    </dgm:forEach>
+                  </dgm:forEach>
+                </dgm:forEach>
+              </dgm:layoutNode>
+              <dgm:forEach name="Name455" axis="ch" ptType="parTrans" st="7" cnt="1">
+                <dgm:layoutNode name="Name456">
+                  <dgm:alg type="conn">
+                    <dgm:param type="dim" val="1D"/>
+                    <dgm:param type="begPts" val="auto"/>
+                    <dgm:param type="endPts" val="auto"/>
+                    <dgm:param type="endSty" val="noArr"/>
+                    <dgm:param type="srcNode" val="textCenter"/>
+                    <dgm:param type="dstNode" val="childCenter7"/>
+                  </dgm:alg>
+                  <dgm:shape xmlns:r="http://schemas.openxmlformats.org/officeDocument/2006/relationships" type="conn" r:blip="" zOrderOff="-999">
+                    <dgm:adjLst/>
+                  </dgm:shape>
+                  <dgm:presOf axis="self"/>
+                  <dgm:constrLst>
+                    <dgm:constr type="h"/>
+                    <dgm:constr type="begPad"/>
+                    <dgm:constr type="endPad"/>
+                  </dgm:constrLst>
+                </dgm:layoutNode>
+              </dgm:forEach>
+            </dgm:if>
+            <dgm:else name="Name457"/>
+          </dgm:choose>
+        </dgm:else>
+      </dgm:choose>
+    </dgm:forEach>
+  </dgm:layoutNode>
+</dgm:layoutDef>
+</file>
+
+<file path=ppt/diagrams/quickStyle1.xml><?xml version="1.0" encoding="utf-8"?>
+<dgm:styleDef xmlns:dgm="http://schemas.openxmlformats.org/drawingml/2006/diagram" xmlns:a="http://schemas.openxmlformats.org/drawingml/2006/main" uniqueId="urn:microsoft.com/office/officeart/2005/8/quickstyle/simple1">
+  <dgm:title val=""/>
+  <dgm:desc val=""/>
+  <dgm:catLst>
+    <dgm:cat type="simple" pri="10100"/>
+  </dgm:catLst>
+  <dgm:scene3d>
+    <a:camera prst="orthographicFront"/>
+    <a:lightRig rig="threePt" dir="t"/>
+  </dgm:scene3d>
+  <dgm:styleLbl name="node0">
+    <dgm:scene3d>
+      <a:camera prst="orthographicFront"/>
+      <a:lightRig rig="threePt" dir="t"/>
+    </dgm:scene3d>
+    <dgm:sp3d/>
+    <dgm:txPr/>
+    <dgm:style>
+      <a:lnRef idx="2">
+        <a:scrgbClr r="0" g="0" b="0"/>
+      </a:lnRef>
+      <a:fillRef idx="1">
+        <a:scrgbClr r="0" g="0" b="0"/>
+      </a:fillRef>
+      <a:effectRef idx="0">
+        <a:scrgbClr r="0" g="0" b="0"/>
+      </a:effectRef>
+      <a:fontRef idx="minor">
+        <a:schemeClr val="lt1"/>
+      </a:fontRef>
+    </dgm:style>
+  </dgm:styleLbl>
+  <dgm:styleLbl name="lnNode1">
+    <dgm:scene3d>
+      <a:camera prst="orthographicFront"/>
+      <a:lightRig rig="threePt" dir="t"/>
+    </dgm:scene3d>
+    <dgm:sp3d/>
+    <dgm:txPr/>
+    <dgm:style>
+      <a:lnRef idx="2">
+        <a:scrgbClr r="0" g="0" b="0"/>
+      </a:lnRef>
+      <a:fillRef idx="1">
+        <a:scrgbClr r="0" g="0" b="0"/>
+      </a:fillRef>
+      <a:effectRef idx="0">
+        <a:scrgbClr r="0" g="0" b="0"/>
+      </a:effectRef>
+      <a:fontRef idx="minor">
+        <a:schemeClr val="lt1"/>
+      </a:fontRef>
+    </dgm:style>
+  </dgm:styleLbl>
+  <dgm:styleLbl name="vennNode1">
+    <dgm:scene3d>
+      <a:camera prst="orthographicFront"/>
+      <a:lightRig rig="threePt" dir="t"/>
+    </dgm:scene3d>
+    <dgm:sp3d/>
+    <dgm:txPr/>
+    <dgm:style>
+      <a:lnRef idx="2">
+        <a:scrgbClr r="0" g="0" b="0"/>
+      </a:lnRef>
+      <a:fillRef idx="1">
+        <a:scrgbClr r="0" g="0" b="0"/>
+      </a:fillRef>
+      <a:effectRef idx="0">
+        <a:scrgbClr r="0" g="0" b="0"/>
+      </a:effectRef>
+      <a:fontRef idx="minor">
+        <a:schemeClr val="tx1"/>
+      </a:fontRef>
+    </dgm:style>
+  </dgm:styleLbl>
+  <dgm:styleLbl name="alignNode1">
+    <dgm:scene3d>
+      <a:camera prst="orthographicFront"/>
+      <a:lightRig rig="threePt" dir="t"/>
+    </dgm:scene3d>
+    <dgm:sp3d/>
+    <dgm:txPr/>
+    <dgm:style>
+      <a:lnRef idx="2">
+        <a:scrgbClr r="0" g="0" b="0"/>
+      </a:lnRef>
+      <a:fillRef idx="1">
+        <a:scrgbClr r="0" g="0" b="0"/>
+      </a:fillRef>
+      <a:effectRef idx="0">
+        <a:scrgbClr r="0" g="0" b="0"/>
+      </a:effectRef>
+      <a:fontRef idx="minor">
+        <a:schemeClr val="lt1"/>
+      </a:fontRef>
+    </dgm:style>
+  </dgm:styleLbl>
+  <dgm:styleLbl name="node1">
+    <dgm:scene3d>
+      <a:camera prst="orthographicFront"/>
+      <a:lightRig rig="threePt" dir="t"/>
+    </dgm:scene3d>
+    <dgm:sp3d/>
+    <dgm:txPr/>
+    <dgm:style>
+      <a:lnRef idx="2">
+        <a:scrgbClr r="0" g="0" b="0"/>
+      </a:lnRef>
+      <a:fillRef idx="1">
+        <a:scrgbClr r="0" g="0" b="0"/>
+      </a:fillRef>
+      <a:effectRef idx="0">
+        <a:scrgbClr r="0" g="0" b="0"/>
+      </a:effectRef>
+      <a:fontRef idx="minor">
+        <a:schemeClr val="lt1"/>
+      </a:fontRef>
+    </dgm:style>
+  </dgm:styleLbl>
+  <dgm:styleLbl name="node2">
+    <dgm:scene3d>
+      <a:camera prst="orthographicFront"/>
+      <a:lightRig rig="threePt" dir="t"/>
+    </dgm:scene3d>
+    <dgm:sp3d/>
+    <dgm:txPr/>
+    <dgm:style>
+      <a:lnRef idx="2">
+        <a:scrgbClr r="0" g="0" b="0"/>
+      </a:lnRef>
+      <a:fillRef idx="1">
+        <a:scrgbClr r="0" g="0" b="0"/>
+      </a:fillRef>
+      <a:effectRef idx="0">
+        <a:scrgbClr r="0" g="0" b="0"/>
+      </a:effectRef>
+      <a:fontRef idx="minor">
+        <a:schemeClr val="lt1"/>
+      </a:fontRef>
+    </dgm:style>
+  </dgm:styleLbl>
+  <dgm:styleLbl name="node3">
+    <dgm:scene3d>
+      <a:camera prst="orthographicFront"/>
+      <a:lightRig rig="threePt" dir="t"/>
+    </dgm:scene3d>
+    <dgm:sp3d/>
+    <dgm:txPr/>
+    <dgm:style>
+      <a:lnRef idx="2">
+        <a:scrgbClr r="0" g="0" b="0"/>
+      </a:lnRef>
+      <a:fillRef idx="1">
+        <a:scrgbClr r="0" g="0" b="0"/>
+      </a:fillRef>
+      <a:effectRef idx="0">
+        <a:scrgbClr r="0" g="0" b="0"/>
+      </a:effectRef>
+      <a:fontRef idx="minor">
+        <a:schemeClr val="lt1"/>
+      </a:fontRef>
+    </dgm:style>
+  </dgm:styleLbl>
+  <dgm:styleLbl name="node4">
+    <dgm:scene3d>
+      <a:camera prst="orthographicFront"/>
+      <a:lightRig rig="threePt" dir="t"/>
+    </dgm:scene3d>
+    <dgm:sp3d/>
+    <dgm:txPr/>
+    <dgm:style>
+      <a:lnRef idx="2">
+        <a:scrgbClr r="0" g="0" b="0"/>
+      </a:lnRef>
+      <a:fillRef idx="1">
+        <a:scrgbClr r="0" g="0" b="0"/>
+      </a:fillRef>
+      <a:effectRef idx="0">
+        <a:scrgbClr r="0" g="0" b="0"/>
+      </a:effectRef>
+      <a:fontRef idx="minor">
+        <a:schemeClr val="lt1"/>
+      </a:fontRef>
+    </dgm:style>
+  </dgm:styleLbl>
+  <dgm:styleLbl name="fgImgPlace1">
+    <dgm:scene3d>
+      <a:camera prst="orthographicFront"/>
+      <a:lightRig rig="threePt" dir="t"/>
+    </dgm:scene3d>
+    <dgm:sp3d/>
+    <dgm:txPr/>
+    <dgm:style>
+      <a:lnRef idx="2">
+        <a:scrgbClr r="0" g="0" b="0"/>
+      </a:lnRef>
+      <a:fillRef idx="1">
+        <a:scrgbClr r="0" g="0" b="0"/>
+      </a:fillRef>
+      <a:effectRef idx="0">
+        <a:scrgbClr r="0" g="0" b="0"/>
+      </a:effectRef>
+      <a:fontRef idx="minor"/>
+    </dgm:style>
+  </dgm:styleLbl>
+  <dgm:styleLbl name="alignImgPlace1">
+    <dgm:scene3d>
+      <a:camera prst="orthographicFront"/>
+      <a:lightRig rig="threePt" dir="t"/>
+    </dgm:scene3d>
+    <dgm:sp3d/>
+    <dgm:txPr/>
+    <dgm:style>
+      <a:lnRef idx="2">
+        <a:scrgbClr r="0" g="0" b="0"/>
+      </a:lnRef>
+      <a:fillRef idx="1">
+        <a:scrgbClr r="0" g="0" b="0"/>
+      </a:fillRef>
+      <a:effectRef idx="0">
+        <a:scrgbClr r="0" g="0" b="0"/>
+      </a:effectRef>
+      <a:fontRef idx="minor"/>
+    </dgm:style>
+  </dgm:styleLbl>
+  <dgm:styleLbl name="bgImgPlace1">
+    <dgm:scene3d>
+      <a:camera prst="orthographicFront"/>
+      <a:lightRig rig="threePt" dir="t"/>
+    </dgm:scene3d>
+    <dgm:sp3d/>
+    <dgm:txPr/>
+    <dgm:style>
+      <a:lnRef idx="2">
+        <a:scrgbClr r="0" g="0" b="0"/>
+      </a:lnRef>
+      <a:fillRef idx="1">
+        <a:scrgbClr r="0" g="0" b="0"/>
+      </a:fillRef>
+      <a:effectRef idx="0">
+        <a:scrgbClr r="0" g="0" b="0"/>
+      </a:effectRef>
+      <a:fontRef idx="minor"/>
+    </dgm:style>
+  </dgm:styleLbl>
+  <dgm:styleLbl name="sibTrans2D1">
+    <dgm:scene3d>
+      <a:camera prst="orthographicFront"/>
+      <a:lightRig rig="threePt" dir="t"/>
+    </dgm:scene3d>
+    <dgm:sp3d/>
+    <dgm:txPr/>
+    <dgm:style>
+      <a:lnRef idx="0">
+        <a:scrgbClr r="0" g="0" b="0"/>
+      </a:lnRef>
+      <a:fillRef idx="1">
+        <a:scrgbClr r="0" g="0" b="0"/>
+      </a:fillRef>
+      <a:effectRef idx="0">
+        <a:scrgbClr r="0" g="0" b="0"/>
+      </a:effectRef>
+      <a:fontRef idx="minor">
+        <a:schemeClr val="lt1"/>
+      </a:fontRef>
+    </dgm:style>
+  </dgm:styleLbl>
+  <dgm:styleLbl name="fgSibTrans2D1">
+    <dgm:scene3d>
+      <a:camera prst="orthographicFront"/>
+      <a:lightRig rig="threePt" dir="t"/>
+    </dgm:scene3d>
+    <dgm:sp3d/>
+    <dgm:txPr/>
+    <dgm:style>
+      <a:lnRef idx="0">
+        <a:scrgbClr r="0" g="0" b="0"/>
+      </a:lnRef>
+      <a:fillRef idx="1">
+        <a:scrgbClr r="0" g="0" b="0"/>
+      </a:fillRef>
+      <a:effectRef idx="0">
+        <a:scrgbClr r="0" g="0" b="0"/>
+      </a:effectRef>
+      <a:fontRef idx="minor">
+        <a:schemeClr val="lt1"/>
+      </a:fontRef>
+    </dgm:style>
+  </dgm:styleLbl>
+  <dgm:styleLbl name="bgSibTrans2D1">
+    <dgm:scene3d>
+      <a:camera prst="orthographicFront"/>
+      <a:lightRig rig="threePt" dir="t"/>
+    </dgm:scene3d>
+    <dgm:sp3d/>
+    <dgm:txPr/>
+    <dgm:style>
+      <a:lnRef idx="0">
+        <a:scrgbClr r="0" g="0" b="0"/>
+      </a:lnRef>
+      <a:fillRef idx="1">
+        <a:scrgbClr r="0" g="0" b="0"/>
+      </a:fillRef>
+      <a:effectRef idx="0">
+        <a:scrgbClr r="0" g="0" b="0"/>
+      </a:effectRef>
+      <a:fontRef idx="minor">
+        <a:schemeClr val="lt1"/>
+      </a:fontRef>
+    </dgm:style>
+  </dgm:styleLbl>
+  <dgm:styleLbl name="sibTrans1D1">
+    <dgm:scene3d>
+      <a:camera prst="orthographicFront"/>
+      <a:lightRig rig="threePt" dir="t"/>
+    </dgm:scene3d>
+    <dgm:sp3d/>
+    <dgm:txPr/>
+    <dgm:style>
+      <a:lnRef idx="1">
+        <a:scrgbClr r="0" g="0" b="0"/>
+      </a:lnRef>
+      <a:fillRef idx="0">
+        <a:scrgbClr r="0" g="0" b="0"/>
+      </a:fillRef>
+      <a:effectRef idx="0">
+        <a:scrgbClr r="0" g="0" b="0"/>
+      </a:effectRef>
+      <a:fontRef idx="minor"/>
+    </dgm:style>
+  </dgm:styleLbl>
+  <dgm:styleLbl name="callout">
+    <dgm:scene3d>
+      <a:camera prst="orthographicFront"/>
+      <a:lightRig rig="threePt" dir="t"/>
+    </dgm:scene3d>
+    <dgm:sp3d/>
+    <dgm:txPr/>
+    <dgm:style>
+      <a:lnRef idx="2">
+        <a:scrgbClr r="0" g="0" b="0"/>
+      </a:lnRef>
+      <a:fillRef idx="1">
+        <a:scrgbClr r="0" g="0" b="0"/>
+      </a:fillRef>
+      <a:effectRef idx="0">
+        <a:scrgbClr r="0" g="0" b="0"/>
+      </a:effectRef>
+      <a:fontRef idx="minor"/>
+    </dgm:style>
+  </dgm:styleLbl>
+  <dgm:styleLbl name="asst0">
+    <dgm:scene3d>
+      <a:camera prst="orthographicFront"/>
+      <a:lightRig rig="threePt" dir="t"/>
+    </dgm:scene3d>
+    <dgm:sp3d/>
+    <dgm:txPr/>
+    <dgm:style>
+      <a:lnRef idx="2">
+        <a:scrgbClr r="0" g="0" b="0"/>
+      </a:lnRef>
+      <a:fillRef idx="1">
+        <a:scrgbClr r="0" g="0" b="0"/>
+      </a:fillRef>
+      <a:effectRef idx="0">
+        <a:scrgbClr r="0" g="0" b="0"/>
+      </a:effectRef>
+      <a:fontRef idx="minor">
+        <a:schemeClr val="lt1"/>
+      </a:fontRef>
+    </dgm:style>
+  </dgm:styleLbl>
+  <dgm:styleLbl name="asst1">
+    <dgm:scene3d>
+      <a:camera prst="orthographicFront"/>
+      <a:lightRig rig="threePt" dir="t"/>
+    </dgm:scene3d>
+    <dgm:sp3d/>
+    <dgm:txPr/>
+    <dgm:style>
+      <a:lnRef idx="2">
+        <a:scrgbClr r="0" g="0" b="0"/>
+      </a:lnRef>
+      <a:fillRef idx="1">
+        <a:scrgbClr r="0" g="0" b="0"/>
+      </a:fillRef>
+      <a:effectRef idx="0">
+        <a:scrgbClr r="0" g="0" b="0"/>
+      </a:effectRef>
+      <a:fontRef idx="minor">
+        <a:schemeClr val="lt1"/>
+      </a:fontRef>
+    </dgm:style>
+  </dgm:styleLbl>
+  <dgm:styleLbl name="asst2">
+    <dgm:scene3d>
+      <a:camera prst="orthographicFront"/>
+      <a:lightRig rig="threePt" dir="t"/>
+    </dgm:scene3d>
+    <dgm:sp3d/>
+    <dgm:txPr/>
+    <dgm:style>
+      <a:lnRef idx="2">
+        <a:scrgbClr r="0" g="0" b="0"/>
+      </a:lnRef>
+      <a:fillRef idx="1">
+        <a:scrgbClr r="0" g="0" b="0"/>
+      </a:fillRef>
+      <a:effectRef idx="0">
+        <a:scrgbClr r="0" g="0" b="0"/>
+      </a:effectRef>
+      <a:fontRef idx="minor">
+        <a:schemeClr val="lt1"/>
+      </a:fontRef>
+    </dgm:style>
+  </dgm:styleLbl>
+  <dgm:styleLbl name="asst3">
+    <dgm:scene3d>
+      <a:camera prst="orthographicFront"/>
+      <a:lightRig rig="threePt" dir="t"/>
+    </dgm:scene3d>
+    <dgm:sp3d/>
+    <dgm:txPr/>
+    <dgm:style>
+      <a:lnRef idx="2">
+        <a:scrgbClr r="0" g="0" b="0"/>
+      </a:lnRef>
+      <a:fillRef idx="1">
+        <a:scrgbClr r="0" g="0" b="0"/>
+      </a:fillRef>
+      <a:effectRef idx="0">
+        <a:scrgbClr r="0" g="0" b="0"/>
+      </a:effectRef>
+      <a:fontRef idx="minor">
+        <a:schemeClr val="lt1"/>
+      </a:fontRef>
+    </dgm:style>
+  </dgm:styleLbl>
+  <dgm:styleLbl name="asst4">
+    <dgm:scene3d>
+      <a:camera prst="orthographicFront"/>
+      <a:lightRig rig="threePt" dir="t"/>
+    </dgm:scene3d>
+    <dgm:sp3d/>
+    <dgm:txPr/>
+    <dgm:style>
+      <a:lnRef idx="2">
+        <a:scrgbClr r="0" g="0" b="0"/>
+      </a:lnRef>
+      <a:fillRef idx="1">
+        <a:scrgbClr r="0" g="0" b="0"/>
+      </a:fillRef>
+      <a:effectRef idx="0">
+        <a:scrgbClr r="0" g="0" b="0"/>
+      </a:effectRef>
+      <a:fontRef idx="minor">
+        <a:schemeClr val="lt1"/>
+      </a:fontRef>
+    </dgm:style>
+  </dgm:styleLbl>
+  <dgm:styleLbl name="parChTrans2D1">
+    <dgm:scene3d>
+      <a:camera prst="orthographicFront"/>
+      <a:lightRig rig="threePt" dir="t"/>
+    </dgm:scene3d>
+    <dgm:sp3d/>
+    <dgm:txPr/>
+    <dgm:style>
+      <a:lnRef idx="2">
+        <a:scrgbClr r="0" g="0" b="0"/>
+      </a:lnRef>
+      <a:fillRef idx="1">
+        <a:scrgbClr r="0" g="0" b="0"/>
+      </a:fillRef>
+      <a:effectRef idx="0">
+        <a:scrgbClr r="0" g="0" b="0"/>
+      </a:effectRef>
+      <a:fontRef idx="minor">
+        <a:schemeClr val="lt1"/>
+      </a:fontRef>
+    </dgm:style>
+  </dgm:styleLbl>
+  <dgm:styleLbl name="parChTrans2D2">
+    <dgm:scene3d>
+      <a:camera prst="orthographicFront"/>
+      <a:lightRig rig="threePt" dir="t"/>
+    </dgm:scene3d>
+    <dgm:sp3d/>
+    <dgm:txPr/>
+    <dgm:style>
+      <a:lnRef idx="2">
+        <a:scrgbClr r="0" g="0" b="0"/>
+      </a:lnRef>
+      <a:fillRef idx="1">
+        <a:scrgbClr r="0" g="0" b="0"/>
+      </a:fillRef>
+      <a:effectRef idx="0">
+        <a:scrgbClr r="0" g="0" b="0"/>
+      </a:effectRef>
+      <a:fontRef idx="minor">
+        <a:schemeClr val="lt1"/>
+      </a:fontRef>
+    </dgm:style>
+  </dgm:styleLbl>
+  <dgm:styleLbl name="parChTrans2D3">
+    <dgm:scene3d>
+      <a:camera prst="orthographicFront"/>
+      <a:lightRig rig="threePt" dir="t"/>
+    </dgm:scene3d>
+    <dgm:sp3d/>
+    <dgm:txPr/>
+    <dgm:style>
+      <a:lnRef idx="2">
+        <a:scrgbClr r="0" g="0" b="0"/>
+      </a:lnRef>
+      <a:fillRef idx="1">
+        <a:scrgbClr r="0" g="0" b="0"/>
+      </a:fillRef>
+      <a:effectRef idx="0">
+        <a:scrgbClr r="0" g="0" b="0"/>
+      </a:effectRef>
+      <a:fontRef idx="minor">
+        <a:schemeClr val="lt1"/>
+      </a:fontRef>
+    </dgm:style>
+  </dgm:styleLbl>
+  <dgm:styleLbl name="parChTrans2D4">
+    <dgm:scene3d>
+      <a:camera prst="orthographicFront"/>
+      <a:lightRig rig="threePt" dir="t"/>
+    </dgm:scene3d>
+    <dgm:sp3d/>
+    <dgm:txPr/>
+    <dgm:style>
+      <a:lnRef idx="2">
+        <a:scrgbClr r="0" g="0" b="0"/>
+      </a:lnRef>
+      <a:fillRef idx="1">
+        <a:scrgbClr r="0" g="0" b="0"/>
+      </a:fillRef>
+      <a:effectRef idx="0">
+        <a:scrgbClr r="0" g="0" b="0"/>
+      </a:effectRef>
+      <a:fontRef idx="minor">
+        <a:schemeClr val="lt1"/>
+      </a:fontRef>
+    </dgm:style>
+  </dgm:styleLbl>
+  <dgm:styleLbl name="parChTrans1D1">
+    <dgm:scene3d>
+      <a:camera prst="orthographicFront"/>
+      <a:lightRig rig="threePt" dir="t"/>
+    </dgm:scene3d>
+    <dgm:sp3d/>
+    <dgm:txPr/>
+    <dgm:style>
+      <a:lnRef idx="2">
+        <a:scrgbClr r="0" g="0" b="0"/>
+      </a:lnRef>
+      <a:fillRef idx="0">
+        <a:scrgbClr r="0" g="0" b="0"/>
+      </a:fillRef>
+      <a:effectRef idx="0">
+        <a:scrgbClr r="0" g="0" b="0"/>
+      </a:effectRef>
+      <a:fontRef idx="minor"/>
+    </dgm:style>
+  </dgm:styleLbl>
+  <dgm:styleLbl name="parChTrans1D2">
+    <dgm:scene3d>
+      <a:camera prst="orthographicFront"/>
+      <a:lightRig rig="threePt" dir="t"/>
+    </dgm:scene3d>
+    <dgm:sp3d/>
+    <dgm:txPr/>
+    <dgm:style>
+      <a:lnRef idx="2">
+        <a:scrgbClr r="0" g="0" b="0"/>
+      </a:lnRef>
+      <a:fillRef idx="0">
+        <a:scrgbClr r="0" g="0" b="0"/>
+      </a:fillRef>
+      <a:effectRef idx="0">
+        <a:scrgbClr r="0" g="0" b="0"/>
+      </a:effectRef>
+      <a:fontRef idx="minor"/>
+    </dgm:style>
+  </dgm:styleLbl>
+  <dgm:styleLbl name="parChTrans1D3">
+    <dgm:scene3d>
+      <a:camera prst="orthographicFront"/>
+      <a:lightRig rig="threePt" dir="t"/>
+    </dgm:scene3d>
+    <dgm:sp3d/>
+    <dgm:txPr/>
+    <dgm:style>
+      <a:lnRef idx="2">
+        <a:scrgbClr r="0" g="0" b="0"/>
+      </a:lnRef>
+      <a:fillRef idx="0">
+        <a:scrgbClr r="0" g="0" b="0"/>
+      </a:fillRef>
+      <a:effectRef idx="0">
+        <a:scrgbClr r="0" g="0" b="0"/>
+      </a:effectRef>
+      <a:fontRef idx="minor"/>
+    </dgm:style>
+  </dgm:styleLbl>
+  <dgm:styleLbl name="parChTrans1D4">
+    <dgm:scene3d>
+      <a:camera prst="orthographicFront"/>
+      <a:lightRig rig="threePt" dir="t"/>
+    </dgm:scene3d>
+    <dgm:sp3d/>
+    <dgm:txPr/>
+    <dgm:style>
+      <a:lnRef idx="2">
+        <a:scrgbClr r="0" g="0" b="0"/>
+      </a:lnRef>
+      <a:fillRef idx="0">
+        <a:scrgbClr r="0" g="0" b="0"/>
+      </a:fillRef>
+      <a:effectRef idx="0">
+        <a:scrgbClr r="0" g="0" b="0"/>
+      </a:effectRef>
+      <a:fontRef idx="minor"/>
+    </dgm:style>
+  </dgm:styleLbl>
+  <dgm:styleLbl name="fgAcc1">
+    <dgm:scene3d>
+      <a:camera prst="orthographicFront"/>
+      <a:lightRig rig="threePt" dir="t"/>
+    </dgm:scene3d>
+    <dgm:sp3d/>
+    <dgm:txPr/>
+    <dgm:style>
+      <a:lnRef idx="2">
+        <a:scrgbClr r="0" g="0" b="0"/>
+      </a:lnRef>
+      <a:fillRef idx="1">
+        <a:scrgbClr r="0" g="0" b="0"/>
+      </a:fillRef>
+      <a:effectRef idx="0">
+        <a:scrgbClr r="0" g="0" b="0"/>
+      </a:effectRef>
+      <a:fontRef idx="minor"/>
+    </dgm:style>
+  </dgm:styleLbl>
+  <dgm:styleLbl name="conFgAcc1">
+    <dgm:scene3d>
+      <a:camera prst="orthographicFront"/>
+      <a:lightRig rig="threePt" dir="t"/>
+    </dgm:scene3d>
+    <dgm:sp3d/>
+    <dgm:txPr/>
+    <dgm:style>
+      <a:lnRef idx="2">
+        <a:scrgbClr r="0" g="0" b="0"/>
+      </a:lnRef>
+      <a:fillRef idx="1">
+        <a:scrgbClr r="0" g="0" b="0"/>
+      </a:fillRef>
+      <a:effectRef idx="0">
+        <a:scrgbClr r="0" g="0" b="0"/>
+      </a:effectRef>
+      <a:fontRef idx="minor"/>
+    </dgm:style>
+  </dgm:styleLbl>
+  <dgm:styleLbl name="alignAcc1">
+    <dgm:scene3d>
+      <a:camera prst="orthographicFront"/>
+      <a:lightRig rig="threePt" dir="t"/>
+    </dgm:scene3d>
+    <dgm:sp3d/>
+    <dgm:txPr/>
+    <dgm:style>
+      <a:lnRef idx="2">
+        <a:scrgbClr r="0" g="0" b="0"/>
+      </a:lnRef>
+      <a:fillRef idx="1">
+        <a:scrgbClr r="0" g="0" b="0"/>
+      </a:fillRef>
+      <a:effectRef idx="0">
+        <a:scrgbClr r="0" g="0" b="0"/>
+      </a:effectRef>
+      <a:fontRef idx="minor"/>
+    </dgm:style>
+  </dgm:styleLbl>
+  <dgm:styleLbl name="trAlignAcc1">
+    <dgm:scene3d>
+      <a:camera prst="orthographicFront"/>
+      <a:lightRig rig="threePt" dir="t"/>
+    </dgm:scene3d>
+    <dgm:sp3d/>
+    <dgm:txPr/>
+    <dgm:style>
+      <a:lnRef idx="1">
+        <a:scrgbClr r="0" g="0" b="0"/>
+      </a:lnRef>
+      <a:fillRef idx="1">
+        <a:scrgbClr r="0" g="0" b="0"/>
+      </a:fillRef>
+      <a:effectRef idx="0">
+        <a:scrgbClr r="0" g="0" b="0"/>
+      </a:effectRef>
+      <a:fontRef idx="minor"/>
+    </dgm:style>
+  </dgm:styleLbl>
+  <dgm:styleLbl name="bgAcc1">
+    <dgm:scene3d>
+      <a:camera prst="orthographicFront"/>
+      <a:lightRig rig="threePt" dir="t"/>
+    </dgm:scene3d>
+    <dgm:sp3d/>
+    <dgm:txPr/>
+    <dgm:style>
+      <a:lnRef idx="2">
+        <a:scrgbClr r="0" g="0" b="0"/>
+      </a:lnRef>
+      <a:fillRef idx="1">
+        <a:scrgbClr r="0" g="0" b="0"/>
+      </a:fillRef>
+      <a:effectRef idx="0">
+        <a:scrgbClr r="0" g="0" b="0"/>
+      </a:effectRef>
+      <a:fontRef idx="minor"/>
+    </dgm:style>
+  </dgm:styleLbl>
+  <dgm:styleLbl name="solidFgAcc1">
+    <dgm:scene3d>
+      <a:camera prst="orthographicFront"/>
+      <a:lightRig rig="threePt" dir="t"/>
+    </dgm:scene3d>
+    <dgm:sp3d/>
+    <dgm:txPr/>
+    <dgm:style>
+      <a:lnRef idx="2">
+        <a:scrgbClr r="0" g="0" b="0"/>
+      </a:lnRef>
+      <a:fillRef idx="1">
+        <a:scrgbClr r="0" g="0" b="0"/>
+      </a:fillRef>
+      <a:effectRef idx="0">
+        <a:scrgbClr r="0" g="0" b="0"/>
+      </a:effectRef>
+      <a:fontRef idx="minor"/>
+    </dgm:style>
+  </dgm:styleLbl>
+  <dgm:styleLbl name="solidAlignAcc1">
+    <dgm:scene3d>
+      <a:camera prst="orthographicFront"/>
+      <a:lightRig rig="threePt" dir="t"/>
+    </dgm:scene3d>
+    <dgm:sp3d/>
+    <dgm:txPr/>
+    <dgm:style>
+      <a:lnRef idx="2">
+        <a:scrgbClr r="0" g="0" b="0"/>
+      </a:lnRef>
+      <a:fillRef idx="1">
+        <a:scrgbClr r="0" g="0" b="0"/>
+      </a:fillRef>
+      <a:effectRef idx="0">
+        <a:scrgbClr r="0" g="0" b="0"/>
+      </a:effectRef>
+      <a:fontRef idx="minor"/>
+    </dgm:style>
+  </dgm:styleLbl>
+  <dgm:styleLbl name="solidBgAcc1">
+    <dgm:scene3d>
+      <a:camera prst="orthographicFront"/>
+      <a:lightRig rig="threePt" dir="t"/>
+    </dgm:scene3d>
+    <dgm:sp3d/>
+    <dgm:txPr/>
+    <dgm:style>
+      <a:lnRef idx="2">
+        <a:scrgbClr r="0" g="0" b="0"/>
+      </a:lnRef>
+      <a:fillRef idx="1">
+        <a:scrgbClr r="0" g="0" b="0"/>
+      </a:fillRef>
+      <a:effectRef idx="0">
+        <a:scrgbClr r="0" g="0" b="0"/>
+      </a:effectRef>
+      <a:fontRef idx="minor"/>
+    </dgm:style>
+  </dgm:styleLbl>
+  <dgm:styleLbl name="fgAccFollowNode1">
+    <dgm:scene3d>
+      <a:camera prst="orthographicFront"/>
+      <a:lightRig rig="threePt" dir="t"/>
+    </dgm:scene3d>
+    <dgm:sp3d/>
+    <dgm:txPr/>
+    <dgm:style>
+      <a:lnRef idx="2">
+        <a:scrgbClr r="0" g="0" b="0"/>
+      </a:lnRef>
+      <a:fillRef idx="1">
+        <a:scrgbClr r="0" g="0" b="0"/>
+      </a:fillRef>
+      <a:effectRef idx="0">
+        <a:scrgbClr r="0" g="0" b="0"/>
+      </a:effectRef>
+      <a:fontRef idx="minor"/>
+    </dgm:style>
+  </dgm:styleLbl>
+  <dgm:styleLbl name="alignAccFollowNode1">
+    <dgm:scene3d>
+      <a:camera prst="orthographicFront"/>
+      <a:lightRig rig="threePt" dir="t"/>
+    </dgm:scene3d>
+    <dgm:sp3d/>
+    <dgm:txPr/>
+    <dgm:style>
+      <a:lnRef idx="2">
+        <a:scrgbClr r="0" g="0" b="0"/>
+      </a:lnRef>
+      <a:fillRef idx="1">
+        <a:scrgbClr r="0" g="0" b="0"/>
+      </a:fillRef>
+      <a:effectRef idx="0">
+        <a:scrgbClr r="0" g="0" b="0"/>
+      </a:effectRef>
+      <a:fontRef idx="minor"/>
+    </dgm:style>
+  </dgm:styleLbl>
+  <dgm:styleLbl name="bgAccFollowNode1">
+    <dgm:scene3d>
+      <a:camera prst="orthographicFront"/>
+      <a:lightRig rig="threePt" dir="t"/>
+    </dgm:scene3d>
+    <dgm:sp3d/>
+    <dgm:txPr/>
+    <dgm:style>
+      <a:lnRef idx="2">
+        <a:scrgbClr r="0" g="0" b="0"/>
+      </a:lnRef>
+      <a:fillRef idx="1">
+        <a:scrgbClr r="0" g="0" b="0"/>
+      </a:fillRef>
+      <a:effectRef idx="0">
+        <a:scrgbClr r="0" g="0" b="0"/>
+      </a:effectRef>
+      <a:fontRef idx="minor"/>
+    </dgm:style>
+  </dgm:styleLbl>
+  <dgm:styleLbl name="fgAcc0">
+    <dgm:scene3d>
+      <a:camera prst="orthographicFront"/>
+      <a:lightRig rig="threePt" dir="t"/>
+    </dgm:scene3d>
+    <dgm:sp3d/>
+    <dgm:txPr/>
+    <dgm:style>
+      <a:lnRef idx="2">
+        <a:scrgbClr r="0" g="0" b="0"/>
+      </a:lnRef>
+      <a:fillRef idx="1">
+        <a:scrgbClr r="0" g="0" b="0"/>
+      </a:fillRef>
+      <a:effectRef idx="0">
+        <a:scrgbClr r="0" g="0" b="0"/>
+      </a:effectRef>
+      <a:fontRef idx="minor"/>
+    </dgm:style>
+  </dgm:styleLbl>
+  <dgm:styleLbl name="fgAcc2">
+    <dgm:scene3d>
+      <a:camera prst="orthographicFront"/>
+      <a:lightRig rig="threePt" dir="t"/>
+    </dgm:scene3d>
+    <dgm:sp3d/>
+    <dgm:txPr/>
+    <dgm:style>
+      <a:lnRef idx="2">
+        <a:scrgbClr r="0" g="0" b="0"/>
+      </a:lnRef>
+      <a:fillRef idx="1">
+        <a:scrgbClr r="0" g="0" b="0"/>
+      </a:fillRef>
+      <a:effectRef idx="0">
+        <a:scrgbClr r="0" g="0" b="0"/>
+      </a:effectRef>
+      <a:fontRef idx="minor"/>
+    </dgm:style>
+  </dgm:styleLbl>
+  <dgm:styleLbl name="fgAcc3">
+    <dgm:scene3d>
+      <a:camera prst="orthographicFront"/>
+      <a:lightRig rig="threePt" dir="t"/>
+    </dgm:scene3d>
+    <dgm:sp3d/>
+    <dgm:txPr/>
+    <dgm:style>
+      <a:lnRef idx="2">
+        <a:scrgbClr r="0" g="0" b="0"/>
+      </a:lnRef>
+      <a:fillRef idx="1">
+        <a:scrgbClr r="0" g="0" b="0"/>
+      </a:fillRef>
+      <a:effectRef idx="0">
+        <a:scrgbClr r="0" g="0" b="0"/>
+      </a:effectRef>
+      <a:fontRef idx="minor"/>
+    </dgm:style>
+  </dgm:styleLbl>
+  <dgm:styleLbl name="fgAcc4">
+    <dgm:scene3d>
+      <a:camera prst="orthographicFront"/>
+      <a:lightRig rig="threePt" dir="t"/>
+    </dgm:scene3d>
+    <dgm:sp3d/>
+    <dgm:txPr/>
+    <dgm:style>
+      <a:lnRef idx="2">
+        <a:scrgbClr r="0" g="0" b="0"/>
+      </a:lnRef>
+      <a:fillRef idx="1">
+        <a:scrgbClr r="0" g="0" b="0"/>
+      </a:fillRef>
+      <a:effectRef idx="0">
+        <a:scrgbClr r="0" g="0" b="0"/>
+      </a:effectRef>
+      <a:fontRef idx="minor"/>
+    </dgm:style>
+  </dgm:styleLbl>
+  <dgm:styleLbl name="bgShp">
+    <dgm:scene3d>
+      <a:camera prst="orthographicFront"/>
+      <a:lightRig rig="threePt" dir="t"/>
+    </dgm:scene3d>
+    <dgm:sp3d/>
+    <dgm:txPr/>
+    <dgm:style>
+      <a:lnRef idx="0">
+        <a:scrgbClr r="0" g="0" b="0"/>
+      </a:lnRef>
+      <a:fillRef idx="1">
+        <a:scrgbClr r="0" g="0" b="0"/>
+      </a:fillRef>
+      <a:effectRef idx="0">
+        <a:scrgbClr r="0" g="0" b="0"/>
+      </a:effectRef>
+      <a:fontRef idx="minor"/>
+    </dgm:style>
+  </dgm:styleLbl>
+  <dgm:styleLbl name="dkBgShp">
+    <dgm:scene3d>
+      <a:camera prst="orthographicFront"/>
+      <a:lightRig rig="threePt" dir="t"/>
+    </dgm:scene3d>
+    <dgm:sp3d/>
+    <dgm:txPr/>
+    <dgm:style>
+      <a:lnRef idx="0">
+        <a:scrgbClr r="0" g="0" b="0"/>
+      </a:lnRef>
+      <a:fillRef idx="1">
+        <a:scrgbClr r="0" g="0" b="0"/>
+      </a:fillRef>
+      <a:effectRef idx="0">
+        <a:scrgbClr r="0" g="0" b="0"/>
+      </a:effectRef>
+      <a:fontRef idx="minor"/>
+    </dgm:style>
+  </dgm:styleLbl>
+  <dgm:styleLbl name="trBgShp">
+    <dgm:scene3d>
+      <a:camera prst="orthographicFront"/>
+      <a:lightRig rig="threePt" dir="t"/>
+    </dgm:scene3d>
+    <dgm:sp3d/>
+    <dgm:txPr/>
+    <dgm:style>
+      <a:lnRef idx="0">
+        <a:scrgbClr r="0" g="0" b="0"/>
+      </a:lnRef>
+      <a:fillRef idx="1">
+        <a:scrgbClr r="0" g="0" b="0"/>
+      </a:fillRef>
+      <a:effectRef idx="0">
+        <a:scrgbClr r="0" g="0" b="0"/>
+      </a:effectRef>
+      <a:fontRef idx="minor"/>
+    </dgm:style>
+  </dgm:styleLbl>
+  <dgm:styleLbl name="fgShp">
+    <dgm:scene3d>
+      <a:camera prst="orthographicFront"/>
+      <a:lightRig rig="threePt" dir="t"/>
+    </dgm:scene3d>
+    <dgm:sp3d/>
+    <dgm:txPr/>
+    <dgm:style>
+      <a:lnRef idx="2">
+        <a:scrgbClr r="0" g="0" b="0"/>
+      </a:lnRef>
+      <a:fillRef idx="1">
+        <a:scrgbClr r="0" g="0" b="0"/>
+      </a:fillRef>
+      <a:effectRef idx="0">
+        <a:scrgbClr r="0" g="0" b="0"/>
+      </a:effectRef>
+      <a:fontRef idx="minor"/>
+    </dgm:style>
+  </dgm:styleLbl>
+  <dgm:styleLbl name="revTx">
+    <dgm:scene3d>
+      <a:camera prst="orthographicFront"/>
+      <a:lightRig rig="threePt" dir="t"/>
+    </dgm:scene3d>
+    <dgm:sp3d/>
+    <dgm:txPr/>
+    <dgm:style>
+      <a:lnRef idx="0">
+        <a:scrgbClr r="0" g="0" b="0"/>
+      </a:lnRef>
+      <a:fillRef idx="0">
+        <a:scrgbClr r="0" g="0" b="0"/>
+      </a:fillRef>
+      <a:effectRef idx="0">
+        <a:scrgbClr r="0" g="0" b="0"/>
+      </a:effectRef>
+      <a:fontRef idx="minor"/>
+    </dgm:style>
+  </dgm:styleLbl>
+</dgm:styleDef>
+</file>
+
 <file path=ppt/notesMasters/notesMaster1.xml><?xml version="1.0" encoding="utf-8"?>
 <p:notesMaster xmlns:a="http://schemas.openxmlformats.org/drawingml/2006/main" xmlns:r="http://schemas.openxmlformats.org/officeDocument/2006/relationships" xmlns:p="http://schemas.openxmlformats.org/presentationml/2006/main">
   <p:cSld>
@@ -1083,6 +7381,345 @@
     </a:lvl9pPr>
   </p:notesStyle>
 </p:notesMaster>
+</file>
+
+<file path=ppt/notesSlides/notesSlide1.xml><?xml version="1.0" encoding="utf-8"?>
+<p:notes xmlns:a="http://schemas.openxmlformats.org/drawingml/2006/main" xmlns:r="http://schemas.openxmlformats.org/officeDocument/2006/relationships" xmlns:p="http://schemas.openxmlformats.org/presentationml/2006/main">
+  <p:cSld>
+    <p:spTree>
+      <p:nvGrpSpPr>
+        <p:cNvPr id="1" name=""/>
+        <p:cNvGrpSpPr/>
+        <p:nvPr/>
+      </p:nvGrpSpPr>
+      <p:grpSpPr>
+        <a:xfrm>
+          <a:off x="0" y="0"/>
+          <a:ext cx="0" cy="0"/>
+          <a:chOff x="0" y="0"/>
+          <a:chExt cx="0" cy="0"/>
+        </a:xfrm>
+      </p:grpSpPr>
+      <p:sp>
+        <p:nvSpPr>
+          <p:cNvPr id="2" name="Folienbildplatzhalter 1"/>
+          <p:cNvSpPr>
+            <a:spLocks noGrp="1" noRot="1" noChangeAspect="1"/>
+          </p:cNvSpPr>
+          <p:nvPr>
+            <p:ph type="sldImg"/>
+          </p:nvPr>
+        </p:nvSpPr>
+        <p:spPr/>
+      </p:sp>
+      <p:sp>
+        <p:nvSpPr>
+          <p:cNvPr id="3" name="Notizenplatzhalter 2"/>
+          <p:cNvSpPr>
+            <a:spLocks noGrp="1"/>
+          </p:cNvSpPr>
+          <p:nvPr>
+            <p:ph type="body" idx="1"/>
+          </p:nvPr>
+        </p:nvSpPr>
+        <p:spPr/>
+        <p:txBody>
+          <a:bodyPr/>
+          <a:lstStyle/>
+          <a:p>
+            <a:endParaRPr lang="de-DE" dirty="0"/>
+          </a:p>
+        </p:txBody>
+      </p:sp>
+      <p:sp>
+        <p:nvSpPr>
+          <p:cNvPr id="4" name="Foliennummernplatzhalter 3"/>
+          <p:cNvSpPr>
+            <a:spLocks noGrp="1"/>
+          </p:cNvSpPr>
+          <p:nvPr>
+            <p:ph type="sldNum" sz="quarter" idx="5"/>
+          </p:nvPr>
+        </p:nvSpPr>
+        <p:spPr/>
+        <p:txBody>
+          <a:bodyPr/>
+          <a:lstStyle/>
+          <a:p>
+            <a:fld id="{02E0FF98-5CC5-4B0C-8546-F90571CBC063}" type="slidenum">
+              <a:rPr lang="de-DE" smtClean="0"/>
+              <a:t>7</a:t>
+            </a:fld>
+            <a:endParaRPr lang="de-DE"/>
+          </a:p>
+        </p:txBody>
+      </p:sp>
+    </p:spTree>
+    <p:extLst>
+      <p:ext uri="{BB962C8B-B14F-4D97-AF65-F5344CB8AC3E}">
+        <p14:creationId xmlns:p14="http://schemas.microsoft.com/office/powerpoint/2010/main" val="2928718419"/>
+      </p:ext>
+    </p:extLst>
+  </p:cSld>
+  <p:clrMapOvr>
+    <a:masterClrMapping/>
+  </p:clrMapOvr>
+</p:notes>
+</file>
+
+<file path=ppt/notesSlides/notesSlide2.xml><?xml version="1.0" encoding="utf-8"?>
+<p:notes xmlns:a="http://schemas.openxmlformats.org/drawingml/2006/main" xmlns:r="http://schemas.openxmlformats.org/officeDocument/2006/relationships" xmlns:p="http://schemas.openxmlformats.org/presentationml/2006/main">
+  <p:cSld>
+    <p:spTree>
+      <p:nvGrpSpPr>
+        <p:cNvPr id="1" name=""/>
+        <p:cNvGrpSpPr/>
+        <p:nvPr/>
+      </p:nvGrpSpPr>
+      <p:grpSpPr>
+        <a:xfrm>
+          <a:off x="0" y="0"/>
+          <a:ext cx="0" cy="0"/>
+          <a:chOff x="0" y="0"/>
+          <a:chExt cx="0" cy="0"/>
+        </a:xfrm>
+      </p:grpSpPr>
+      <p:sp>
+        <p:nvSpPr>
+          <p:cNvPr id="2" name="Folienbildplatzhalter 1"/>
+          <p:cNvSpPr>
+            <a:spLocks noGrp="1" noRot="1" noChangeAspect="1"/>
+          </p:cNvSpPr>
+          <p:nvPr>
+            <p:ph type="sldImg"/>
+          </p:nvPr>
+        </p:nvSpPr>
+        <p:spPr/>
+      </p:sp>
+      <p:sp>
+        <p:nvSpPr>
+          <p:cNvPr id="3" name="Notizenplatzhalter 2"/>
+          <p:cNvSpPr>
+            <a:spLocks noGrp="1"/>
+          </p:cNvSpPr>
+          <p:nvPr>
+            <p:ph type="body" idx="1"/>
+          </p:nvPr>
+        </p:nvSpPr>
+        <p:spPr/>
+        <p:txBody>
+          <a:bodyPr/>
+          <a:lstStyle/>
+          <a:p>
+            <a:endParaRPr lang="de-DE" dirty="0"/>
+          </a:p>
+        </p:txBody>
+      </p:sp>
+      <p:sp>
+        <p:nvSpPr>
+          <p:cNvPr id="4" name="Foliennummernplatzhalter 3"/>
+          <p:cNvSpPr>
+            <a:spLocks noGrp="1"/>
+          </p:cNvSpPr>
+          <p:nvPr>
+            <p:ph type="sldNum" sz="quarter" idx="5"/>
+          </p:nvPr>
+        </p:nvSpPr>
+        <p:spPr/>
+        <p:txBody>
+          <a:bodyPr/>
+          <a:lstStyle/>
+          <a:p>
+            <a:fld id="{02E0FF98-5CC5-4B0C-8546-F90571CBC063}" type="slidenum">
+              <a:rPr lang="de-DE" smtClean="0"/>
+              <a:t>11</a:t>
+            </a:fld>
+            <a:endParaRPr lang="de-DE"/>
+          </a:p>
+        </p:txBody>
+      </p:sp>
+    </p:spTree>
+    <p:extLst>
+      <p:ext uri="{BB962C8B-B14F-4D97-AF65-F5344CB8AC3E}">
+        <p14:creationId xmlns:p14="http://schemas.microsoft.com/office/powerpoint/2010/main" val="3274749443"/>
+      </p:ext>
+    </p:extLst>
+  </p:cSld>
+  <p:clrMapOvr>
+    <a:masterClrMapping/>
+  </p:clrMapOvr>
+</p:notes>
+</file>
+
+<file path=ppt/notesSlides/notesSlide3.xml><?xml version="1.0" encoding="utf-8"?>
+<p:notes xmlns:a="http://schemas.openxmlformats.org/drawingml/2006/main" xmlns:r="http://schemas.openxmlformats.org/officeDocument/2006/relationships" xmlns:p="http://schemas.openxmlformats.org/presentationml/2006/main">
+  <p:cSld>
+    <p:spTree>
+      <p:nvGrpSpPr>
+        <p:cNvPr id="1" name=""/>
+        <p:cNvGrpSpPr/>
+        <p:nvPr/>
+      </p:nvGrpSpPr>
+      <p:grpSpPr>
+        <a:xfrm>
+          <a:off x="0" y="0"/>
+          <a:ext cx="0" cy="0"/>
+          <a:chOff x="0" y="0"/>
+          <a:chExt cx="0" cy="0"/>
+        </a:xfrm>
+      </p:grpSpPr>
+      <p:sp>
+        <p:nvSpPr>
+          <p:cNvPr id="2" name="Folienbildplatzhalter 1"/>
+          <p:cNvSpPr>
+            <a:spLocks noGrp="1" noRot="1" noChangeAspect="1"/>
+          </p:cNvSpPr>
+          <p:nvPr>
+            <p:ph type="sldImg"/>
+          </p:nvPr>
+        </p:nvSpPr>
+        <p:spPr/>
+      </p:sp>
+      <p:sp>
+        <p:nvSpPr>
+          <p:cNvPr id="3" name="Notizenplatzhalter 2"/>
+          <p:cNvSpPr>
+            <a:spLocks noGrp="1"/>
+          </p:cNvSpPr>
+          <p:nvPr>
+            <p:ph type="body" idx="1"/>
+          </p:nvPr>
+        </p:nvSpPr>
+        <p:spPr/>
+        <p:txBody>
+          <a:bodyPr/>
+          <a:lstStyle/>
+          <a:p>
+            <a:endParaRPr lang="de-DE" dirty="0"/>
+          </a:p>
+        </p:txBody>
+      </p:sp>
+      <p:sp>
+        <p:nvSpPr>
+          <p:cNvPr id="4" name="Foliennummernplatzhalter 3"/>
+          <p:cNvSpPr>
+            <a:spLocks noGrp="1"/>
+          </p:cNvSpPr>
+          <p:nvPr>
+            <p:ph type="sldNum" sz="quarter" idx="5"/>
+          </p:nvPr>
+        </p:nvSpPr>
+        <p:spPr/>
+        <p:txBody>
+          <a:bodyPr/>
+          <a:lstStyle/>
+          <a:p>
+            <a:fld id="{02E0FF98-5CC5-4B0C-8546-F90571CBC063}" type="slidenum">
+              <a:rPr lang="de-DE" smtClean="0"/>
+              <a:t>18</a:t>
+            </a:fld>
+            <a:endParaRPr lang="de-DE"/>
+          </a:p>
+        </p:txBody>
+      </p:sp>
+    </p:spTree>
+    <p:extLst>
+      <p:ext uri="{BB962C8B-B14F-4D97-AF65-F5344CB8AC3E}">
+        <p14:creationId xmlns:p14="http://schemas.microsoft.com/office/powerpoint/2010/main" val="4160683684"/>
+      </p:ext>
+    </p:extLst>
+  </p:cSld>
+  <p:clrMapOvr>
+    <a:masterClrMapping/>
+  </p:clrMapOvr>
+</p:notes>
+</file>
+
+<file path=ppt/notesSlides/notesSlide4.xml><?xml version="1.0" encoding="utf-8"?>
+<p:notes xmlns:a="http://schemas.openxmlformats.org/drawingml/2006/main" xmlns:r="http://schemas.openxmlformats.org/officeDocument/2006/relationships" xmlns:p="http://schemas.openxmlformats.org/presentationml/2006/main">
+  <p:cSld>
+    <p:spTree>
+      <p:nvGrpSpPr>
+        <p:cNvPr id="1" name=""/>
+        <p:cNvGrpSpPr/>
+        <p:nvPr/>
+      </p:nvGrpSpPr>
+      <p:grpSpPr>
+        <a:xfrm>
+          <a:off x="0" y="0"/>
+          <a:ext cx="0" cy="0"/>
+          <a:chOff x="0" y="0"/>
+          <a:chExt cx="0" cy="0"/>
+        </a:xfrm>
+      </p:grpSpPr>
+      <p:sp>
+        <p:nvSpPr>
+          <p:cNvPr id="2" name="Folienbildplatzhalter 1"/>
+          <p:cNvSpPr>
+            <a:spLocks noGrp="1" noRot="1" noChangeAspect="1"/>
+          </p:cNvSpPr>
+          <p:nvPr>
+            <p:ph type="sldImg"/>
+          </p:nvPr>
+        </p:nvSpPr>
+        <p:spPr/>
+      </p:sp>
+      <p:sp>
+        <p:nvSpPr>
+          <p:cNvPr id="3" name="Notizenplatzhalter 2"/>
+          <p:cNvSpPr>
+            <a:spLocks noGrp="1"/>
+          </p:cNvSpPr>
+          <p:nvPr>
+            <p:ph type="body" idx="1"/>
+          </p:nvPr>
+        </p:nvSpPr>
+        <p:spPr/>
+        <p:txBody>
+          <a:bodyPr/>
+          <a:lstStyle/>
+          <a:p>
+            <a:r>
+              <a:rPr lang="de-DE" dirty="0"/>
+              <a:t>Schlichtes Design, soll Aufmerksamkeit auf die App richten und Einfachheit der Bedienung unterstreichen</a:t>
+            </a:r>
+          </a:p>
+        </p:txBody>
+      </p:sp>
+      <p:sp>
+        <p:nvSpPr>
+          <p:cNvPr id="4" name="Foliennummernplatzhalter 3"/>
+          <p:cNvSpPr>
+            <a:spLocks noGrp="1"/>
+          </p:cNvSpPr>
+          <p:nvPr>
+            <p:ph type="sldNum" sz="quarter" idx="5"/>
+          </p:nvPr>
+        </p:nvSpPr>
+        <p:spPr/>
+        <p:txBody>
+          <a:bodyPr/>
+          <a:lstStyle/>
+          <a:p>
+            <a:fld id="{02E0FF98-5CC5-4B0C-8546-F90571CBC063}" type="slidenum">
+              <a:rPr lang="de-DE" smtClean="0"/>
+              <a:t>21</a:t>
+            </a:fld>
+            <a:endParaRPr lang="de-DE"/>
+          </a:p>
+        </p:txBody>
+      </p:sp>
+    </p:spTree>
+    <p:extLst>
+      <p:ext uri="{BB962C8B-B14F-4D97-AF65-F5344CB8AC3E}">
+        <p14:creationId xmlns:p14="http://schemas.microsoft.com/office/powerpoint/2010/main" val="4208642233"/>
+      </p:ext>
+    </p:extLst>
+  </p:cSld>
+  <p:clrMapOvr>
+    <a:masterClrMapping/>
+  </p:clrMapOvr>
+</p:notes>
 </file>
 
 <file path=ppt/slideLayouts/slideLayout1.xml><?xml version="1.0" encoding="utf-8"?>
@@ -5564,6 +12201,34 @@
           <a:chExt cx="0" cy="0"/>
         </a:xfrm>
       </p:grpSpPr>
+      <p:pic>
+        <p:nvPicPr>
+          <p:cNvPr id="8" name="Grafik 7">
+            <a:extLst>
+              <a:ext uri="{FF2B5EF4-FFF2-40B4-BE49-F238E27FC236}">
+                <a16:creationId xmlns:a16="http://schemas.microsoft.com/office/drawing/2014/main" id="{6E9EC4C4-CB41-46A8-929C-B58986E52C8F}"/>
+              </a:ext>
+            </a:extLst>
+          </p:cNvPr>
+          <p:cNvPicPr/>
+          <p:nvPr/>
+        </p:nvPicPr>
+        <p:blipFill>
+          <a:blip r:embed="rId3"/>
+          <a:stretch>
+            <a:fillRect/>
+          </a:stretch>
+        </p:blipFill>
+        <p:spPr>
+          <a:xfrm>
+            <a:off x="298127" y="3704602"/>
+            <a:ext cx="3359020" cy="1325563"/>
+          </a:xfrm>
+          <a:prstGeom prst="rect">
+            <a:avLst/>
+          </a:prstGeom>
+        </p:spPr>
+      </p:pic>
       <p:sp>
         <p:nvSpPr>
           <p:cNvPr id="2" name="Titel 1">
@@ -5672,8 +12337,99 @@
               <a:rPr lang="de-DE" dirty="0">
                 <a:latin typeface="Novecento sans Normal" panose="00000500000000000000"/>
               </a:rPr>
-              <a:t>SW</a:t>
+              <a:t>Verwendeter Algorithmus:	</a:t>
             </a:r>
+            <a:r>
+              <a:rPr lang="de-DE" b="1" dirty="0">
+                <a:latin typeface="Novecento sans Normal" panose="00000500000000000000"/>
+              </a:rPr>
+              <a:t>YOLOv5</a:t>
+            </a:r>
+          </a:p>
+          <a:p>
+            <a:r>
+              <a:rPr lang="de-DE" dirty="0">
+                <a:latin typeface="Novecento sans Normal" panose="00000500000000000000"/>
+              </a:rPr>
+              <a:t>Funktionsweise:	- Einmaliges Analysieren aller Bereiche des Bildes</a:t>
+            </a:r>
+          </a:p>
+          <a:p>
+            <a:pPr marL="0" indent="0">
+              <a:buNone/>
+            </a:pPr>
+            <a:r>
+              <a:rPr lang="de-DE" dirty="0">
+                <a:latin typeface="Novecento sans Normal" panose="00000500000000000000"/>
+              </a:rPr>
+              <a:t>    			- Einteilung des Bildes in Raster &amp; Verwendung von 			   sog. „</a:t>
+            </a:r>
+            <a:r>
+              <a:rPr lang="de-DE" dirty="0" err="1">
+                <a:latin typeface="Novecento sans Normal" panose="00000500000000000000"/>
+              </a:rPr>
+              <a:t>Bounding</a:t>
+            </a:r>
+            <a:r>
+              <a:rPr lang="de-DE" dirty="0">
+                <a:latin typeface="Novecento sans Normal" panose="00000500000000000000"/>
+              </a:rPr>
+              <a:t> Boxen“</a:t>
+            </a:r>
+          </a:p>
+          <a:p>
+            <a:pPr marL="0" indent="0">
+              <a:buNone/>
+            </a:pPr>
+            <a:r>
+              <a:rPr lang="de-DE" dirty="0">
+                <a:latin typeface="Novecento sans Normal" panose="00000500000000000000"/>
+              </a:rPr>
+              <a:t>			- Identifizierten Objekten in den </a:t>
+            </a:r>
+            <a:r>
+              <a:rPr lang="de-DE" dirty="0" err="1">
+                <a:latin typeface="Novecento sans Normal" panose="00000500000000000000"/>
+              </a:rPr>
+              <a:t>Bounding</a:t>
+            </a:r>
+            <a:r>
+              <a:rPr lang="de-DE" dirty="0">
+                <a:latin typeface="Novecento sans Normal" panose="00000500000000000000"/>
+              </a:rPr>
+              <a:t> Boxen 				   werden Klassenwahrscheinlichkeiten zugewiesen</a:t>
+            </a:r>
+          </a:p>
+          <a:p>
+            <a:pPr marL="0" indent="0">
+              <a:buNone/>
+            </a:pPr>
+            <a:r>
+              <a:rPr lang="de-DE" dirty="0">
+                <a:latin typeface="Novecento sans Normal" panose="00000500000000000000"/>
+              </a:rPr>
+              <a:t>			- Objekte werden </a:t>
+            </a:r>
+            <a:r>
+              <a:rPr lang="de-DE" i="1" dirty="0">
+                <a:latin typeface="Novecento sans Normal" panose="00000500000000000000"/>
+              </a:rPr>
+              <a:t>detektiert</a:t>
+            </a:r>
+            <a:r>
+              <a:rPr lang="de-DE" dirty="0">
+                <a:latin typeface="Novecento sans Normal" panose="00000500000000000000"/>
+              </a:rPr>
+              <a:t>, was ein gleichzeitiges 			   Lokalisieren und Klassifizieren ermöglicht</a:t>
+            </a:r>
+            <a:endParaRPr lang="de-DE" i="1" dirty="0">
+              <a:latin typeface="Novecento sans Normal" panose="00000500000000000000"/>
+            </a:endParaRPr>
+          </a:p>
+          <a:p>
+            <a:endParaRPr lang="de-DE" dirty="0">
+              <a:latin typeface="Novecento sans Normal" panose="00000500000000000000"/>
+            </a:endParaRPr>
           </a:p>
         </p:txBody>
       </p:sp>
@@ -5692,7 +12448,7 @@
           <p:nvPr/>
         </p:nvPicPr>
         <p:blipFill>
-          <a:blip r:embed="rId2">
+          <a:blip r:embed="rId4">
             <a:extLst>
               <a:ext uri="{28A0092B-C50C-407E-A947-70E740481C1C}">
                 <a14:useLocalDpi xmlns:a14="http://schemas.microsoft.com/office/drawing/2010/main" val="0"/>
@@ -5779,10 +12535,46 @@
               <a:rPr lang="de-DE" smtClean="0"/>
               <a:t>11</a:t>
             </a:fld>
-            <a:endParaRPr lang="de-DE"/>
+            <a:endParaRPr lang="de-DE" dirty="0"/>
           </a:p>
         </p:txBody>
       </p:sp>
+      <p:pic>
+        <p:nvPicPr>
+          <p:cNvPr id="7" name="Grafik 6" descr="Ein Bild, das Text, ClipArt enthält.&#10;&#10;Automatisch generierte Beschreibung">
+            <a:extLst>
+              <a:ext uri="{FF2B5EF4-FFF2-40B4-BE49-F238E27FC236}">
+                <a16:creationId xmlns:a16="http://schemas.microsoft.com/office/drawing/2014/main" id="{36152D70-69C3-4C0D-AC4C-93F6F9CBCA90}"/>
+              </a:ext>
+            </a:extLst>
+          </p:cNvPr>
+          <p:cNvPicPr>
+            <a:picLocks noChangeAspect="1"/>
+          </p:cNvPicPr>
+          <p:nvPr/>
+        </p:nvPicPr>
+        <p:blipFill>
+          <a:blip r:embed="rId5">
+            <a:extLst>
+              <a:ext uri="{28A0092B-C50C-407E-A947-70E740481C1C}">
+                <a14:useLocalDpi xmlns:a14="http://schemas.microsoft.com/office/drawing/2010/main" val="0"/>
+              </a:ext>
+            </a:extLst>
+          </a:blip>
+          <a:stretch>
+            <a:fillRect/>
+          </a:stretch>
+        </p:blipFill>
+        <p:spPr>
+          <a:xfrm>
+            <a:off x="562909" y="3525215"/>
+            <a:ext cx="769833" cy="404912"/>
+          </a:xfrm>
+          <a:prstGeom prst="rect">
+            <a:avLst/>
+          </a:prstGeom>
+        </p:spPr>
+      </p:pic>
     </p:spTree>
     <p:extLst>
       <p:ext uri="{BB962C8B-B14F-4D97-AF65-F5344CB8AC3E}">
@@ -5851,7 +12643,7 @@
                 <a:latin typeface="Novecento sans Normal" panose="00000500000000000000" pitchFamily="50" charset="0"/>
                 <a:cs typeface="Vani" panose="020B0502040204020203" pitchFamily="18" charset="0"/>
               </a:rPr>
-              <a:t>MACHINE LEARNING</a:t>
+              <a:t>MACHINE LEARNING PROZESS</a:t>
             </a:r>
             <a:endParaRPr lang="de-DE" dirty="0">
               <a:latin typeface="Novecento sans Normal" panose="00000500000000000000"/>
@@ -5884,7 +12676,61 @@
               <a:rPr lang="de-DE" dirty="0">
                 <a:latin typeface="Novecento sans Normal" panose="00000500000000000000"/>
               </a:rPr>
-              <a:t>SW&lt;</a:t>
+              <a:t>Erstellung von vier Datensätzen für die Emotionen „Freude“, „Wut“, „Langeweile“ und „Angst“</a:t>
+            </a:r>
+          </a:p>
+          <a:p>
+            <a:r>
+              <a:rPr lang="de-DE" dirty="0">
+                <a:latin typeface="Novecento sans Normal" panose="00000500000000000000"/>
+              </a:rPr>
+              <a:t>Labeln der Datensätze durch manuelles Hinzufügen einer </a:t>
+            </a:r>
+            <a:r>
+              <a:rPr lang="de-DE" dirty="0" err="1">
+                <a:latin typeface="Novecento sans Normal" panose="00000500000000000000"/>
+              </a:rPr>
+              <a:t>Bounding</a:t>
+            </a:r>
+            <a:r>
+              <a:rPr lang="de-DE" dirty="0">
+                <a:latin typeface="Novecento sans Normal" panose="00000500000000000000"/>
+              </a:rPr>
+              <a:t> Box mit entsprechender Klasse</a:t>
+            </a:r>
+          </a:p>
+          <a:p>
+            <a:r>
+              <a:rPr lang="de-DE" dirty="0">
+                <a:latin typeface="Novecento sans Normal" panose="00000500000000000000"/>
+              </a:rPr>
+              <a:t>Datensatzgröße: 8000 Bilder </a:t>
+            </a:r>
+            <a:r>
+              <a:rPr lang="de-DE" sz="1800" dirty="0">
+                <a:latin typeface="Novecento sans Normal" panose="00000500000000000000"/>
+              </a:rPr>
+              <a:t>(inkl. </a:t>
+            </a:r>
+            <a:r>
+              <a:rPr lang="de-DE" sz="1800" dirty="0" err="1">
+                <a:latin typeface="Novecento sans Normal" panose="00000500000000000000"/>
+              </a:rPr>
+              <a:t>Augmentations</a:t>
+            </a:r>
+            <a:r>
+              <a:rPr lang="de-DE" sz="1800" dirty="0">
+                <a:latin typeface="Novecento sans Normal" panose="00000500000000000000"/>
+              </a:rPr>
+              <a:t>)</a:t>
+            </a:r>
+          </a:p>
+          <a:p>
+            <a:r>
+              <a:rPr lang="de-DE" dirty="0">
+                <a:latin typeface="Novecento sans Normal" panose="00000500000000000000"/>
+              </a:rPr>
+              <a:t>Aufteilung des Datensatzes in Trainings-, Validierungs-, und Testdatensatz im quantitativen Verhältnis 70:20:10</a:t>
             </a:r>
           </a:p>
         </p:txBody>
@@ -7415,7 +14261,7 @@
                 <a:latin typeface="Novecento sans Normal" panose="00000500000000000000" pitchFamily="50" charset="0"/>
                 <a:cs typeface="Vani" panose="020B0502040204020203" pitchFamily="18" charset="0"/>
               </a:rPr>
-              <a:t>DER MACHINE LEARNING ALGORITHMUS</a:t>
+              <a:t>DER MACHINE LEARNING ALGORITHMUS - ERGEBNIS</a:t>
             </a:r>
             <a:endParaRPr lang="de-DE" dirty="0">
               <a:latin typeface="Novecento sans Normal" panose="00000500000000000000"/>
@@ -7448,8 +14294,97 @@
               <a:rPr lang="de-DE" dirty="0">
                 <a:latin typeface="Novecento sans Normal" panose="00000500000000000000"/>
               </a:rPr>
-              <a:t>PB SW&lt;</a:t>
+              <a:t>Trainiertes Modell kann die Emotionen sehr gut unterscheiden</a:t>
             </a:r>
+          </a:p>
+          <a:p>
+            <a:pPr marL="0" indent="0">
+              <a:buNone/>
+            </a:pPr>
+            <a:r>
+              <a:rPr lang="de-DE" dirty="0">
+                <a:latin typeface="Novecento sans Normal" panose="00000500000000000000"/>
+              </a:rPr>
+              <a:t> </a:t>
+            </a:r>
+          </a:p>
+          <a:p>
+            <a:pPr marL="0" indent="0">
+              <a:buNone/>
+            </a:pPr>
+            <a:endParaRPr lang="de-DE" dirty="0">
+              <a:latin typeface="Novecento sans Normal" panose="00000500000000000000"/>
+            </a:endParaRPr>
+          </a:p>
+          <a:p>
+            <a:pPr marL="0" indent="0">
+              <a:buNone/>
+            </a:pPr>
+            <a:endParaRPr lang="de-DE" dirty="0">
+              <a:latin typeface="Novecento sans Normal" panose="00000500000000000000"/>
+            </a:endParaRPr>
+          </a:p>
+          <a:p>
+            <a:pPr marL="0" indent="0">
+              <a:buNone/>
+            </a:pPr>
+            <a:endParaRPr lang="de-DE" dirty="0">
+              <a:latin typeface="Novecento sans Normal" panose="00000500000000000000"/>
+            </a:endParaRPr>
+          </a:p>
+          <a:p>
+            <a:pPr marL="0" indent="0">
+              <a:buNone/>
+            </a:pPr>
+            <a:endParaRPr lang="de-DE" dirty="0">
+              <a:latin typeface="Novecento sans Normal" panose="00000500000000000000"/>
+            </a:endParaRPr>
+          </a:p>
+          <a:p>
+            <a:pPr marL="0" indent="0">
+              <a:buNone/>
+            </a:pPr>
+            <a:endParaRPr lang="de-DE" dirty="0">
+              <a:latin typeface="Novecento sans Normal" panose="00000500000000000000"/>
+            </a:endParaRPr>
+          </a:p>
+          <a:p>
+            <a:pPr marL="0" indent="0">
+              <a:buNone/>
+            </a:pPr>
+            <a:r>
+              <a:rPr lang="de-DE" dirty="0" err="1">
+                <a:latin typeface="Novecento sans Normal" panose="00000500000000000000"/>
+              </a:rPr>
+              <a:t>Bla</a:t>
+            </a:r>
+            <a:r>
+              <a:rPr lang="de-DE" dirty="0">
+                <a:latin typeface="Novecento sans Normal" panose="00000500000000000000"/>
+              </a:rPr>
+              <a:t> </a:t>
+            </a:r>
+            <a:r>
+              <a:rPr lang="de-DE" dirty="0" err="1">
+                <a:latin typeface="Novecento sans Normal" panose="00000500000000000000"/>
+              </a:rPr>
+              <a:t>bla</a:t>
+            </a:r>
+            <a:r>
+              <a:rPr lang="de-DE" dirty="0">
+                <a:latin typeface="Novecento sans Normal" panose="00000500000000000000"/>
+              </a:rPr>
+              <a:t> </a:t>
+            </a:r>
+            <a:r>
+              <a:rPr lang="de-DE" dirty="0" err="1">
+                <a:latin typeface="Novecento sans Normal" panose="00000500000000000000"/>
+              </a:rPr>
+              <a:t>bla</a:t>
+            </a:r>
+            <a:endParaRPr lang="de-DE" dirty="0">
+              <a:latin typeface="Novecento sans Normal" panose="00000500000000000000"/>
+            </a:endParaRPr>
           </a:p>
         </p:txBody>
       </p:sp>
@@ -7468,7 +14403,7 @@
           <p:nvPr/>
         </p:nvPicPr>
         <p:blipFill>
-          <a:blip r:embed="rId2">
+          <a:blip r:embed="rId3">
             <a:extLst>
               <a:ext uri="{28A0092B-C50C-407E-A947-70E740481C1C}">
                 <a14:useLocalDpi xmlns:a14="http://schemas.microsoft.com/office/drawing/2010/main" val="0"/>
@@ -7559,6 +14494,66 @@
           </a:p>
         </p:txBody>
       </p:sp>
+      <p:pic>
+        <p:nvPicPr>
+          <p:cNvPr id="7" name="Grafik 6">
+            <a:extLst>
+              <a:ext uri="{FF2B5EF4-FFF2-40B4-BE49-F238E27FC236}">
+                <a16:creationId xmlns:a16="http://schemas.microsoft.com/office/drawing/2014/main" id="{98E38702-7E3B-4BE3-BD57-260C509DCA79}"/>
+              </a:ext>
+            </a:extLst>
+          </p:cNvPr>
+          <p:cNvPicPr>
+            <a:picLocks noChangeAspect="1"/>
+          </p:cNvPicPr>
+          <p:nvPr/>
+        </p:nvPicPr>
+        <p:blipFill>
+          <a:blip r:embed="rId4"/>
+          <a:stretch>
+            <a:fillRect/>
+          </a:stretch>
+        </p:blipFill>
+        <p:spPr>
+          <a:xfrm>
+            <a:off x="1027883" y="2434504"/>
+            <a:ext cx="2013895" cy="2485798"/>
+          </a:xfrm>
+          <a:prstGeom prst="rect">
+            <a:avLst/>
+          </a:prstGeom>
+        </p:spPr>
+      </p:pic>
+      <p:pic>
+        <p:nvPicPr>
+          <p:cNvPr id="8" name="Grafik 7">
+            <a:extLst>
+              <a:ext uri="{FF2B5EF4-FFF2-40B4-BE49-F238E27FC236}">
+                <a16:creationId xmlns:a16="http://schemas.microsoft.com/office/drawing/2014/main" id="{54F9B8B2-8FE8-4E71-938F-288055BAAD1B}"/>
+              </a:ext>
+            </a:extLst>
+          </p:cNvPr>
+          <p:cNvPicPr>
+            <a:picLocks noChangeAspect="1"/>
+          </p:cNvPicPr>
+          <p:nvPr/>
+        </p:nvPicPr>
+        <p:blipFill>
+          <a:blip r:embed="rId5"/>
+          <a:stretch>
+            <a:fillRect/>
+          </a:stretch>
+        </p:blipFill>
+        <p:spPr>
+          <a:xfrm>
+            <a:off x="3532511" y="2434502"/>
+            <a:ext cx="2385921" cy="2485797"/>
+          </a:xfrm>
+          <a:prstGeom prst="rect">
+            <a:avLst/>
+          </a:prstGeom>
+        </p:spPr>
+      </p:pic>
     </p:spTree>
     <p:extLst>
       <p:ext uri="{BB962C8B-B14F-4D97-AF65-F5344CB8AC3E}">
@@ -9740,7 +16735,7 @@
                 </a:solidFill>
                 <a:latin typeface="Novecento sans Normal" panose="00000500000000000000"/>
               </a:rPr>
-              <a:t>…</a:t>
+              <a:t>Individuell zugeschnittenes Bankprodukt für den Kunden</a:t>
             </a:r>
           </a:p>
         </p:txBody>
@@ -10007,7 +17002,7 @@
                 </a:solidFill>
                 <a:latin typeface="Novecento sans Normal" panose="00000500000000000000"/>
               </a:rPr>
-              <a:t>…</a:t>
+              <a:t>Einfache Bedienung</a:t>
             </a:r>
           </a:p>
         </p:txBody>
@@ -10526,7 +17521,7 @@
           <a:lstStyle/>
           <a:p>
             <a:r>
-              <a:rPr lang="de-DE" spc="800" dirty="0">
+              <a:rPr lang="de-DE" spc="800">
                 <a:gradFill flip="none" rotWithShape="1">
                   <a:gsLst>
                     <a:gs pos="0">
@@ -10545,7 +17540,7 @@
               <a:t>MARKETING</a:t>
             </a:r>
             <a:br>
-              <a:rPr lang="de-DE" spc="800" dirty="0">
+              <a:rPr lang="de-DE" spc="800">
                 <a:gradFill flip="none" rotWithShape="1">
                   <a:gsLst>
                     <a:gs pos="0">
@@ -10563,7 +17558,7 @@
               </a:rPr>
             </a:br>
             <a:r>
-              <a:rPr lang="de-DE" sz="2400" spc="800" dirty="0">
+              <a:rPr lang="de-DE" sz="2400" spc="800">
                 <a:gradFill flip="none" rotWithShape="1">
                   <a:gsLst>
                     <a:gs pos="0">
@@ -10612,7 +17607,7 @@
               <a:rPr lang="de-DE" dirty="0">
                 <a:latin typeface="Novecento sans Normal" panose="00000500000000000000"/>
               </a:rPr>
-              <a:t>SW</a:t>
+              <a:t>Erstellung von modernen Werbeplakaten, welche in Innenstädten platziert werden können</a:t>
             </a:r>
           </a:p>
         </p:txBody>
@@ -10632,7 +17627,7 @@
           <p:nvPr/>
         </p:nvPicPr>
         <p:blipFill>
-          <a:blip r:embed="rId2">
+          <a:blip r:embed="rId3">
             <a:extLst>
               <a:ext uri="{28A0092B-C50C-407E-A947-70E740481C1C}">
                 <a14:useLocalDpi xmlns:a14="http://schemas.microsoft.com/office/drawing/2010/main" val="0"/>
@@ -10680,17 +17675,14 @@
           <a:lstStyle/>
           <a:p>
             <a:r>
-              <a:rPr lang="de-DE" spc="300" dirty="0" err="1">
+              <a:rPr lang="de-DE" spc="300">
                 <a:latin typeface="Novecento sans UltraLight" panose="00000300000000000000" pitchFamily="50" charset="0"/>
               </a:rPr>
-              <a:t>Rising</a:t>
+              <a:t>Rising Finance: Das Produkt</a:t>
             </a:r>
-            <a:r>
-              <a:rPr lang="de-DE" spc="300" dirty="0">
-                <a:latin typeface="Novecento sans UltraLight" panose="00000300000000000000" pitchFamily="50" charset="0"/>
-              </a:rPr>
-              <a:t> Finance: Das Produkt</a:t>
-            </a:r>
+            <a:endParaRPr lang="de-DE" spc="300" dirty="0">
+              <a:latin typeface="Novecento sans UltraLight" panose="00000300000000000000" pitchFamily="50" charset="0"/>
+            </a:endParaRPr>
           </a:p>
         </p:txBody>
       </p:sp>
@@ -10723,6 +17715,159 @@
           </a:p>
         </p:txBody>
       </p:sp>
+      <p:pic>
+        <p:nvPicPr>
+          <p:cNvPr id="7" name="Grafik 6">
+            <a:extLst>
+              <a:ext uri="{FF2B5EF4-FFF2-40B4-BE49-F238E27FC236}">
+                <a16:creationId xmlns:a16="http://schemas.microsoft.com/office/drawing/2014/main" id="{F860D28E-6D99-4171-B260-716C41B6E3CE}"/>
+              </a:ext>
+            </a:extLst>
+          </p:cNvPr>
+          <p:cNvPicPr/>
+          <p:nvPr/>
+        </p:nvPicPr>
+        <p:blipFill>
+          <a:blip r:embed="rId4" cstate="print">
+            <a:extLst>
+              <a:ext uri="{28A0092B-C50C-407E-A947-70E740481C1C}">
+                <a14:useLocalDpi xmlns:a14="http://schemas.microsoft.com/office/drawing/2010/main" val="0"/>
+              </a:ext>
+            </a:extLst>
+          </a:blip>
+          <a:srcRect/>
+          <a:stretch>
+            <a:fillRect/>
+          </a:stretch>
+        </p:blipFill>
+        <p:spPr bwMode="auto">
+          <a:xfrm>
+            <a:off x="6426726" y="3210418"/>
+            <a:ext cx="1723494" cy="2705878"/>
+          </a:xfrm>
+          <a:prstGeom prst="rect">
+            <a:avLst/>
+          </a:prstGeom>
+          <a:noFill/>
+          <a:ln>
+            <a:noFill/>
+          </a:ln>
+        </p:spPr>
+      </p:pic>
+      <p:pic>
+        <p:nvPicPr>
+          <p:cNvPr id="8" name="Grafik 7">
+            <a:extLst>
+              <a:ext uri="{FF2B5EF4-FFF2-40B4-BE49-F238E27FC236}">
+                <a16:creationId xmlns:a16="http://schemas.microsoft.com/office/drawing/2014/main" id="{159ABFB5-E0EC-447C-AE15-6E1FDCAAB5D5}"/>
+              </a:ext>
+            </a:extLst>
+          </p:cNvPr>
+          <p:cNvPicPr/>
+          <p:nvPr/>
+        </p:nvPicPr>
+        <p:blipFill>
+          <a:blip r:embed="rId5" cstate="print">
+            <a:extLst>
+              <a:ext uri="{28A0092B-C50C-407E-A947-70E740481C1C}">
+                <a14:useLocalDpi xmlns:a14="http://schemas.microsoft.com/office/drawing/2010/main" val="0"/>
+              </a:ext>
+            </a:extLst>
+          </a:blip>
+          <a:srcRect/>
+          <a:stretch>
+            <a:fillRect/>
+          </a:stretch>
+        </p:blipFill>
+        <p:spPr bwMode="auto">
+          <a:xfrm>
+            <a:off x="8352480" y="3210419"/>
+            <a:ext cx="3618695" cy="2706566"/>
+          </a:xfrm>
+          <a:prstGeom prst="rect">
+            <a:avLst/>
+          </a:prstGeom>
+          <a:noFill/>
+          <a:ln>
+            <a:noFill/>
+          </a:ln>
+        </p:spPr>
+      </p:pic>
+      <p:pic>
+        <p:nvPicPr>
+          <p:cNvPr id="9" name="Grafik 8">
+            <a:extLst>
+              <a:ext uri="{FF2B5EF4-FFF2-40B4-BE49-F238E27FC236}">
+                <a16:creationId xmlns:a16="http://schemas.microsoft.com/office/drawing/2014/main" id="{26DE6D1B-EBFB-4222-B096-E5FAC4DF0874}"/>
+              </a:ext>
+            </a:extLst>
+          </p:cNvPr>
+          <p:cNvPicPr/>
+          <p:nvPr/>
+        </p:nvPicPr>
+        <p:blipFill>
+          <a:blip r:embed="rId6" cstate="print">
+            <a:extLst>
+              <a:ext uri="{28A0092B-C50C-407E-A947-70E740481C1C}">
+                <a14:useLocalDpi xmlns:a14="http://schemas.microsoft.com/office/drawing/2010/main" val="0"/>
+              </a:ext>
+            </a:extLst>
+          </a:blip>
+          <a:srcRect/>
+          <a:stretch>
+            <a:fillRect/>
+          </a:stretch>
+        </p:blipFill>
+        <p:spPr bwMode="auto">
+          <a:xfrm>
+            <a:off x="2390193" y="3210418"/>
+            <a:ext cx="3834272" cy="2705878"/>
+          </a:xfrm>
+          <a:prstGeom prst="rect">
+            <a:avLst/>
+          </a:prstGeom>
+          <a:noFill/>
+          <a:ln>
+            <a:noFill/>
+          </a:ln>
+        </p:spPr>
+      </p:pic>
+      <p:pic>
+        <p:nvPicPr>
+          <p:cNvPr id="11" name="Grafik 10" descr="Ein Bild, das Text, draußen enthält.&#10;&#10;Automatisch generierte Beschreibung">
+            <a:extLst>
+              <a:ext uri="{FF2B5EF4-FFF2-40B4-BE49-F238E27FC236}">
+                <a16:creationId xmlns:a16="http://schemas.microsoft.com/office/drawing/2014/main" id="{46B46746-6B30-4082-BFA7-2500842C89CD}"/>
+              </a:ext>
+            </a:extLst>
+          </p:cNvPr>
+          <p:cNvPicPr>
+            <a:picLocks noChangeAspect="1"/>
+          </p:cNvPicPr>
+          <p:nvPr/>
+        </p:nvPicPr>
+        <p:blipFill>
+          <a:blip r:embed="rId7">
+            <a:extLst>
+              <a:ext uri="{28A0092B-C50C-407E-A947-70E740481C1C}">
+                <a14:useLocalDpi xmlns:a14="http://schemas.microsoft.com/office/drawing/2010/main" val="0"/>
+              </a:ext>
+            </a:extLst>
+          </a:blip>
+          <a:stretch>
+            <a:fillRect/>
+          </a:stretch>
+        </p:blipFill>
+        <p:spPr>
+          <a:xfrm>
+            <a:off x="384013" y="3210418"/>
+            <a:ext cx="1803919" cy="2705878"/>
+          </a:xfrm>
+          <a:prstGeom prst="rect">
+            <a:avLst/>
+          </a:prstGeom>
+        </p:spPr>
+      </p:pic>
     </p:spTree>
     <p:extLst>
       <p:ext uri="{BB962C8B-B14F-4D97-AF65-F5344CB8AC3E}">
@@ -10933,6 +18078,567 @@
     <p:extLst>
       <p:ext uri="{BB962C8B-B14F-4D97-AF65-F5344CB8AC3E}">
         <p14:creationId xmlns:p14="http://schemas.microsoft.com/office/powerpoint/2010/main" val="1656717241"/>
+      </p:ext>
+    </p:extLst>
+  </p:cSld>
+  <p:clrMapOvr>
+    <a:masterClrMapping/>
+  </p:clrMapOvr>
+</p:sld>
+</file>
+
+<file path=ppt/slides/slide23.xml><?xml version="1.0" encoding="utf-8"?>
+<p:sld xmlns:a="http://schemas.openxmlformats.org/drawingml/2006/main" xmlns:r="http://schemas.openxmlformats.org/officeDocument/2006/relationships" xmlns:p="http://schemas.openxmlformats.org/presentationml/2006/main">
+  <p:cSld>
+    <p:spTree>
+      <p:nvGrpSpPr>
+        <p:cNvPr id="1" name=""/>
+        <p:cNvGrpSpPr/>
+        <p:nvPr/>
+      </p:nvGrpSpPr>
+      <p:grpSpPr>
+        <a:xfrm>
+          <a:off x="0" y="0"/>
+          <a:ext cx="0" cy="0"/>
+          <a:chOff x="0" y="0"/>
+          <a:chExt cx="0" cy="0"/>
+        </a:xfrm>
+      </p:grpSpPr>
+      <p:sp>
+        <p:nvSpPr>
+          <p:cNvPr id="4" name="Fußzeilenplatzhalter 3">
+            <a:extLst>
+              <a:ext uri="{FF2B5EF4-FFF2-40B4-BE49-F238E27FC236}">
+                <a16:creationId xmlns:a16="http://schemas.microsoft.com/office/drawing/2014/main" id="{C20AB6C1-F609-48CF-BC3A-57643E88873B}"/>
+              </a:ext>
+            </a:extLst>
+          </p:cNvPr>
+          <p:cNvSpPr>
+            <a:spLocks noGrp="1"/>
+          </p:cNvSpPr>
+          <p:nvPr>
+            <p:ph type="ftr" sz="quarter" idx="11"/>
+          </p:nvPr>
+        </p:nvSpPr>
+        <p:spPr/>
+        <p:txBody>
+          <a:bodyPr/>
+          <a:lstStyle/>
+          <a:p>
+            <a:endParaRPr lang="de-DE"/>
+          </a:p>
+        </p:txBody>
+      </p:sp>
+      <p:sp>
+        <p:nvSpPr>
+          <p:cNvPr id="5" name="Foliennummernplatzhalter 4">
+            <a:extLst>
+              <a:ext uri="{FF2B5EF4-FFF2-40B4-BE49-F238E27FC236}">
+                <a16:creationId xmlns:a16="http://schemas.microsoft.com/office/drawing/2014/main" id="{3CD1C6C0-8246-4340-BAF7-B05A12359CD6}"/>
+              </a:ext>
+            </a:extLst>
+          </p:cNvPr>
+          <p:cNvSpPr>
+            <a:spLocks noGrp="1"/>
+          </p:cNvSpPr>
+          <p:nvPr>
+            <p:ph type="sldNum" sz="quarter" idx="12"/>
+          </p:nvPr>
+        </p:nvSpPr>
+        <p:spPr/>
+        <p:txBody>
+          <a:bodyPr/>
+          <a:lstStyle/>
+          <a:p>
+            <a:fld id="{09BB54DA-257D-4D2C-8CB3-952AD6E1912C}" type="slidenum">
+              <a:rPr lang="de-DE" smtClean="0"/>
+              <a:t>23</a:t>
+            </a:fld>
+            <a:endParaRPr lang="de-DE"/>
+          </a:p>
+        </p:txBody>
+      </p:sp>
+      <p:sp>
+        <p:nvSpPr>
+          <p:cNvPr id="6" name="Titel 1">
+            <a:extLst>
+              <a:ext uri="{FF2B5EF4-FFF2-40B4-BE49-F238E27FC236}">
+                <a16:creationId xmlns:a16="http://schemas.microsoft.com/office/drawing/2014/main" id="{8A422A97-156A-4D5E-B039-F6EA391A65A9}"/>
+              </a:ext>
+            </a:extLst>
+          </p:cNvPr>
+          <p:cNvSpPr txBox="1">
+            <a:spLocks/>
+          </p:cNvSpPr>
+          <p:nvPr/>
+        </p:nvSpPr>
+        <p:spPr>
+          <a:xfrm>
+            <a:off x="5421797" y="2508980"/>
+            <a:ext cx="6253317" cy="3686015"/>
+          </a:xfrm>
+          <a:prstGeom prst="rect">
+            <a:avLst/>
+          </a:prstGeom>
+        </p:spPr>
+        <p:txBody>
+          <a:bodyPr vert="horz" lIns="91440" tIns="45720" rIns="91440" bIns="45720" rtlCol="0" anchor="ctr">
+            <a:normAutofit/>
+          </a:bodyPr>
+          <a:lstStyle>
+            <a:lvl1pPr algn="l" defTabSz="914400" rtl="0" eaLnBrk="1" latinLnBrk="0" hangingPunct="1">
+              <a:lnSpc>
+                <a:spcPct val="90000"/>
+              </a:lnSpc>
+              <a:spcBef>
+                <a:spcPct val="0"/>
+              </a:spcBef>
+              <a:buNone/>
+              <a:defRPr sz="4400" kern="1200">
+                <a:solidFill>
+                  <a:schemeClr val="tx1"/>
+                </a:solidFill>
+                <a:latin typeface="+mj-lt"/>
+                <a:ea typeface="+mj-ea"/>
+                <a:cs typeface="+mj-cs"/>
+              </a:defRPr>
+            </a:lvl1pPr>
+          </a:lstStyle>
+          <a:p>
+            <a:pPr algn="r"/>
+            <a:r>
+              <a:rPr lang="de-DE" spc="800" dirty="0">
+                <a:gradFill flip="none" rotWithShape="1">
+                  <a:gsLst>
+                    <a:gs pos="0">
+                      <a:srgbClr val="82368C"/>
+                    </a:gs>
+                    <a:gs pos="100000">
+                      <a:srgbClr val="27348B"/>
+                    </a:gs>
+                  </a:gsLst>
+                  <a:lin ang="0" scaled="1"/>
+                  <a:tileRect/>
+                </a:gradFill>
+                <a:latin typeface="Novecento sans Normal" panose="00000500000000000000" pitchFamily="50" charset="0"/>
+                <a:cs typeface="Vani" panose="020B0502040204020203" pitchFamily="18" charset="0"/>
+              </a:rPr>
+              <a:t>RISING</a:t>
+            </a:r>
+            <a:br>
+              <a:rPr lang="de-DE" spc="800" dirty="0">
+                <a:gradFill flip="none" rotWithShape="1">
+                  <a:gsLst>
+                    <a:gs pos="0">
+                      <a:srgbClr val="82368C"/>
+                    </a:gs>
+                    <a:gs pos="100000">
+                      <a:srgbClr val="27348B"/>
+                    </a:gs>
+                  </a:gsLst>
+                  <a:lin ang="0" scaled="1"/>
+                  <a:tileRect/>
+                </a:gradFill>
+                <a:latin typeface="Novecento sans Normal" panose="00000500000000000000" pitchFamily="50" charset="0"/>
+                <a:cs typeface="Vani" panose="020B0502040204020203" pitchFamily="18" charset="0"/>
+              </a:rPr>
+            </a:br>
+            <a:r>
+              <a:rPr lang="de-DE" spc="800" dirty="0">
+                <a:gradFill flip="none" rotWithShape="1">
+                  <a:gsLst>
+                    <a:gs pos="0">
+                      <a:srgbClr val="82368C"/>
+                    </a:gs>
+                    <a:gs pos="100000">
+                      <a:srgbClr val="27348B"/>
+                    </a:gs>
+                  </a:gsLst>
+                  <a:lin ang="0" scaled="1"/>
+                  <a:tileRect/>
+                </a:gradFill>
+                <a:latin typeface="Novecento sans Normal" panose="00000500000000000000" pitchFamily="50" charset="0"/>
+                <a:cs typeface="Vani" panose="020B0502040204020203" pitchFamily="18" charset="0"/>
+              </a:rPr>
+              <a:t>FINANCE</a:t>
+            </a:r>
+            <a:endParaRPr lang="de" sz="8000" spc="800" dirty="0">
+              <a:gradFill flip="none" rotWithShape="1">
+                <a:gsLst>
+                  <a:gs pos="0">
+                    <a:srgbClr val="82368C"/>
+                  </a:gs>
+                  <a:gs pos="100000">
+                    <a:srgbClr val="27348B"/>
+                  </a:gs>
+                </a:gsLst>
+                <a:lin ang="0" scaled="1"/>
+                <a:tileRect/>
+              </a:gradFill>
+              <a:latin typeface="Novecento sans Normal" panose="00000500000000000000" pitchFamily="50" charset="0"/>
+              <a:cs typeface="Vani" panose="020B0502040204020203" pitchFamily="18" charset="0"/>
+            </a:endParaRPr>
+          </a:p>
+        </p:txBody>
+      </p:sp>
+      <p:sp>
+        <p:nvSpPr>
+          <p:cNvPr id="7" name="Untertitel 2">
+            <a:extLst>
+              <a:ext uri="{FF2B5EF4-FFF2-40B4-BE49-F238E27FC236}">
+                <a16:creationId xmlns:a16="http://schemas.microsoft.com/office/drawing/2014/main" id="{145F0896-B9EA-42B9-A5C3-831E807992CF}"/>
+              </a:ext>
+            </a:extLst>
+          </p:cNvPr>
+          <p:cNvSpPr txBox="1">
+            <a:spLocks/>
+          </p:cNvSpPr>
+          <p:nvPr/>
+        </p:nvSpPr>
+        <p:spPr>
+          <a:xfrm>
+            <a:off x="5405767" y="5035399"/>
+            <a:ext cx="6269347" cy="1021498"/>
+          </a:xfrm>
+          <a:prstGeom prst="rect">
+            <a:avLst/>
+          </a:prstGeom>
+        </p:spPr>
+        <p:txBody>
+          <a:bodyPr vert="horz" lIns="91440" tIns="45720" rIns="91440" bIns="45720" rtlCol="0">
+            <a:normAutofit/>
+          </a:bodyPr>
+          <a:lstStyle>
+            <a:lvl1pPr marL="228600" indent="-228600" algn="l" defTabSz="914400" rtl="0" eaLnBrk="1" latinLnBrk="0" hangingPunct="1">
+              <a:lnSpc>
+                <a:spcPct val="90000"/>
+              </a:lnSpc>
+              <a:spcBef>
+                <a:spcPts val="1000"/>
+              </a:spcBef>
+              <a:buFont typeface="Arial" panose="020B0604020202020204" pitchFamily="34" charset="0"/>
+              <a:buChar char="•"/>
+              <a:defRPr sz="2800" kern="1200">
+                <a:solidFill>
+                  <a:schemeClr val="tx1"/>
+                </a:solidFill>
+                <a:latin typeface="+mn-lt"/>
+                <a:ea typeface="+mn-ea"/>
+                <a:cs typeface="+mn-cs"/>
+              </a:defRPr>
+            </a:lvl1pPr>
+            <a:lvl2pPr marL="685800" indent="-228600" algn="l" defTabSz="914400" rtl="0" eaLnBrk="1" latinLnBrk="0" hangingPunct="1">
+              <a:lnSpc>
+                <a:spcPct val="90000"/>
+              </a:lnSpc>
+              <a:spcBef>
+                <a:spcPts val="500"/>
+              </a:spcBef>
+              <a:buFont typeface="Arial" panose="020B0604020202020204" pitchFamily="34" charset="0"/>
+              <a:buChar char="•"/>
+              <a:defRPr sz="2400" kern="1200">
+                <a:solidFill>
+                  <a:schemeClr val="tx1"/>
+                </a:solidFill>
+                <a:latin typeface="+mn-lt"/>
+                <a:ea typeface="+mn-ea"/>
+                <a:cs typeface="+mn-cs"/>
+              </a:defRPr>
+            </a:lvl2pPr>
+            <a:lvl3pPr marL="1143000" indent="-228600" algn="l" defTabSz="914400" rtl="0" eaLnBrk="1" latinLnBrk="0" hangingPunct="1">
+              <a:lnSpc>
+                <a:spcPct val="90000"/>
+              </a:lnSpc>
+              <a:spcBef>
+                <a:spcPts val="500"/>
+              </a:spcBef>
+              <a:buFont typeface="Arial" panose="020B0604020202020204" pitchFamily="34" charset="0"/>
+              <a:buChar char="•"/>
+              <a:defRPr sz="2000" kern="1200">
+                <a:solidFill>
+                  <a:schemeClr val="tx1"/>
+                </a:solidFill>
+                <a:latin typeface="+mn-lt"/>
+                <a:ea typeface="+mn-ea"/>
+                <a:cs typeface="+mn-cs"/>
+              </a:defRPr>
+            </a:lvl3pPr>
+            <a:lvl4pPr marL="1600200" indent="-228600" algn="l" defTabSz="914400" rtl="0" eaLnBrk="1" latinLnBrk="0" hangingPunct="1">
+              <a:lnSpc>
+                <a:spcPct val="90000"/>
+              </a:lnSpc>
+              <a:spcBef>
+                <a:spcPts val="500"/>
+              </a:spcBef>
+              <a:buFont typeface="Arial" panose="020B0604020202020204" pitchFamily="34" charset="0"/>
+              <a:buChar char="•"/>
+              <a:defRPr sz="1800" kern="1200">
+                <a:solidFill>
+                  <a:schemeClr val="tx1"/>
+                </a:solidFill>
+                <a:latin typeface="+mn-lt"/>
+                <a:ea typeface="+mn-ea"/>
+                <a:cs typeface="+mn-cs"/>
+              </a:defRPr>
+            </a:lvl4pPr>
+            <a:lvl5pPr marL="2057400" indent="-228600" algn="l" defTabSz="914400" rtl="0" eaLnBrk="1" latinLnBrk="0" hangingPunct="1">
+              <a:lnSpc>
+                <a:spcPct val="90000"/>
+              </a:lnSpc>
+              <a:spcBef>
+                <a:spcPts val="500"/>
+              </a:spcBef>
+              <a:buFont typeface="Arial" panose="020B0604020202020204" pitchFamily="34" charset="0"/>
+              <a:buChar char="•"/>
+              <a:defRPr sz="1800" kern="1200">
+                <a:solidFill>
+                  <a:schemeClr val="tx1"/>
+                </a:solidFill>
+                <a:latin typeface="+mn-lt"/>
+                <a:ea typeface="+mn-ea"/>
+                <a:cs typeface="+mn-cs"/>
+              </a:defRPr>
+            </a:lvl5pPr>
+            <a:lvl6pPr marL="2514600" indent="-228600" algn="l" defTabSz="914400" rtl="0" eaLnBrk="1" latinLnBrk="0" hangingPunct="1">
+              <a:lnSpc>
+                <a:spcPct val="90000"/>
+              </a:lnSpc>
+              <a:spcBef>
+                <a:spcPts val="500"/>
+              </a:spcBef>
+              <a:buFont typeface="Arial" panose="020B0604020202020204" pitchFamily="34" charset="0"/>
+              <a:buChar char="•"/>
+              <a:defRPr sz="1800" kern="1200">
+                <a:solidFill>
+                  <a:schemeClr val="tx1"/>
+                </a:solidFill>
+                <a:latin typeface="+mn-lt"/>
+                <a:ea typeface="+mn-ea"/>
+                <a:cs typeface="+mn-cs"/>
+              </a:defRPr>
+            </a:lvl6pPr>
+            <a:lvl7pPr marL="2971800" indent="-228600" algn="l" defTabSz="914400" rtl="0" eaLnBrk="1" latinLnBrk="0" hangingPunct="1">
+              <a:lnSpc>
+                <a:spcPct val="90000"/>
+              </a:lnSpc>
+              <a:spcBef>
+                <a:spcPts val="500"/>
+              </a:spcBef>
+              <a:buFont typeface="Arial" panose="020B0604020202020204" pitchFamily="34" charset="0"/>
+              <a:buChar char="•"/>
+              <a:defRPr sz="1800" kern="1200">
+                <a:solidFill>
+                  <a:schemeClr val="tx1"/>
+                </a:solidFill>
+                <a:latin typeface="+mn-lt"/>
+                <a:ea typeface="+mn-ea"/>
+                <a:cs typeface="+mn-cs"/>
+              </a:defRPr>
+            </a:lvl7pPr>
+            <a:lvl8pPr marL="3429000" indent="-228600" algn="l" defTabSz="914400" rtl="0" eaLnBrk="1" latinLnBrk="0" hangingPunct="1">
+              <a:lnSpc>
+                <a:spcPct val="90000"/>
+              </a:lnSpc>
+              <a:spcBef>
+                <a:spcPts val="500"/>
+              </a:spcBef>
+              <a:buFont typeface="Arial" panose="020B0604020202020204" pitchFamily="34" charset="0"/>
+              <a:buChar char="•"/>
+              <a:defRPr sz="1800" kern="1200">
+                <a:solidFill>
+                  <a:schemeClr val="tx1"/>
+                </a:solidFill>
+                <a:latin typeface="+mn-lt"/>
+                <a:ea typeface="+mn-ea"/>
+                <a:cs typeface="+mn-cs"/>
+              </a:defRPr>
+            </a:lvl8pPr>
+            <a:lvl9pPr marL="3886200" indent="-228600" algn="l" defTabSz="914400" rtl="0" eaLnBrk="1" latinLnBrk="0" hangingPunct="1">
+              <a:lnSpc>
+                <a:spcPct val="90000"/>
+              </a:lnSpc>
+              <a:spcBef>
+                <a:spcPts val="500"/>
+              </a:spcBef>
+              <a:buFont typeface="Arial" panose="020B0604020202020204" pitchFamily="34" charset="0"/>
+              <a:buChar char="•"/>
+              <a:defRPr sz="1800" kern="1200">
+                <a:solidFill>
+                  <a:schemeClr val="tx1"/>
+                </a:solidFill>
+                <a:latin typeface="+mn-lt"/>
+                <a:ea typeface="+mn-ea"/>
+                <a:cs typeface="+mn-cs"/>
+              </a:defRPr>
+            </a:lvl9pPr>
+          </a:lstStyle>
+          <a:p>
+            <a:pPr marL="0" indent="0" algn="r">
+              <a:buNone/>
+            </a:pPr>
+            <a:r>
+              <a:rPr lang="de" sz="2400" dirty="0">
+                <a:gradFill>
+                  <a:gsLst>
+                    <a:gs pos="0">
+                      <a:srgbClr val="82368C"/>
+                    </a:gs>
+                    <a:gs pos="100000">
+                      <a:srgbClr val="27348B"/>
+                    </a:gs>
+                  </a:gsLst>
+                  <a:lin ang="0" scaled="1"/>
+                </a:gradFill>
+                <a:latin typeface="Novecento sans Normal" panose="00000500000000000000" pitchFamily="50" charset="0"/>
+              </a:rPr>
+              <a:t>´C</a:t>
+            </a:r>
+            <a:r>
+              <a:rPr lang="de-DE" sz="2400" dirty="0">
+                <a:gradFill>
+                  <a:gsLst>
+                    <a:gs pos="0">
+                      <a:srgbClr val="82368C"/>
+                    </a:gs>
+                    <a:gs pos="100000">
+                      <a:srgbClr val="27348B"/>
+                    </a:gs>
+                  </a:gsLst>
+                  <a:lin ang="0" scaled="1"/>
+                </a:gradFill>
+                <a:latin typeface="Novecento sans Normal" panose="00000500000000000000" pitchFamily="50" charset="0"/>
+              </a:rPr>
+              <a:t>AUSE THAT´S WHAT YOU WANT</a:t>
+            </a:r>
+            <a:endParaRPr lang="de" sz="2400" dirty="0">
+              <a:gradFill>
+                <a:gsLst>
+                  <a:gs pos="0">
+                    <a:srgbClr val="82368C"/>
+                  </a:gs>
+                  <a:gs pos="100000">
+                    <a:srgbClr val="27348B"/>
+                  </a:gs>
+                </a:gsLst>
+                <a:lin ang="0" scaled="1"/>
+              </a:gradFill>
+              <a:latin typeface="Novecento sans Normal" panose="00000500000000000000" pitchFamily="50" charset="0"/>
+            </a:endParaRPr>
+          </a:p>
+        </p:txBody>
+      </p:sp>
+      <p:sp>
+        <p:nvSpPr>
+          <p:cNvPr id="8" name="Rechteck 7">
+            <a:extLst>
+              <a:ext uri="{FF2B5EF4-FFF2-40B4-BE49-F238E27FC236}">
+                <a16:creationId xmlns:a16="http://schemas.microsoft.com/office/drawing/2014/main" id="{7D04B4C1-D974-4FAA-8363-CFA6F1E23E1A}"/>
+              </a:ext>
+            </a:extLst>
+          </p:cNvPr>
+          <p:cNvSpPr/>
+          <p:nvPr/>
+        </p:nvSpPr>
+        <p:spPr>
+          <a:xfrm>
+            <a:off x="4536553" y="5448201"/>
+            <a:ext cx="1009650" cy="746794"/>
+          </a:xfrm>
+          <a:prstGeom prst="rect">
+            <a:avLst/>
+          </a:prstGeom>
+          <a:solidFill>
+            <a:schemeClr val="bg1"/>
+          </a:solidFill>
+          <a:ln>
+            <a:solidFill>
+              <a:schemeClr val="bg1"/>
+            </a:solidFill>
+          </a:ln>
+        </p:spPr>
+        <p:style>
+          <a:lnRef idx="2">
+            <a:schemeClr val="accent1">
+              <a:shade val="50000"/>
+            </a:schemeClr>
+          </a:lnRef>
+          <a:fillRef idx="1">
+            <a:schemeClr val="accent1"/>
+          </a:fillRef>
+          <a:effectRef idx="0">
+            <a:schemeClr val="accent1"/>
+          </a:effectRef>
+          <a:fontRef idx="minor">
+            <a:schemeClr val="lt1"/>
+          </a:fontRef>
+        </p:style>
+        <p:txBody>
+          <a:bodyPr rtlCol="0" anchor="ctr"/>
+          <a:lstStyle/>
+          <a:p>
+            <a:pPr algn="ctr"/>
+            <a:endParaRPr lang="de-DE"/>
+          </a:p>
+        </p:txBody>
+      </p:sp>
+      <p:sp>
+        <p:nvSpPr>
+          <p:cNvPr id="9" name="Rechteck 8">
+            <a:extLst>
+              <a:ext uri="{FF2B5EF4-FFF2-40B4-BE49-F238E27FC236}">
+                <a16:creationId xmlns:a16="http://schemas.microsoft.com/office/drawing/2014/main" id="{90BE42AF-9614-4023-AC10-98D948DD8925}"/>
+              </a:ext>
+            </a:extLst>
+          </p:cNvPr>
+          <p:cNvSpPr/>
+          <p:nvPr/>
+        </p:nvSpPr>
+        <p:spPr>
+          <a:xfrm>
+            <a:off x="6220573" y="5448201"/>
+            <a:ext cx="1009650" cy="770607"/>
+          </a:xfrm>
+          <a:prstGeom prst="rect">
+            <a:avLst/>
+          </a:prstGeom>
+          <a:solidFill>
+            <a:schemeClr val="bg1"/>
+          </a:solidFill>
+          <a:ln>
+            <a:solidFill>
+              <a:schemeClr val="bg1"/>
+            </a:solidFill>
+          </a:ln>
+        </p:spPr>
+        <p:style>
+          <a:lnRef idx="2">
+            <a:schemeClr val="accent1">
+              <a:shade val="50000"/>
+            </a:schemeClr>
+          </a:lnRef>
+          <a:fillRef idx="1">
+            <a:schemeClr val="accent1"/>
+          </a:fillRef>
+          <a:effectRef idx="0">
+            <a:schemeClr val="accent1"/>
+          </a:effectRef>
+          <a:fontRef idx="minor">
+            <a:schemeClr val="lt1"/>
+          </a:fontRef>
+        </p:style>
+        <p:txBody>
+          <a:bodyPr rtlCol="0" anchor="ctr"/>
+          <a:lstStyle/>
+          <a:p>
+            <a:pPr algn="ctr"/>
+            <a:endParaRPr lang="de-DE"/>
+          </a:p>
+        </p:txBody>
+      </p:sp>
+    </p:spTree>
+    <p:extLst>
+      <p:ext uri="{BB962C8B-B14F-4D97-AF65-F5344CB8AC3E}">
+        <p14:creationId xmlns:p14="http://schemas.microsoft.com/office/powerpoint/2010/main" val="826198730"/>
       </p:ext>
     </p:extLst>
   </p:cSld>
@@ -14548,14 +22254,57 @@
         </p:nvSpPr>
         <p:spPr/>
         <p:txBody>
-          <a:bodyPr/>
+          <a:bodyPr>
+            <a:normAutofit/>
+          </a:bodyPr>
           <a:lstStyle/>
           <a:p>
             <a:r>
-              <a:rPr lang="de-DE" dirty="0">
+              <a:rPr lang="de-DE" sz="2400" dirty="0">
                 <a:latin typeface="Novecento sans Normal" panose="00000500000000000000"/>
               </a:rPr>
-              <a:t>SW</a:t>
+              <a:t>Bereitstellung einer App, die erkennt wie die Kunden der Jung Bank AG gelaunt sind und basierend auf ihrem Gesichtsausdruck einen entsprechenden Vorschlag für ein auf sie zugeschnittenes Bankprodukt ausgibt.</a:t>
+            </a:r>
+          </a:p>
+          <a:p>
+            <a:pPr marL="0" indent="0">
+              <a:buNone/>
+            </a:pPr>
+            <a:endParaRPr lang="de-DE" sz="2400" dirty="0">
+              <a:latin typeface="Novecento sans Normal" panose="00000500000000000000"/>
+            </a:endParaRPr>
+          </a:p>
+          <a:p>
+            <a:r>
+              <a:rPr lang="de-DE" sz="2400" dirty="0">
+                <a:latin typeface="Novecento sans Normal" panose="00000500000000000000"/>
+              </a:rPr>
+              <a:t>Hierfür soll ein </a:t>
+            </a:r>
+            <a:r>
+              <a:rPr lang="de-DE" sz="2400" dirty="0" err="1">
+                <a:latin typeface="Novecento sans Normal" panose="00000500000000000000"/>
+              </a:rPr>
+              <a:t>Machine</a:t>
+            </a:r>
+            <a:r>
+              <a:rPr lang="de-DE" sz="2400" dirty="0">
+                <a:latin typeface="Novecento sans Normal" panose="00000500000000000000"/>
+              </a:rPr>
+              <a:t> Learning Algorithmus trainiert werden, der zwischen verschiedenen Emotionen differenzieren kann.</a:t>
+            </a:r>
+          </a:p>
+          <a:p>
+            <a:endParaRPr lang="de-DE" sz="2400" dirty="0">
+              <a:latin typeface="Novecento sans Normal" panose="00000500000000000000"/>
+            </a:endParaRPr>
+          </a:p>
+          <a:p>
+            <a:r>
+              <a:rPr lang="de-DE" sz="2400" dirty="0">
+                <a:latin typeface="Novecento sans Normal" panose="00000500000000000000"/>
+              </a:rPr>
+              <a:t>Die neue App soll es der Jung Bank AG ermöglichen, Aufmerksamkeit auf ihre Produkte zu lenken und neue Zielgruppen zu erschließen.</a:t>
             </a:r>
           </a:p>
         </p:txBody>
@@ -21633,36 +29382,6 @@
           </a:p>
         </p:txBody>
       </p:sp>
-      <p:sp>
-        <p:nvSpPr>
-          <p:cNvPr id="3" name="Inhaltsplatzhalter 2">
-            <a:extLst>
-              <a:ext uri="{FF2B5EF4-FFF2-40B4-BE49-F238E27FC236}">
-                <a16:creationId xmlns:a16="http://schemas.microsoft.com/office/drawing/2014/main" id="{C66D88BC-0614-41B2-8E3F-31D011E2B631}"/>
-              </a:ext>
-            </a:extLst>
-          </p:cNvPr>
-          <p:cNvSpPr>
-            <a:spLocks noGrp="1"/>
-          </p:cNvSpPr>
-          <p:nvPr>
-            <p:ph idx="1"/>
-          </p:nvPr>
-        </p:nvSpPr>
-        <p:spPr/>
-        <p:txBody>
-          <a:bodyPr/>
-          <a:lstStyle/>
-          <a:p>
-            <a:r>
-              <a:rPr lang="de-DE" dirty="0">
-                <a:latin typeface="Novecento sans Normal" panose="00000500000000000000"/>
-              </a:rPr>
-              <a:t>SW</a:t>
-            </a:r>
-          </a:p>
-        </p:txBody>
-      </p:sp>
       <p:pic>
         <p:nvPicPr>
           <p:cNvPr id="4" name="Grafik 3" descr="Ein Bild, das Pfeil enthält.&#10;&#10;Automatisch generierte Beschreibung">
@@ -21678,7 +29397,7 @@
           <p:nvPr/>
         </p:nvPicPr>
         <p:blipFill>
-          <a:blip r:embed="rId2">
+          <a:blip r:embed="rId3">
             <a:extLst>
               <a:ext uri="{28A0092B-C50C-407E-A947-70E740481C1C}">
                 <a14:useLocalDpi xmlns:a14="http://schemas.microsoft.com/office/drawing/2010/main" val="0"/>
@@ -21717,7 +29436,7 @@
         </p:nvSpPr>
         <p:spPr>
           <a:xfrm>
-            <a:off x="838200" y="6356350"/>
+            <a:off x="529512" y="6354428"/>
             <a:ext cx="11132976" cy="365125"/>
           </a:xfrm>
         </p:spPr>
@@ -21756,7 +29475,12 @@
             <p:ph type="sldNum" sz="quarter" idx="12"/>
           </p:nvPr>
         </p:nvSpPr>
-        <p:spPr/>
+        <p:spPr>
+          <a:xfrm>
+            <a:off x="8301912" y="6297715"/>
+            <a:ext cx="2743200" cy="365125"/>
+          </a:xfrm>
+        </p:spPr>
         <p:txBody>
           <a:bodyPr/>
           <a:lstStyle/>
@@ -21769,6 +29493,34 @@
           </a:p>
         </p:txBody>
       </p:sp>
+      <p:graphicFrame>
+        <p:nvGraphicFramePr>
+          <p:cNvPr id="7" name="Diagramm 6">
+            <a:extLst>
+              <a:ext uri="{FF2B5EF4-FFF2-40B4-BE49-F238E27FC236}">
+                <a16:creationId xmlns:a16="http://schemas.microsoft.com/office/drawing/2014/main" id="{9CEBD217-BBFB-48B3-A77D-ECE3903BBCDA}"/>
+              </a:ext>
+            </a:extLst>
+          </p:cNvPr>
+          <p:cNvGraphicFramePr/>
+          <p:nvPr>
+            <p:extLst>
+              <p:ext uri="{D42A27DB-BD31-4B8C-83A1-F6EECF244321}">
+                <p14:modId xmlns:p14="http://schemas.microsoft.com/office/powerpoint/2010/main" val="2959839711"/>
+              </p:ext>
+            </p:extLst>
+          </p:nvPr>
+        </p:nvGraphicFramePr>
+        <p:xfrm>
+          <a:off x="1204662" y="1423494"/>
+          <a:ext cx="10318553" cy="4490113"/>
+        </p:xfrm>
+        <a:graphic>
+          <a:graphicData uri="http://schemas.openxmlformats.org/drawingml/2006/diagram">
+            <dgm:relIds xmlns:dgm="http://schemas.openxmlformats.org/drawingml/2006/diagram" xmlns:r="http://schemas.openxmlformats.org/officeDocument/2006/relationships" r:dm="rId4" r:lo="rId5" r:qs="rId6" r:cs="rId7"/>
+          </a:graphicData>
+        </a:graphic>
+      </p:graphicFrame>
     </p:spTree>
     <p:extLst>
       <p:ext uri="{BB962C8B-B14F-4D97-AF65-F5344CB8AC3E}">
